--- a/time_series/time_series.pptx
+++ b/time_series/time_series.pptx
@@ -12,6 +12,7 @@
     <p:sldId id="257" r:id="rId7"/>
     <p:sldId id="258" r:id="rId8"/>
     <p:sldId id="259" r:id="rId9"/>
+    <p:sldId id="260" r:id="rId10"/>
   </p:sldIdLst>
   <p:sldSz cx="10080625" cy="5670550"/>
   <p:notesSz cx="7559675" cy="10691813"/>
@@ -69,7 +70,7 @@
         <p:txBody>
           <a:bodyPr/>
           <a:p>
-            <a:fld id="{EE62D499-1FAF-49BF-BFC6-2626FC7E25D6}" type="slidenum">
+            <a:fld id="{D86DD5D4-7CBC-4CF6-9625-CAFA5B1CF3A2}" type="slidenum">
               <a:t>&lt;#&gt;</a:t>
             </a:fld>
           </a:p>
@@ -257,7 +258,7 @@
         <p:txBody>
           <a:bodyPr/>
           <a:p>
-            <a:fld id="{6B4CEEF5-545E-461C-BAF7-99B8168FC318}" type="slidenum">
+            <a:fld id="{3C0A79AF-27F0-49B0-96E5-67C6A3859561}" type="slidenum">
               <a:t>&lt;#&gt;</a:t>
             </a:fld>
           </a:p>
@@ -513,7 +514,7 @@
         <p:txBody>
           <a:bodyPr/>
           <a:p>
-            <a:fld id="{E53FD443-9E05-4096-8D48-DFB2B35A3C8D}" type="slidenum">
+            <a:fld id="{797F793B-5156-4778-A959-6F0953942850}" type="slidenum">
               <a:t>&lt;#&gt;</a:t>
             </a:fld>
           </a:p>
@@ -837,7 +838,7 @@
         <p:txBody>
           <a:bodyPr/>
           <a:p>
-            <a:fld id="{1F40D787-1497-43F9-958E-98CDEB965E2B}" type="slidenum">
+            <a:fld id="{5F7445CB-DB53-4642-B3D8-75E27B5AEE85}" type="slidenum">
               <a:t>&lt;#&gt;</a:t>
             </a:fld>
           </a:p>
@@ -920,7 +921,7 @@
         <p:txBody>
           <a:bodyPr/>
           <a:p>
-            <a:fld id="{57843106-4325-409C-A699-5EC70B0AC5A5}" type="slidenum">
+            <a:fld id="{EA7B8501-1921-4377-A013-9CBD1714E924}" type="slidenum">
               <a:t>&lt;#&gt;</a:t>
             </a:fld>
           </a:p>
@@ -1077,7 +1078,7 @@
         <p:txBody>
           <a:bodyPr/>
           <a:p>
-            <a:fld id="{E9216574-774E-4BBC-BF29-61163D414869}" type="slidenum">
+            <a:fld id="{5EAAE7A3-23D1-4D95-B679-5C55A78C6DF2}" type="slidenum">
               <a:t>&lt;#&gt;</a:t>
             </a:fld>
           </a:p>
@@ -1231,7 +1232,7 @@
         <p:txBody>
           <a:bodyPr/>
           <a:p>
-            <a:fld id="{DA9558DD-CD5C-481F-AD37-8673E9ED3251}" type="slidenum">
+            <a:fld id="{43201833-9297-4797-8832-8E5672F9249B}" type="slidenum">
               <a:t>&lt;#&gt;</a:t>
             </a:fld>
           </a:p>
@@ -1419,7 +1420,7 @@
         <p:txBody>
           <a:bodyPr/>
           <a:p>
-            <a:fld id="{C52F49E8-026D-4D75-B161-8AFE17CFE70B}" type="slidenum">
+            <a:fld id="{4BD5F737-0279-4D36-ACEA-3BA4F8F6B236}" type="slidenum">
               <a:t>&lt;#&gt;</a:t>
             </a:fld>
           </a:p>
@@ -1539,7 +1540,7 @@
         <p:txBody>
           <a:bodyPr/>
           <a:p>
-            <a:fld id="{CCEADEDA-4A6A-4ED4-BCC5-329DC87BAE4B}" type="slidenum">
+            <a:fld id="{E1D24287-B290-47FB-8FB9-A4B9499480BD}" type="slidenum">
               <a:t>&lt;#&gt;</a:t>
             </a:fld>
           </a:p>
@@ -1659,7 +1660,7 @@
         <p:txBody>
           <a:bodyPr/>
           <a:p>
-            <a:fld id="{7467BE51-E0CD-4419-9802-2AE525092FA1}" type="slidenum">
+            <a:fld id="{54C8FAC9-C132-4F01-B877-07ECA6DA1200}" type="slidenum">
               <a:t>&lt;#&gt;</a:t>
             </a:fld>
           </a:p>
@@ -1881,7 +1882,7 @@
         <p:txBody>
           <a:bodyPr/>
           <a:p>
-            <a:fld id="{1BACDEF9-E5D4-4DC5-95FA-FB50BC81D4BE}" type="slidenum">
+            <a:fld id="{D5CAF815-7A8D-4414-8899-DE4AED2D1B30}" type="slidenum">
               <a:t>&lt;#&gt;</a:t>
             </a:fld>
           </a:p>
@@ -2038,7 +2039,7 @@
         <p:txBody>
           <a:bodyPr/>
           <a:p>
-            <a:fld id="{548F5796-78BD-4E94-B7B7-8A1391637D54}" type="slidenum">
+            <a:fld id="{FE74443C-977A-4F4B-B162-C8E543FCAFAC}" type="slidenum">
               <a:t>&lt;#&gt;</a:t>
             </a:fld>
           </a:p>
@@ -2260,7 +2261,7 @@
         <p:txBody>
           <a:bodyPr/>
           <a:p>
-            <a:fld id="{9BE0EF29-2F0E-4027-AFC3-7006B49EBCDA}" type="slidenum">
+            <a:fld id="{4E373F4B-FE9C-4850-8A61-8CA621CDEF0C}" type="slidenum">
               <a:t>&lt;#&gt;</a:t>
             </a:fld>
           </a:p>
@@ -2482,7 +2483,7 @@
         <p:txBody>
           <a:bodyPr/>
           <a:p>
-            <a:fld id="{19564622-CFE7-47F6-AF99-5322AFC46BEF}" type="slidenum">
+            <a:fld id="{AADA7FBF-D6CB-4BCA-B8A7-9836828E4BC4}" type="slidenum">
               <a:t>&lt;#&gt;</a:t>
             </a:fld>
           </a:p>
@@ -2670,7 +2671,7 @@
         <p:txBody>
           <a:bodyPr/>
           <a:p>
-            <a:fld id="{C4A567CC-6D09-446E-BFD2-5B23144EF18C}" type="slidenum">
+            <a:fld id="{8E75AF43-FF32-474B-B437-8431E85DDA3A}" type="slidenum">
               <a:t>&lt;#&gt;</a:t>
             </a:fld>
           </a:p>
@@ -2926,7 +2927,7 @@
         <p:txBody>
           <a:bodyPr/>
           <a:p>
-            <a:fld id="{597E7FC1-6718-4079-B7A8-340762BEBA01}" type="slidenum">
+            <a:fld id="{61BD2C92-7E70-4ED7-B33B-B1BF56889EC7}" type="slidenum">
               <a:t>&lt;#&gt;</a:t>
             </a:fld>
           </a:p>
@@ -3250,7 +3251,7 @@
         <p:txBody>
           <a:bodyPr/>
           <a:p>
-            <a:fld id="{B51FB750-8D0C-4548-B63C-EB2F5D6435D7}" type="slidenum">
+            <a:fld id="{23A77462-C251-47A6-8103-8ECF84FF48FF}" type="slidenum">
               <a:t>&lt;#&gt;</a:t>
             </a:fld>
           </a:p>
@@ -3333,7 +3334,7 @@
         <p:txBody>
           <a:bodyPr/>
           <a:p>
-            <a:fld id="{EF4D778D-1AAD-4939-A0B4-4DA9E7813E7B}" type="slidenum">
+            <a:fld id="{AD766955-F8C2-4A9A-A97C-123A2F2EC081}" type="slidenum">
               <a:t>&lt;#&gt;</a:t>
             </a:fld>
           </a:p>
@@ -3490,7 +3491,7 @@
         <p:txBody>
           <a:bodyPr/>
           <a:p>
-            <a:fld id="{6AB20CEA-E0CA-4206-9BDB-8BBA1AF15D78}" type="slidenum">
+            <a:fld id="{080FF36D-09CB-4C72-B94F-0B98AAA356FF}" type="slidenum">
               <a:t>&lt;#&gt;</a:t>
             </a:fld>
           </a:p>
@@ -3644,7 +3645,7 @@
         <p:txBody>
           <a:bodyPr/>
           <a:p>
-            <a:fld id="{3178043F-1376-40B4-B18D-EA79365F1A00}" type="slidenum">
+            <a:fld id="{A924D9AD-A239-44B9-99F4-D6D8007A39AA}" type="slidenum">
               <a:t>&lt;#&gt;</a:t>
             </a:fld>
           </a:p>
@@ -3832,7 +3833,7 @@
         <p:txBody>
           <a:bodyPr/>
           <a:p>
-            <a:fld id="{6CAF7562-6A52-408D-A5BB-A31DD1ED2534}" type="slidenum">
+            <a:fld id="{BCF1ECE1-6447-4190-B910-BF17DE8997A3}" type="slidenum">
               <a:t>&lt;#&gt;</a:t>
             </a:fld>
           </a:p>
@@ -3952,7 +3953,7 @@
         <p:txBody>
           <a:bodyPr/>
           <a:p>
-            <a:fld id="{62B49171-42F2-4568-B348-C009CED1CC8E}" type="slidenum">
+            <a:fld id="{FA11F068-961D-4744-A7F5-1DB00BB45291}" type="slidenum">
               <a:t>&lt;#&gt;</a:t>
             </a:fld>
           </a:p>
@@ -4106,7 +4107,7 @@
         <p:txBody>
           <a:bodyPr/>
           <a:p>
-            <a:fld id="{742E5795-DA8B-43EC-8379-0E9F1DCEF59A}" type="slidenum">
+            <a:fld id="{6D80DEAF-DBA2-4AFD-95E8-C31727372107}" type="slidenum">
               <a:t>&lt;#&gt;</a:t>
             </a:fld>
           </a:p>
@@ -4226,7 +4227,7 @@
         <p:txBody>
           <a:bodyPr/>
           <a:p>
-            <a:fld id="{798F8180-139C-4005-BDB0-0A2738F49121}" type="slidenum">
+            <a:fld id="{5BF49630-8F9C-4CD1-B424-C7D0930DF856}" type="slidenum">
               <a:t>&lt;#&gt;</a:t>
             </a:fld>
           </a:p>
@@ -4448,7 +4449,7 @@
         <p:txBody>
           <a:bodyPr/>
           <a:p>
-            <a:fld id="{1C67C5DE-1BAC-428A-83DF-8658AF895DDF}" type="slidenum">
+            <a:fld id="{F6E533B4-00AD-4AAC-9C48-0858D855E331}" type="slidenum">
               <a:t>&lt;#&gt;</a:t>
             </a:fld>
           </a:p>
@@ -4670,7 +4671,7 @@
         <p:txBody>
           <a:bodyPr/>
           <a:p>
-            <a:fld id="{55C81D03-4D15-4E9C-AB66-1246C0563537}" type="slidenum">
+            <a:fld id="{8A62D5C8-C4AE-46EB-9A2A-CCAA40867BF7}" type="slidenum">
               <a:t>&lt;#&gt;</a:t>
             </a:fld>
           </a:p>
@@ -4892,7 +4893,7 @@
         <p:txBody>
           <a:bodyPr/>
           <a:p>
-            <a:fld id="{324C7277-C684-4C66-ACE0-17A6D12B4F77}" type="slidenum">
+            <a:fld id="{86FB2783-692E-4C15-8859-7BD8BB21DC18}" type="slidenum">
               <a:t>&lt;#&gt;</a:t>
             </a:fld>
           </a:p>
@@ -5080,7 +5081,7 @@
         <p:txBody>
           <a:bodyPr/>
           <a:p>
-            <a:fld id="{A3924A8B-B622-44E0-9FD5-70DA0D72376A}" type="slidenum">
+            <a:fld id="{7CAE0046-5737-4B4E-81CB-3A98BBCE0F35}" type="slidenum">
               <a:t>&lt;#&gt;</a:t>
             </a:fld>
           </a:p>
@@ -5336,7 +5337,7 @@
         <p:txBody>
           <a:bodyPr/>
           <a:p>
-            <a:fld id="{13CBACBB-7064-4D0A-8BAF-7CE5A81377B1}" type="slidenum">
+            <a:fld id="{8335261F-5358-4A1B-AE8E-53EEEFBAEA46}" type="slidenum">
               <a:t>&lt;#&gt;</a:t>
             </a:fld>
           </a:p>
@@ -5660,7 +5661,7 @@
         <p:txBody>
           <a:bodyPr/>
           <a:p>
-            <a:fld id="{B8DFAB1E-1E59-4987-9EC3-8F4DF9ECB4CF}" type="slidenum">
+            <a:fld id="{2722BA83-3E89-4FBB-A694-97CFB1CB4752}" type="slidenum">
               <a:t>&lt;#&gt;</a:t>
             </a:fld>
           </a:p>
@@ -5743,7 +5744,7 @@
         <p:txBody>
           <a:bodyPr/>
           <a:p>
-            <a:fld id="{15D313D2-08BE-4C7D-90DD-63DBA8B49109}" type="slidenum">
+            <a:fld id="{4A73CBCB-7930-4D19-9D84-B6844943CB83}" type="slidenum">
               <a:t>&lt;#&gt;</a:t>
             </a:fld>
           </a:p>
@@ -5900,7 +5901,7 @@
         <p:txBody>
           <a:bodyPr/>
           <a:p>
-            <a:fld id="{CE66356D-DE1E-4E76-9C3A-290C38E9D4DB}" type="slidenum">
+            <a:fld id="{0A1BDB44-D651-4098-831B-7210DB10B7F8}" type="slidenum">
               <a:t>&lt;#&gt;</a:t>
             </a:fld>
           </a:p>
@@ -6054,7 +6055,7 @@
         <p:txBody>
           <a:bodyPr/>
           <a:p>
-            <a:fld id="{2C285535-1721-4AE9-B57B-584ECF04BC36}" type="slidenum">
+            <a:fld id="{8E2B26B4-04BF-4F36-BD0A-853B40659FCC}" type="slidenum">
               <a:t>&lt;#&gt;</a:t>
             </a:fld>
           </a:p>
@@ -6242,7 +6243,7 @@
         <p:txBody>
           <a:bodyPr/>
           <a:p>
-            <a:fld id="{92FDA494-A50E-4EE4-A948-DB2914C437F4}" type="slidenum">
+            <a:fld id="{ECAB1AA0-1E0E-468D-8ECB-0FEDDC68FDE0}" type="slidenum">
               <a:t>&lt;#&gt;</a:t>
             </a:fld>
           </a:p>
@@ -6430,7 +6431,7 @@
         <p:txBody>
           <a:bodyPr/>
           <a:p>
-            <a:fld id="{EF1C7A81-6475-472A-B6FC-98409A4F5AA5}" type="slidenum">
+            <a:fld id="{D65527C1-AC64-4859-AB68-E7ADD0033AC3}" type="slidenum">
               <a:t>&lt;#&gt;</a:t>
             </a:fld>
           </a:p>
@@ -6550,7 +6551,7 @@
         <p:txBody>
           <a:bodyPr/>
           <a:p>
-            <a:fld id="{437A4E3A-C480-4B0E-B606-EE10E5A44C84}" type="slidenum">
+            <a:fld id="{B918E640-3825-41DC-A260-7072D7A4B3B7}" type="slidenum">
               <a:t>&lt;#&gt;</a:t>
             </a:fld>
           </a:p>
@@ -6670,7 +6671,7 @@
         <p:txBody>
           <a:bodyPr/>
           <a:p>
-            <a:fld id="{B489CEB3-975B-47FD-8B65-EA3A94CCD44F}" type="slidenum">
+            <a:fld id="{156D2452-A2C6-4482-8781-2B15AD14BD4D}" type="slidenum">
               <a:t>&lt;#&gt;</a:t>
             </a:fld>
           </a:p>
@@ -6892,7 +6893,7 @@
         <p:txBody>
           <a:bodyPr/>
           <a:p>
-            <a:fld id="{897024FE-987C-4C5F-8ACE-D38B6DBC404B}" type="slidenum">
+            <a:fld id="{D7DEF032-99F1-4B31-9C52-87D609F84096}" type="slidenum">
               <a:t>&lt;#&gt;</a:t>
             </a:fld>
           </a:p>
@@ -7114,7 +7115,7 @@
         <p:txBody>
           <a:bodyPr/>
           <a:p>
-            <a:fld id="{0D42AF6C-BF36-48D0-94E6-AAA8069B575C}" type="slidenum">
+            <a:fld id="{BB206C12-5AEC-4C63-A0B0-AFBB0092D2F8}" type="slidenum">
               <a:t>&lt;#&gt;</a:t>
             </a:fld>
           </a:p>
@@ -7336,7 +7337,7 @@
         <p:txBody>
           <a:bodyPr/>
           <a:p>
-            <a:fld id="{98C60473-363E-4B6E-BCE7-D4B4677C7E53}" type="slidenum">
+            <a:fld id="{CB5AD56F-AA8B-464B-850F-FBD45DD13208}" type="slidenum">
               <a:t>&lt;#&gt;</a:t>
             </a:fld>
           </a:p>
@@ -7524,7 +7525,7 @@
         <p:txBody>
           <a:bodyPr/>
           <a:p>
-            <a:fld id="{1ADEAB9D-0DB2-4021-A986-5F373A3468A5}" type="slidenum">
+            <a:fld id="{9E2002E8-4397-4549-A61D-A8E18E721A02}" type="slidenum">
               <a:t>&lt;#&gt;</a:t>
             </a:fld>
           </a:p>
@@ -7780,7 +7781,7 @@
         <p:txBody>
           <a:bodyPr/>
           <a:p>
-            <a:fld id="{AEA101FA-A473-4C5E-80E0-685AE0476EE6}" type="slidenum">
+            <a:fld id="{F8AA7252-0AC3-4970-8C67-5C77F7805CBA}" type="slidenum">
               <a:t>&lt;#&gt;</a:t>
             </a:fld>
           </a:p>
@@ -8104,7 +8105,7 @@
         <p:txBody>
           <a:bodyPr/>
           <a:p>
-            <a:fld id="{FE2B377E-6555-4C31-9261-EE75DD239D7F}" type="slidenum">
+            <a:fld id="{7B0D984D-782D-4323-9A2A-B1260CE2B4E6}" type="slidenum">
               <a:t>&lt;#&gt;</a:t>
             </a:fld>
           </a:p>
@@ -8224,7 +8225,7 @@
         <p:txBody>
           <a:bodyPr/>
           <a:p>
-            <a:fld id="{3CB8B78B-3F9C-41FC-92B7-9C6C2F9DDFA0}" type="slidenum">
+            <a:fld id="{CDF6D6D1-A376-4171-A966-32D22D48B162}" type="slidenum">
               <a:t>&lt;#&gt;</a:t>
             </a:fld>
           </a:p>
@@ -8344,7 +8345,7 @@
         <p:txBody>
           <a:bodyPr/>
           <a:p>
-            <a:fld id="{EB7E12D5-FBB7-429D-B2D3-41F024A1AF04}" type="slidenum">
+            <a:fld id="{B47F109A-B259-43C2-A42C-AECA5FCF47F2}" type="slidenum">
               <a:t>&lt;#&gt;</a:t>
             </a:fld>
           </a:p>
@@ -8566,7 +8567,7 @@
         <p:txBody>
           <a:bodyPr/>
           <a:p>
-            <a:fld id="{28C2BC02-316F-4005-A364-BB8155C44A73}" type="slidenum">
+            <a:fld id="{C0BEBA34-4EB2-4C31-9975-E5013D7AF33E}" type="slidenum">
               <a:t>&lt;#&gt;</a:t>
             </a:fld>
           </a:p>
@@ -8788,7 +8789,7 @@
         <p:txBody>
           <a:bodyPr/>
           <a:p>
-            <a:fld id="{2DEE3371-166C-4776-8C71-5211C276AB53}" type="slidenum">
+            <a:fld id="{DF34DDA7-492B-4232-B8CF-04B65E4D58F5}" type="slidenum">
               <a:t>&lt;#&gt;</a:t>
             </a:fld>
           </a:p>
@@ -9010,7 +9011,7 @@
         <p:txBody>
           <a:bodyPr/>
           <a:p>
-            <a:fld id="{5ECEB3EA-5D7D-434F-A2C9-198799566111}" type="slidenum">
+            <a:fld id="{FB87AE23-EFC6-43CF-AE5C-481E13D9C144}" type="slidenum">
               <a:t>&lt;#&gt;</a:t>
             </a:fld>
           </a:p>
@@ -9424,7 +9425,7 @@
             <a:pPr algn="r">
               <a:buNone/>
             </a:pPr>
-            <a:fld id="{D130713F-D23F-4EF9-8EDD-97935473E15A}" type="slidenum">
+            <a:fld id="{729EE740-25ED-4679-9A88-D88143733EF2}" type="slidenum">
               <a:rPr b="0" lang="en-US" sz="1400" spc="-1" strike="noStrike">
                 <a:latin typeface="Arial"/>
               </a:rPr>
@@ -16061,7 +16062,7 @@
             <a:pPr algn="r">
               <a:buNone/>
             </a:pPr>
-            <a:fld id="{D90C2AD0-2C79-47B4-89F6-231C5EE85F19}" type="slidenum">
+            <a:fld id="{1A4FD1BE-F883-44C1-9DC3-8E30BF31003A}" type="slidenum">
               <a:rPr b="0" lang="en-US" sz="1400" spc="-1" strike="noStrike">
                 <a:latin typeface="Arial"/>
               </a:rPr>
@@ -18552,7 +18553,7 @@
             <a:pPr algn="r">
               <a:buNone/>
             </a:pPr>
-            <a:fld id="{8154EDAA-DD3E-4A92-89DB-8CD4028A37B3}" type="slidenum">
+            <a:fld id="{0AC55B5B-01A4-41E3-9A9F-8D60A689C92F}" type="slidenum">
               <a:rPr b="0" lang="en-US" sz="1400" spc="-1" strike="noStrike">
                 <a:latin typeface="Arial"/>
               </a:rPr>
@@ -21729,7 +21730,7 @@
             <a:pPr algn="r">
               <a:buNone/>
             </a:pPr>
-            <a:fld id="{E72ACDD2-4C44-430B-8172-28D18AA0F571}" type="slidenum">
+            <a:fld id="{689DAF1B-C371-4093-9D6C-E14C71D43D73}" type="slidenum">
               <a:rPr b="0" lang="en-US" sz="1400" spc="-1" strike="noStrike">
                 <a:latin typeface="Arial"/>
               </a:rPr>
@@ -25483,6 +25484,12 @@
             <a:pPr algn="ctr">
               <a:buNone/>
             </a:pPr>
+            <a:r>
+              <a:rPr b="0" lang="ja-JP" sz="3300" spc="-1" strike="noStrike">
+                <a:latin typeface="Arial"/>
+              </a:rPr>
+              <a:t>株価予測の重要性と課題</a:t>
+            </a:r>
             <a:endParaRPr b="0" lang="en-US" sz="3300" spc="-1" strike="noStrike">
               <a:latin typeface="Arial"/>
             </a:endParaRPr>
@@ -25502,7 +25509,7 @@
         <p:spPr>
           <a:xfrm>
             <a:off x="540000" y="1260000"/>
-            <a:ext cx="9000000" cy="3240000"/>
+            <a:ext cx="4500000" cy="3780000"/>
           </a:xfrm>
           <a:prstGeom prst="rect">
             <a:avLst/>
@@ -25517,7 +25524,304 @@
             <a:normAutofit/>
           </a:bodyPr>
           <a:p>
+            <a:pPr marL="432000" indent="-324000">
+              <a:spcBef>
+                <a:spcPts val="1060"/>
+              </a:spcBef>
+              <a:buClr>
+                <a:srgbClr val="000000"/>
+              </a:buClr>
+              <a:buSzPct val="45000"/>
+              <a:buFont typeface="Wingdings" charset="2"/>
+              <a:buChar char=""/>
+            </a:pPr>
+            <a:r>
+              <a:rPr b="0" lang="ja-JP" sz="2400" spc="-1" strike="noStrike">
+                <a:latin typeface="Arial"/>
+              </a:rPr>
+              <a:t>株価予測の重要性</a:t>
+            </a:r>
             <a:endParaRPr b="0" lang="en-US" sz="2400" spc="-1" strike="noStrike">
+              <a:latin typeface="Arial"/>
+            </a:endParaRPr>
+          </a:p>
+          <a:p>
+            <a:pPr lvl="1" marL="864000" indent="-324000">
+              <a:spcBef>
+                <a:spcPts val="850"/>
+              </a:spcBef>
+              <a:buClr>
+                <a:srgbClr val="000000"/>
+              </a:buClr>
+              <a:buSzPct val="75000"/>
+              <a:buFont typeface="Symbol" charset="2"/>
+              <a:buChar char=""/>
+            </a:pPr>
+            <a:r>
+              <a:rPr b="0" lang="ja-JP" sz="2100" spc="-1" strike="noStrike">
+                <a:latin typeface="Arial"/>
+              </a:rPr>
+              <a:t>投資判断の指針</a:t>
+            </a:r>
+            <a:endParaRPr b="0" lang="en-US" sz="2100" spc="-1" strike="noStrike">
+              <a:latin typeface="Arial"/>
+            </a:endParaRPr>
+          </a:p>
+          <a:p>
+            <a:pPr lvl="1" marL="864000" indent="-324000">
+              <a:spcBef>
+                <a:spcPts val="850"/>
+              </a:spcBef>
+              <a:buClr>
+                <a:srgbClr val="000000"/>
+              </a:buClr>
+              <a:buSzPct val="75000"/>
+              <a:buFont typeface="Symbol" charset="2"/>
+              <a:buChar char=""/>
+            </a:pPr>
+            <a:r>
+              <a:rPr b="0" lang="ja-JP" sz="2100" spc="-1" strike="noStrike">
+                <a:latin typeface="Arial"/>
+              </a:rPr>
+              <a:t>経営リスク管理</a:t>
+            </a:r>
+            <a:endParaRPr b="0" lang="en-US" sz="2100" spc="-1" strike="noStrike">
+              <a:latin typeface="Arial"/>
+            </a:endParaRPr>
+          </a:p>
+          <a:p>
+            <a:pPr lvl="1" marL="864000" indent="-324000">
+              <a:spcBef>
+                <a:spcPts val="850"/>
+              </a:spcBef>
+              <a:buClr>
+                <a:srgbClr val="000000"/>
+              </a:buClr>
+              <a:buSzPct val="75000"/>
+              <a:buFont typeface="Symbol" charset="2"/>
+              <a:buChar char=""/>
+            </a:pPr>
+            <a:r>
+              <a:rPr b="0" lang="ja-JP" sz="2100" spc="-1" strike="noStrike">
+                <a:latin typeface="Arial"/>
+              </a:rPr>
+              <a:t>資産運用での効率化</a:t>
+            </a:r>
+            <a:endParaRPr b="0" lang="en-US" sz="2100" spc="-1" strike="noStrike">
+              <a:latin typeface="Arial"/>
+            </a:endParaRPr>
+          </a:p>
+          <a:p>
+            <a:pPr lvl="1" marL="864000" indent="-324000">
+              <a:spcBef>
+                <a:spcPts val="850"/>
+              </a:spcBef>
+              <a:buClr>
+                <a:srgbClr val="000000"/>
+              </a:buClr>
+              <a:buSzPct val="75000"/>
+              <a:buFont typeface="Symbol" charset="2"/>
+              <a:buChar char=""/>
+            </a:pPr>
+            <a:r>
+              <a:rPr b="0" lang="ja-JP" sz="2100" spc="-1" strike="noStrike">
+                <a:latin typeface="Arial"/>
+              </a:rPr>
+              <a:t>日本経済全体の経済状況の指標を捉える</a:t>
+            </a:r>
+            <a:endParaRPr b="0" lang="en-US" sz="2100" spc="-1" strike="noStrike">
+              <a:latin typeface="Arial"/>
+            </a:endParaRPr>
+          </a:p>
+          <a:p>
+            <a:pPr lvl="1" marL="864000" indent="-324000">
+              <a:spcBef>
+                <a:spcPts val="850"/>
+              </a:spcBef>
+              <a:buClr>
+                <a:srgbClr val="000000"/>
+              </a:buClr>
+              <a:buSzPct val="75000"/>
+              <a:buFont typeface="Symbol" charset="2"/>
+              <a:buChar char=""/>
+            </a:pPr>
+            <a:r>
+              <a:rPr b="0" lang="ja-JP" sz="2100" spc="-1" strike="noStrike">
+                <a:latin typeface="Arial"/>
+              </a:rPr>
+              <a:t>アルゴリズム取引（</a:t>
+            </a:r>
+            <a:r>
+              <a:rPr b="0" lang="en-US" sz="2100" spc="-1" strike="noStrike">
+                <a:latin typeface="Arial"/>
+              </a:rPr>
+              <a:t>AI</a:t>
+            </a:r>
+            <a:r>
+              <a:rPr b="0" lang="ja-JP" sz="2100" spc="-1" strike="noStrike">
+                <a:latin typeface="Arial"/>
+              </a:rPr>
+              <a:t>取引）での活用</a:t>
+            </a:r>
+            <a:endParaRPr b="0" lang="en-US" sz="2100" spc="-1" strike="noStrike">
+              <a:latin typeface="Arial"/>
+            </a:endParaRPr>
+          </a:p>
+        </p:txBody>
+      </p:sp>
+      <p:sp>
+        <p:nvSpPr>
+          <p:cNvPr id="377" name=""/>
+          <p:cNvSpPr txBox="1"/>
+          <p:nvPr/>
+        </p:nvSpPr>
+        <p:spPr>
+          <a:xfrm>
+            <a:off x="5220000" y="1260000"/>
+            <a:ext cx="4500000" cy="3600000"/>
+          </a:xfrm>
+          <a:prstGeom prst="rect">
+            <a:avLst/>
+          </a:prstGeom>
+          <a:noFill/>
+          <a:ln w="18000">
+            <a:noFill/>
+          </a:ln>
+        </p:spPr>
+        <p:txBody>
+          <a:bodyPr lIns="90000" rIns="90000" tIns="45000" bIns="45000" anchor="t">
+            <a:noAutofit/>
+          </a:bodyPr>
+          <a:p>
+            <a:pPr marL="216000" indent="-216000">
+              <a:buClr>
+                <a:srgbClr val="000000"/>
+              </a:buClr>
+              <a:buSzPct val="45000"/>
+              <a:buFont typeface="Wingdings" charset="2"/>
+              <a:buChar char=""/>
+            </a:pPr>
+            <a:r>
+              <a:rPr b="0" lang="ja-JP" sz="2000" spc="-1" strike="noStrike">
+                <a:latin typeface="Arial"/>
+              </a:rPr>
+              <a:t>株価予測の課題</a:t>
+            </a:r>
+            <a:endParaRPr b="0" lang="en-US" sz="2000" spc="-1" strike="noStrike">
+              <a:latin typeface="Arial"/>
+            </a:endParaRPr>
+          </a:p>
+          <a:p>
+            <a:pPr lvl="1" marL="432000" indent="-216000">
+              <a:buClr>
+                <a:srgbClr val="000000"/>
+              </a:buClr>
+              <a:buSzPct val="45000"/>
+              <a:buFont typeface="Symbol" charset="2"/>
+              <a:buChar char=""/>
+            </a:pPr>
+            <a:r>
+              <a:rPr b="0" lang="ja-JP" sz="2000" spc="-1" strike="noStrike">
+                <a:latin typeface="Arial"/>
+              </a:rPr>
+              <a:t>天災、事件などによる不確実性</a:t>
+            </a:r>
+            <a:endParaRPr b="0" lang="en-US" sz="2000" spc="-1" strike="noStrike">
+              <a:latin typeface="Arial"/>
+            </a:endParaRPr>
+          </a:p>
+          <a:p>
+            <a:pPr lvl="1" marL="432000" indent="-216000">
+              <a:buClr>
+                <a:srgbClr val="000000"/>
+              </a:buClr>
+              <a:buSzPct val="45000"/>
+              <a:buFont typeface="Symbol" charset="2"/>
+              <a:buChar char=""/>
+            </a:pPr>
+            <a:r>
+              <a:rPr b="0" lang="ja-JP" sz="2000" spc="-1" strike="noStrike">
+                <a:latin typeface="Arial"/>
+              </a:rPr>
+              <a:t>データの質と量の確保</a:t>
+            </a:r>
+            <a:endParaRPr b="0" lang="en-US" sz="2000" spc="-1" strike="noStrike">
+              <a:latin typeface="Arial"/>
+            </a:endParaRPr>
+          </a:p>
+          <a:p>
+            <a:pPr lvl="1" marL="432000" indent="-216000">
+              <a:buClr>
+                <a:srgbClr val="000000"/>
+              </a:buClr>
+              <a:buSzPct val="45000"/>
+              <a:buFont typeface="Symbol" charset="2"/>
+              <a:buChar char=""/>
+            </a:pPr>
+            <a:r>
+              <a:rPr b="0" lang="ja-JP" sz="2000" spc="-1" strike="noStrike">
+                <a:latin typeface="Arial"/>
+              </a:rPr>
+              <a:t>モデリングの複雑さ</a:t>
+            </a:r>
+            <a:endParaRPr b="0" lang="en-US" sz="2000" spc="-1" strike="noStrike">
+              <a:latin typeface="Arial"/>
+            </a:endParaRPr>
+          </a:p>
+          <a:p>
+            <a:pPr lvl="1" marL="432000" indent="-216000">
+              <a:buClr>
+                <a:srgbClr val="000000"/>
+              </a:buClr>
+              <a:buSzPct val="45000"/>
+              <a:buFont typeface="Symbol" charset="2"/>
+              <a:buChar char=""/>
+            </a:pPr>
+            <a:r>
+              <a:rPr b="0" lang="ja-JP" sz="2000" spc="-1" strike="noStrike">
+                <a:latin typeface="Arial"/>
+              </a:rPr>
+              <a:t>外部要因の影響（国際政治など）</a:t>
+            </a:r>
+            <a:endParaRPr b="0" lang="en-US" sz="2000" spc="-1" strike="noStrike">
+              <a:latin typeface="Arial"/>
+            </a:endParaRPr>
+          </a:p>
+          <a:p>
+            <a:pPr lvl="1" marL="432000" indent="-216000">
+              <a:buClr>
+                <a:srgbClr val="000000"/>
+              </a:buClr>
+              <a:buSzPct val="45000"/>
+              <a:buFont typeface="Symbol" charset="2"/>
+              <a:buChar char=""/>
+            </a:pPr>
+            <a:r>
+              <a:rPr b="0" lang="ja-JP" sz="2000" spc="-1" strike="noStrike">
+                <a:latin typeface="Arial"/>
+              </a:rPr>
+              <a:t>過剰適合のリスク（過学習）</a:t>
+            </a:r>
+            <a:endParaRPr b="0" lang="en-US" sz="2000" spc="-1" strike="noStrike">
+              <a:latin typeface="Arial"/>
+            </a:endParaRPr>
+          </a:p>
+          <a:p>
+            <a:pPr lvl="1" marL="432000" indent="-216000">
+              <a:buClr>
+                <a:srgbClr val="000000"/>
+              </a:buClr>
+              <a:buSzPct val="45000"/>
+              <a:buFont typeface="Symbol" charset="2"/>
+              <a:buChar char=""/>
+            </a:pPr>
+            <a:r>
+              <a:rPr b="0" lang="ja-JP" sz="2000" spc="-1" strike="noStrike">
+                <a:latin typeface="Arial"/>
+              </a:rPr>
+              <a:t>市場参加者の心理</a:t>
+            </a:r>
+            <a:endParaRPr b="0" lang="en-US" sz="2000" spc="-1" strike="noStrike">
               <a:latin typeface="Arial"/>
             </a:endParaRPr>
           </a:p>
@@ -25555,7 +25859,7 @@
       </p:grpSpPr>
       <p:sp>
         <p:nvSpPr>
-          <p:cNvPr id="377" name="PlaceHolder 1"/>
+          <p:cNvPr id="378" name="PlaceHolder 1"/>
           <p:cNvSpPr>
             <a:spLocks noGrp="1"/>
           </p:cNvSpPr>
@@ -25584,6 +25888,12 @@
             <a:pPr algn="ctr">
               <a:buNone/>
             </a:pPr>
+            <a:r>
+              <a:rPr b="0" lang="ja-JP" sz="3300" spc="-1" strike="noStrike">
+                <a:latin typeface="Arial"/>
+              </a:rPr>
+              <a:t>月毎にデータをまとめる</a:t>
+            </a:r>
             <a:endParaRPr b="0" lang="en-US" sz="3300" spc="-1" strike="noStrike">
               <a:latin typeface="Arial"/>
             </a:endParaRPr>
@@ -25592,7 +25902,7 @@
       </p:sp>
       <p:sp>
         <p:nvSpPr>
-          <p:cNvPr id="378" name="PlaceHolder 2"/>
+          <p:cNvPr id="379" name="PlaceHolder 2"/>
           <p:cNvSpPr>
             <a:spLocks noGrp="1"/>
           </p:cNvSpPr>
@@ -25618,6 +25928,45 @@
             <a:normAutofit/>
           </a:bodyPr>
           <a:p>
+            <a:pPr marL="432000" indent="-324000">
+              <a:spcBef>
+                <a:spcPts val="1060"/>
+              </a:spcBef>
+              <a:buClr>
+                <a:srgbClr val="000000"/>
+              </a:buClr>
+              <a:buSzPct val="45000"/>
+              <a:buFont typeface="Wingdings" charset="2"/>
+              <a:buChar char=""/>
+            </a:pPr>
+            <a:r>
+              <a:rPr b="0" lang="ja-JP" sz="2400" spc="-1" strike="noStrike">
+                <a:latin typeface="Arial"/>
+              </a:rPr>
+              <a:t>企業の経営体質などの判断のための株価の予測には短期的なものではなく、長期的な予測が必要であると考えたため、月毎のデータにまとめて解析することとした。</a:t>
+            </a:r>
+            <a:endParaRPr b="0" lang="en-US" sz="2400" spc="-1" strike="noStrike">
+              <a:latin typeface="Arial"/>
+            </a:endParaRPr>
+          </a:p>
+          <a:p>
+            <a:pPr marL="432000" indent="-324000">
+              <a:spcBef>
+                <a:spcPts val="1060"/>
+              </a:spcBef>
+              <a:buClr>
+                <a:srgbClr val="000000"/>
+              </a:buClr>
+              <a:buSzPct val="45000"/>
+              <a:buFont typeface="Wingdings" charset="2"/>
+              <a:buChar char=""/>
+            </a:pPr>
+            <a:r>
+              <a:rPr b="0" lang="ja-JP" sz="2400" spc="-1" strike="noStrike">
+                <a:latin typeface="Arial"/>
+              </a:rPr>
+              <a:t>週単位での予測も魅力的であったが、まとめ方が複雑になることが予想されるため、今回は諦めた。</a:t>
+            </a:r>
             <a:endParaRPr b="0" lang="en-US" sz="2400" spc="-1" strike="noStrike">
               <a:latin typeface="Arial"/>
             </a:endParaRPr>
@@ -25656,7 +26005,7 @@
       </p:grpSpPr>
       <p:sp>
         <p:nvSpPr>
-          <p:cNvPr id="379" name="PlaceHolder 1"/>
+          <p:cNvPr id="380" name="PlaceHolder 1"/>
           <p:cNvSpPr>
             <a:spLocks noGrp="1"/>
           </p:cNvSpPr>
@@ -25685,6 +26034,24 @@
             <a:pPr algn="ctr">
               <a:buNone/>
             </a:pPr>
+            <a:r>
+              <a:rPr b="0" lang="ja-JP" sz="3300" spc="-1" strike="noStrike">
+                <a:latin typeface="Arial"/>
+              </a:rPr>
+              <a:t>株価は</a:t>
+            </a:r>
+            <a:r>
+              <a:rPr b="0" lang="en-US" sz="3300" spc="-1" strike="noStrike">
+                <a:latin typeface="Arial"/>
+              </a:rPr>
+              <a:t>12</a:t>
+            </a:r>
+            <a:r>
+              <a:rPr b="0" lang="ja-JP" sz="3300" spc="-1" strike="noStrike">
+                <a:latin typeface="Arial"/>
+              </a:rPr>
+              <a:t>ヶ月の季節性がある</a:t>
+            </a:r>
             <a:endParaRPr b="0" lang="en-US" sz="3300" spc="-1" strike="noStrike">
               <a:latin typeface="Arial"/>
             </a:endParaRPr>
@@ -25693,7 +26060,108 @@
       </p:sp>
       <p:sp>
         <p:nvSpPr>
-          <p:cNvPr id="380" name="PlaceHolder 2"/>
+          <p:cNvPr id="381" name="PlaceHolder 2"/>
+          <p:cNvSpPr>
+            <a:spLocks noGrp="1"/>
+          </p:cNvSpPr>
+          <p:nvPr>
+            <p:ph/>
+          </p:nvPr>
+        </p:nvSpPr>
+        <p:spPr>
+          <a:xfrm>
+            <a:off x="540000" y="1260000"/>
+            <a:ext cx="9000000" cy="3240000"/>
+          </a:xfrm>
+          <a:prstGeom prst="rect">
+            <a:avLst/>
+          </a:prstGeom>
+          <a:noFill/>
+          <a:ln w="0">
+            <a:noFill/>
+          </a:ln>
+        </p:spPr>
+        <p:txBody>
+          <a:bodyPr lIns="0" rIns="0" tIns="0" bIns="0" anchor="t">
+            <a:normAutofit/>
+          </a:bodyPr>
+          <a:p>
+            <a:endParaRPr b="0" lang="en-US" sz="2400" spc="-1" strike="noStrike">
+              <a:latin typeface="Arial"/>
+            </a:endParaRPr>
+          </a:p>
+        </p:txBody>
+      </p:sp>
+    </p:spTree>
+  </p:cSld>
+  <mc:AlternateContent>
+    <mc:Choice Requires="p14">
+      <p:transition spd="slow" p14:dur="2000"/>
+    </mc:Choice>
+    <mc:Fallback>
+      <p:transition spd="slow"/>
+    </mc:Fallback>
+  </mc:AlternateContent>
+</p:sld>
+</file>
+
+<file path=ppt/slides/slide5.xml><?xml version="1.0" encoding="utf-8"?>
+<p:sld xmlns:a="http://schemas.openxmlformats.org/drawingml/2006/main" xmlns:p="http://schemas.openxmlformats.org/presentationml/2006/main" xmlns:r="http://schemas.openxmlformats.org/officeDocument/2006/relationships" xmlns:p14="http://schemas.microsoft.com/office/powerpoint/2010/main" xmlns:p15="http://schemas.microsoft.com/office/powerpoint/2012/main" xmlns:mc="http://schemas.openxmlformats.org/markup-compatibility/2006">
+  <p:cSld>
+    <p:spTree>
+      <p:nvGrpSpPr>
+        <p:cNvPr id="1" name=""/>
+        <p:cNvGrpSpPr/>
+        <p:nvPr/>
+      </p:nvGrpSpPr>
+      <p:grpSpPr>
+        <a:xfrm>
+          <a:off x="0" y="0"/>
+          <a:ext cx="0" cy="0"/>
+          <a:chOff x="0" y="0"/>
+          <a:chExt cx="0" cy="0"/>
+        </a:xfrm>
+      </p:grpSpPr>
+      <p:sp>
+        <p:nvSpPr>
+          <p:cNvPr id="382" name="PlaceHolder 1"/>
+          <p:cNvSpPr>
+            <a:spLocks noGrp="1"/>
+          </p:cNvSpPr>
+          <p:nvPr>
+            <p:ph type="title"/>
+          </p:nvPr>
+        </p:nvSpPr>
+        <p:spPr>
+          <a:xfrm>
+            <a:off x="540000" y="180000"/>
+            <a:ext cx="9000000" cy="900000"/>
+          </a:xfrm>
+          <a:prstGeom prst="rect">
+            <a:avLst/>
+          </a:prstGeom>
+          <a:noFill/>
+          <a:ln w="0">
+            <a:noFill/>
+          </a:ln>
+        </p:spPr>
+        <p:txBody>
+          <a:bodyPr lIns="0" rIns="0" tIns="0" bIns="0" anchor="ctr">
+            <a:noAutofit/>
+          </a:bodyPr>
+          <a:p>
+            <a:pPr algn="ctr">
+              <a:buNone/>
+            </a:pPr>
+            <a:endParaRPr b="0" lang="en-US" sz="3300" spc="-1" strike="noStrike">
+              <a:latin typeface="Arial"/>
+            </a:endParaRPr>
+          </a:p>
+        </p:txBody>
+      </p:sp>
+      <p:sp>
+        <p:nvSpPr>
+          <p:cNvPr id="383" name="PlaceHolder 2"/>
           <p:cNvSpPr>
             <a:spLocks noGrp="1"/>
           </p:cNvSpPr>

--- a/time_series/time_series.pptx
+++ b/time_series/time_series.pptx
@@ -22,6 +22,7 @@
     <p:sldId id="263" r:id="rId17"/>
     <p:sldId id="264" r:id="rId18"/>
     <p:sldId id="265" r:id="rId19"/>
+    <p:sldId id="266" r:id="rId20"/>
   </p:sldIdLst>
   <p:sldSz cx="10080625" cy="5670550"/>
   <p:notesSz cx="7559675" cy="10691813"/>
@@ -79,7 +80,7 @@
         <p:txBody>
           <a:bodyPr/>
           <a:p>
-            <a:fld id="{65C245DA-4FBC-47F4-A18C-E82DC36A1D86}" type="slidenum">
+            <a:fld id="{A67449E2-E4B6-4611-9DEE-46AD5BFBC36D}" type="slidenum">
               <a:t>&lt;#&gt;</a:t>
             </a:fld>
           </a:p>
@@ -267,7 +268,7 @@
         <p:txBody>
           <a:bodyPr/>
           <a:p>
-            <a:fld id="{2BCBDB3C-7E41-4CFE-8B6F-7A1B44A67212}" type="slidenum">
+            <a:fld id="{637E923E-F52E-48D6-80C6-01086DB6DB0D}" type="slidenum">
               <a:t>&lt;#&gt;</a:t>
             </a:fld>
           </a:p>
@@ -523,7 +524,7 @@
         <p:txBody>
           <a:bodyPr/>
           <a:p>
-            <a:fld id="{277D12ED-47FD-4BAC-84CB-43D03FD2C5DC}" type="slidenum">
+            <a:fld id="{62930028-6CA8-49AE-A01E-D438A695D7E3}" type="slidenum">
               <a:t>&lt;#&gt;</a:t>
             </a:fld>
           </a:p>
@@ -847,7 +848,7 @@
         <p:txBody>
           <a:bodyPr/>
           <a:p>
-            <a:fld id="{096F1D7E-C91E-494F-887A-50C1085BAB92}" type="slidenum">
+            <a:fld id="{CB7FA72A-9468-4D84-937C-85341359BB1F}" type="slidenum">
               <a:t>&lt;#&gt;</a:t>
             </a:fld>
           </a:p>
@@ -930,7 +931,7 @@
         <p:txBody>
           <a:bodyPr/>
           <a:p>
-            <a:fld id="{2508F772-2367-472D-9E3F-71FB9EEB7F52}" type="slidenum">
+            <a:fld id="{E6D73D33-14DC-4794-9557-29176F647916}" type="slidenum">
               <a:t>&lt;#&gt;</a:t>
             </a:fld>
           </a:p>
@@ -1087,7 +1088,7 @@
         <p:txBody>
           <a:bodyPr/>
           <a:p>
-            <a:fld id="{E7BFD9E7-5363-49C0-A946-19070C5F91F0}" type="slidenum">
+            <a:fld id="{80475E9E-C7DA-4393-8A6E-C167322859EE}" type="slidenum">
               <a:t>&lt;#&gt;</a:t>
             </a:fld>
           </a:p>
@@ -1241,7 +1242,7 @@
         <p:txBody>
           <a:bodyPr/>
           <a:p>
-            <a:fld id="{7E51F829-A3D7-4130-A5EA-E09101560F3C}" type="slidenum">
+            <a:fld id="{D4D592BE-8EAE-4779-9588-1131974CDB9C}" type="slidenum">
               <a:t>&lt;#&gt;</a:t>
             </a:fld>
           </a:p>
@@ -1429,7 +1430,7 @@
         <p:txBody>
           <a:bodyPr/>
           <a:p>
-            <a:fld id="{F801B2B7-4FE2-4C31-A500-B8F98B894145}" type="slidenum">
+            <a:fld id="{673737A3-0A12-443A-A263-7061B355E9B3}" type="slidenum">
               <a:t>&lt;#&gt;</a:t>
             </a:fld>
           </a:p>
@@ -1549,7 +1550,7 @@
         <p:txBody>
           <a:bodyPr/>
           <a:p>
-            <a:fld id="{99D39A26-4077-4FBD-9671-F6849F733AA6}" type="slidenum">
+            <a:fld id="{0954FDE5-12DA-4645-BBAF-D062DC8F4D13}" type="slidenum">
               <a:t>&lt;#&gt;</a:t>
             </a:fld>
           </a:p>
@@ -1669,7 +1670,7 @@
         <p:txBody>
           <a:bodyPr/>
           <a:p>
-            <a:fld id="{7D47BF57-BDB9-4E40-B757-D3290034B7FF}" type="slidenum">
+            <a:fld id="{345EC5A2-7316-470B-B072-5A7A65B047A1}" type="slidenum">
               <a:t>&lt;#&gt;</a:t>
             </a:fld>
           </a:p>
@@ -1891,7 +1892,7 @@
         <p:txBody>
           <a:bodyPr/>
           <a:p>
-            <a:fld id="{ACD77982-74E8-4D6E-A553-B1941781CC65}" type="slidenum">
+            <a:fld id="{ACBBDD00-05D9-41B2-A1B9-D9C59E3C8733}" type="slidenum">
               <a:t>&lt;#&gt;</a:t>
             </a:fld>
           </a:p>
@@ -2048,7 +2049,7 @@
         <p:txBody>
           <a:bodyPr/>
           <a:p>
-            <a:fld id="{219327C9-5B5E-443A-8662-AFD1B28BA635}" type="slidenum">
+            <a:fld id="{832F001D-83CA-48FB-A666-51BD3A73863A}" type="slidenum">
               <a:t>&lt;#&gt;</a:t>
             </a:fld>
           </a:p>
@@ -2270,7 +2271,7 @@
         <p:txBody>
           <a:bodyPr/>
           <a:p>
-            <a:fld id="{85FB7374-16CB-446A-8225-561A85AA0E57}" type="slidenum">
+            <a:fld id="{75E39F40-A612-4480-96D3-9AA0E57B3E41}" type="slidenum">
               <a:t>&lt;#&gt;</a:t>
             </a:fld>
           </a:p>
@@ -2492,7 +2493,7 @@
         <p:txBody>
           <a:bodyPr/>
           <a:p>
-            <a:fld id="{5661A949-D7E6-4958-BA4D-F66D41FA5978}" type="slidenum">
+            <a:fld id="{2DD3B6DD-E299-4497-AECF-65EB119E43CE}" type="slidenum">
               <a:t>&lt;#&gt;</a:t>
             </a:fld>
           </a:p>
@@ -2680,7 +2681,7 @@
         <p:txBody>
           <a:bodyPr/>
           <a:p>
-            <a:fld id="{0609FDB7-ACBC-48B6-8AAF-04584D0853B1}" type="slidenum">
+            <a:fld id="{32204821-1C35-4C1D-B084-1EDE6D13EFF9}" type="slidenum">
               <a:t>&lt;#&gt;</a:t>
             </a:fld>
           </a:p>
@@ -2936,7 +2937,7 @@
         <p:txBody>
           <a:bodyPr/>
           <a:p>
-            <a:fld id="{014B0899-53C1-4CB9-94FC-BFA81DACC27D}" type="slidenum">
+            <a:fld id="{3B1ABB29-03CD-4140-A77D-82C6563AB2C4}" type="slidenum">
               <a:t>&lt;#&gt;</a:t>
             </a:fld>
           </a:p>
@@ -3260,7 +3261,7 @@
         <p:txBody>
           <a:bodyPr/>
           <a:p>
-            <a:fld id="{FD17F9D3-4E62-4750-A318-8CD8274CD6E1}" type="slidenum">
+            <a:fld id="{4C0547E3-2826-45A0-AF5D-56B5E291DE66}" type="slidenum">
               <a:t>&lt;#&gt;</a:t>
             </a:fld>
           </a:p>
@@ -3343,7 +3344,7 @@
         <p:txBody>
           <a:bodyPr/>
           <a:p>
-            <a:fld id="{9E1738F6-3202-4E10-AA60-FC00BA1DC4B6}" type="slidenum">
+            <a:fld id="{93B08AD4-1F56-40C3-B112-E97E62014466}" type="slidenum">
               <a:t>&lt;#&gt;</a:t>
             </a:fld>
           </a:p>
@@ -3500,7 +3501,7 @@
         <p:txBody>
           <a:bodyPr/>
           <a:p>
-            <a:fld id="{BEEE4533-073B-44F7-80A6-C05C6B372E59}" type="slidenum">
+            <a:fld id="{146C6317-3BBB-4122-8971-911C2FA4316F}" type="slidenum">
               <a:t>&lt;#&gt;</a:t>
             </a:fld>
           </a:p>
@@ -3654,7 +3655,7 @@
         <p:txBody>
           <a:bodyPr/>
           <a:p>
-            <a:fld id="{8E8EBC5A-4EBF-4F7D-AF4B-A0D9A9DFAA76}" type="slidenum">
+            <a:fld id="{0AF5924F-D420-492B-899E-E9EF856C5C22}" type="slidenum">
               <a:t>&lt;#&gt;</a:t>
             </a:fld>
           </a:p>
@@ -3842,7 +3843,7 @@
         <p:txBody>
           <a:bodyPr/>
           <a:p>
-            <a:fld id="{DB73167C-3A04-43EF-9831-C75922024140}" type="slidenum">
+            <a:fld id="{59002A73-CB27-4501-B4C6-423DD6358C61}" type="slidenum">
               <a:t>&lt;#&gt;</a:t>
             </a:fld>
           </a:p>
@@ -3962,7 +3963,7 @@
         <p:txBody>
           <a:bodyPr/>
           <a:p>
-            <a:fld id="{E8E0011D-CC27-48DB-97B6-2CEBCAA249D5}" type="slidenum">
+            <a:fld id="{ABFD4690-90B9-4EDA-9F4E-095130AFAFDF}" type="slidenum">
               <a:t>&lt;#&gt;</a:t>
             </a:fld>
           </a:p>
@@ -4116,7 +4117,7 @@
         <p:txBody>
           <a:bodyPr/>
           <a:p>
-            <a:fld id="{D50E7FFE-66AC-486C-A05F-3DC2205B3801}" type="slidenum">
+            <a:fld id="{A90753A4-FDFF-4391-90AF-FAC9F58E6666}" type="slidenum">
               <a:t>&lt;#&gt;</a:t>
             </a:fld>
           </a:p>
@@ -4236,7 +4237,7 @@
         <p:txBody>
           <a:bodyPr/>
           <a:p>
-            <a:fld id="{E51FE25A-D4D4-4C40-B960-D4AF819E8C28}" type="slidenum">
+            <a:fld id="{BB981D79-B97C-435D-B105-D0F9E07FC4F3}" type="slidenum">
               <a:t>&lt;#&gt;</a:t>
             </a:fld>
           </a:p>
@@ -4458,7 +4459,7 @@
         <p:txBody>
           <a:bodyPr/>
           <a:p>
-            <a:fld id="{A5DB571C-7E35-4221-984F-95F5FF3D9F30}" type="slidenum">
+            <a:fld id="{B8B5409C-49C1-4188-8F2D-526F187F64A4}" type="slidenum">
               <a:t>&lt;#&gt;</a:t>
             </a:fld>
           </a:p>
@@ -4680,7 +4681,7 @@
         <p:txBody>
           <a:bodyPr/>
           <a:p>
-            <a:fld id="{B3EC39C3-0355-4FF2-A638-7EA2AF1A29B4}" type="slidenum">
+            <a:fld id="{FA3E24A3-5C35-4A30-8F96-B256386F3807}" type="slidenum">
               <a:t>&lt;#&gt;</a:t>
             </a:fld>
           </a:p>
@@ -4902,7 +4903,7 @@
         <p:txBody>
           <a:bodyPr/>
           <a:p>
-            <a:fld id="{CB15F5BA-1AF2-49BB-9539-89C0937EE271}" type="slidenum">
+            <a:fld id="{A243426D-E90A-4EE2-B441-1119351E46F7}" type="slidenum">
               <a:t>&lt;#&gt;</a:t>
             </a:fld>
           </a:p>
@@ -5090,7 +5091,7 @@
         <p:txBody>
           <a:bodyPr/>
           <a:p>
-            <a:fld id="{CA26C06A-915C-4058-8635-F2E17BA17AA7}" type="slidenum">
+            <a:fld id="{8EBBFA0E-BEB7-44E5-A03F-76EB1CA1D012}" type="slidenum">
               <a:t>&lt;#&gt;</a:t>
             </a:fld>
           </a:p>
@@ -5346,7 +5347,7 @@
         <p:txBody>
           <a:bodyPr/>
           <a:p>
-            <a:fld id="{43BA979D-F8A8-450E-A6E3-6599B3E4A15B}" type="slidenum">
+            <a:fld id="{7FC3ADC4-7A73-4595-A7D7-9EBE484DD4DA}" type="slidenum">
               <a:t>&lt;#&gt;</a:t>
             </a:fld>
           </a:p>
@@ -5670,7 +5671,7 @@
         <p:txBody>
           <a:bodyPr/>
           <a:p>
-            <a:fld id="{A5A579AB-4457-497F-A455-F1F413E4FCF1}" type="slidenum">
+            <a:fld id="{046575D6-1D14-4F1C-9146-BDBDC230E39A}" type="slidenum">
               <a:t>&lt;#&gt;</a:t>
             </a:fld>
           </a:p>
@@ -5753,7 +5754,7 @@
         <p:txBody>
           <a:bodyPr/>
           <a:p>
-            <a:fld id="{00106757-E07B-4FE2-96BA-96CEFA4099C3}" type="slidenum">
+            <a:fld id="{E65EE500-7366-4F5D-91B0-0AAB30F545CF}" type="slidenum">
               <a:t>&lt;#&gt;</a:t>
             </a:fld>
           </a:p>
@@ -5910,7 +5911,7 @@
         <p:txBody>
           <a:bodyPr/>
           <a:p>
-            <a:fld id="{D40D3333-9C43-48A0-84EA-7E9B307973F6}" type="slidenum">
+            <a:fld id="{BC4217D5-A7D0-416D-BDBA-A80A53B767B6}" type="slidenum">
               <a:t>&lt;#&gt;</a:t>
             </a:fld>
           </a:p>
@@ -6064,7 +6065,7 @@
         <p:txBody>
           <a:bodyPr/>
           <a:p>
-            <a:fld id="{48A34F6D-1E6E-4773-BE11-62F8A65F3CC7}" type="slidenum">
+            <a:fld id="{A2A7D306-0045-42F2-97BF-E062404BB59A}" type="slidenum">
               <a:t>&lt;#&gt;</a:t>
             </a:fld>
           </a:p>
@@ -6252,7 +6253,7 @@
         <p:txBody>
           <a:bodyPr/>
           <a:p>
-            <a:fld id="{451A44B5-9C98-42AB-8E5A-E9EDB217E9D5}" type="slidenum">
+            <a:fld id="{49CB708C-FFDB-4A1D-B7CB-5428688496E8}" type="slidenum">
               <a:t>&lt;#&gt;</a:t>
             </a:fld>
           </a:p>
@@ -6440,7 +6441,7 @@
         <p:txBody>
           <a:bodyPr/>
           <a:p>
-            <a:fld id="{5984C660-0D98-4E40-AEE0-E7B25D3C2540}" type="slidenum">
+            <a:fld id="{B9A77748-45FA-423A-9534-CAED716A7AC1}" type="slidenum">
               <a:t>&lt;#&gt;</a:t>
             </a:fld>
           </a:p>
@@ -6560,7 +6561,7 @@
         <p:txBody>
           <a:bodyPr/>
           <a:p>
-            <a:fld id="{83A60D2A-BD8F-4F0E-BBCA-B364EF9E560E}" type="slidenum">
+            <a:fld id="{7045C30F-BAF2-4CE6-9193-C19A71D7F317}" type="slidenum">
               <a:t>&lt;#&gt;</a:t>
             </a:fld>
           </a:p>
@@ -6680,7 +6681,7 @@
         <p:txBody>
           <a:bodyPr/>
           <a:p>
-            <a:fld id="{482D69D8-B5EE-41D1-86D5-0ACD7DA57EC1}" type="slidenum">
+            <a:fld id="{A7B29A18-29A2-44B7-88C2-719D379641EE}" type="slidenum">
               <a:t>&lt;#&gt;</a:t>
             </a:fld>
           </a:p>
@@ -6902,7 +6903,7 @@
         <p:txBody>
           <a:bodyPr/>
           <a:p>
-            <a:fld id="{B4B55D71-5DB9-4A1B-8DEB-8309118231B4}" type="slidenum">
+            <a:fld id="{5D853D1E-FCCE-42BF-BEE9-0E67B91CB3F4}" type="slidenum">
               <a:t>&lt;#&gt;</a:t>
             </a:fld>
           </a:p>
@@ -7124,7 +7125,7 @@
         <p:txBody>
           <a:bodyPr/>
           <a:p>
-            <a:fld id="{8383CB88-EF7F-407F-B694-9F3F3F527139}" type="slidenum">
+            <a:fld id="{A9B6B458-EE45-4B07-935E-0BA3A6182AF3}" type="slidenum">
               <a:t>&lt;#&gt;</a:t>
             </a:fld>
           </a:p>
@@ -7346,7 +7347,7 @@
         <p:txBody>
           <a:bodyPr/>
           <a:p>
-            <a:fld id="{669F8EA3-B26C-452A-9D91-323B48C871C7}" type="slidenum">
+            <a:fld id="{36A8AEFC-D0AC-4852-84DD-FAAF88387948}" type="slidenum">
               <a:t>&lt;#&gt;</a:t>
             </a:fld>
           </a:p>
@@ -7534,7 +7535,7 @@
         <p:txBody>
           <a:bodyPr/>
           <a:p>
-            <a:fld id="{0C188088-36F8-4FF2-B1D7-31442D88A6DB}" type="slidenum">
+            <a:fld id="{4D77E3D0-7F68-48AC-B0CF-314F94B0202F}" type="slidenum">
               <a:t>&lt;#&gt;</a:t>
             </a:fld>
           </a:p>
@@ -7790,7 +7791,7 @@
         <p:txBody>
           <a:bodyPr/>
           <a:p>
-            <a:fld id="{7E51AE0F-4C32-4680-A2C9-725597679C06}" type="slidenum">
+            <a:fld id="{02303AC5-F97F-4DA1-A171-E0FE196D1418}" type="slidenum">
               <a:t>&lt;#&gt;</a:t>
             </a:fld>
           </a:p>
@@ -8114,7 +8115,7 @@
         <p:txBody>
           <a:bodyPr/>
           <a:p>
-            <a:fld id="{D738B55D-62DC-4E8B-8594-50A76B0AD04D}" type="slidenum">
+            <a:fld id="{E43FECFF-F53F-422F-B52F-F12D81F15953}" type="slidenum">
               <a:t>&lt;#&gt;</a:t>
             </a:fld>
           </a:p>
@@ -8197,7 +8198,7 @@
         <p:txBody>
           <a:bodyPr/>
           <a:p>
-            <a:fld id="{3E8F0577-6D4D-494C-ADED-3D1BC4DC673B}" type="slidenum">
+            <a:fld id="{10AF30A9-5216-4046-8D2B-72E42F9430E4}" type="slidenum">
               <a:t>&lt;#&gt;</a:t>
             </a:fld>
           </a:p>
@@ -8317,7 +8318,7 @@
         <p:txBody>
           <a:bodyPr/>
           <a:p>
-            <a:fld id="{8F978C5E-E25D-40C6-ADE0-C18AD155874E}" type="slidenum">
+            <a:fld id="{C40B1C3C-DDFC-4C71-99FD-CF4B60A4EB3A}" type="slidenum">
               <a:t>&lt;#&gt;</a:t>
             </a:fld>
           </a:p>
@@ -8474,7 +8475,7 @@
         <p:txBody>
           <a:bodyPr/>
           <a:p>
-            <a:fld id="{860EECF6-9C73-4CDF-984A-516589C6F815}" type="slidenum">
+            <a:fld id="{EA615801-19D5-4F36-8E68-0B4A40E78387}" type="slidenum">
               <a:t>&lt;#&gt;</a:t>
             </a:fld>
           </a:p>
@@ -8628,7 +8629,7 @@
         <p:txBody>
           <a:bodyPr/>
           <a:p>
-            <a:fld id="{A777B0B1-32B8-4909-ADF9-7690865BD383}" type="slidenum">
+            <a:fld id="{7FE1C7F1-2B2B-403C-A3B4-941726D8D2CB}" type="slidenum">
               <a:t>&lt;#&gt;</a:t>
             </a:fld>
           </a:p>
@@ -8816,7 +8817,7 @@
         <p:txBody>
           <a:bodyPr/>
           <a:p>
-            <a:fld id="{CF3E57E3-DE44-4616-BF43-32B65B2D7F39}" type="slidenum">
+            <a:fld id="{74675557-589D-46CC-9EF8-21462E0FFD52}" type="slidenum">
               <a:t>&lt;#&gt;</a:t>
             </a:fld>
           </a:p>
@@ -8936,7 +8937,7 @@
         <p:txBody>
           <a:bodyPr/>
           <a:p>
-            <a:fld id="{B5977662-9C6D-4BDD-B119-286C86450CB9}" type="slidenum">
+            <a:fld id="{0470945A-93F3-4047-A0F6-41159936016D}" type="slidenum">
               <a:t>&lt;#&gt;</a:t>
             </a:fld>
           </a:p>
@@ -9056,7 +9057,7 @@
         <p:txBody>
           <a:bodyPr/>
           <a:p>
-            <a:fld id="{EFEAF8F4-820D-483F-AB4F-C9A443106A90}" type="slidenum">
+            <a:fld id="{5C7E6521-E1CD-4326-AFD4-49E16F0DD4FC}" type="slidenum">
               <a:t>&lt;#&gt;</a:t>
             </a:fld>
           </a:p>
@@ -9278,7 +9279,7 @@
         <p:txBody>
           <a:bodyPr/>
           <a:p>
-            <a:fld id="{F8F5E03D-AFA4-4752-855E-B20835D24557}" type="slidenum">
+            <a:fld id="{62CA3883-E807-4C8A-819C-68226FE486F7}" type="slidenum">
               <a:t>&lt;#&gt;</a:t>
             </a:fld>
           </a:p>
@@ -9500,7 +9501,7 @@
         <p:txBody>
           <a:bodyPr/>
           <a:p>
-            <a:fld id="{5681381F-0249-4C56-9538-D8A093E94836}" type="slidenum">
+            <a:fld id="{6610C2B2-FAA0-4D1A-AD46-20C1FF333190}" type="slidenum">
               <a:t>&lt;#&gt;</a:t>
             </a:fld>
           </a:p>
@@ -9722,7 +9723,7 @@
         <p:txBody>
           <a:bodyPr/>
           <a:p>
-            <a:fld id="{5A8EE2DC-7EF9-4F7C-9420-6626B65C7DB1}" type="slidenum">
+            <a:fld id="{869C691F-996A-4212-8DDF-D0954DE6E98E}" type="slidenum">
               <a:t>&lt;#&gt;</a:t>
             </a:fld>
           </a:p>
@@ -9910,7 +9911,7 @@
         <p:txBody>
           <a:bodyPr/>
           <a:p>
-            <a:fld id="{EB741A45-CA14-4619-BC6C-FC1460D7D1ED}" type="slidenum">
+            <a:fld id="{C9187DD8-F558-4A46-89C3-255F9F80FA3C}" type="slidenum">
               <a:t>&lt;#&gt;</a:t>
             </a:fld>
           </a:p>
@@ -10166,7 +10167,7 @@
         <p:txBody>
           <a:bodyPr/>
           <a:p>
-            <a:fld id="{45416D24-B9B6-4E65-9420-40F5BEE3370D}" type="slidenum">
+            <a:fld id="{57BF2CA5-BA05-4F3F-98B0-512426A3905C}" type="slidenum">
               <a:t>&lt;#&gt;</a:t>
             </a:fld>
           </a:p>
@@ -10286,7 +10287,7 @@
         <p:txBody>
           <a:bodyPr/>
           <a:p>
-            <a:fld id="{2A7CBCD7-AEF7-443A-80A9-FC6801DD5566}" type="slidenum">
+            <a:fld id="{1B5DD497-847B-4207-B547-1E7CFF99AD97}" type="slidenum">
               <a:t>&lt;#&gt;</a:t>
             </a:fld>
           </a:p>
@@ -10610,7 +10611,7 @@
         <p:txBody>
           <a:bodyPr/>
           <a:p>
-            <a:fld id="{932A170F-A34C-4227-8D92-8B8C7B624CAD}" type="slidenum">
+            <a:fld id="{A53AE387-F5E3-4E37-91C3-79113EEB4D8C}" type="slidenum">
               <a:t>&lt;#&gt;</a:t>
             </a:fld>
           </a:p>
@@ -10693,7 +10694,7 @@
         <p:txBody>
           <a:bodyPr/>
           <a:p>
-            <a:fld id="{E17B0E04-2C46-4A19-9EF5-968482805574}" type="slidenum">
+            <a:fld id="{2AD7718F-B55B-45A7-9882-5B36BF81E914}" type="slidenum">
               <a:t>&lt;#&gt;</a:t>
             </a:fld>
           </a:p>
@@ -10850,7 +10851,7 @@
         <p:txBody>
           <a:bodyPr/>
           <a:p>
-            <a:fld id="{BADD0191-E82A-4A01-AE7F-42412C81D261}" type="slidenum">
+            <a:fld id="{D7B9B1A5-D505-464D-A01F-0B2D8839D5DC}" type="slidenum">
               <a:t>&lt;#&gt;</a:t>
             </a:fld>
           </a:p>
@@ -11004,7 +11005,7 @@
         <p:txBody>
           <a:bodyPr/>
           <a:p>
-            <a:fld id="{640F153A-33E4-4E16-AE6B-344897E8AE8D}" type="slidenum">
+            <a:fld id="{90DA7672-1E21-4900-8EDE-FA12543715E9}" type="slidenum">
               <a:t>&lt;#&gt;</a:t>
             </a:fld>
           </a:p>
@@ -11192,7 +11193,7 @@
         <p:txBody>
           <a:bodyPr/>
           <a:p>
-            <a:fld id="{3DC38AE9-5F56-4D19-A2C5-FD622E6971E5}" type="slidenum">
+            <a:fld id="{750AA1C6-EB5B-4118-8191-872E5C2F5133}" type="slidenum">
               <a:t>&lt;#&gt;</a:t>
             </a:fld>
           </a:p>
@@ -11312,7 +11313,7 @@
         <p:txBody>
           <a:bodyPr/>
           <a:p>
-            <a:fld id="{C6F28AF5-13C1-493B-8CCE-A08910E61C79}" type="slidenum">
+            <a:fld id="{FB925558-D2D1-44FA-A355-FFE0AB6A634A}" type="slidenum">
               <a:t>&lt;#&gt;</a:t>
             </a:fld>
           </a:p>
@@ -11432,7 +11433,7 @@
         <p:txBody>
           <a:bodyPr/>
           <a:p>
-            <a:fld id="{CEB5E82B-FFBD-4616-AAAE-7319FFC5F47A}" type="slidenum">
+            <a:fld id="{F3DE4FED-1EAA-48F1-B27B-2598A4738978}" type="slidenum">
               <a:t>&lt;#&gt;</a:t>
             </a:fld>
           </a:p>
@@ -11654,7 +11655,7 @@
         <p:txBody>
           <a:bodyPr/>
           <a:p>
-            <a:fld id="{7A19CB25-1654-46E5-9312-8A86B9E5D0F1}" type="slidenum">
+            <a:fld id="{9463531E-5C5E-4515-BEAC-E635A0A1F9D0}" type="slidenum">
               <a:t>&lt;#&gt;</a:t>
             </a:fld>
           </a:p>
@@ -11876,7 +11877,7 @@
         <p:txBody>
           <a:bodyPr/>
           <a:p>
-            <a:fld id="{43563B7B-7A1E-4AFA-9E86-727B1BACC000}" type="slidenum">
+            <a:fld id="{6C0AC4F3-2B81-4377-94F3-9B0E201B6136}" type="slidenum">
               <a:t>&lt;#&gt;</a:t>
             </a:fld>
           </a:p>
@@ -12098,7 +12099,7 @@
         <p:txBody>
           <a:bodyPr/>
           <a:p>
-            <a:fld id="{77918848-3491-42DF-A6AD-7D7133BD87F5}" type="slidenum">
+            <a:fld id="{4CCB0B33-18E0-4C42-9CEC-FC3EF028F5B7}" type="slidenum">
               <a:t>&lt;#&gt;</a:t>
             </a:fld>
           </a:p>
@@ -12320,7 +12321,7 @@
         <p:txBody>
           <a:bodyPr/>
           <a:p>
-            <a:fld id="{D8194B40-6E65-43E9-8378-7CC2DBFD0DA0}" type="slidenum">
+            <a:fld id="{5E25389B-9A9B-49F3-93D2-6570685601FB}" type="slidenum">
               <a:t>&lt;#&gt;</a:t>
             </a:fld>
           </a:p>
@@ -12508,7 +12509,7 @@
         <p:txBody>
           <a:bodyPr/>
           <a:p>
-            <a:fld id="{F11F41CD-2D70-4AC3-982D-5EBBE6DDDA18}" type="slidenum">
+            <a:fld id="{A2FD388B-806F-4265-BA59-8F7182240985}" type="slidenum">
               <a:t>&lt;#&gt;</a:t>
             </a:fld>
           </a:p>
@@ -12764,7 +12765,7 @@
         <p:txBody>
           <a:bodyPr/>
           <a:p>
-            <a:fld id="{55B10BA2-40C4-4752-90A1-F25452C145BD}" type="slidenum">
+            <a:fld id="{741DF5AF-F837-4122-B32E-D709A542D75A}" type="slidenum">
               <a:t>&lt;#&gt;</a:t>
             </a:fld>
           </a:p>
@@ -13088,7 +13089,7 @@
         <p:txBody>
           <a:bodyPr/>
           <a:p>
-            <a:fld id="{7384EE1F-9A24-4A96-89F5-F28F51325B11}" type="slidenum">
+            <a:fld id="{BD3E2415-BA1D-4220-876E-C7E9CF2F3F34}" type="slidenum">
               <a:t>&lt;#&gt;</a:t>
             </a:fld>
           </a:p>
@@ -13171,7 +13172,7 @@
         <p:txBody>
           <a:bodyPr/>
           <a:p>
-            <a:fld id="{56422829-5281-4E50-BAFD-4E2FAA3EB686}" type="slidenum">
+            <a:fld id="{F92E2D6A-011A-4A96-B1B3-963455606E15}" type="slidenum">
               <a:t>&lt;#&gt;</a:t>
             </a:fld>
           </a:p>
@@ -13328,7 +13329,7 @@
         <p:txBody>
           <a:bodyPr/>
           <a:p>
-            <a:fld id="{65781379-BEB4-4CED-9C22-6B5DE21647DF}" type="slidenum">
+            <a:fld id="{AC6AFF29-A775-4146-B78E-BC74E5F47743}" type="slidenum">
               <a:t>&lt;#&gt;</a:t>
             </a:fld>
           </a:p>
@@ -13482,7 +13483,7 @@
         <p:txBody>
           <a:bodyPr/>
           <a:p>
-            <a:fld id="{3A53C2CA-58A5-49F4-9BE3-2306A50CF4D9}" type="slidenum">
+            <a:fld id="{61E90B7A-F745-4BF8-A0B8-5A60C5D270C0}" type="slidenum">
               <a:t>&lt;#&gt;</a:t>
             </a:fld>
           </a:p>
@@ -13670,7 +13671,7 @@
         <p:txBody>
           <a:bodyPr/>
           <a:p>
-            <a:fld id="{8FB8F640-C9F5-411D-8BBE-4B61AB302D06}" type="slidenum">
+            <a:fld id="{5D57B422-C81F-4A62-A063-0F7C90855EB1}" type="slidenum">
               <a:t>&lt;#&gt;</a:t>
             </a:fld>
           </a:p>
@@ -13790,7 +13791,7 @@
         <p:txBody>
           <a:bodyPr/>
           <a:p>
-            <a:fld id="{38412BF2-31DF-4D4F-998F-2A035C4D5348}" type="slidenum">
+            <a:fld id="{089670D1-6845-463E-A976-7084811C604A}" type="slidenum">
               <a:t>&lt;#&gt;</a:t>
             </a:fld>
           </a:p>
@@ -13910,7 +13911,7 @@
         <p:txBody>
           <a:bodyPr/>
           <a:p>
-            <a:fld id="{B074C1C3-64C9-43D1-84B2-D68E76F03F91}" type="slidenum">
+            <a:fld id="{5AAFDA20-B3F1-44C0-8C39-C44D54EEDA16}" type="slidenum">
               <a:t>&lt;#&gt;</a:t>
             </a:fld>
           </a:p>
@@ -14132,7 +14133,7 @@
         <p:txBody>
           <a:bodyPr/>
           <a:p>
-            <a:fld id="{AC1911F4-FBAA-49BB-AF82-49782922E599}" type="slidenum">
+            <a:fld id="{AE456565-1BE7-47BF-8F77-102606B4EBB2}" type="slidenum">
               <a:t>&lt;#&gt;</a:t>
             </a:fld>
           </a:p>
@@ -14354,7 +14355,7 @@
         <p:txBody>
           <a:bodyPr/>
           <a:p>
-            <a:fld id="{2E3C4152-4386-4FE0-974D-BE722953EC4C}" type="slidenum">
+            <a:fld id="{227B46B6-1395-40C2-B48D-43BBB68FB861}" type="slidenum">
               <a:t>&lt;#&gt;</a:t>
             </a:fld>
           </a:p>
@@ -14576,7 +14577,7 @@
         <p:txBody>
           <a:bodyPr/>
           <a:p>
-            <a:fld id="{FBB0161F-720A-40D9-A3C4-A2D9A9723C37}" type="slidenum">
+            <a:fld id="{5E6C7986-C729-4983-AD3A-875BD162DF1B}" type="slidenum">
               <a:t>&lt;#&gt;</a:t>
             </a:fld>
           </a:p>
@@ -14798,7 +14799,7 @@
         <p:txBody>
           <a:bodyPr/>
           <a:p>
-            <a:fld id="{2095DF23-6815-4727-B85A-CBD657446515}" type="slidenum">
+            <a:fld id="{158E1FF9-D362-4A9B-96A1-DAA4AE4FC8A7}" type="slidenum">
               <a:t>&lt;#&gt;</a:t>
             </a:fld>
           </a:p>
@@ -14986,7 +14987,7 @@
         <p:txBody>
           <a:bodyPr/>
           <a:p>
-            <a:fld id="{16521C97-84A1-4013-8C3C-F53E6D83A485}" type="slidenum">
+            <a:fld id="{BD3E8FB0-98CF-4090-80C2-4693AB37A514}" type="slidenum">
               <a:t>&lt;#&gt;</a:t>
             </a:fld>
           </a:p>
@@ -15242,7 +15243,7 @@
         <p:txBody>
           <a:bodyPr/>
           <a:p>
-            <a:fld id="{AC74FFE6-646A-4691-84F3-F8E7C6D07A58}" type="slidenum">
+            <a:fld id="{C5979D2B-83AC-4D47-9251-CF140AB63658}" type="slidenum">
               <a:t>&lt;#&gt;</a:t>
             </a:fld>
           </a:p>
@@ -15566,7 +15567,7 @@
         <p:txBody>
           <a:bodyPr/>
           <a:p>
-            <a:fld id="{F38E1AC1-7723-4ADF-98C6-504D6DAECB82}" type="slidenum">
+            <a:fld id="{7E99E1A5-0431-48D6-BCB0-2E78109B435A}" type="slidenum">
               <a:t>&lt;#&gt;</a:t>
             </a:fld>
           </a:p>
@@ -15649,7 +15650,7 @@
         <p:txBody>
           <a:bodyPr/>
           <a:p>
-            <a:fld id="{3B52F5AE-BBB5-4462-B1A7-97A7A6094ACE}" type="slidenum">
+            <a:fld id="{5A87EBEF-B73C-4A6C-A3A9-8933DC261DF4}" type="slidenum">
               <a:t>&lt;#&gt;</a:t>
             </a:fld>
           </a:p>
@@ -15806,7 +15807,7 @@
         <p:txBody>
           <a:bodyPr/>
           <a:p>
-            <a:fld id="{61AD78B8-CDF2-41A5-BEDB-13C92122ABFE}" type="slidenum">
+            <a:fld id="{78171710-8A0D-45D6-BA77-1C45731E548B}" type="slidenum">
               <a:t>&lt;#&gt;</a:t>
             </a:fld>
           </a:p>
@@ -15960,7 +15961,7 @@
         <p:txBody>
           <a:bodyPr/>
           <a:p>
-            <a:fld id="{4C819147-9B4D-4279-B74E-C45A11B5DD4A}" type="slidenum">
+            <a:fld id="{D245402F-0BB2-49F3-A402-D73CFE4EBB7C}" type="slidenum">
               <a:t>&lt;#&gt;</a:t>
             </a:fld>
           </a:p>
@@ -16148,7 +16149,7 @@
         <p:txBody>
           <a:bodyPr/>
           <a:p>
-            <a:fld id="{BEEC187E-7142-4E2E-A456-1EC180AAC6C8}" type="slidenum">
+            <a:fld id="{40550BCE-DCD5-4E71-9CF8-6E026E97D4CC}" type="slidenum">
               <a:t>&lt;#&gt;</a:t>
             </a:fld>
           </a:p>
@@ -16268,7 +16269,7 @@
         <p:txBody>
           <a:bodyPr/>
           <a:p>
-            <a:fld id="{7B984987-1415-41BE-B963-FB691EC83A2A}" type="slidenum">
+            <a:fld id="{1DC4905E-4896-4423-9F74-9311102815F6}" type="slidenum">
               <a:t>&lt;#&gt;</a:t>
             </a:fld>
           </a:p>
@@ -16490,7 +16491,7 @@
         <p:txBody>
           <a:bodyPr/>
           <a:p>
-            <a:fld id="{2CA37DFA-3EC6-408C-8A1A-42561809AEE6}" type="slidenum">
+            <a:fld id="{84B4ABF7-DB09-4C27-916B-DA0149598F6C}" type="slidenum">
               <a:t>&lt;#&gt;</a:t>
             </a:fld>
           </a:p>
@@ -16610,7 +16611,7 @@
         <p:txBody>
           <a:bodyPr/>
           <a:p>
-            <a:fld id="{83E2C50B-0FA8-4285-A1D5-7709752427C0}" type="slidenum">
+            <a:fld id="{C6B5C2F1-4707-4AFC-80B7-271C38CD3376}" type="slidenum">
               <a:t>&lt;#&gt;</a:t>
             </a:fld>
           </a:p>
@@ -16832,7 +16833,7 @@
         <p:txBody>
           <a:bodyPr/>
           <a:p>
-            <a:fld id="{87D3AA47-D3AB-4608-AA2C-C78A74EEC298}" type="slidenum">
+            <a:fld id="{EBB2BADF-0053-4D1E-AB70-FC7657CFC26D}" type="slidenum">
               <a:t>&lt;#&gt;</a:t>
             </a:fld>
           </a:p>
@@ -17054,7 +17055,7 @@
         <p:txBody>
           <a:bodyPr/>
           <a:p>
-            <a:fld id="{85752572-8E19-4416-AC21-32922C3C0EA9}" type="slidenum">
+            <a:fld id="{E5E439CD-E46B-47AC-8A98-DBCC0738A02D}" type="slidenum">
               <a:t>&lt;#&gt;</a:t>
             </a:fld>
           </a:p>
@@ -17276,7 +17277,7 @@
         <p:txBody>
           <a:bodyPr/>
           <a:p>
-            <a:fld id="{68607BA2-D3FB-459C-8905-1B81096036E5}" type="slidenum">
+            <a:fld id="{6234E07A-ACA2-461A-9367-F9E4C46B9D83}" type="slidenum">
               <a:t>&lt;#&gt;</a:t>
             </a:fld>
           </a:p>
@@ -17464,7 +17465,7 @@
         <p:txBody>
           <a:bodyPr/>
           <a:p>
-            <a:fld id="{021114A6-E65D-4456-8CF3-0DACB9F2EA7A}" type="slidenum">
+            <a:fld id="{4A66547C-64DF-477D-B3AB-0CD6A38B4B8C}" type="slidenum">
               <a:t>&lt;#&gt;</a:t>
             </a:fld>
           </a:p>
@@ -17720,7 +17721,7 @@
         <p:txBody>
           <a:bodyPr/>
           <a:p>
-            <a:fld id="{6460F6D9-19A6-4B45-9071-CD684ACA725E}" type="slidenum">
+            <a:fld id="{6C8D1014-F7F6-45EF-94BE-D2FA9D07C31E}" type="slidenum">
               <a:t>&lt;#&gt;</a:t>
             </a:fld>
           </a:p>
@@ -18044,7 +18045,7 @@
         <p:txBody>
           <a:bodyPr/>
           <a:p>
-            <a:fld id="{B102C472-14AA-4BEF-B386-DC57DFCBF837}" type="slidenum">
+            <a:fld id="{40740621-02C8-4D62-A6A7-6A384EA4E98B}" type="slidenum">
               <a:t>&lt;#&gt;</a:t>
             </a:fld>
           </a:p>
@@ -25039,7 +25040,7 @@
               </a:lnSpc>
               <a:buNone/>
             </a:pPr>
-            <a:fld id="{E1D36CD9-610A-4C5F-8286-588CE521CCB4}" type="slidenum">
+            <a:fld id="{E14F0121-66C9-4FD7-B296-E50398ADECE0}" type="slidenum">
               <a:rPr b="0" lang="en-US" sz="1400" spc="-1" strike="noStrike">
                 <a:latin typeface="Arial"/>
               </a:rPr>
@@ -25133,7 +25134,49 @@
               <a:rPr b="0" lang="en-US" sz="4400" spc="-1" strike="noStrike">
                 <a:latin typeface="Arial"/>
               </a:rPr>
-              <a:t>Click to edit the title text format</a:t>
+              <a:t>Click </a:t>
+            </a:r>
+            <a:r>
+              <a:rPr b="0" lang="en-US" sz="4400" spc="-1" strike="noStrike">
+                <a:latin typeface="Arial"/>
+              </a:rPr>
+              <a:t>to </a:t>
+            </a:r>
+            <a:r>
+              <a:rPr b="0" lang="en-US" sz="4400" spc="-1" strike="noStrike">
+                <a:latin typeface="Arial"/>
+              </a:rPr>
+              <a:t>edit </a:t>
+            </a:r>
+            <a:r>
+              <a:rPr b="0" lang="en-US" sz="4400" spc="-1" strike="noStrike">
+                <a:latin typeface="Arial"/>
+              </a:rPr>
+              <a:t>the </a:t>
+            </a:r>
+            <a:r>
+              <a:rPr b="0" lang="en-US" sz="4400" spc="-1" strike="noStrike">
+                <a:latin typeface="Arial"/>
+              </a:rPr>
+              <a:t>title </a:t>
+            </a:r>
+            <a:r>
+              <a:rPr b="0" lang="en-US" sz="4400" spc="-1" strike="noStrike">
+                <a:latin typeface="Arial"/>
+              </a:rPr>
+              <a:t>text </a:t>
+            </a:r>
+            <a:r>
+              <a:rPr b="0" lang="en-US" sz="4400" spc="-1" strike="noStrike">
+                <a:latin typeface="Arial"/>
+              </a:rPr>
+              <a:t>form</a:t>
+            </a:r>
+            <a:r>
+              <a:rPr b="0" lang="en-US" sz="4400" spc="-1" strike="noStrike">
+                <a:latin typeface="Arial"/>
+              </a:rPr>
+              <a:t>at</a:t>
             </a:r>
             <a:endParaRPr b="0" lang="en-US" sz="4400" spc="-1" strike="noStrike">
               <a:latin typeface="Arial"/>
@@ -27455,7 +27498,7 @@
               </a:lnSpc>
               <a:buNone/>
             </a:pPr>
-            <a:fld id="{9B7B44D4-18BB-4AA8-AB9E-9780FCAD6C93}" type="slidenum">
+            <a:fld id="{71AA6580-1D25-43CE-911A-573B1D460E7F}" type="slidenum">
               <a:rPr b="0" lang="en-US" sz="1400" spc="-1" strike="noStrike">
                 <a:latin typeface="Arial"/>
               </a:rPr>
@@ -29871,7 +29914,7 @@
               </a:lnSpc>
               <a:buNone/>
             </a:pPr>
-            <a:fld id="{F219F43A-17E5-4D5A-875C-B758A657CFDF}" type="slidenum">
+            <a:fld id="{39F29F80-C47A-4916-BCF1-335C417CE2A7}" type="slidenum">
               <a:rPr b="0" lang="en-US" sz="1400" spc="-1" strike="noStrike">
                 <a:latin typeface="Arial"/>
               </a:rPr>
@@ -33288,7 +33331,7 @@
               </a:lnSpc>
               <a:buNone/>
             </a:pPr>
-            <a:fld id="{0F225844-A7F2-4233-AEE7-F8638D8CB446}" type="slidenum">
+            <a:fld id="{AEB72BF3-E76C-4FBE-A9BA-D45E535B2740}" type="slidenum">
               <a:rPr b="0" lang="en-US" sz="1400" spc="-1" strike="noStrike">
                 <a:latin typeface="Arial"/>
               </a:rPr>
@@ -37542,7 +37585,7 @@
               </a:lnSpc>
               <a:buNone/>
             </a:pPr>
-            <a:fld id="{4F2C80F1-726A-4F2F-BAAD-43CE230B730D}" type="slidenum">
+            <a:fld id="{EB569336-CBFD-42ED-81A5-1F8DA3822CC8}" type="slidenum">
               <a:rPr b="0" lang="en-US" sz="1400" spc="-1" strike="noStrike">
                 <a:latin typeface="Arial"/>
               </a:rPr>
@@ -39958,7 +40001,7 @@
               </a:lnSpc>
               <a:buNone/>
             </a:pPr>
-            <a:fld id="{1959EF72-1BE8-4AA1-92B9-9E4BC05F0897}" type="slidenum">
+            <a:fld id="{5C53FC3E-3377-4E09-BE17-697F3C9176FE}" type="slidenum">
               <a:rPr b="0" lang="en-US" sz="1400" spc="-1" strike="noStrike">
                 <a:latin typeface="Arial"/>
               </a:rPr>
@@ -44212,7 +44255,7 @@
               </a:lnSpc>
               <a:buNone/>
             </a:pPr>
-            <a:fld id="{84457315-5ED9-4FF1-82A8-D7B65E445767}" type="slidenum">
+            <a:fld id="{07C7FE47-8ACF-492E-B72C-8AEEA5B2699D}" type="slidenum">
               <a:rPr b="0" lang="en-US" sz="1400" spc="-1" strike="noStrike">
                 <a:latin typeface="Arial"/>
               </a:rPr>
@@ -48466,7 +48509,7 @@
               </a:lnSpc>
               <a:buNone/>
             </a:pPr>
-            <a:fld id="{1D660E38-74AA-44B1-AD85-EFCFE6E4EE3E}" type="slidenum">
+            <a:fld id="{B5F2907A-ABC9-4864-92D9-D5646127A7CC}" type="slidenum">
               <a:rPr b="0" lang="en-US" sz="1400" spc="-1" strike="noStrike">
                 <a:latin typeface="Arial"/>
               </a:rPr>
@@ -48991,88 +49034,23 @@
               <a:buNone/>
             </a:pPr>
             <a:r>
-              <a:rPr b="0" lang="en-US" sz="4400" spc="-1" strike="noStrike">
+              <a:rPr b="0" lang="ja-JP" sz="4400" spc="-1" strike="noStrike">
                 <a:latin typeface="Arial"/>
+                <a:ea typeface="Noto Sans CJK JP"/>
               </a:rPr>
-              <a:t>SA</a:t>
+              <a:t>階差系列を</a:t>
             </a:r>
             <a:r>
               <a:rPr b="0" lang="en-US" sz="4400" spc="-1" strike="noStrike">
                 <a:latin typeface="Arial"/>
               </a:rPr>
-              <a:t>RIM</a:t>
-            </a:r>
-            <a:r>
-              <a:rPr b="0" lang="en-US" sz="4400" spc="-1" strike="noStrike">
-                <a:latin typeface="Arial"/>
-              </a:rPr>
-              <a:t>A</a:t>
+              <a:t>SARIMA</a:t>
             </a:r>
             <a:r>
               <a:rPr b="0" lang="ja-JP" sz="4400" spc="-1" strike="noStrike">
                 <a:latin typeface="Arial"/>
               </a:rPr>
-              <a:t>モ</a:t>
-            </a:r>
-            <a:r>
-              <a:rPr b="0" lang="ja-JP" sz="4400" spc="-1" strike="noStrike">
-                <a:latin typeface="Arial"/>
-              </a:rPr>
-              <a:t>デ</a:t>
-            </a:r>
-            <a:r>
-              <a:rPr b="0" lang="ja-JP" sz="4400" spc="-1" strike="noStrike">
-                <a:latin typeface="Arial"/>
-              </a:rPr>
-              <a:t>ル</a:t>
-            </a:r>
-            <a:r>
-              <a:rPr b="0" lang="ja-JP" sz="4400" spc="-1" strike="noStrike">
-                <a:latin typeface="Arial"/>
-              </a:rPr>
-              <a:t>で</a:t>
-            </a:r>
-            <a:r>
-              <a:rPr b="0" lang="ja-JP" sz="4400" spc="-1" strike="noStrike">
-                <a:latin typeface="Arial"/>
-              </a:rPr>
-              <a:t>階</a:t>
-            </a:r>
-            <a:r>
-              <a:rPr b="0" lang="ja-JP" sz="4400" spc="-1" strike="noStrike">
-                <a:latin typeface="Arial"/>
-              </a:rPr>
-              <a:t>差</a:t>
-            </a:r>
-            <a:r>
-              <a:rPr b="0" lang="ja-JP" sz="4400" spc="-1" strike="noStrike">
-                <a:latin typeface="Arial"/>
-              </a:rPr>
-              <a:t>系</a:t>
-            </a:r>
-            <a:r>
-              <a:rPr b="0" lang="ja-JP" sz="4400" spc="-1" strike="noStrike">
-                <a:latin typeface="Arial"/>
-              </a:rPr>
-              <a:t>列</a:t>
-            </a:r>
-            <a:r>
-              <a:rPr b="0" lang="ja-JP" sz="4400" spc="-1" strike="noStrike">
-                <a:latin typeface="Arial"/>
-              </a:rPr>
-              <a:t>を</a:t>
-            </a:r>
-            <a:r>
-              <a:rPr b="0" lang="ja-JP" sz="4400" spc="-1" strike="noStrike">
-                <a:latin typeface="Arial"/>
-              </a:rPr>
-              <a:t>予</a:t>
-            </a:r>
-            <a:r>
-              <a:rPr b="0" lang="ja-JP" sz="4400" spc="-1" strike="noStrike">
-                <a:latin typeface="Arial"/>
-              </a:rPr>
-              <a:t>測</a:t>
+              <a:t>でモデリング</a:t>
             </a:r>
             <a:endParaRPr b="0" lang="en-US" sz="4400" spc="-1" strike="noStrike">
               <a:latin typeface="Arial"/>
@@ -49253,13 +49231,7 @@
                         <a:rPr b="0" lang="ja-JP" sz="1800" spc="-1" strike="noStrike">
                           <a:latin typeface="Arial"/>
                         </a:rPr>
-                        <a:t>季節性な</a:t>
-                      </a:r>
-                      <a:r>
-                        <a:rPr b="0" lang="ja-JP" sz="1800" spc="-1" strike="noStrike">
-                          <a:latin typeface="Arial"/>
-                        </a:rPr>
-                        <a:t>し</a:t>
+                        <a:t>季節性なし</a:t>
                       </a:r>
                       <a:endParaRPr b="0" lang="en-US" sz="1800" spc="-1" strike="noStrike">
                         <a:latin typeface="Arial"/>
@@ -49302,19 +49274,7 @@
                         <a:rPr b="0" lang="en-US" sz="1800" spc="-1" strike="noStrike">
                           <a:latin typeface="Arial"/>
                         </a:rPr>
-                        <a:t>21.142710</a:t>
-                      </a:r>
-                      <a:r>
-                        <a:rPr b="0" lang="en-US" sz="1800" spc="-1" strike="noStrike">
-                          <a:latin typeface="Arial"/>
-                        </a:rPr>
-                        <a:t>56958414</a:t>
-                      </a:r>
-                      <a:r>
-                        <a:rPr b="0" lang="en-US" sz="1800" spc="-1" strike="noStrike">
-                          <a:latin typeface="Arial"/>
-                        </a:rPr>
-                        <a:t>6</a:t>
+                        <a:t>5.223254280744458</a:t>
                       </a:r>
                       <a:endParaRPr b="0" lang="en-US" sz="1800" spc="-1" strike="noStrike">
                         <a:latin typeface="Arial"/>
@@ -49357,13 +49317,7 @@
                         <a:rPr b="0" lang="en-US" sz="1800" spc="-1" strike="noStrike">
                           <a:latin typeface="Arial"/>
                         </a:rPr>
-                        <a:t>2878.3333</a:t>
-                      </a:r>
-                      <a:r>
-                        <a:rPr b="0" lang="en-US" sz="1800" spc="-1" strike="noStrike">
-                          <a:latin typeface="Arial"/>
-                        </a:rPr>
-                        <a:t>92906981</a:t>
+                        <a:t>2667.334893233926</a:t>
                       </a:r>
                       <a:endParaRPr b="0" lang="en-US" sz="1800" spc="-1" strike="noStrike">
                         <a:latin typeface="Arial"/>
@@ -49435,13 +49389,7 @@
                         <a:rPr b="0" lang="ja-JP" sz="1800" spc="-1" strike="noStrike">
                           <a:latin typeface="Arial"/>
                         </a:rPr>
-                        <a:t>季節性あ</a:t>
-                      </a:r>
-                      <a:r>
-                        <a:rPr b="0" lang="ja-JP" sz="1800" spc="-1" strike="noStrike">
-                          <a:latin typeface="Arial"/>
-                        </a:rPr>
-                        <a:t>り</a:t>
+                        <a:t>季節性あり</a:t>
                       </a:r>
                       <a:endParaRPr b="0" lang="en-US" sz="1800" spc="-1" strike="noStrike">
                         <a:latin typeface="Arial"/>
@@ -49484,13 +49432,7 @@
                         <a:rPr b="0" lang="en-US" sz="1800" spc="-1" strike="noStrike">
                           <a:latin typeface="Arial"/>
                         </a:rPr>
-                        <a:t>18.200873</a:t>
-                      </a:r>
-                      <a:r>
-                        <a:rPr b="0" lang="en-US" sz="1800" spc="-1" strike="noStrike">
-                          <a:latin typeface="Arial"/>
-                        </a:rPr>
-                        <a:t>53558311</a:t>
+                        <a:t>5.992003376505201</a:t>
                       </a:r>
                       <a:endParaRPr b="0" lang="en-US" sz="1800" spc="-1" strike="noStrike">
                         <a:latin typeface="Arial"/>
@@ -49533,13 +49475,7 @@
                         <a:rPr b="0" lang="en-US" sz="1800" spc="-1" strike="noStrike">
                           <a:latin typeface="Arial"/>
                         </a:rPr>
-                        <a:t>2650.1216</a:t>
-                      </a:r>
-                      <a:r>
-                        <a:rPr b="0" lang="en-US" sz="1800" spc="-1" strike="noStrike">
-                          <a:latin typeface="Arial"/>
-                        </a:rPr>
-                        <a:t>59168074</a:t>
+                        <a:t>2424.6680574648253</a:t>
                       </a:r>
                       <a:endParaRPr b="0" lang="en-US" sz="1800" spc="-1" strike="noStrike">
                         <a:latin typeface="Arial"/>
@@ -49604,6 +49540,182 @@
           </a:graphicData>
         </a:graphic>
       </p:graphicFrame>
+    </p:spTree>
+  </p:cSld>
+  <mc:AlternateContent>
+    <mc:Choice Requires="p14">
+      <p:transition spd="slow" p14:dur="2000"/>
+    </mc:Choice>
+    <mc:Fallback>
+      <p:transition spd="slow"/>
+    </mc:Fallback>
+  </mc:AlternateContent>
+</p:sld>
+</file>
+
+<file path=ppt/slides/slide11.xml><?xml version="1.0" encoding="utf-8"?>
+<p:sld xmlns:a="http://schemas.openxmlformats.org/drawingml/2006/main" xmlns:p="http://schemas.openxmlformats.org/presentationml/2006/main" xmlns:r="http://schemas.openxmlformats.org/officeDocument/2006/relationships" xmlns:p14="http://schemas.microsoft.com/office/powerpoint/2010/main" xmlns:p15="http://schemas.microsoft.com/office/powerpoint/2012/main" xmlns:mc="http://schemas.openxmlformats.org/markup-compatibility/2006">
+  <p:cSld>
+    <p:spTree>
+      <p:nvGrpSpPr>
+        <p:cNvPr id="1" name=""/>
+        <p:cNvGrpSpPr/>
+        <p:nvPr/>
+      </p:nvGrpSpPr>
+      <p:grpSpPr>
+        <a:xfrm>
+          <a:off x="0" y="0"/>
+          <a:ext cx="0" cy="0"/>
+          <a:chOff x="0" y="0"/>
+          <a:chExt cx="0" cy="0"/>
+        </a:xfrm>
+      </p:grpSpPr>
+      <p:sp>
+        <p:nvSpPr>
+          <p:cNvPr id="711" name="PlaceHolder 1"/>
+          <p:cNvSpPr>
+            <a:spLocks noGrp="1"/>
+          </p:cNvSpPr>
+          <p:nvPr>
+            <p:ph type="title"/>
+          </p:nvPr>
+        </p:nvSpPr>
+        <p:spPr>
+          <a:xfrm>
+            <a:off x="180000" y="-181080"/>
+            <a:ext cx="9900000" cy="1621080"/>
+          </a:xfrm>
+          <a:prstGeom prst="rect">
+            <a:avLst/>
+          </a:prstGeom>
+          <a:noFill/>
+          <a:ln w="0">
+            <a:noFill/>
+          </a:ln>
+        </p:spPr>
+        <p:txBody>
+          <a:bodyPr lIns="0" rIns="0" tIns="0" bIns="0" anchor="ctr">
+            <a:noAutofit/>
+          </a:bodyPr>
+          <a:p>
+            <a:pPr algn="ctr">
+              <a:lnSpc>
+                <a:spcPct val="100000"/>
+              </a:lnSpc>
+              <a:buNone/>
+            </a:pPr>
+            <a:r>
+              <a:rPr b="0" lang="en-US" sz="4400" spc="-1" strike="noStrike">
+                <a:latin typeface="Arial"/>
+              </a:rPr>
+              <a:t>SARIMA</a:t>
+            </a:r>
+            <a:r>
+              <a:rPr b="0" lang="ja-JP" sz="4400" spc="-1" strike="noStrike">
+                <a:latin typeface="Arial"/>
+              </a:rPr>
+              <a:t>モデルで階差系列を予測</a:t>
+            </a:r>
+            <a:endParaRPr b="0" lang="en-US" sz="4400" spc="-1" strike="noStrike">
+              <a:latin typeface="Arial"/>
+            </a:endParaRPr>
+          </a:p>
+        </p:txBody>
+      </p:sp>
+      <p:pic>
+        <p:nvPicPr>
+          <p:cNvPr id="712" name="" descr=""/>
+          <p:cNvPicPr/>
+          <p:nvPr/>
+        </p:nvPicPr>
+        <p:blipFill>
+          <a:blip r:embed="rId1"/>
+          <a:stretch/>
+        </p:blipFill>
+        <p:spPr>
+          <a:xfrm>
+            <a:off x="180000" y="1080000"/>
+            <a:ext cx="7560360" cy="3780000"/>
+          </a:xfrm>
+          <a:prstGeom prst="rect">
+            <a:avLst/>
+          </a:prstGeom>
+          <a:ln w="0">
+            <a:noFill/>
+          </a:ln>
+        </p:spPr>
+      </p:pic>
+      <p:sp>
+        <p:nvSpPr>
+          <p:cNvPr id="713" name=""/>
+          <p:cNvSpPr txBox="1"/>
+          <p:nvPr/>
+        </p:nvSpPr>
+        <p:spPr>
+          <a:xfrm>
+            <a:off x="7560000" y="1800000"/>
+            <a:ext cx="2160000" cy="1775880"/>
+          </a:xfrm>
+          <a:prstGeom prst="rect">
+            <a:avLst/>
+          </a:prstGeom>
+          <a:noFill/>
+          <a:ln w="0">
+            <a:noFill/>
+          </a:ln>
+        </p:spPr>
+        <p:txBody>
+          <a:bodyPr lIns="90000" rIns="90000" tIns="45000" bIns="45000" anchor="t">
+            <a:noAutofit/>
+          </a:bodyPr>
+          <a:p>
+            <a:r>
+              <a:rPr b="0" lang="en-US" sz="1800" spc="-1" strike="noStrike">
+                <a:latin typeface="Arial"/>
+              </a:rPr>
+              <a:t>Train 1987-03</a:t>
+            </a:r>
+            <a:r>
+              <a:rPr b="0" lang="ja-JP" sz="1800" spc="-1" strike="noStrike">
+                <a:latin typeface="Arial"/>
+              </a:rPr>
+              <a:t>から</a:t>
+            </a:r>
+            <a:r>
+              <a:rPr b="0" lang="en-US" sz="1800" spc="-1" strike="noStrike">
+                <a:latin typeface="Arial"/>
+              </a:rPr>
+              <a:t>2019-12</a:t>
+            </a:r>
+            <a:endParaRPr b="0" lang="en-US" sz="1800" spc="-1" strike="noStrike">
+              <a:latin typeface="Arial"/>
+            </a:endParaRPr>
+          </a:p>
+          <a:p>
+            <a:r>
+              <a:rPr b="0" lang="en-US" sz="1800" spc="-1" strike="noStrike">
+                <a:latin typeface="Arial"/>
+              </a:rPr>
+              <a:t>Test 2020-01</a:t>
+            </a:r>
+            <a:r>
+              <a:rPr b="0" lang="ja-JP" sz="1800" spc="-1" strike="noStrike">
+                <a:latin typeface="Arial"/>
+              </a:rPr>
+              <a:t>から</a:t>
+            </a:r>
+            <a:r>
+              <a:rPr b="0" lang="en-US" sz="1800" spc="-1" strike="noStrike">
+                <a:latin typeface="Arial"/>
+              </a:rPr>
+              <a:t>2024-08</a:t>
+            </a:r>
+            <a:endParaRPr b="0" lang="en-US" sz="1800" spc="-1" strike="noStrike">
+              <a:latin typeface="Arial"/>
+            </a:endParaRPr>
+          </a:p>
+        </p:txBody>
+      </p:sp>
     </p:spTree>
   </p:cSld>
   <mc:AlternateContent>

--- a/time_series/time_series.pptx
+++ b/time_series/time_series.pptx
@@ -82,7 +82,7 @@
         <p:txBody>
           <a:bodyPr/>
           <a:p>
-            <a:fld id="{AA03DA0C-21A3-4328-84F1-FA01AEC85305}" type="slidenum">
+            <a:fld id="{DF3DFA4F-E4E0-482F-8F95-EEE7353B9395}" type="slidenum">
               <a:t>&lt;#&gt;</a:t>
             </a:fld>
           </a:p>
@@ -270,7 +270,7 @@
         <p:txBody>
           <a:bodyPr/>
           <a:p>
-            <a:fld id="{7D65A2DB-3A0B-4CA8-8F3C-3DDA929FC5F7}" type="slidenum">
+            <a:fld id="{2D3640CB-5157-4A9A-929F-F8DA69FE17E1}" type="slidenum">
               <a:t>&lt;#&gt;</a:t>
             </a:fld>
           </a:p>
@@ -526,7 +526,7 @@
         <p:txBody>
           <a:bodyPr/>
           <a:p>
-            <a:fld id="{B98A91B1-BD36-4EDF-ACC6-D55CF0E8CE6B}" type="slidenum">
+            <a:fld id="{43F759B4-9185-4DE1-B258-9B96B1D4F033}" type="slidenum">
               <a:t>&lt;#&gt;</a:t>
             </a:fld>
           </a:p>
@@ -850,7 +850,7 @@
         <p:txBody>
           <a:bodyPr/>
           <a:p>
-            <a:fld id="{967BA800-787B-4A5C-B2F5-E04DC0D90B40}" type="slidenum">
+            <a:fld id="{A6D8C8E0-48C7-4489-A1F9-D572D9620B51}" type="slidenum">
               <a:t>&lt;#&gt;</a:t>
             </a:fld>
           </a:p>
@@ -933,7 +933,7 @@
         <p:txBody>
           <a:bodyPr/>
           <a:p>
-            <a:fld id="{30D33C38-AD41-4805-A715-0D48829E3BCD}" type="slidenum">
+            <a:fld id="{28F23046-9E21-4FC8-830C-CE8C05A37340}" type="slidenum">
               <a:t>&lt;#&gt;</a:t>
             </a:fld>
           </a:p>
@@ -1090,7 +1090,7 @@
         <p:txBody>
           <a:bodyPr/>
           <a:p>
-            <a:fld id="{FF1EE7B6-D6E4-4AEA-92B1-E8718B11D638}" type="slidenum">
+            <a:fld id="{37593E58-39E8-49A8-99F4-FD8C0BF7BBE4}" type="slidenum">
               <a:t>&lt;#&gt;</a:t>
             </a:fld>
           </a:p>
@@ -1244,7 +1244,7 @@
         <p:txBody>
           <a:bodyPr/>
           <a:p>
-            <a:fld id="{17CEAD8A-285D-40E5-9E5A-B27094B9D25B}" type="slidenum">
+            <a:fld id="{DA26CE2E-9864-4482-8F01-ECC91962125C}" type="slidenum">
               <a:t>&lt;#&gt;</a:t>
             </a:fld>
           </a:p>
@@ -1432,7 +1432,7 @@
         <p:txBody>
           <a:bodyPr/>
           <a:p>
-            <a:fld id="{DE9D525D-B91C-4A95-B1C6-A8C658169AB0}" type="slidenum">
+            <a:fld id="{485F3F7A-473E-4548-9BFB-253E5BACE02B}" type="slidenum">
               <a:t>&lt;#&gt;</a:t>
             </a:fld>
           </a:p>
@@ -1552,7 +1552,7 @@
         <p:txBody>
           <a:bodyPr/>
           <a:p>
-            <a:fld id="{C914FE8D-A952-44E3-BB63-8E7111640557}" type="slidenum">
+            <a:fld id="{EBECB5E1-7B46-404F-ACA0-ACCEA8A02749}" type="slidenum">
               <a:t>&lt;#&gt;</a:t>
             </a:fld>
           </a:p>
@@ -1672,7 +1672,7 @@
         <p:txBody>
           <a:bodyPr/>
           <a:p>
-            <a:fld id="{A1590B05-3DE6-4076-A0A4-1B9592DE04F4}" type="slidenum">
+            <a:fld id="{CDD7933E-BDE5-49AF-8B64-5EBB4F48C2FE}" type="slidenum">
               <a:t>&lt;#&gt;</a:t>
             </a:fld>
           </a:p>
@@ -1894,7 +1894,7 @@
         <p:txBody>
           <a:bodyPr/>
           <a:p>
-            <a:fld id="{D11871B5-80C3-4295-8AAE-B1245679A19A}" type="slidenum">
+            <a:fld id="{B5499B40-3565-41A4-BD30-94B54C8E30B3}" type="slidenum">
               <a:t>&lt;#&gt;</a:t>
             </a:fld>
           </a:p>
@@ -2051,7 +2051,7 @@
         <p:txBody>
           <a:bodyPr/>
           <a:p>
-            <a:fld id="{92AA177A-3568-4850-84B1-33FE166BB507}" type="slidenum">
+            <a:fld id="{298F442F-E27F-4590-A416-AE7707AFB12B}" type="slidenum">
               <a:t>&lt;#&gt;</a:t>
             </a:fld>
           </a:p>
@@ -2273,7 +2273,7 @@
         <p:txBody>
           <a:bodyPr/>
           <a:p>
-            <a:fld id="{4BF06822-116C-4CB9-8262-DC98DA49C00A}" type="slidenum">
+            <a:fld id="{CB439D0F-1D5C-47A2-9DEF-97CFCFE8D6F7}" type="slidenum">
               <a:t>&lt;#&gt;</a:t>
             </a:fld>
           </a:p>
@@ -2495,7 +2495,7 @@
         <p:txBody>
           <a:bodyPr/>
           <a:p>
-            <a:fld id="{A3C2FEC9-B0D5-43D1-979C-D2E6B9C74E41}" type="slidenum">
+            <a:fld id="{F1986F5C-F299-4BF3-BC8D-C777904BA573}" type="slidenum">
               <a:t>&lt;#&gt;</a:t>
             </a:fld>
           </a:p>
@@ -2683,7 +2683,7 @@
         <p:txBody>
           <a:bodyPr/>
           <a:p>
-            <a:fld id="{D5D4000A-9FD1-4856-ADE2-D7D7F636C6B9}" type="slidenum">
+            <a:fld id="{F7A62FCE-7D5E-44D3-A366-5D9F19ACCB61}" type="slidenum">
               <a:t>&lt;#&gt;</a:t>
             </a:fld>
           </a:p>
@@ -2939,7 +2939,7 @@
         <p:txBody>
           <a:bodyPr/>
           <a:p>
-            <a:fld id="{9EC3E456-EEC4-42E0-B082-5A2577A9EDED}" type="slidenum">
+            <a:fld id="{ACDD35E3-5573-477D-AA9E-B628A4845099}" type="slidenum">
               <a:t>&lt;#&gt;</a:t>
             </a:fld>
           </a:p>
@@ -3263,7 +3263,7 @@
         <p:txBody>
           <a:bodyPr/>
           <a:p>
-            <a:fld id="{28420358-097B-4B65-99E3-1D23AF3052E3}" type="slidenum">
+            <a:fld id="{0CB1047B-5D76-401C-A3C8-C3A8FAE5809F}" type="slidenum">
               <a:t>&lt;#&gt;</a:t>
             </a:fld>
           </a:p>
@@ -3346,7 +3346,7 @@
         <p:txBody>
           <a:bodyPr/>
           <a:p>
-            <a:fld id="{FD88A9DA-237D-481A-AEAC-0A4F50B59184}" type="slidenum">
+            <a:fld id="{A9BB6591-0904-4BF3-931D-2BE1B2AE1FB4}" type="slidenum">
               <a:t>&lt;#&gt;</a:t>
             </a:fld>
           </a:p>
@@ -3503,7 +3503,7 @@
         <p:txBody>
           <a:bodyPr/>
           <a:p>
-            <a:fld id="{9966B580-565E-4996-BE8C-82D01510B62F}" type="slidenum">
+            <a:fld id="{CF09FDEC-6A80-4FA8-9BC1-0BAE739D6370}" type="slidenum">
               <a:t>&lt;#&gt;</a:t>
             </a:fld>
           </a:p>
@@ -3657,7 +3657,7 @@
         <p:txBody>
           <a:bodyPr/>
           <a:p>
-            <a:fld id="{2E1DD3E9-2FB3-4634-920D-CCAC473B4DF5}" type="slidenum">
+            <a:fld id="{908305F4-5AC1-4FC4-86FF-AFCE417E98FA}" type="slidenum">
               <a:t>&lt;#&gt;</a:t>
             </a:fld>
           </a:p>
@@ -3845,7 +3845,7 @@
         <p:txBody>
           <a:bodyPr/>
           <a:p>
-            <a:fld id="{8BAA3EFA-2D36-4CA8-9572-43C346E2820C}" type="slidenum">
+            <a:fld id="{A96D5112-9FD0-4DAB-9639-8CBEA495903D}" type="slidenum">
               <a:t>&lt;#&gt;</a:t>
             </a:fld>
           </a:p>
@@ -3965,7 +3965,7 @@
         <p:txBody>
           <a:bodyPr/>
           <a:p>
-            <a:fld id="{3E2AF06F-B85A-4A9E-8CA7-B4E53367A0FC}" type="slidenum">
+            <a:fld id="{03153BDC-B4CC-4A6F-8377-C1E757F2A861}" type="slidenum">
               <a:t>&lt;#&gt;</a:t>
             </a:fld>
           </a:p>
@@ -4119,7 +4119,7 @@
         <p:txBody>
           <a:bodyPr/>
           <a:p>
-            <a:fld id="{46D20C1A-3088-42D5-97D6-78E18430FA48}" type="slidenum">
+            <a:fld id="{B114987D-E3AA-401B-8816-11DD55F79009}" type="slidenum">
               <a:t>&lt;#&gt;</a:t>
             </a:fld>
           </a:p>
@@ -4239,7 +4239,7 @@
         <p:txBody>
           <a:bodyPr/>
           <a:p>
-            <a:fld id="{8AC3F43C-4FBE-4BAC-8CB2-F9F06DD9BA92}" type="slidenum">
+            <a:fld id="{27169590-7569-4B13-B4DF-5DAB24D54326}" type="slidenum">
               <a:t>&lt;#&gt;</a:t>
             </a:fld>
           </a:p>
@@ -4461,7 +4461,7 @@
         <p:txBody>
           <a:bodyPr/>
           <a:p>
-            <a:fld id="{0B599679-1BBE-4C2A-95CF-0B1D83ECF576}" type="slidenum">
+            <a:fld id="{9A073C35-C471-4344-9E75-C7A2C8C4A5D3}" type="slidenum">
               <a:t>&lt;#&gt;</a:t>
             </a:fld>
           </a:p>
@@ -4683,7 +4683,7 @@
         <p:txBody>
           <a:bodyPr/>
           <a:p>
-            <a:fld id="{F246BFB8-A410-4723-9489-7523FB507043}" type="slidenum">
+            <a:fld id="{E78D6145-111B-48AF-870F-DDF375DB40A9}" type="slidenum">
               <a:t>&lt;#&gt;</a:t>
             </a:fld>
           </a:p>
@@ -4905,7 +4905,7 @@
         <p:txBody>
           <a:bodyPr/>
           <a:p>
-            <a:fld id="{3AE11E28-2EE0-4912-AF33-5901E0B3B443}" type="slidenum">
+            <a:fld id="{64B4F947-607E-417C-936B-D2A71EC4E227}" type="slidenum">
               <a:t>&lt;#&gt;</a:t>
             </a:fld>
           </a:p>
@@ -5093,7 +5093,7 @@
         <p:txBody>
           <a:bodyPr/>
           <a:p>
-            <a:fld id="{5F9B7739-9939-455E-8F50-4A7DDF1BA68F}" type="slidenum">
+            <a:fld id="{6B6340C7-7E7E-4280-923D-0FD7C19D2C4C}" type="slidenum">
               <a:t>&lt;#&gt;</a:t>
             </a:fld>
           </a:p>
@@ -5349,7 +5349,7 @@
         <p:txBody>
           <a:bodyPr/>
           <a:p>
-            <a:fld id="{F72423B6-A9EF-4758-8E36-F9CD92232BA3}" type="slidenum">
+            <a:fld id="{349B4C1A-6297-4930-A396-DE7DBDA93024}" type="slidenum">
               <a:t>&lt;#&gt;</a:t>
             </a:fld>
           </a:p>
@@ -5673,7 +5673,7 @@
         <p:txBody>
           <a:bodyPr/>
           <a:p>
-            <a:fld id="{97443095-C097-43F4-AF76-22DA9F3E3E2C}" type="slidenum">
+            <a:fld id="{EFE98153-9C97-4D9D-8F68-B35EBBA9689B}" type="slidenum">
               <a:t>&lt;#&gt;</a:t>
             </a:fld>
           </a:p>
@@ -5756,7 +5756,7 @@
         <p:txBody>
           <a:bodyPr/>
           <a:p>
-            <a:fld id="{E2B35B8D-46F7-4C29-99CF-031937E0917C}" type="slidenum">
+            <a:fld id="{BD00EF06-D4CD-44C8-92D8-7259120E3C77}" type="slidenum">
               <a:t>&lt;#&gt;</a:t>
             </a:fld>
           </a:p>
@@ -5913,7 +5913,7 @@
         <p:txBody>
           <a:bodyPr/>
           <a:p>
-            <a:fld id="{A6710111-8D87-403E-BCAD-095FC3019EB8}" type="slidenum">
+            <a:fld id="{F06A3D8D-35A7-4FD1-95BA-B4FFEC37691F}" type="slidenum">
               <a:t>&lt;#&gt;</a:t>
             </a:fld>
           </a:p>
@@ -6067,7 +6067,7 @@
         <p:txBody>
           <a:bodyPr/>
           <a:p>
-            <a:fld id="{08B83F34-13F7-484B-A99B-F99D0A144472}" type="slidenum">
+            <a:fld id="{D795AE88-C12B-49C8-81E4-4C434A573E12}" type="slidenum">
               <a:t>&lt;#&gt;</a:t>
             </a:fld>
           </a:p>
@@ -6255,7 +6255,7 @@
         <p:txBody>
           <a:bodyPr/>
           <a:p>
-            <a:fld id="{218FEA0F-06A8-44B0-A999-D75E40BEFCE1}" type="slidenum">
+            <a:fld id="{4268F026-AA30-4D26-B4BF-B4390F3A6F60}" type="slidenum">
               <a:t>&lt;#&gt;</a:t>
             </a:fld>
           </a:p>
@@ -6443,7 +6443,7 @@
         <p:txBody>
           <a:bodyPr/>
           <a:p>
-            <a:fld id="{1EB3B4CC-E30B-4025-8282-1DD7AA89BE33}" type="slidenum">
+            <a:fld id="{12862689-F65D-4802-9B22-C8EE76681A4C}" type="slidenum">
               <a:t>&lt;#&gt;</a:t>
             </a:fld>
           </a:p>
@@ -6563,7 +6563,7 @@
         <p:txBody>
           <a:bodyPr/>
           <a:p>
-            <a:fld id="{2F949EEA-5980-41E5-BE39-618467A7E0B5}" type="slidenum">
+            <a:fld id="{8F8ED5F8-8DB9-45D5-AA48-A8C02EC8C850}" type="slidenum">
               <a:t>&lt;#&gt;</a:t>
             </a:fld>
           </a:p>
@@ -6683,7 +6683,7 @@
         <p:txBody>
           <a:bodyPr/>
           <a:p>
-            <a:fld id="{D4592470-586D-4060-9A23-12A85CB526E2}" type="slidenum">
+            <a:fld id="{7D81113D-9402-4F7B-A729-C33C33F58964}" type="slidenum">
               <a:t>&lt;#&gt;</a:t>
             </a:fld>
           </a:p>
@@ -6905,7 +6905,7 @@
         <p:txBody>
           <a:bodyPr/>
           <a:p>
-            <a:fld id="{763E4AA2-FC0B-423B-81B0-002428D678F5}" type="slidenum">
+            <a:fld id="{773587D6-693C-4156-9D21-783496CF640A}" type="slidenum">
               <a:t>&lt;#&gt;</a:t>
             </a:fld>
           </a:p>
@@ -7127,7 +7127,7 @@
         <p:txBody>
           <a:bodyPr/>
           <a:p>
-            <a:fld id="{6D7A0F70-1121-4396-A7B4-0419A241752D}" type="slidenum">
+            <a:fld id="{20138865-C372-489E-91A1-32D259B42B78}" type="slidenum">
               <a:t>&lt;#&gt;</a:t>
             </a:fld>
           </a:p>
@@ -7349,7 +7349,7 @@
         <p:txBody>
           <a:bodyPr/>
           <a:p>
-            <a:fld id="{96F8F9CB-37C7-4B8D-861E-12D6BE972695}" type="slidenum">
+            <a:fld id="{D977E594-3C78-44A6-A83A-590CF665C6F0}" type="slidenum">
               <a:t>&lt;#&gt;</a:t>
             </a:fld>
           </a:p>
@@ -7537,7 +7537,7 @@
         <p:txBody>
           <a:bodyPr/>
           <a:p>
-            <a:fld id="{9605A9B0-1EAC-40CA-B35C-E38CE74C7597}" type="slidenum">
+            <a:fld id="{79C7F324-F234-4862-A858-051353F371E9}" type="slidenum">
               <a:t>&lt;#&gt;</a:t>
             </a:fld>
           </a:p>
@@ -7793,7 +7793,7 @@
         <p:txBody>
           <a:bodyPr/>
           <a:p>
-            <a:fld id="{43C41CB6-FACC-4732-9D92-B46BBADB1DFD}" type="slidenum">
+            <a:fld id="{A53BFC80-0DAD-42C0-BD93-F65068452559}" type="slidenum">
               <a:t>&lt;#&gt;</a:t>
             </a:fld>
           </a:p>
@@ -8117,7 +8117,7 @@
         <p:txBody>
           <a:bodyPr/>
           <a:p>
-            <a:fld id="{369D3A87-26A9-4F87-BB89-E5748FC9FC12}" type="slidenum">
+            <a:fld id="{CDD97A6C-A4F5-4709-8FAB-D1B232E8AA2D}" type="slidenum">
               <a:t>&lt;#&gt;</a:t>
             </a:fld>
           </a:p>
@@ -8200,7 +8200,7 @@
         <p:txBody>
           <a:bodyPr/>
           <a:p>
-            <a:fld id="{757E70A4-1F78-42B8-A996-4A892898306F}" type="slidenum">
+            <a:fld id="{D1119D8A-2AA2-4BD4-B3A4-69E4408DAF19}" type="slidenum">
               <a:t>&lt;#&gt;</a:t>
             </a:fld>
           </a:p>
@@ -8320,7 +8320,7 @@
         <p:txBody>
           <a:bodyPr/>
           <a:p>
-            <a:fld id="{6145ADC7-CE1B-4AA3-AA65-3F027BE3E30C}" type="slidenum">
+            <a:fld id="{B0D85C12-48BA-41C3-BAC6-04B3DB93EE07}" type="slidenum">
               <a:t>&lt;#&gt;</a:t>
             </a:fld>
           </a:p>
@@ -8477,7 +8477,7 @@
         <p:txBody>
           <a:bodyPr/>
           <a:p>
-            <a:fld id="{0CC81A7B-C7DA-43BD-A3C6-D28A29039C9F}" type="slidenum">
+            <a:fld id="{4F12A91A-2F8A-4F98-86B7-29F6E1D89373}" type="slidenum">
               <a:t>&lt;#&gt;</a:t>
             </a:fld>
           </a:p>
@@ -8631,7 +8631,7 @@
         <p:txBody>
           <a:bodyPr/>
           <a:p>
-            <a:fld id="{DA661114-636A-4571-895E-D97D830434A9}" type="slidenum">
+            <a:fld id="{145C273A-DCF8-4C7B-94C4-77E6F89A38FC}" type="slidenum">
               <a:t>&lt;#&gt;</a:t>
             </a:fld>
           </a:p>
@@ -8819,7 +8819,7 @@
         <p:txBody>
           <a:bodyPr/>
           <a:p>
-            <a:fld id="{B22DD714-A4A3-49CF-AC2C-6F88D15A18D3}" type="slidenum">
+            <a:fld id="{E1962661-43A0-4F5C-9C8A-8F0F22F4D081}" type="slidenum">
               <a:t>&lt;#&gt;</a:t>
             </a:fld>
           </a:p>
@@ -8939,7 +8939,7 @@
         <p:txBody>
           <a:bodyPr/>
           <a:p>
-            <a:fld id="{285AC349-8B34-4BCF-A560-80195B3F602E}" type="slidenum">
+            <a:fld id="{3EF12342-20BD-4E78-8B44-3559D961070C}" type="slidenum">
               <a:t>&lt;#&gt;</a:t>
             </a:fld>
           </a:p>
@@ -9059,7 +9059,7 @@
         <p:txBody>
           <a:bodyPr/>
           <a:p>
-            <a:fld id="{32694054-CB9E-400B-A976-381B3EC1889E}" type="slidenum">
+            <a:fld id="{21B01EFA-8FA2-495B-9A74-DC190FB64320}" type="slidenum">
               <a:t>&lt;#&gt;</a:t>
             </a:fld>
           </a:p>
@@ -9281,7 +9281,7 @@
         <p:txBody>
           <a:bodyPr/>
           <a:p>
-            <a:fld id="{B4E3A3DD-00D3-4C6E-994C-E95CE94A1AEA}" type="slidenum">
+            <a:fld id="{9536EFFB-9913-446A-96CD-36367F9CF03A}" type="slidenum">
               <a:t>&lt;#&gt;</a:t>
             </a:fld>
           </a:p>
@@ -9503,7 +9503,7 @@
         <p:txBody>
           <a:bodyPr/>
           <a:p>
-            <a:fld id="{C9ED6E88-B228-4571-BC40-2DE8BCB635A3}" type="slidenum">
+            <a:fld id="{94EB227F-9E46-46F5-AABE-D2C795F98FCC}" type="slidenum">
               <a:t>&lt;#&gt;</a:t>
             </a:fld>
           </a:p>
@@ -9725,7 +9725,7 @@
         <p:txBody>
           <a:bodyPr/>
           <a:p>
-            <a:fld id="{37BA786A-D174-45C8-8641-63977F87EFA4}" type="slidenum">
+            <a:fld id="{7C7446A8-75E2-4075-A933-A0033A73CBB0}" type="slidenum">
               <a:t>&lt;#&gt;</a:t>
             </a:fld>
           </a:p>
@@ -9913,7 +9913,7 @@
         <p:txBody>
           <a:bodyPr/>
           <a:p>
-            <a:fld id="{CA69C68D-6A76-45B5-BC02-8E261F83B2F1}" type="slidenum">
+            <a:fld id="{7E92D5BA-7B72-4752-AC14-D261B58C8E56}" type="slidenum">
               <a:t>&lt;#&gt;</a:t>
             </a:fld>
           </a:p>
@@ -10169,7 +10169,7 @@
         <p:txBody>
           <a:bodyPr/>
           <a:p>
-            <a:fld id="{6188BBB9-B1B0-400C-8874-9CE183BECE2E}" type="slidenum">
+            <a:fld id="{FE650036-263F-4EFD-BF49-6506EA511C6D}" type="slidenum">
               <a:t>&lt;#&gt;</a:t>
             </a:fld>
           </a:p>
@@ -10289,7 +10289,7 @@
         <p:txBody>
           <a:bodyPr/>
           <a:p>
-            <a:fld id="{0D4317C0-EC1F-45D1-9523-E80ADF060B16}" type="slidenum">
+            <a:fld id="{A3BF008C-763C-46CC-A066-B61371C3B793}" type="slidenum">
               <a:t>&lt;#&gt;</a:t>
             </a:fld>
           </a:p>
@@ -10613,7 +10613,7 @@
         <p:txBody>
           <a:bodyPr/>
           <a:p>
-            <a:fld id="{BB8C3012-5686-4D96-929D-56207D8FDA20}" type="slidenum">
+            <a:fld id="{A2F42326-D33D-4915-A153-123CA67A7051}" type="slidenum">
               <a:t>&lt;#&gt;</a:t>
             </a:fld>
           </a:p>
@@ -10696,7 +10696,7 @@
         <p:txBody>
           <a:bodyPr/>
           <a:p>
-            <a:fld id="{42B7B159-4B79-42AE-8697-99901E396C85}" type="slidenum">
+            <a:fld id="{C092B0C4-3737-4E19-A63B-230E0E790FDB}" type="slidenum">
               <a:t>&lt;#&gt;</a:t>
             </a:fld>
           </a:p>
@@ -10853,7 +10853,7 @@
         <p:txBody>
           <a:bodyPr/>
           <a:p>
-            <a:fld id="{21FC83F6-5EE2-45A7-B8B8-9A160A3CFE81}" type="slidenum">
+            <a:fld id="{D0F09B2F-29CE-47D2-8F6B-CF0F825F65C6}" type="slidenum">
               <a:t>&lt;#&gt;</a:t>
             </a:fld>
           </a:p>
@@ -11007,7 +11007,7 @@
         <p:txBody>
           <a:bodyPr/>
           <a:p>
-            <a:fld id="{BD4606A0-7735-4A39-A1A2-7FF5D6CB4960}" type="slidenum">
+            <a:fld id="{08F374F7-6F4E-422C-85C1-E93F52BA0B8E}" type="slidenum">
               <a:t>&lt;#&gt;</a:t>
             </a:fld>
           </a:p>
@@ -11195,7 +11195,7 @@
         <p:txBody>
           <a:bodyPr/>
           <a:p>
-            <a:fld id="{71B4FCEF-65C6-4BE7-BB15-2CAF5F9213AD}" type="slidenum">
+            <a:fld id="{3CABCAF6-5DE3-495D-BDBF-C610C055D8FC}" type="slidenum">
               <a:t>&lt;#&gt;</a:t>
             </a:fld>
           </a:p>
@@ -11315,7 +11315,7 @@
         <p:txBody>
           <a:bodyPr/>
           <a:p>
-            <a:fld id="{0A6A7F24-6195-4108-8ED3-E44CEA412B83}" type="slidenum">
+            <a:fld id="{05401F07-4145-4093-8D14-973093260DD9}" type="slidenum">
               <a:t>&lt;#&gt;</a:t>
             </a:fld>
           </a:p>
@@ -11435,7 +11435,7 @@
         <p:txBody>
           <a:bodyPr/>
           <a:p>
-            <a:fld id="{54ED0089-A988-4DAE-8EA5-CA065888C5A3}" type="slidenum">
+            <a:fld id="{F010875F-A760-4F41-8100-DACEBE3C93FC}" type="slidenum">
               <a:t>&lt;#&gt;</a:t>
             </a:fld>
           </a:p>
@@ -11657,7 +11657,7 @@
         <p:txBody>
           <a:bodyPr/>
           <a:p>
-            <a:fld id="{AA6E6F14-F3E3-4890-A7FE-85DA027E3C90}" type="slidenum">
+            <a:fld id="{FA12BA2E-549D-4B76-84F1-35B3C89E35E4}" type="slidenum">
               <a:t>&lt;#&gt;</a:t>
             </a:fld>
           </a:p>
@@ -11879,7 +11879,7 @@
         <p:txBody>
           <a:bodyPr/>
           <a:p>
-            <a:fld id="{A3F0634B-5ECD-45D6-B10C-F87AD80425DB}" type="slidenum">
+            <a:fld id="{ED5C19E9-6280-41E4-8887-9B16369FCB0D}" type="slidenum">
               <a:t>&lt;#&gt;</a:t>
             </a:fld>
           </a:p>
@@ -12101,7 +12101,7 @@
         <p:txBody>
           <a:bodyPr/>
           <a:p>
-            <a:fld id="{02B33956-3E34-4425-A756-42EBDAF78338}" type="slidenum">
+            <a:fld id="{E53BFFF1-5EB7-4134-B608-FC35F33AFFAE}" type="slidenum">
               <a:t>&lt;#&gt;</a:t>
             </a:fld>
           </a:p>
@@ -12323,7 +12323,7 @@
         <p:txBody>
           <a:bodyPr/>
           <a:p>
-            <a:fld id="{23BA93FB-7271-4572-A3B2-599D29C839CC}" type="slidenum">
+            <a:fld id="{364B3963-8616-4847-BC66-609C7F100F5C}" type="slidenum">
               <a:t>&lt;#&gt;</a:t>
             </a:fld>
           </a:p>
@@ -12511,7 +12511,7 @@
         <p:txBody>
           <a:bodyPr/>
           <a:p>
-            <a:fld id="{722310E5-84D0-4922-9166-E304BFADD0E6}" type="slidenum">
+            <a:fld id="{33037BA3-BAB0-48DD-8A05-84D8267AC766}" type="slidenum">
               <a:t>&lt;#&gt;</a:t>
             </a:fld>
           </a:p>
@@ -12767,7 +12767,7 @@
         <p:txBody>
           <a:bodyPr/>
           <a:p>
-            <a:fld id="{C216C134-8922-4ED1-8762-508BAF364A82}" type="slidenum">
+            <a:fld id="{C1301622-AF6C-4F64-B21E-93B26ADCA809}" type="slidenum">
               <a:t>&lt;#&gt;</a:t>
             </a:fld>
           </a:p>
@@ -13091,7 +13091,7 @@
         <p:txBody>
           <a:bodyPr/>
           <a:p>
-            <a:fld id="{CA87F7E2-0BCF-4F2B-9A89-4B24F43AC2AC}" type="slidenum">
+            <a:fld id="{BD3EBC52-F87C-4DD2-A833-EB1557B4CB20}" type="slidenum">
               <a:t>&lt;#&gt;</a:t>
             </a:fld>
           </a:p>
@@ -13174,7 +13174,7 @@
         <p:txBody>
           <a:bodyPr/>
           <a:p>
-            <a:fld id="{AF6FBFB7-2732-4EEC-8F3A-7169A8B3BEE5}" type="slidenum">
+            <a:fld id="{0F03854F-804F-4A36-B84D-C3D353437595}" type="slidenum">
               <a:t>&lt;#&gt;</a:t>
             </a:fld>
           </a:p>
@@ -13331,7 +13331,7 @@
         <p:txBody>
           <a:bodyPr/>
           <a:p>
-            <a:fld id="{591D38E6-160A-4D07-8568-C60F131B5076}" type="slidenum">
+            <a:fld id="{8A17AF17-7CE2-4AF2-A427-2BC77028A8F3}" type="slidenum">
               <a:t>&lt;#&gt;</a:t>
             </a:fld>
           </a:p>
@@ -13485,7 +13485,7 @@
         <p:txBody>
           <a:bodyPr/>
           <a:p>
-            <a:fld id="{B43DFB07-6637-4D13-B6FC-4560A920B62C}" type="slidenum">
+            <a:fld id="{07C6880B-A658-4CF6-A934-3B882D775A65}" type="slidenum">
               <a:t>&lt;#&gt;</a:t>
             </a:fld>
           </a:p>
@@ -13673,7 +13673,7 @@
         <p:txBody>
           <a:bodyPr/>
           <a:p>
-            <a:fld id="{4627627D-E455-439B-B483-B445D9F435D7}" type="slidenum">
+            <a:fld id="{84EE9C1D-AB2C-46AE-8B7D-040245361B23}" type="slidenum">
               <a:t>&lt;#&gt;</a:t>
             </a:fld>
           </a:p>
@@ -13793,7 +13793,7 @@
         <p:txBody>
           <a:bodyPr/>
           <a:p>
-            <a:fld id="{76CA666A-BFF7-40B0-A99A-AF6D160A20A3}" type="slidenum">
+            <a:fld id="{23B756CA-146E-424D-AFB1-E09C5366EB6A}" type="slidenum">
               <a:t>&lt;#&gt;</a:t>
             </a:fld>
           </a:p>
@@ -13913,7 +13913,7 @@
         <p:txBody>
           <a:bodyPr/>
           <a:p>
-            <a:fld id="{1FF67789-F987-43C8-B566-7C0921292BFA}" type="slidenum">
+            <a:fld id="{B55B94EA-052D-43A7-8B9B-11B991F401BE}" type="slidenum">
               <a:t>&lt;#&gt;</a:t>
             </a:fld>
           </a:p>
@@ -14135,7 +14135,7 @@
         <p:txBody>
           <a:bodyPr/>
           <a:p>
-            <a:fld id="{3CF1BF2E-73C7-4A5E-B4E9-ED24DEF7600D}" type="slidenum">
+            <a:fld id="{C87ADC9E-E2CF-4942-A5B4-73406F5BEA21}" type="slidenum">
               <a:t>&lt;#&gt;</a:t>
             </a:fld>
           </a:p>
@@ -14357,7 +14357,7 @@
         <p:txBody>
           <a:bodyPr/>
           <a:p>
-            <a:fld id="{6DC6343D-18CF-4F5C-9DC1-0192C08205FE}" type="slidenum">
+            <a:fld id="{1936219C-E713-4CE0-8064-F5CAAA9EB2DF}" type="slidenum">
               <a:t>&lt;#&gt;</a:t>
             </a:fld>
           </a:p>
@@ -14579,7 +14579,7 @@
         <p:txBody>
           <a:bodyPr/>
           <a:p>
-            <a:fld id="{17088BBC-0698-4A1A-B691-BE8C184C9A53}" type="slidenum">
+            <a:fld id="{437E2760-7FD7-4510-8B55-5B8F598E1D79}" type="slidenum">
               <a:t>&lt;#&gt;</a:t>
             </a:fld>
           </a:p>
@@ -14801,7 +14801,7 @@
         <p:txBody>
           <a:bodyPr/>
           <a:p>
-            <a:fld id="{CDE4FA9F-C3C4-4A98-BA58-1BDADA8DB83D}" type="slidenum">
+            <a:fld id="{C53FFA55-8210-4C99-8E14-9708650978D0}" type="slidenum">
               <a:t>&lt;#&gt;</a:t>
             </a:fld>
           </a:p>
@@ -14989,7 +14989,7 @@
         <p:txBody>
           <a:bodyPr/>
           <a:p>
-            <a:fld id="{14E009CC-2225-461E-91BF-1BEFA22FF441}" type="slidenum">
+            <a:fld id="{125F6EE1-09F9-4807-93C1-5C74FCDFFAAF}" type="slidenum">
               <a:t>&lt;#&gt;</a:t>
             </a:fld>
           </a:p>
@@ -15245,7 +15245,7 @@
         <p:txBody>
           <a:bodyPr/>
           <a:p>
-            <a:fld id="{0CB3826B-95A7-417A-A5C5-65D29D336184}" type="slidenum">
+            <a:fld id="{A8E7BE5E-65C6-4DEB-82F2-1E9110488604}" type="slidenum">
               <a:t>&lt;#&gt;</a:t>
             </a:fld>
           </a:p>
@@ -15569,7 +15569,7 @@
         <p:txBody>
           <a:bodyPr/>
           <a:p>
-            <a:fld id="{EEE81535-C892-4BD5-9341-DA1079464850}" type="slidenum">
+            <a:fld id="{113DC6F8-A2DB-4743-AF92-FB179240C424}" type="slidenum">
               <a:t>&lt;#&gt;</a:t>
             </a:fld>
           </a:p>
@@ -15652,7 +15652,7 @@
         <p:txBody>
           <a:bodyPr/>
           <a:p>
-            <a:fld id="{31367079-23CF-4024-95CE-B96746303D1B}" type="slidenum">
+            <a:fld id="{D9832A46-52F9-4E5D-85AD-90485043E3BD}" type="slidenum">
               <a:t>&lt;#&gt;</a:t>
             </a:fld>
           </a:p>
@@ -15809,7 +15809,7 @@
         <p:txBody>
           <a:bodyPr/>
           <a:p>
-            <a:fld id="{BE3FE062-EE88-4632-8D41-9F23A52FE1AF}" type="slidenum">
+            <a:fld id="{9A0D2904-CA24-42E6-B41F-BE525335861B}" type="slidenum">
               <a:t>&lt;#&gt;</a:t>
             </a:fld>
           </a:p>
@@ -15963,7 +15963,7 @@
         <p:txBody>
           <a:bodyPr/>
           <a:p>
-            <a:fld id="{F0101F2E-BB53-47DC-80A5-7CA1C593764C}" type="slidenum">
+            <a:fld id="{05BF06D0-CDCC-49AF-8287-3EE1762C7C52}" type="slidenum">
               <a:t>&lt;#&gt;</a:t>
             </a:fld>
           </a:p>
@@ -16151,7 +16151,7 @@
         <p:txBody>
           <a:bodyPr/>
           <a:p>
-            <a:fld id="{090718C0-D5AB-4800-995A-90823B937287}" type="slidenum">
+            <a:fld id="{AE3AAB8B-31B7-4CD6-A9DD-466E8BA2F94E}" type="slidenum">
               <a:t>&lt;#&gt;</a:t>
             </a:fld>
           </a:p>
@@ -16271,7 +16271,7 @@
         <p:txBody>
           <a:bodyPr/>
           <a:p>
-            <a:fld id="{21E4FD3E-931C-4E56-BE99-B42235AF5179}" type="slidenum">
+            <a:fld id="{1515179D-3B22-4A0A-A77C-C421EE580594}" type="slidenum">
               <a:t>&lt;#&gt;</a:t>
             </a:fld>
           </a:p>
@@ -16493,7 +16493,7 @@
         <p:txBody>
           <a:bodyPr/>
           <a:p>
-            <a:fld id="{C22CF8EF-3F20-4758-B4F9-21A87540CBAA}" type="slidenum">
+            <a:fld id="{DC1CEB00-578A-4C85-AC6F-FE0F3E274514}" type="slidenum">
               <a:t>&lt;#&gt;</a:t>
             </a:fld>
           </a:p>
@@ -16613,7 +16613,7 @@
         <p:txBody>
           <a:bodyPr/>
           <a:p>
-            <a:fld id="{0D3C6926-4D2D-4C61-9CC3-47678359F71A}" type="slidenum">
+            <a:fld id="{5E0AFB55-341C-45F5-9924-4A5CBB6AD540}" type="slidenum">
               <a:t>&lt;#&gt;</a:t>
             </a:fld>
           </a:p>
@@ -16835,7 +16835,7 @@
         <p:txBody>
           <a:bodyPr/>
           <a:p>
-            <a:fld id="{2E60E673-D423-4735-A5B6-A6B1327DDF10}" type="slidenum">
+            <a:fld id="{3DE50981-903D-4ACF-AEE8-83A84DFC1AF9}" type="slidenum">
               <a:t>&lt;#&gt;</a:t>
             </a:fld>
           </a:p>
@@ -17057,7 +17057,7 @@
         <p:txBody>
           <a:bodyPr/>
           <a:p>
-            <a:fld id="{CE0EB389-EB70-40AF-9B42-5150AB2CA22F}" type="slidenum">
+            <a:fld id="{9D3D2CE6-5480-4633-8BE5-29DCE447A951}" type="slidenum">
               <a:t>&lt;#&gt;</a:t>
             </a:fld>
           </a:p>
@@ -17279,7 +17279,7 @@
         <p:txBody>
           <a:bodyPr/>
           <a:p>
-            <a:fld id="{784C9162-0648-4C30-A51D-9E46D029915A}" type="slidenum">
+            <a:fld id="{72FA8EE6-A42F-4B79-916B-948F6A5A28CB}" type="slidenum">
               <a:t>&lt;#&gt;</a:t>
             </a:fld>
           </a:p>
@@ -17467,7 +17467,7 @@
         <p:txBody>
           <a:bodyPr/>
           <a:p>
-            <a:fld id="{8790E8AC-BA5D-4BC0-8C45-A8DFC6CE441F}" type="slidenum">
+            <a:fld id="{2A963CDA-A258-419D-A600-7A7C0E4C8D73}" type="slidenum">
               <a:t>&lt;#&gt;</a:t>
             </a:fld>
           </a:p>
@@ -17723,7 +17723,7 @@
         <p:txBody>
           <a:bodyPr/>
           <a:p>
-            <a:fld id="{00B7E20D-03EA-44D4-9B0C-092709DE8197}" type="slidenum">
+            <a:fld id="{1AA82851-0799-4278-AAB1-0198EF2F1C72}" type="slidenum">
               <a:t>&lt;#&gt;</a:t>
             </a:fld>
           </a:p>
@@ -18047,7 +18047,7 @@
         <p:txBody>
           <a:bodyPr/>
           <a:p>
-            <a:fld id="{0D73B1BA-F833-4B8F-AC0C-E894CA1DC062}" type="slidenum">
+            <a:fld id="{820708CA-A74F-4CD7-99FA-18A77C2E9268}" type="slidenum">
               <a:t>&lt;#&gt;</a:t>
             </a:fld>
           </a:p>
@@ -24989,7 +24989,7 @@
               <a:rPr b="0" lang="en-US" sz="1400" spc="-1" strike="noStrike">
                 <a:latin typeface="Arial"/>
               </a:rPr>
-              <a:t>&lt;footer&gt;</a:t>
+              <a:t> </a:t>
             </a:r>
             <a:endParaRPr b="0" lang="en-US" sz="1400" spc="-1" strike="noStrike">
               <a:latin typeface="Noto Serif CJK JP"/>
@@ -25042,11 +25042,11 @@
               </a:lnSpc>
               <a:buNone/>
             </a:pPr>
-            <a:fld id="{5D75873A-55E5-4D47-BC37-CC666EE7E11F}" type="slidenum">
+            <a:fld id="{A140F89A-7069-482C-AF97-577C7D0A1BD2}" type="slidenum">
               <a:rPr b="0" lang="en-US" sz="1400" spc="-1" strike="noStrike">
                 <a:latin typeface="Arial"/>
               </a:rPr>
-              <a:t>&lt;number&gt;</a:t>
+              <a:t>13</a:t>
             </a:fld>
             <a:endParaRPr b="0" lang="en-US" sz="1400" spc="-1" strike="noStrike">
               <a:latin typeface="Noto Serif CJK JP"/>
@@ -25093,7 +25093,7 @@
               <a:rPr b="0" lang="en-US" sz="1400" spc="-1" strike="noStrike">
                 <a:latin typeface="Noto Serif CJK JP"/>
               </a:rPr>
-              <a:t>&lt;date/time&gt;</a:t>
+              <a:t> </a:t>
             </a:r>
             <a:endParaRPr b="0" lang="en-US" sz="1400" spc="-1" strike="noStrike">
               <a:latin typeface="Noto Serif CJK JP"/>
@@ -27458,7 +27458,7 @@
               </a:lnSpc>
               <a:buNone/>
             </a:pPr>
-            <a:fld id="{BACD730F-E9A9-4DE2-992D-E83020D39B73}" type="slidenum">
+            <a:fld id="{CD772CD3-04B3-4867-8F2F-6309C072CCC2}" type="slidenum">
               <a:rPr b="0" lang="en-US" sz="1400" spc="-1" strike="noStrike">
                 <a:latin typeface="Arial"/>
               </a:rPr>
@@ -27552,49 +27552,211 @@
               <a:rPr b="0" lang="en-US" sz="4400" spc="-1" strike="noStrike">
                 <a:latin typeface="Arial"/>
               </a:rPr>
-              <a:t>Click </a:t>
+              <a:t>C</a:t>
             </a:r>
             <a:r>
               <a:rPr b="0" lang="en-US" sz="4400" spc="-1" strike="noStrike">
                 <a:latin typeface="Arial"/>
               </a:rPr>
-              <a:t>to </a:t>
+              <a:t>l</a:t>
             </a:r>
             <a:r>
               <a:rPr b="0" lang="en-US" sz="4400" spc="-1" strike="noStrike">
                 <a:latin typeface="Arial"/>
               </a:rPr>
-              <a:t>edit </a:t>
+              <a:t>i</a:t>
             </a:r>
             <a:r>
               <a:rPr b="0" lang="en-US" sz="4400" spc="-1" strike="noStrike">
                 <a:latin typeface="Arial"/>
               </a:rPr>
-              <a:t>the </a:t>
+              <a:t>c</a:t>
             </a:r>
             <a:r>
               <a:rPr b="0" lang="en-US" sz="4400" spc="-1" strike="noStrike">
                 <a:latin typeface="Arial"/>
               </a:rPr>
-              <a:t>title </a:t>
+              <a:t>k</a:t>
             </a:r>
             <a:r>
               <a:rPr b="0" lang="en-US" sz="4400" spc="-1" strike="noStrike">
                 <a:latin typeface="Arial"/>
               </a:rPr>
-              <a:t>text </a:t>
+              <a:t> </a:t>
             </a:r>
             <a:r>
               <a:rPr b="0" lang="en-US" sz="4400" spc="-1" strike="noStrike">
                 <a:latin typeface="Arial"/>
               </a:rPr>
-              <a:t>form</a:t>
+              <a:t>t</a:t>
             </a:r>
             <a:r>
               <a:rPr b="0" lang="en-US" sz="4400" spc="-1" strike="noStrike">
                 <a:latin typeface="Arial"/>
               </a:rPr>
-              <a:t>at</a:t>
+              <a:t>o</a:t>
+            </a:r>
+            <a:r>
+              <a:rPr b="0" lang="en-US" sz="4400" spc="-1" strike="noStrike">
+                <a:latin typeface="Arial"/>
+              </a:rPr>
+              <a:t> </a:t>
+            </a:r>
+            <a:r>
+              <a:rPr b="0" lang="en-US" sz="4400" spc="-1" strike="noStrike">
+                <a:latin typeface="Arial"/>
+              </a:rPr>
+              <a:t>e</a:t>
+            </a:r>
+            <a:r>
+              <a:rPr b="0" lang="en-US" sz="4400" spc="-1" strike="noStrike">
+                <a:latin typeface="Arial"/>
+              </a:rPr>
+              <a:t>d</a:t>
+            </a:r>
+            <a:r>
+              <a:rPr b="0" lang="en-US" sz="4400" spc="-1" strike="noStrike">
+                <a:latin typeface="Arial"/>
+              </a:rPr>
+              <a:t>i</a:t>
+            </a:r>
+            <a:r>
+              <a:rPr b="0" lang="en-US" sz="4400" spc="-1" strike="noStrike">
+                <a:latin typeface="Arial"/>
+              </a:rPr>
+              <a:t>t</a:t>
+            </a:r>
+            <a:r>
+              <a:rPr b="0" lang="en-US" sz="4400" spc="-1" strike="noStrike">
+                <a:latin typeface="Arial"/>
+              </a:rPr>
+              <a:t> </a:t>
+            </a:r>
+            <a:r>
+              <a:rPr b="0" lang="en-US" sz="4400" spc="-1" strike="noStrike">
+                <a:latin typeface="Arial"/>
+              </a:rPr>
+              <a:t>t</a:t>
+            </a:r>
+            <a:r>
+              <a:rPr b="0" lang="en-US" sz="4400" spc="-1" strike="noStrike">
+                <a:latin typeface="Arial"/>
+              </a:rPr>
+              <a:t>h</a:t>
+            </a:r>
+            <a:r>
+              <a:rPr b="0" lang="en-US" sz="4400" spc="-1" strike="noStrike">
+                <a:latin typeface="Arial"/>
+              </a:rPr>
+              <a:t>e</a:t>
+            </a:r>
+            <a:r>
+              <a:rPr b="0" lang="en-US" sz="4400" spc="-1" strike="noStrike">
+                <a:latin typeface="Arial"/>
+              </a:rPr>
+              <a:t> </a:t>
+            </a:r>
+            <a:r>
+              <a:rPr b="0" lang="en-US" sz="4400" spc="-1" strike="noStrike">
+                <a:latin typeface="Arial"/>
+              </a:rPr>
+              <a:t>t</a:t>
+            </a:r>
+            <a:r>
+              <a:rPr b="0" lang="en-US" sz="4400" spc="-1" strike="noStrike">
+                <a:latin typeface="Arial"/>
+              </a:rPr>
+              <a:t>i</a:t>
+            </a:r>
+            <a:r>
+              <a:rPr b="0" lang="en-US" sz="4400" spc="-1" strike="noStrike">
+                <a:latin typeface="Arial"/>
+              </a:rPr>
+              <a:t>t</a:t>
+            </a:r>
+            <a:r>
+              <a:rPr b="0" lang="en-US" sz="4400" spc="-1" strike="noStrike">
+                <a:latin typeface="Arial"/>
+              </a:rPr>
+              <a:t>l</a:t>
+            </a:r>
+            <a:r>
+              <a:rPr b="0" lang="en-US" sz="4400" spc="-1" strike="noStrike">
+                <a:latin typeface="Arial"/>
+              </a:rPr>
+              <a:t>e</a:t>
+            </a:r>
+            <a:r>
+              <a:rPr b="0" lang="en-US" sz="4400" spc="-1" strike="noStrike">
+                <a:latin typeface="Arial"/>
+              </a:rPr>
+              <a:t> </a:t>
+            </a:r>
+            <a:r>
+              <a:rPr b="0" lang="en-US" sz="4400" spc="-1" strike="noStrike">
+                <a:latin typeface="Arial"/>
+              </a:rPr>
+              <a:t>t</a:t>
+            </a:r>
+            <a:r>
+              <a:rPr b="0" lang="en-US" sz="4400" spc="-1" strike="noStrike">
+                <a:latin typeface="Arial"/>
+              </a:rPr>
+              <a:t>e</a:t>
+            </a:r>
+            <a:r>
+              <a:rPr b="0" lang="en-US" sz="4400" spc="-1" strike="noStrike">
+                <a:latin typeface="Arial"/>
+              </a:rPr>
+              <a:t>x</a:t>
+            </a:r>
+            <a:r>
+              <a:rPr b="0" lang="en-US" sz="4400" spc="-1" strike="noStrike">
+                <a:latin typeface="Arial"/>
+              </a:rPr>
+              <a:t>t</a:t>
+            </a:r>
+            <a:r>
+              <a:rPr b="0" lang="en-US" sz="4400" spc="-1" strike="noStrike">
+                <a:latin typeface="Arial"/>
+              </a:rPr>
+              <a:t> </a:t>
+            </a:r>
+            <a:r>
+              <a:rPr b="0" lang="en-US" sz="4400" spc="-1" strike="noStrike">
+                <a:latin typeface="Arial"/>
+              </a:rPr>
+              <a:t>f</a:t>
+            </a:r>
+            <a:r>
+              <a:rPr b="0" lang="en-US" sz="4400" spc="-1" strike="noStrike">
+                <a:latin typeface="Arial"/>
+              </a:rPr>
+              <a:t>o</a:t>
+            </a:r>
+            <a:r>
+              <a:rPr b="0" lang="en-US" sz="4400" spc="-1" strike="noStrike">
+                <a:latin typeface="Arial"/>
+              </a:rPr>
+              <a:t>r</a:t>
+            </a:r>
+            <a:r>
+              <a:rPr b="0" lang="en-US" sz="4400" spc="-1" strike="noStrike">
+                <a:latin typeface="Arial"/>
+              </a:rPr>
+              <a:t>m</a:t>
+            </a:r>
+            <a:r>
+              <a:rPr b="0" lang="en-US" sz="4400" spc="-1" strike="noStrike">
+                <a:latin typeface="Arial"/>
+              </a:rPr>
+              <a:t>a</a:t>
+            </a:r>
+            <a:r>
+              <a:rPr b="0" lang="en-US" sz="4400" spc="-1" strike="noStrike">
+                <a:latin typeface="Arial"/>
+              </a:rPr>
+              <a:t>t</a:t>
             </a:r>
             <a:endParaRPr b="0" lang="en-US" sz="4400" spc="-1" strike="noStrike">
               <a:latin typeface="Arial"/>
@@ -29916,7 +30078,7 @@
               </a:lnSpc>
               <a:buNone/>
             </a:pPr>
-            <a:fld id="{D22A77B4-95B8-422B-8403-EEB105A64F80}" type="slidenum">
+            <a:fld id="{931212D2-EC03-4024-B8D9-A83504930CA9}" type="slidenum">
               <a:rPr b="0" lang="en-US" sz="1400" spc="-1" strike="noStrike">
                 <a:latin typeface="Arial"/>
               </a:rPr>
@@ -32332,7 +32494,7 @@
               </a:lnSpc>
               <a:buNone/>
             </a:pPr>
-            <a:fld id="{00012C1B-71ED-468A-B0D4-28339F526E74}" type="slidenum">
+            <a:fld id="{F089A537-176D-4535-B58C-4D89618EEED2}" type="slidenum">
               <a:rPr b="0" lang="en-US" sz="1400" spc="-1" strike="noStrike">
                 <a:latin typeface="Arial"/>
               </a:rPr>
@@ -35749,7 +35911,7 @@
               </a:lnSpc>
               <a:buNone/>
             </a:pPr>
-            <a:fld id="{5314DB4B-F0B7-4BCE-B082-3DBD961E843B}" type="slidenum">
+            <a:fld id="{C92BD2AD-1069-46ED-A373-0931EA691C3C}" type="slidenum">
               <a:rPr b="0" lang="en-US" sz="1400" spc="-1" strike="noStrike">
                 <a:latin typeface="Arial"/>
               </a:rPr>
@@ -40003,7 +40165,7 @@
               </a:lnSpc>
               <a:buNone/>
             </a:pPr>
-            <a:fld id="{2251262E-90A1-4747-B759-A5C22C3ED4AE}" type="slidenum">
+            <a:fld id="{F80D7DF6-4D6B-4EA9-8BB2-9679929576E2}" type="slidenum">
               <a:rPr b="0" lang="en-US" sz="1400" spc="-1" strike="noStrike">
                 <a:latin typeface="Arial"/>
               </a:rPr>
@@ -44257,7 +44419,7 @@
               </a:lnSpc>
               <a:buNone/>
             </a:pPr>
-            <a:fld id="{B1600A02-7077-4CC9-8A70-BA2A4A8EDB16}" type="slidenum">
+            <a:fld id="{E33FA282-DBF5-43B3-BC4E-CF2530496A14}" type="slidenum">
               <a:rPr b="0" lang="en-US" sz="1400" spc="-1" strike="noStrike">
                 <a:latin typeface="Arial"/>
               </a:rPr>
@@ -48511,7 +48673,7 @@
               </a:lnSpc>
               <a:buNone/>
             </a:pPr>
-            <a:fld id="{1054BE1D-CC4D-4D77-80BA-32D673AAE077}" type="slidenum">
+            <a:fld id="{95AF8AD7-C4EE-42BA-9A04-3B45584359E2}" type="slidenum">
               <a:rPr b="0" lang="en-US" sz="1400" spc="-1" strike="noStrike">
                 <a:latin typeface="Arial"/>
               </a:rPr>
@@ -50304,7 +50466,7 @@
             </p:nvSpPr>
             <p:spPr>
               <a:xfrm>
-                <a:off x="2305440" y="2770200"/>
+                <a:off x="2125440" y="2230200"/>
                 <a:ext cx="3094560" cy="1009800"/>
               </a:xfrm>
               <a:prstGeom prst="rect">

--- a/time_series/time_series.pptx
+++ b/time_series/time_series.pptx
@@ -25,6 +25,8 @@
     <p:sldId id="266" r:id="rId20"/>
     <p:sldId id="267" r:id="rId21"/>
     <p:sldId id="268" r:id="rId22"/>
+    <p:sldId id="269" r:id="rId23"/>
+    <p:sldId id="270" r:id="rId24"/>
   </p:sldIdLst>
   <p:sldSz cx="10080625" cy="5670550"/>
   <p:notesSz cx="7559675" cy="10691813"/>
@@ -82,7 +84,7 @@
         <p:txBody>
           <a:bodyPr/>
           <a:p>
-            <a:fld id="{DF3DFA4F-E4E0-482F-8F95-EEE7353B9395}" type="slidenum">
+            <a:fld id="{0671F6D1-E795-453F-94BE-82D46BF32B64}" type="slidenum">
               <a:t>&lt;#&gt;</a:t>
             </a:fld>
           </a:p>
@@ -270,7 +272,7 @@
         <p:txBody>
           <a:bodyPr/>
           <a:p>
-            <a:fld id="{2D3640CB-5157-4A9A-929F-F8DA69FE17E1}" type="slidenum">
+            <a:fld id="{DF69578A-9A3A-433E-BD5C-4BCF27E9F09F}" type="slidenum">
               <a:t>&lt;#&gt;</a:t>
             </a:fld>
           </a:p>
@@ -526,7 +528,7 @@
         <p:txBody>
           <a:bodyPr/>
           <a:p>
-            <a:fld id="{43F759B4-9185-4DE1-B258-9B96B1D4F033}" type="slidenum">
+            <a:fld id="{AC33501B-6FFA-4C66-AE41-204785DE6CEC}" type="slidenum">
               <a:t>&lt;#&gt;</a:t>
             </a:fld>
           </a:p>
@@ -850,7 +852,7 @@
         <p:txBody>
           <a:bodyPr/>
           <a:p>
-            <a:fld id="{A6D8C8E0-48C7-4489-A1F9-D572D9620B51}" type="slidenum">
+            <a:fld id="{DCC1E260-7EB8-40BA-9486-BD925482BE1F}" type="slidenum">
               <a:t>&lt;#&gt;</a:t>
             </a:fld>
           </a:p>
@@ -933,7 +935,7 @@
         <p:txBody>
           <a:bodyPr/>
           <a:p>
-            <a:fld id="{28F23046-9E21-4FC8-830C-CE8C05A37340}" type="slidenum">
+            <a:fld id="{80C73BAD-345D-4C98-8EB8-99A9666B0AFF}" type="slidenum">
               <a:t>&lt;#&gt;</a:t>
             </a:fld>
           </a:p>
@@ -1090,7 +1092,7 @@
         <p:txBody>
           <a:bodyPr/>
           <a:p>
-            <a:fld id="{37593E58-39E8-49A8-99F4-FD8C0BF7BBE4}" type="slidenum">
+            <a:fld id="{EC229E9B-2776-4984-B5E5-4BC9D4299251}" type="slidenum">
               <a:t>&lt;#&gt;</a:t>
             </a:fld>
           </a:p>
@@ -1244,7 +1246,7 @@
         <p:txBody>
           <a:bodyPr/>
           <a:p>
-            <a:fld id="{DA26CE2E-9864-4482-8F01-ECC91962125C}" type="slidenum">
+            <a:fld id="{E791E56B-C259-45A8-9D29-6F658DC700D4}" type="slidenum">
               <a:t>&lt;#&gt;</a:t>
             </a:fld>
           </a:p>
@@ -1432,7 +1434,7 @@
         <p:txBody>
           <a:bodyPr/>
           <a:p>
-            <a:fld id="{485F3F7A-473E-4548-9BFB-253E5BACE02B}" type="slidenum">
+            <a:fld id="{726D8E99-109C-47CC-831B-928B3394A885}" type="slidenum">
               <a:t>&lt;#&gt;</a:t>
             </a:fld>
           </a:p>
@@ -1552,7 +1554,7 @@
         <p:txBody>
           <a:bodyPr/>
           <a:p>
-            <a:fld id="{EBECB5E1-7B46-404F-ACA0-ACCEA8A02749}" type="slidenum">
+            <a:fld id="{17384DB6-5FC7-47EF-A378-09149D67B19E}" type="slidenum">
               <a:t>&lt;#&gt;</a:t>
             </a:fld>
           </a:p>
@@ -1672,7 +1674,7 @@
         <p:txBody>
           <a:bodyPr/>
           <a:p>
-            <a:fld id="{CDD7933E-BDE5-49AF-8B64-5EBB4F48C2FE}" type="slidenum">
+            <a:fld id="{CE9AC8CD-1FAD-4816-B280-68619E18DEEF}" type="slidenum">
               <a:t>&lt;#&gt;</a:t>
             </a:fld>
           </a:p>
@@ -1894,7 +1896,7 @@
         <p:txBody>
           <a:bodyPr/>
           <a:p>
-            <a:fld id="{B5499B40-3565-41A4-BD30-94B54C8E30B3}" type="slidenum">
+            <a:fld id="{2287DD8F-9C6A-4911-B39B-4FB5F5BA2367}" type="slidenum">
               <a:t>&lt;#&gt;</a:t>
             </a:fld>
           </a:p>
@@ -2051,7 +2053,7 @@
         <p:txBody>
           <a:bodyPr/>
           <a:p>
-            <a:fld id="{298F442F-E27F-4590-A416-AE7707AFB12B}" type="slidenum">
+            <a:fld id="{267E8D5C-AB8C-4022-B121-9D2DA69B8FC6}" type="slidenum">
               <a:t>&lt;#&gt;</a:t>
             </a:fld>
           </a:p>
@@ -2273,7 +2275,7 @@
         <p:txBody>
           <a:bodyPr/>
           <a:p>
-            <a:fld id="{CB439D0F-1D5C-47A2-9DEF-97CFCFE8D6F7}" type="slidenum">
+            <a:fld id="{A48F8C9D-387F-46F5-9BDD-45F4073283FA}" type="slidenum">
               <a:t>&lt;#&gt;</a:t>
             </a:fld>
           </a:p>
@@ -2495,7 +2497,7 @@
         <p:txBody>
           <a:bodyPr/>
           <a:p>
-            <a:fld id="{F1986F5C-F299-4BF3-BC8D-C777904BA573}" type="slidenum">
+            <a:fld id="{91EDBCBC-4235-431F-BE27-4544AA9BBCFB}" type="slidenum">
               <a:t>&lt;#&gt;</a:t>
             </a:fld>
           </a:p>
@@ -2683,7 +2685,7 @@
         <p:txBody>
           <a:bodyPr/>
           <a:p>
-            <a:fld id="{F7A62FCE-7D5E-44D3-A366-5D9F19ACCB61}" type="slidenum">
+            <a:fld id="{9F70A81B-ECF9-4850-9792-D59486D81277}" type="slidenum">
               <a:t>&lt;#&gt;</a:t>
             </a:fld>
           </a:p>
@@ -2939,7 +2941,7 @@
         <p:txBody>
           <a:bodyPr/>
           <a:p>
-            <a:fld id="{ACDD35E3-5573-477D-AA9E-B628A4845099}" type="slidenum">
+            <a:fld id="{F464E7DB-6D91-4DA6-9E15-DD283AF0E2CA}" type="slidenum">
               <a:t>&lt;#&gt;</a:t>
             </a:fld>
           </a:p>
@@ -3263,7 +3265,7 @@
         <p:txBody>
           <a:bodyPr/>
           <a:p>
-            <a:fld id="{0CB1047B-5D76-401C-A3C8-C3A8FAE5809F}" type="slidenum">
+            <a:fld id="{AAC256FE-1F1E-4364-A5AA-669E04820690}" type="slidenum">
               <a:t>&lt;#&gt;</a:t>
             </a:fld>
           </a:p>
@@ -3346,7 +3348,7 @@
         <p:txBody>
           <a:bodyPr/>
           <a:p>
-            <a:fld id="{A9BB6591-0904-4BF3-931D-2BE1B2AE1FB4}" type="slidenum">
+            <a:fld id="{0AED81C5-9F5F-4BE7-B8FA-08B9620D3869}" type="slidenum">
               <a:t>&lt;#&gt;</a:t>
             </a:fld>
           </a:p>
@@ -3503,7 +3505,7 @@
         <p:txBody>
           <a:bodyPr/>
           <a:p>
-            <a:fld id="{CF09FDEC-6A80-4FA8-9BC1-0BAE739D6370}" type="slidenum">
+            <a:fld id="{776B6497-2C09-4576-A4DE-47C1CEA1ECA8}" type="slidenum">
               <a:t>&lt;#&gt;</a:t>
             </a:fld>
           </a:p>
@@ -3657,7 +3659,7 @@
         <p:txBody>
           <a:bodyPr/>
           <a:p>
-            <a:fld id="{908305F4-5AC1-4FC4-86FF-AFCE417E98FA}" type="slidenum">
+            <a:fld id="{22FB9852-E3E5-452D-8DD7-3E167DCAF4FF}" type="slidenum">
               <a:t>&lt;#&gt;</a:t>
             </a:fld>
           </a:p>
@@ -3845,7 +3847,7 @@
         <p:txBody>
           <a:bodyPr/>
           <a:p>
-            <a:fld id="{A96D5112-9FD0-4DAB-9639-8CBEA495903D}" type="slidenum">
+            <a:fld id="{39923AB3-418D-4503-98D0-5EA9247CB45B}" type="slidenum">
               <a:t>&lt;#&gt;</a:t>
             </a:fld>
           </a:p>
@@ -3965,7 +3967,7 @@
         <p:txBody>
           <a:bodyPr/>
           <a:p>
-            <a:fld id="{03153BDC-B4CC-4A6F-8377-C1E757F2A861}" type="slidenum">
+            <a:fld id="{243E5F33-3A03-46EB-A4A9-4C4E29C19810}" type="slidenum">
               <a:t>&lt;#&gt;</a:t>
             </a:fld>
           </a:p>
@@ -4119,7 +4121,7 @@
         <p:txBody>
           <a:bodyPr/>
           <a:p>
-            <a:fld id="{B114987D-E3AA-401B-8816-11DD55F79009}" type="slidenum">
+            <a:fld id="{03CCB446-373E-4E32-8BC4-8F4CD7F6F7A6}" type="slidenum">
               <a:t>&lt;#&gt;</a:t>
             </a:fld>
           </a:p>
@@ -4239,7 +4241,7 @@
         <p:txBody>
           <a:bodyPr/>
           <a:p>
-            <a:fld id="{27169590-7569-4B13-B4DF-5DAB24D54326}" type="slidenum">
+            <a:fld id="{2ABF1C47-249F-496E-B553-F1FE96BD7EFC}" type="slidenum">
               <a:t>&lt;#&gt;</a:t>
             </a:fld>
           </a:p>
@@ -4461,7 +4463,7 @@
         <p:txBody>
           <a:bodyPr/>
           <a:p>
-            <a:fld id="{9A073C35-C471-4344-9E75-C7A2C8C4A5D3}" type="slidenum">
+            <a:fld id="{70C6879B-D68F-4061-B6A1-40241B1F960D}" type="slidenum">
               <a:t>&lt;#&gt;</a:t>
             </a:fld>
           </a:p>
@@ -4683,7 +4685,7 @@
         <p:txBody>
           <a:bodyPr/>
           <a:p>
-            <a:fld id="{E78D6145-111B-48AF-870F-DDF375DB40A9}" type="slidenum">
+            <a:fld id="{6F2355F0-402A-4EAA-A57B-9923E6DD2409}" type="slidenum">
               <a:t>&lt;#&gt;</a:t>
             </a:fld>
           </a:p>
@@ -4905,7 +4907,7 @@
         <p:txBody>
           <a:bodyPr/>
           <a:p>
-            <a:fld id="{64B4F947-607E-417C-936B-D2A71EC4E227}" type="slidenum">
+            <a:fld id="{4B65E741-811F-4322-892C-B770178C7981}" type="slidenum">
               <a:t>&lt;#&gt;</a:t>
             </a:fld>
           </a:p>
@@ -5093,7 +5095,7 @@
         <p:txBody>
           <a:bodyPr/>
           <a:p>
-            <a:fld id="{6B6340C7-7E7E-4280-923D-0FD7C19D2C4C}" type="slidenum">
+            <a:fld id="{7DF8A207-7315-4C20-A17D-9AF822FFD2A0}" type="slidenum">
               <a:t>&lt;#&gt;</a:t>
             </a:fld>
           </a:p>
@@ -5349,7 +5351,7 @@
         <p:txBody>
           <a:bodyPr/>
           <a:p>
-            <a:fld id="{349B4C1A-6297-4930-A396-DE7DBDA93024}" type="slidenum">
+            <a:fld id="{C4091F65-6BBC-46B8-B743-7A30D184AF53}" type="slidenum">
               <a:t>&lt;#&gt;</a:t>
             </a:fld>
           </a:p>
@@ -5673,7 +5675,7 @@
         <p:txBody>
           <a:bodyPr/>
           <a:p>
-            <a:fld id="{EFE98153-9C97-4D9D-8F68-B35EBBA9689B}" type="slidenum">
+            <a:fld id="{51EB052B-3360-4AC3-8BF2-2E9C7D64A366}" type="slidenum">
               <a:t>&lt;#&gt;</a:t>
             </a:fld>
           </a:p>
@@ -5756,7 +5758,7 @@
         <p:txBody>
           <a:bodyPr/>
           <a:p>
-            <a:fld id="{BD00EF06-D4CD-44C8-92D8-7259120E3C77}" type="slidenum">
+            <a:fld id="{C090251F-2A65-46C2-A036-C4AED8653BBB}" type="slidenum">
               <a:t>&lt;#&gt;</a:t>
             </a:fld>
           </a:p>
@@ -5913,7 +5915,7 @@
         <p:txBody>
           <a:bodyPr/>
           <a:p>
-            <a:fld id="{F06A3D8D-35A7-4FD1-95BA-B4FFEC37691F}" type="slidenum">
+            <a:fld id="{3727A4AF-DAF6-419C-B9CC-E3553D274D55}" type="slidenum">
               <a:t>&lt;#&gt;</a:t>
             </a:fld>
           </a:p>
@@ -6067,7 +6069,7 @@
         <p:txBody>
           <a:bodyPr/>
           <a:p>
-            <a:fld id="{D795AE88-C12B-49C8-81E4-4C434A573E12}" type="slidenum">
+            <a:fld id="{1ECEBDEF-5413-4603-A788-F8FB8B145051}" type="slidenum">
               <a:t>&lt;#&gt;</a:t>
             </a:fld>
           </a:p>
@@ -6255,7 +6257,7 @@
         <p:txBody>
           <a:bodyPr/>
           <a:p>
-            <a:fld id="{4268F026-AA30-4D26-B4BF-B4390F3A6F60}" type="slidenum">
+            <a:fld id="{1F9F452D-D5B2-44DA-ACDE-6D9695D466AF}" type="slidenum">
               <a:t>&lt;#&gt;</a:t>
             </a:fld>
           </a:p>
@@ -6443,7 +6445,7 @@
         <p:txBody>
           <a:bodyPr/>
           <a:p>
-            <a:fld id="{12862689-F65D-4802-9B22-C8EE76681A4C}" type="slidenum">
+            <a:fld id="{5078E95C-82E0-42FD-A7C3-C9882AB091E0}" type="slidenum">
               <a:t>&lt;#&gt;</a:t>
             </a:fld>
           </a:p>
@@ -6563,7 +6565,7 @@
         <p:txBody>
           <a:bodyPr/>
           <a:p>
-            <a:fld id="{8F8ED5F8-8DB9-45D5-AA48-A8C02EC8C850}" type="slidenum">
+            <a:fld id="{41EFAD0E-62E3-42A3-B6D6-ACE305AA8F18}" type="slidenum">
               <a:t>&lt;#&gt;</a:t>
             </a:fld>
           </a:p>
@@ -6683,7 +6685,7 @@
         <p:txBody>
           <a:bodyPr/>
           <a:p>
-            <a:fld id="{7D81113D-9402-4F7B-A729-C33C33F58964}" type="slidenum">
+            <a:fld id="{70A04178-C053-4A02-85A5-60B7C62914CD}" type="slidenum">
               <a:t>&lt;#&gt;</a:t>
             </a:fld>
           </a:p>
@@ -6905,7 +6907,7 @@
         <p:txBody>
           <a:bodyPr/>
           <a:p>
-            <a:fld id="{773587D6-693C-4156-9D21-783496CF640A}" type="slidenum">
+            <a:fld id="{E039BCF6-8181-4D13-B77E-989CD65CE1E9}" type="slidenum">
               <a:t>&lt;#&gt;</a:t>
             </a:fld>
           </a:p>
@@ -7127,7 +7129,7 @@
         <p:txBody>
           <a:bodyPr/>
           <a:p>
-            <a:fld id="{20138865-C372-489E-91A1-32D259B42B78}" type="slidenum">
+            <a:fld id="{06CCC866-212F-4163-B2FC-3DEE4B6B2CC1}" type="slidenum">
               <a:t>&lt;#&gt;</a:t>
             </a:fld>
           </a:p>
@@ -7349,7 +7351,7 @@
         <p:txBody>
           <a:bodyPr/>
           <a:p>
-            <a:fld id="{D977E594-3C78-44A6-A83A-590CF665C6F0}" type="slidenum">
+            <a:fld id="{81CBFE82-B1C3-4BDB-B082-355411575DE7}" type="slidenum">
               <a:t>&lt;#&gt;</a:t>
             </a:fld>
           </a:p>
@@ -7537,7 +7539,7 @@
         <p:txBody>
           <a:bodyPr/>
           <a:p>
-            <a:fld id="{79C7F324-F234-4862-A858-051353F371E9}" type="slidenum">
+            <a:fld id="{D72F2811-CDDE-4B31-B217-DD5229E20951}" type="slidenum">
               <a:t>&lt;#&gt;</a:t>
             </a:fld>
           </a:p>
@@ -7793,7 +7795,7 @@
         <p:txBody>
           <a:bodyPr/>
           <a:p>
-            <a:fld id="{A53BFC80-0DAD-42C0-BD93-F65068452559}" type="slidenum">
+            <a:fld id="{A3E228E6-DE80-4431-A30F-B0E389ACF46A}" type="slidenum">
               <a:t>&lt;#&gt;</a:t>
             </a:fld>
           </a:p>
@@ -8117,7 +8119,7 @@
         <p:txBody>
           <a:bodyPr/>
           <a:p>
-            <a:fld id="{CDD97A6C-A4F5-4709-8FAB-D1B232E8AA2D}" type="slidenum">
+            <a:fld id="{10D1228A-01EA-477C-A998-FB7508037DB4}" type="slidenum">
               <a:t>&lt;#&gt;</a:t>
             </a:fld>
           </a:p>
@@ -8200,7 +8202,7 @@
         <p:txBody>
           <a:bodyPr/>
           <a:p>
-            <a:fld id="{D1119D8A-2AA2-4BD4-B3A4-69E4408DAF19}" type="slidenum">
+            <a:fld id="{8F9D8D53-67CA-4359-AB04-E790C44F169F}" type="slidenum">
               <a:t>&lt;#&gt;</a:t>
             </a:fld>
           </a:p>
@@ -8320,7 +8322,7 @@
         <p:txBody>
           <a:bodyPr/>
           <a:p>
-            <a:fld id="{B0D85C12-48BA-41C3-BAC6-04B3DB93EE07}" type="slidenum">
+            <a:fld id="{5D9524DF-DC78-4575-B3BB-163A45232718}" type="slidenum">
               <a:t>&lt;#&gt;</a:t>
             </a:fld>
           </a:p>
@@ -8477,7 +8479,7 @@
         <p:txBody>
           <a:bodyPr/>
           <a:p>
-            <a:fld id="{4F12A91A-2F8A-4F98-86B7-29F6E1D89373}" type="slidenum">
+            <a:fld id="{6D1C1D09-63E5-4F1C-AA66-C7AD19366FB9}" type="slidenum">
               <a:t>&lt;#&gt;</a:t>
             </a:fld>
           </a:p>
@@ -8631,7 +8633,7 @@
         <p:txBody>
           <a:bodyPr/>
           <a:p>
-            <a:fld id="{145C273A-DCF8-4C7B-94C4-77E6F89A38FC}" type="slidenum">
+            <a:fld id="{AC0B6919-8E96-49B4-A4F2-4BDA7C53419A}" type="slidenum">
               <a:t>&lt;#&gt;</a:t>
             </a:fld>
           </a:p>
@@ -8819,7 +8821,7 @@
         <p:txBody>
           <a:bodyPr/>
           <a:p>
-            <a:fld id="{E1962661-43A0-4F5C-9C8A-8F0F22F4D081}" type="slidenum">
+            <a:fld id="{3E1A6AFF-57E1-4D5A-965F-43DA1E41CB67}" type="slidenum">
               <a:t>&lt;#&gt;</a:t>
             </a:fld>
           </a:p>
@@ -8939,7 +8941,7 @@
         <p:txBody>
           <a:bodyPr/>
           <a:p>
-            <a:fld id="{3EF12342-20BD-4E78-8B44-3559D961070C}" type="slidenum">
+            <a:fld id="{3592C002-AFDA-4A00-8C1B-ACB071BBA59C}" type="slidenum">
               <a:t>&lt;#&gt;</a:t>
             </a:fld>
           </a:p>
@@ -9059,7 +9061,7 @@
         <p:txBody>
           <a:bodyPr/>
           <a:p>
-            <a:fld id="{21B01EFA-8FA2-495B-9A74-DC190FB64320}" type="slidenum">
+            <a:fld id="{EAA6A2F0-C03B-46C2-9253-FD05EF99A6C5}" type="slidenum">
               <a:t>&lt;#&gt;</a:t>
             </a:fld>
           </a:p>
@@ -9281,7 +9283,7 @@
         <p:txBody>
           <a:bodyPr/>
           <a:p>
-            <a:fld id="{9536EFFB-9913-446A-96CD-36367F9CF03A}" type="slidenum">
+            <a:fld id="{97C1F939-61ED-4F8B-87BD-2ABDCDD04320}" type="slidenum">
               <a:t>&lt;#&gt;</a:t>
             </a:fld>
           </a:p>
@@ -9503,7 +9505,7 @@
         <p:txBody>
           <a:bodyPr/>
           <a:p>
-            <a:fld id="{94EB227F-9E46-46F5-AABE-D2C795F98FCC}" type="slidenum">
+            <a:fld id="{791B2322-D484-4243-82B0-016C46352C33}" type="slidenum">
               <a:t>&lt;#&gt;</a:t>
             </a:fld>
           </a:p>
@@ -9725,7 +9727,7 @@
         <p:txBody>
           <a:bodyPr/>
           <a:p>
-            <a:fld id="{7C7446A8-75E2-4075-A933-A0033A73CBB0}" type="slidenum">
+            <a:fld id="{80EDEC30-A788-4908-B536-1C04DE796A2C}" type="slidenum">
               <a:t>&lt;#&gt;</a:t>
             </a:fld>
           </a:p>
@@ -9913,7 +9915,7 @@
         <p:txBody>
           <a:bodyPr/>
           <a:p>
-            <a:fld id="{7E92D5BA-7B72-4752-AC14-D261B58C8E56}" type="slidenum">
+            <a:fld id="{4A5851F6-08C7-4D68-9571-854313FFA44B}" type="slidenum">
               <a:t>&lt;#&gt;</a:t>
             </a:fld>
           </a:p>
@@ -10169,7 +10171,7 @@
         <p:txBody>
           <a:bodyPr/>
           <a:p>
-            <a:fld id="{FE650036-263F-4EFD-BF49-6506EA511C6D}" type="slidenum">
+            <a:fld id="{6D495A48-A24D-498C-8B42-A6CA84303979}" type="slidenum">
               <a:t>&lt;#&gt;</a:t>
             </a:fld>
           </a:p>
@@ -10289,7 +10291,7 @@
         <p:txBody>
           <a:bodyPr/>
           <a:p>
-            <a:fld id="{A3BF008C-763C-46CC-A066-B61371C3B793}" type="slidenum">
+            <a:fld id="{9DE9E70E-F2E0-4B60-A5A4-42D4DB0BBB01}" type="slidenum">
               <a:t>&lt;#&gt;</a:t>
             </a:fld>
           </a:p>
@@ -10613,7 +10615,7 @@
         <p:txBody>
           <a:bodyPr/>
           <a:p>
-            <a:fld id="{A2F42326-D33D-4915-A153-123CA67A7051}" type="slidenum">
+            <a:fld id="{8607E7CA-E500-4D82-BE47-A1472D95C4E5}" type="slidenum">
               <a:t>&lt;#&gt;</a:t>
             </a:fld>
           </a:p>
@@ -10696,7 +10698,7 @@
         <p:txBody>
           <a:bodyPr/>
           <a:p>
-            <a:fld id="{C092B0C4-3737-4E19-A63B-230E0E790FDB}" type="slidenum">
+            <a:fld id="{AD9FDE18-9A4F-4245-BC44-7033283C5663}" type="slidenum">
               <a:t>&lt;#&gt;</a:t>
             </a:fld>
           </a:p>
@@ -10853,7 +10855,7 @@
         <p:txBody>
           <a:bodyPr/>
           <a:p>
-            <a:fld id="{D0F09B2F-29CE-47D2-8F6B-CF0F825F65C6}" type="slidenum">
+            <a:fld id="{9ACB8AD7-DB31-4DC7-8DE9-ED229FD0AAAD}" type="slidenum">
               <a:t>&lt;#&gt;</a:t>
             </a:fld>
           </a:p>
@@ -11007,7 +11009,7 @@
         <p:txBody>
           <a:bodyPr/>
           <a:p>
-            <a:fld id="{08F374F7-6F4E-422C-85C1-E93F52BA0B8E}" type="slidenum">
+            <a:fld id="{6DD99EFC-0947-4397-86E1-E1233BF8990F}" type="slidenum">
               <a:t>&lt;#&gt;</a:t>
             </a:fld>
           </a:p>
@@ -11195,7 +11197,7 @@
         <p:txBody>
           <a:bodyPr/>
           <a:p>
-            <a:fld id="{3CABCAF6-5DE3-495D-BDBF-C610C055D8FC}" type="slidenum">
+            <a:fld id="{BCC715EC-87B9-4840-9B4D-CB97D5DAA87D}" type="slidenum">
               <a:t>&lt;#&gt;</a:t>
             </a:fld>
           </a:p>
@@ -11315,7 +11317,7 @@
         <p:txBody>
           <a:bodyPr/>
           <a:p>
-            <a:fld id="{05401F07-4145-4093-8D14-973093260DD9}" type="slidenum">
+            <a:fld id="{378856DB-43CD-4F53-BCD9-8A363222A1F8}" type="slidenum">
               <a:t>&lt;#&gt;</a:t>
             </a:fld>
           </a:p>
@@ -11435,7 +11437,7 @@
         <p:txBody>
           <a:bodyPr/>
           <a:p>
-            <a:fld id="{F010875F-A760-4F41-8100-DACEBE3C93FC}" type="slidenum">
+            <a:fld id="{7F383CB7-EE97-4D51-B214-70F4630A3B05}" type="slidenum">
               <a:t>&lt;#&gt;</a:t>
             </a:fld>
           </a:p>
@@ -11657,7 +11659,7 @@
         <p:txBody>
           <a:bodyPr/>
           <a:p>
-            <a:fld id="{FA12BA2E-549D-4B76-84F1-35B3C89E35E4}" type="slidenum">
+            <a:fld id="{914035ED-9CDC-453F-9EB2-AE6F0C556C0A}" type="slidenum">
               <a:t>&lt;#&gt;</a:t>
             </a:fld>
           </a:p>
@@ -11879,7 +11881,7 @@
         <p:txBody>
           <a:bodyPr/>
           <a:p>
-            <a:fld id="{ED5C19E9-6280-41E4-8887-9B16369FCB0D}" type="slidenum">
+            <a:fld id="{1E0AED90-492A-41AF-BB6C-00904B9F8A35}" type="slidenum">
               <a:t>&lt;#&gt;</a:t>
             </a:fld>
           </a:p>
@@ -12101,7 +12103,7 @@
         <p:txBody>
           <a:bodyPr/>
           <a:p>
-            <a:fld id="{E53BFFF1-5EB7-4134-B608-FC35F33AFFAE}" type="slidenum">
+            <a:fld id="{A9B9B5D0-2DFE-4583-AF9E-E5B1D695F1EF}" type="slidenum">
               <a:t>&lt;#&gt;</a:t>
             </a:fld>
           </a:p>
@@ -12323,7 +12325,7 @@
         <p:txBody>
           <a:bodyPr/>
           <a:p>
-            <a:fld id="{364B3963-8616-4847-BC66-609C7F100F5C}" type="slidenum">
+            <a:fld id="{47B36B05-9CB1-4DA4-AD04-99D2A9501EB8}" type="slidenum">
               <a:t>&lt;#&gt;</a:t>
             </a:fld>
           </a:p>
@@ -12511,7 +12513,7 @@
         <p:txBody>
           <a:bodyPr/>
           <a:p>
-            <a:fld id="{33037BA3-BAB0-48DD-8A05-84D8267AC766}" type="slidenum">
+            <a:fld id="{031B4F5D-E3DD-4B8E-9C7F-5B84BABE9731}" type="slidenum">
               <a:t>&lt;#&gt;</a:t>
             </a:fld>
           </a:p>
@@ -12767,7 +12769,7 @@
         <p:txBody>
           <a:bodyPr/>
           <a:p>
-            <a:fld id="{C1301622-AF6C-4F64-B21E-93B26ADCA809}" type="slidenum">
+            <a:fld id="{0834EBCF-3E28-420D-A31D-65296F0FEAF4}" type="slidenum">
               <a:t>&lt;#&gt;</a:t>
             </a:fld>
           </a:p>
@@ -13091,7 +13093,7 @@
         <p:txBody>
           <a:bodyPr/>
           <a:p>
-            <a:fld id="{BD3EBC52-F87C-4DD2-A833-EB1557B4CB20}" type="slidenum">
+            <a:fld id="{DE546979-559B-4865-BC04-119FAAED6F68}" type="slidenum">
               <a:t>&lt;#&gt;</a:t>
             </a:fld>
           </a:p>
@@ -13174,7 +13176,7 @@
         <p:txBody>
           <a:bodyPr/>
           <a:p>
-            <a:fld id="{0F03854F-804F-4A36-B84D-C3D353437595}" type="slidenum">
+            <a:fld id="{1EF43930-71FC-44C8-9E1B-0A6BEA02C37D}" type="slidenum">
               <a:t>&lt;#&gt;</a:t>
             </a:fld>
           </a:p>
@@ -13331,7 +13333,7 @@
         <p:txBody>
           <a:bodyPr/>
           <a:p>
-            <a:fld id="{8A17AF17-7CE2-4AF2-A427-2BC77028A8F3}" type="slidenum">
+            <a:fld id="{7506239A-4705-4A25-B31C-5FAC8F4BB0E3}" type="slidenum">
               <a:t>&lt;#&gt;</a:t>
             </a:fld>
           </a:p>
@@ -13485,7 +13487,7 @@
         <p:txBody>
           <a:bodyPr/>
           <a:p>
-            <a:fld id="{07C6880B-A658-4CF6-A934-3B882D775A65}" type="slidenum">
+            <a:fld id="{81B87375-4A5C-4136-9FCD-8402B93AF3ED}" type="slidenum">
               <a:t>&lt;#&gt;</a:t>
             </a:fld>
           </a:p>
@@ -13673,7 +13675,7 @@
         <p:txBody>
           <a:bodyPr/>
           <a:p>
-            <a:fld id="{84EE9C1D-AB2C-46AE-8B7D-040245361B23}" type="slidenum">
+            <a:fld id="{F6F9F5AB-3044-4507-92B6-A19F29DB0654}" type="slidenum">
               <a:t>&lt;#&gt;</a:t>
             </a:fld>
           </a:p>
@@ -13793,7 +13795,7 @@
         <p:txBody>
           <a:bodyPr/>
           <a:p>
-            <a:fld id="{23B756CA-146E-424D-AFB1-E09C5366EB6A}" type="slidenum">
+            <a:fld id="{B20323FE-CEED-445C-9C3C-586A86DD1D35}" type="slidenum">
               <a:t>&lt;#&gt;</a:t>
             </a:fld>
           </a:p>
@@ -13913,7 +13915,7 @@
         <p:txBody>
           <a:bodyPr/>
           <a:p>
-            <a:fld id="{B55B94EA-052D-43A7-8B9B-11B991F401BE}" type="slidenum">
+            <a:fld id="{AA9636F6-5FF3-4E92-A8A6-0332611851CA}" type="slidenum">
               <a:t>&lt;#&gt;</a:t>
             </a:fld>
           </a:p>
@@ -14135,7 +14137,7 @@
         <p:txBody>
           <a:bodyPr/>
           <a:p>
-            <a:fld id="{C87ADC9E-E2CF-4942-A5B4-73406F5BEA21}" type="slidenum">
+            <a:fld id="{B05CDC9C-0A02-4B6C-A077-81E798521F45}" type="slidenum">
               <a:t>&lt;#&gt;</a:t>
             </a:fld>
           </a:p>
@@ -14357,7 +14359,7 @@
         <p:txBody>
           <a:bodyPr/>
           <a:p>
-            <a:fld id="{1936219C-E713-4CE0-8064-F5CAAA9EB2DF}" type="slidenum">
+            <a:fld id="{C10FFC5C-15F4-4925-9C46-C48AEEB3804A}" type="slidenum">
               <a:t>&lt;#&gt;</a:t>
             </a:fld>
           </a:p>
@@ -14579,7 +14581,7 @@
         <p:txBody>
           <a:bodyPr/>
           <a:p>
-            <a:fld id="{437E2760-7FD7-4510-8B55-5B8F598E1D79}" type="slidenum">
+            <a:fld id="{52088B6A-DF57-49CB-A26E-F2A9AEC5ECA5}" type="slidenum">
               <a:t>&lt;#&gt;</a:t>
             </a:fld>
           </a:p>
@@ -14801,7 +14803,7 @@
         <p:txBody>
           <a:bodyPr/>
           <a:p>
-            <a:fld id="{C53FFA55-8210-4C99-8E14-9708650978D0}" type="slidenum">
+            <a:fld id="{A74DCAD4-3A5E-429B-ACF9-547C7976EA68}" type="slidenum">
               <a:t>&lt;#&gt;</a:t>
             </a:fld>
           </a:p>
@@ -14989,7 +14991,7 @@
         <p:txBody>
           <a:bodyPr/>
           <a:p>
-            <a:fld id="{125F6EE1-09F9-4807-93C1-5C74FCDFFAAF}" type="slidenum">
+            <a:fld id="{41251771-7634-4951-BD56-FAC9FF8956AF}" type="slidenum">
               <a:t>&lt;#&gt;</a:t>
             </a:fld>
           </a:p>
@@ -15245,7 +15247,7 @@
         <p:txBody>
           <a:bodyPr/>
           <a:p>
-            <a:fld id="{A8E7BE5E-65C6-4DEB-82F2-1E9110488604}" type="slidenum">
+            <a:fld id="{5255FD73-6959-4818-B35D-DD6C70261629}" type="slidenum">
               <a:t>&lt;#&gt;</a:t>
             </a:fld>
           </a:p>
@@ -15569,7 +15571,7 @@
         <p:txBody>
           <a:bodyPr/>
           <a:p>
-            <a:fld id="{113DC6F8-A2DB-4743-AF92-FB179240C424}" type="slidenum">
+            <a:fld id="{CAB0A8D0-3524-4AD8-9B2B-3E0D464B5F9B}" type="slidenum">
               <a:t>&lt;#&gt;</a:t>
             </a:fld>
           </a:p>
@@ -15652,7 +15654,7 @@
         <p:txBody>
           <a:bodyPr/>
           <a:p>
-            <a:fld id="{D9832A46-52F9-4E5D-85AD-90485043E3BD}" type="slidenum">
+            <a:fld id="{FAA9D798-3853-4DB8-8667-C4535AEBE9EE}" type="slidenum">
               <a:t>&lt;#&gt;</a:t>
             </a:fld>
           </a:p>
@@ -15809,7 +15811,7 @@
         <p:txBody>
           <a:bodyPr/>
           <a:p>
-            <a:fld id="{9A0D2904-CA24-42E6-B41F-BE525335861B}" type="slidenum">
+            <a:fld id="{D6198086-E164-470D-9E6F-4C8FA5357C56}" type="slidenum">
               <a:t>&lt;#&gt;</a:t>
             </a:fld>
           </a:p>
@@ -15963,7 +15965,7 @@
         <p:txBody>
           <a:bodyPr/>
           <a:p>
-            <a:fld id="{05BF06D0-CDCC-49AF-8287-3EE1762C7C52}" type="slidenum">
+            <a:fld id="{21A46BA4-8B93-465E-B3F7-A04F2CFA7FC0}" type="slidenum">
               <a:t>&lt;#&gt;</a:t>
             </a:fld>
           </a:p>
@@ -16151,7 +16153,7 @@
         <p:txBody>
           <a:bodyPr/>
           <a:p>
-            <a:fld id="{AE3AAB8B-31B7-4CD6-A9DD-466E8BA2F94E}" type="slidenum">
+            <a:fld id="{76EC3E6E-938A-4F96-AE65-32E15B7F0C96}" type="slidenum">
               <a:t>&lt;#&gt;</a:t>
             </a:fld>
           </a:p>
@@ -16271,7 +16273,7 @@
         <p:txBody>
           <a:bodyPr/>
           <a:p>
-            <a:fld id="{1515179D-3B22-4A0A-A77C-C421EE580594}" type="slidenum">
+            <a:fld id="{0F330056-F6BE-45E9-9EC0-C8EC9A89837C}" type="slidenum">
               <a:t>&lt;#&gt;</a:t>
             </a:fld>
           </a:p>
@@ -16493,7 +16495,7 @@
         <p:txBody>
           <a:bodyPr/>
           <a:p>
-            <a:fld id="{DC1CEB00-578A-4C85-AC6F-FE0F3E274514}" type="slidenum">
+            <a:fld id="{5DB1C506-3E0D-4EC1-9FC9-59C2588FBD11}" type="slidenum">
               <a:t>&lt;#&gt;</a:t>
             </a:fld>
           </a:p>
@@ -16613,7 +16615,7 @@
         <p:txBody>
           <a:bodyPr/>
           <a:p>
-            <a:fld id="{5E0AFB55-341C-45F5-9924-4A5CBB6AD540}" type="slidenum">
+            <a:fld id="{872261F6-E95D-47CD-91F3-051D9393F4A1}" type="slidenum">
               <a:t>&lt;#&gt;</a:t>
             </a:fld>
           </a:p>
@@ -16835,7 +16837,7 @@
         <p:txBody>
           <a:bodyPr/>
           <a:p>
-            <a:fld id="{3DE50981-903D-4ACF-AEE8-83A84DFC1AF9}" type="slidenum">
+            <a:fld id="{C75F7EA2-E5B4-4546-94B4-B5C88DA5B4F8}" type="slidenum">
               <a:t>&lt;#&gt;</a:t>
             </a:fld>
           </a:p>
@@ -17057,7 +17059,7 @@
         <p:txBody>
           <a:bodyPr/>
           <a:p>
-            <a:fld id="{9D3D2CE6-5480-4633-8BE5-29DCE447A951}" type="slidenum">
+            <a:fld id="{CB12D64B-EA10-4FB9-BDFC-36D9DDDD8720}" type="slidenum">
               <a:t>&lt;#&gt;</a:t>
             </a:fld>
           </a:p>
@@ -17279,7 +17281,7 @@
         <p:txBody>
           <a:bodyPr/>
           <a:p>
-            <a:fld id="{72FA8EE6-A42F-4B79-916B-948F6A5A28CB}" type="slidenum">
+            <a:fld id="{F62489D5-464E-4A66-94E3-31095BD57EA2}" type="slidenum">
               <a:t>&lt;#&gt;</a:t>
             </a:fld>
           </a:p>
@@ -17467,7 +17469,7 @@
         <p:txBody>
           <a:bodyPr/>
           <a:p>
-            <a:fld id="{2A963CDA-A258-419D-A600-7A7C0E4C8D73}" type="slidenum">
+            <a:fld id="{07F3B38B-1787-4AD5-B832-A92C12C371E4}" type="slidenum">
               <a:t>&lt;#&gt;</a:t>
             </a:fld>
           </a:p>
@@ -17723,7 +17725,7 @@
         <p:txBody>
           <a:bodyPr/>
           <a:p>
-            <a:fld id="{1AA82851-0799-4278-AAB1-0198EF2F1C72}" type="slidenum">
+            <a:fld id="{0C842B44-365C-45A7-95CA-4B451F8F083A}" type="slidenum">
               <a:t>&lt;#&gt;</a:t>
             </a:fld>
           </a:p>
@@ -18047,7 +18049,7 @@
         <p:txBody>
           <a:bodyPr/>
           <a:p>
-            <a:fld id="{820708CA-A74F-4CD7-99FA-18A77C2E9268}" type="slidenum">
+            <a:fld id="{8C87A290-A057-43BF-8129-3CF333504E6A}" type="slidenum">
               <a:t>&lt;#&gt;</a:t>
             </a:fld>
           </a:p>
@@ -24989,7 +24991,7 @@
               <a:rPr b="0" lang="en-US" sz="1400" spc="-1" strike="noStrike">
                 <a:latin typeface="Arial"/>
               </a:rPr>
-              <a:t> </a:t>
+              <a:t>&lt;footer&gt;</a:t>
             </a:r>
             <a:endParaRPr b="0" lang="en-US" sz="1400" spc="-1" strike="noStrike">
               <a:latin typeface="Noto Serif CJK JP"/>
@@ -25042,11 +25044,11 @@
               </a:lnSpc>
               <a:buNone/>
             </a:pPr>
-            <a:fld id="{A140F89A-7069-482C-AF97-577C7D0A1BD2}" type="slidenum">
+            <a:fld id="{9E8925C7-E3EC-45D9-8BBF-D98853F72D40}" type="slidenum">
               <a:rPr b="0" lang="en-US" sz="1400" spc="-1" strike="noStrike">
                 <a:latin typeface="Arial"/>
               </a:rPr>
-              <a:t>13</a:t>
+              <a:t>&lt;number&gt;</a:t>
             </a:fld>
             <a:endParaRPr b="0" lang="en-US" sz="1400" spc="-1" strike="noStrike">
               <a:latin typeface="Noto Serif CJK JP"/>
@@ -25093,7 +25095,7 @@
               <a:rPr b="0" lang="en-US" sz="1400" spc="-1" strike="noStrike">
                 <a:latin typeface="Noto Serif CJK JP"/>
               </a:rPr>
-              <a:t> </a:t>
+              <a:t>&lt;date/time&gt;</a:t>
             </a:r>
             <a:endParaRPr b="0" lang="en-US" sz="1400" spc="-1" strike="noStrike">
               <a:latin typeface="Noto Serif CJK JP"/>
@@ -25136,7 +25138,13 @@
               <a:rPr b="0" lang="en-US" sz="4400" spc="-1" strike="noStrike">
                 <a:latin typeface="Arial"/>
               </a:rPr>
-              <a:t>Click to edit the title text format</a:t>
+              <a:t>Click to edit the title text </a:t>
+            </a:r>
+            <a:r>
+              <a:rPr b="0" lang="en-US" sz="4400" spc="-1" strike="noStrike">
+                <a:latin typeface="Arial"/>
+              </a:rPr>
+              <a:t>format</a:t>
             </a:r>
             <a:endParaRPr b="0" lang="en-US" sz="4400" spc="-1" strike="noStrike">
               <a:latin typeface="Arial"/>
@@ -27458,7 +27466,7 @@
               </a:lnSpc>
               <a:buNone/>
             </a:pPr>
-            <a:fld id="{CD772CD3-04B3-4867-8F2F-6309C072CCC2}" type="slidenum">
+            <a:fld id="{E33222AA-33B4-4E3B-AC66-043CA1855B70}" type="slidenum">
               <a:rPr b="0" lang="en-US" sz="1400" spc="-1" strike="noStrike">
                 <a:latin typeface="Arial"/>
               </a:rPr>
@@ -27552,211 +27560,7 @@
               <a:rPr b="0" lang="en-US" sz="4400" spc="-1" strike="noStrike">
                 <a:latin typeface="Arial"/>
               </a:rPr>
-              <a:t>C</a:t>
-            </a:r>
-            <a:r>
-              <a:rPr b="0" lang="en-US" sz="4400" spc="-1" strike="noStrike">
-                <a:latin typeface="Arial"/>
-              </a:rPr>
-              <a:t>l</a:t>
-            </a:r>
-            <a:r>
-              <a:rPr b="0" lang="en-US" sz="4400" spc="-1" strike="noStrike">
-                <a:latin typeface="Arial"/>
-              </a:rPr>
-              <a:t>i</a:t>
-            </a:r>
-            <a:r>
-              <a:rPr b="0" lang="en-US" sz="4400" spc="-1" strike="noStrike">
-                <a:latin typeface="Arial"/>
-              </a:rPr>
-              <a:t>c</a:t>
-            </a:r>
-            <a:r>
-              <a:rPr b="0" lang="en-US" sz="4400" spc="-1" strike="noStrike">
-                <a:latin typeface="Arial"/>
-              </a:rPr>
-              <a:t>k</a:t>
-            </a:r>
-            <a:r>
-              <a:rPr b="0" lang="en-US" sz="4400" spc="-1" strike="noStrike">
-                <a:latin typeface="Arial"/>
-              </a:rPr>
-              <a:t> </a:t>
-            </a:r>
-            <a:r>
-              <a:rPr b="0" lang="en-US" sz="4400" spc="-1" strike="noStrike">
-                <a:latin typeface="Arial"/>
-              </a:rPr>
-              <a:t>t</a:t>
-            </a:r>
-            <a:r>
-              <a:rPr b="0" lang="en-US" sz="4400" spc="-1" strike="noStrike">
-                <a:latin typeface="Arial"/>
-              </a:rPr>
-              <a:t>o</a:t>
-            </a:r>
-            <a:r>
-              <a:rPr b="0" lang="en-US" sz="4400" spc="-1" strike="noStrike">
-                <a:latin typeface="Arial"/>
-              </a:rPr>
-              <a:t> </a:t>
-            </a:r>
-            <a:r>
-              <a:rPr b="0" lang="en-US" sz="4400" spc="-1" strike="noStrike">
-                <a:latin typeface="Arial"/>
-              </a:rPr>
-              <a:t>e</a:t>
-            </a:r>
-            <a:r>
-              <a:rPr b="0" lang="en-US" sz="4400" spc="-1" strike="noStrike">
-                <a:latin typeface="Arial"/>
-              </a:rPr>
-              <a:t>d</a:t>
-            </a:r>
-            <a:r>
-              <a:rPr b="0" lang="en-US" sz="4400" spc="-1" strike="noStrike">
-                <a:latin typeface="Arial"/>
-              </a:rPr>
-              <a:t>i</a:t>
-            </a:r>
-            <a:r>
-              <a:rPr b="0" lang="en-US" sz="4400" spc="-1" strike="noStrike">
-                <a:latin typeface="Arial"/>
-              </a:rPr>
-              <a:t>t</a:t>
-            </a:r>
-            <a:r>
-              <a:rPr b="0" lang="en-US" sz="4400" spc="-1" strike="noStrike">
-                <a:latin typeface="Arial"/>
-              </a:rPr>
-              <a:t> </a:t>
-            </a:r>
-            <a:r>
-              <a:rPr b="0" lang="en-US" sz="4400" spc="-1" strike="noStrike">
-                <a:latin typeface="Arial"/>
-              </a:rPr>
-              <a:t>t</a:t>
-            </a:r>
-            <a:r>
-              <a:rPr b="0" lang="en-US" sz="4400" spc="-1" strike="noStrike">
-                <a:latin typeface="Arial"/>
-              </a:rPr>
-              <a:t>h</a:t>
-            </a:r>
-            <a:r>
-              <a:rPr b="0" lang="en-US" sz="4400" spc="-1" strike="noStrike">
-                <a:latin typeface="Arial"/>
-              </a:rPr>
-              <a:t>e</a:t>
-            </a:r>
-            <a:r>
-              <a:rPr b="0" lang="en-US" sz="4400" spc="-1" strike="noStrike">
-                <a:latin typeface="Arial"/>
-              </a:rPr>
-              <a:t> </a:t>
-            </a:r>
-            <a:r>
-              <a:rPr b="0" lang="en-US" sz="4400" spc="-1" strike="noStrike">
-                <a:latin typeface="Arial"/>
-              </a:rPr>
-              <a:t>t</a:t>
-            </a:r>
-            <a:r>
-              <a:rPr b="0" lang="en-US" sz="4400" spc="-1" strike="noStrike">
-                <a:latin typeface="Arial"/>
-              </a:rPr>
-              <a:t>i</a:t>
-            </a:r>
-            <a:r>
-              <a:rPr b="0" lang="en-US" sz="4400" spc="-1" strike="noStrike">
-                <a:latin typeface="Arial"/>
-              </a:rPr>
-              <a:t>t</a:t>
-            </a:r>
-            <a:r>
-              <a:rPr b="0" lang="en-US" sz="4400" spc="-1" strike="noStrike">
-                <a:latin typeface="Arial"/>
-              </a:rPr>
-              <a:t>l</a:t>
-            </a:r>
-            <a:r>
-              <a:rPr b="0" lang="en-US" sz="4400" spc="-1" strike="noStrike">
-                <a:latin typeface="Arial"/>
-              </a:rPr>
-              <a:t>e</a:t>
-            </a:r>
-            <a:r>
-              <a:rPr b="0" lang="en-US" sz="4400" spc="-1" strike="noStrike">
-                <a:latin typeface="Arial"/>
-              </a:rPr>
-              <a:t> </a:t>
-            </a:r>
-            <a:r>
-              <a:rPr b="0" lang="en-US" sz="4400" spc="-1" strike="noStrike">
-                <a:latin typeface="Arial"/>
-              </a:rPr>
-              <a:t>t</a:t>
-            </a:r>
-            <a:r>
-              <a:rPr b="0" lang="en-US" sz="4400" spc="-1" strike="noStrike">
-                <a:latin typeface="Arial"/>
-              </a:rPr>
-              <a:t>e</a:t>
-            </a:r>
-            <a:r>
-              <a:rPr b="0" lang="en-US" sz="4400" spc="-1" strike="noStrike">
-                <a:latin typeface="Arial"/>
-              </a:rPr>
-              <a:t>x</a:t>
-            </a:r>
-            <a:r>
-              <a:rPr b="0" lang="en-US" sz="4400" spc="-1" strike="noStrike">
-                <a:latin typeface="Arial"/>
-              </a:rPr>
-              <a:t>t</a:t>
-            </a:r>
-            <a:r>
-              <a:rPr b="0" lang="en-US" sz="4400" spc="-1" strike="noStrike">
-                <a:latin typeface="Arial"/>
-              </a:rPr>
-              <a:t> </a:t>
-            </a:r>
-            <a:r>
-              <a:rPr b="0" lang="en-US" sz="4400" spc="-1" strike="noStrike">
-                <a:latin typeface="Arial"/>
-              </a:rPr>
-              <a:t>f</a:t>
-            </a:r>
-            <a:r>
-              <a:rPr b="0" lang="en-US" sz="4400" spc="-1" strike="noStrike">
-                <a:latin typeface="Arial"/>
-              </a:rPr>
-              <a:t>o</a:t>
-            </a:r>
-            <a:r>
-              <a:rPr b="0" lang="en-US" sz="4400" spc="-1" strike="noStrike">
-                <a:latin typeface="Arial"/>
-              </a:rPr>
-              <a:t>r</a:t>
-            </a:r>
-            <a:r>
-              <a:rPr b="0" lang="en-US" sz="4400" spc="-1" strike="noStrike">
-                <a:latin typeface="Arial"/>
-              </a:rPr>
-              <a:t>m</a:t>
-            </a:r>
-            <a:r>
-              <a:rPr b="0" lang="en-US" sz="4400" spc="-1" strike="noStrike">
-                <a:latin typeface="Arial"/>
-              </a:rPr>
-              <a:t>a</a:t>
-            </a:r>
-            <a:r>
-              <a:rPr b="0" lang="en-US" sz="4400" spc="-1" strike="noStrike">
-                <a:latin typeface="Arial"/>
-              </a:rPr>
-              <a:t>t</a:t>
+              <a:t>Click to edit the title text format</a:t>
             </a:r>
             <a:endParaRPr b="0" lang="en-US" sz="4400" spc="-1" strike="noStrike">
               <a:latin typeface="Arial"/>
@@ -30078,7 +29882,7 @@
               </a:lnSpc>
               <a:buNone/>
             </a:pPr>
-            <a:fld id="{931212D2-EC03-4024-B8D9-A83504930CA9}" type="slidenum">
+            <a:fld id="{C86390B6-8DD0-4D97-A520-8553BDB19091}" type="slidenum">
               <a:rPr b="0" lang="en-US" sz="1400" spc="-1" strike="noStrike">
                 <a:latin typeface="Arial"/>
               </a:rPr>
@@ -32494,7 +32298,7 @@
               </a:lnSpc>
               <a:buNone/>
             </a:pPr>
-            <a:fld id="{F089A537-176D-4535-B58C-4D89618EEED2}" type="slidenum">
+            <a:fld id="{7E3EA585-DFBC-46DE-A7F4-72E2D66CD1CF}" type="slidenum">
               <a:rPr b="0" lang="en-US" sz="1400" spc="-1" strike="noStrike">
                 <a:latin typeface="Arial"/>
               </a:rPr>
@@ -35911,7 +35715,7 @@
               </a:lnSpc>
               <a:buNone/>
             </a:pPr>
-            <a:fld id="{C92BD2AD-1069-46ED-A373-0931EA691C3C}" type="slidenum">
+            <a:fld id="{82837AB4-A2A6-4B9F-ADC6-00B8328D9DE8}" type="slidenum">
               <a:rPr b="0" lang="en-US" sz="1400" spc="-1" strike="noStrike">
                 <a:latin typeface="Arial"/>
               </a:rPr>
@@ -40165,7 +39969,7 @@
               </a:lnSpc>
               <a:buNone/>
             </a:pPr>
-            <a:fld id="{F80D7DF6-4D6B-4EA9-8BB2-9679929576E2}" type="slidenum">
+            <a:fld id="{DDBD0966-F5A1-4225-B917-4B222DAF5A40}" type="slidenum">
               <a:rPr b="0" lang="en-US" sz="1400" spc="-1" strike="noStrike">
                 <a:latin typeface="Arial"/>
               </a:rPr>
@@ -44419,7 +44223,7 @@
               </a:lnSpc>
               <a:buNone/>
             </a:pPr>
-            <a:fld id="{E33FA282-DBF5-43B3-BC4E-CF2530496A14}" type="slidenum">
+            <a:fld id="{95FF48E7-2E1F-468A-9EAB-6A405EC3B9EB}" type="slidenum">
               <a:rPr b="0" lang="en-US" sz="1400" spc="-1" strike="noStrike">
                 <a:latin typeface="Arial"/>
               </a:rPr>
@@ -48673,7 +48477,7 @@
               </a:lnSpc>
               <a:buNone/>
             </a:pPr>
-            <a:fld id="{95AF8AD7-C4EE-42BA-9A04-3B45584359E2}" type="slidenum">
+            <a:fld id="{8EC1034D-8101-406D-9B2A-C97439E21267}" type="slidenum">
               <a:rPr b="0" lang="en-US" sz="1400" spc="-1" strike="noStrike">
                 <a:latin typeface="Arial"/>
               </a:rPr>
@@ -50178,6 +49982,603 @@
         </p:nvSpPr>
         <p:spPr>
           <a:xfrm>
+            <a:off x="0" y="-181080"/>
+            <a:ext cx="10079640" cy="1620720"/>
+          </a:xfrm>
+          <a:prstGeom prst="rect">
+            <a:avLst/>
+          </a:prstGeom>
+          <a:noFill/>
+          <a:ln w="0">
+            <a:noFill/>
+          </a:ln>
+        </p:spPr>
+        <p:txBody>
+          <a:bodyPr lIns="0" rIns="0" tIns="0" bIns="0" anchor="ctr">
+            <a:noAutofit/>
+          </a:bodyPr>
+          <a:p>
+            <a:pPr algn="ctr">
+              <a:lnSpc>
+                <a:spcPct val="100000"/>
+              </a:lnSpc>
+              <a:buNone/>
+            </a:pPr>
+            <a:r>
+              <a:rPr b="0" lang="ja-JP" sz="4400" spc="-1" strike="noStrike">
+                <a:latin typeface="Arial"/>
+                <a:ea typeface="Noto Sans CJK JP"/>
+              </a:rPr>
+              <a:t>階差系列の重心を</a:t>
+            </a:r>
+            <a:r>
+              <a:rPr b="0" lang="en-US" sz="4400" spc="-1" strike="noStrike">
+                <a:latin typeface="Arial"/>
+                <a:ea typeface="Noto Sans CJK JP"/>
+              </a:rPr>
+              <a:t>SARIMA</a:t>
+            </a:r>
+            <a:r>
+              <a:rPr b="0" lang="ja-JP" sz="4400" spc="-1" strike="noStrike">
+                <a:latin typeface="Arial"/>
+                <a:ea typeface="Noto Sans CJK JP"/>
+              </a:rPr>
+              <a:t>でモデリング</a:t>
+            </a:r>
+            <a:endParaRPr b="0" lang="en-US" sz="4400" spc="-1" strike="noStrike">
+              <a:latin typeface="Arial"/>
+            </a:endParaRPr>
+          </a:p>
+        </p:txBody>
+      </p:sp>
+      <p:graphicFrame>
+        <p:nvGraphicFramePr>
+          <p:cNvPr id="718" name=""/>
+          <p:cNvGraphicFramePr/>
+          <p:nvPr/>
+        </p:nvGraphicFramePr>
+        <p:xfrm>
+          <a:off x="1800000" y="1754640"/>
+          <a:ext cx="5771520" cy="2159280"/>
+        </p:xfrm>
+        <a:graphic>
+          <a:graphicData uri="http://schemas.openxmlformats.org/drawingml/2006/table">
+            <a:tbl>
+              <a:tblPr/>
+              <a:tblGrid>
+                <a:gridCol w="1442520"/>
+                <a:gridCol w="1442520"/>
+                <a:gridCol w="1442520"/>
+                <a:gridCol w="1444320"/>
+              </a:tblGrid>
+              <a:tr h="719640">
+                <a:tc>
+                  <a:tcPr anchor="t" marL="90000" marR="90000">
+                    <a:lnL w="720">
+                      <a:solidFill>
+                        <a:srgbClr val="ffffff"/>
+                      </a:solidFill>
+                    </a:lnL>
+                    <a:lnR w="720">
+                      <a:solidFill>
+                        <a:srgbClr val="ffffff"/>
+                      </a:solidFill>
+                    </a:lnR>
+                    <a:lnT w="720">
+                      <a:solidFill>
+                        <a:srgbClr val="ffffff"/>
+                      </a:solidFill>
+                    </a:lnT>
+                    <a:lnB w="720">
+                      <a:solidFill>
+                        <a:srgbClr val="ffffff"/>
+                      </a:solidFill>
+                    </a:lnB>
+                    <a:solidFill>
+                      <a:srgbClr val="b3b3b3"/>
+                    </a:solidFill>
+                  </a:tcPr>
+                </a:tc>
+                <a:tc>
+                  <a:txBody>
+                    <a:bodyPr lIns="90000" rIns="90000" anchor="t">
+                      <a:noAutofit/>
+                    </a:bodyPr>
+                    <a:p>
+                      <a:pPr>
+                        <a:lnSpc>
+                          <a:spcPct val="100000"/>
+                        </a:lnSpc>
+                        <a:buNone/>
+                      </a:pPr>
+                      <a:r>
+                        <a:rPr b="0" lang="en-US" sz="1800" spc="-1" strike="noStrike">
+                          <a:latin typeface="Arial"/>
+                        </a:rPr>
+                        <a:t>WAPE</a:t>
+                      </a:r>
+                      <a:endParaRPr b="0" lang="en-US" sz="1800" spc="-1" strike="noStrike">
+                        <a:latin typeface="Arial"/>
+                      </a:endParaRPr>
+                    </a:p>
+                  </a:txBody>
+                  <a:tcPr anchor="t" marL="90000" marR="90000">
+                    <a:lnL w="720">
+                      <a:solidFill>
+                        <a:srgbClr val="ffffff"/>
+                      </a:solidFill>
+                    </a:lnL>
+                    <a:lnR w="720">
+                      <a:solidFill>
+                        <a:srgbClr val="ffffff"/>
+                      </a:solidFill>
+                    </a:lnR>
+                    <a:lnT w="720">
+                      <a:solidFill>
+                        <a:srgbClr val="ffffff"/>
+                      </a:solidFill>
+                    </a:lnT>
+                    <a:lnB w="720">
+                      <a:solidFill>
+                        <a:srgbClr val="ffffff"/>
+                      </a:solidFill>
+                    </a:lnB>
+                    <a:solidFill>
+                      <a:srgbClr val="b3b3b3"/>
+                    </a:solidFill>
+                  </a:tcPr>
+                </a:tc>
+                <a:tc>
+                  <a:txBody>
+                    <a:bodyPr lIns="90000" rIns="90000" anchor="t">
+                      <a:noAutofit/>
+                    </a:bodyPr>
+                    <a:p>
+                      <a:pPr>
+                        <a:lnSpc>
+                          <a:spcPct val="100000"/>
+                        </a:lnSpc>
+                        <a:buNone/>
+                      </a:pPr>
+                      <a:r>
+                        <a:rPr b="0" lang="en-US" sz="1800" spc="-1" strike="noStrike">
+                          <a:latin typeface="Arial"/>
+                        </a:rPr>
+                        <a:t>AIC</a:t>
+                      </a:r>
+                      <a:endParaRPr b="0" lang="en-US" sz="1800" spc="-1" strike="noStrike">
+                        <a:latin typeface="Arial"/>
+                      </a:endParaRPr>
+                    </a:p>
+                  </a:txBody>
+                  <a:tcPr anchor="t" marL="90000" marR="90000">
+                    <a:lnL w="720">
+                      <a:solidFill>
+                        <a:srgbClr val="ffffff"/>
+                      </a:solidFill>
+                    </a:lnL>
+                    <a:lnR w="720">
+                      <a:solidFill>
+                        <a:srgbClr val="ffffff"/>
+                      </a:solidFill>
+                    </a:lnR>
+                    <a:lnT w="720">
+                      <a:solidFill>
+                        <a:srgbClr val="ffffff"/>
+                      </a:solidFill>
+                    </a:lnT>
+                    <a:lnB w="720">
+                      <a:solidFill>
+                        <a:srgbClr val="ffffff"/>
+                      </a:solidFill>
+                    </a:lnB>
+                    <a:solidFill>
+                      <a:srgbClr val="b3b3b3"/>
+                    </a:solidFill>
+                  </a:tcPr>
+                </a:tc>
+                <a:tc>
+                  <a:tcPr anchor="t" marL="90000" marR="90000">
+                    <a:lnL w="720">
+                      <a:solidFill>
+                        <a:srgbClr val="ffffff"/>
+                      </a:solidFill>
+                    </a:lnL>
+                    <a:lnR w="720">
+                      <a:solidFill>
+                        <a:srgbClr val="ffffff"/>
+                      </a:solidFill>
+                    </a:lnR>
+                    <a:lnT w="720">
+                      <a:solidFill>
+                        <a:srgbClr val="ffffff"/>
+                      </a:solidFill>
+                    </a:lnT>
+                    <a:lnB w="720">
+                      <a:solidFill>
+                        <a:srgbClr val="ffffff"/>
+                      </a:solidFill>
+                    </a:lnB>
+                    <a:solidFill>
+                      <a:srgbClr val="b3b3b3"/>
+                    </a:solidFill>
+                  </a:tcPr>
+                </a:tc>
+              </a:tr>
+              <a:tr h="719640">
+                <a:tc>
+                  <a:txBody>
+                    <a:bodyPr lIns="90000" rIns="90000" anchor="t">
+                      <a:noAutofit/>
+                    </a:bodyPr>
+                    <a:p>
+                      <a:pPr>
+                        <a:lnSpc>
+                          <a:spcPct val="100000"/>
+                        </a:lnSpc>
+                        <a:buNone/>
+                      </a:pPr>
+                      <a:r>
+                        <a:rPr b="0" lang="ja-JP" sz="1800" spc="-1" strike="noStrike">
+                          <a:latin typeface="Arial"/>
+                        </a:rPr>
+                        <a:t>季節性なし</a:t>
+                      </a:r>
+                      <a:endParaRPr b="0" lang="en-US" sz="1800" spc="-1" strike="noStrike">
+                        <a:latin typeface="Arial"/>
+                      </a:endParaRPr>
+                    </a:p>
+                  </a:txBody>
+                  <a:tcPr anchor="t" marL="90000" marR="90000">
+                    <a:lnL w="720">
+                      <a:solidFill>
+                        <a:srgbClr val="ffffff"/>
+                      </a:solidFill>
+                    </a:lnL>
+                    <a:lnR w="720">
+                      <a:solidFill>
+                        <a:srgbClr val="ffffff"/>
+                      </a:solidFill>
+                    </a:lnR>
+                    <a:lnT w="720">
+                      <a:solidFill>
+                        <a:srgbClr val="ffffff"/>
+                      </a:solidFill>
+                    </a:lnT>
+                    <a:lnB w="720">
+                      <a:solidFill>
+                        <a:srgbClr val="ffffff"/>
+                      </a:solidFill>
+                    </a:lnB>
+                    <a:solidFill>
+                      <a:srgbClr val="cccccc"/>
+                    </a:solidFill>
+                  </a:tcPr>
+                </a:tc>
+                <a:tc>
+                  <a:txBody>
+                    <a:bodyPr lIns="90000" rIns="90000" anchor="t">
+                      <a:noAutofit/>
+                    </a:bodyPr>
+                    <a:p>
+                      <a:r>
+                        <a:rPr b="0" lang="en-US" sz="1800" spc="-1" strike="noStrike">
+                          <a:latin typeface="Arial"/>
+                        </a:rPr>
+                        <a:t>5.1152401451518505</a:t>
+                      </a:r>
+                      <a:endParaRPr b="0" lang="en-US" sz="1800" spc="-1" strike="noStrike">
+                        <a:latin typeface="Arial"/>
+                      </a:endParaRPr>
+                    </a:p>
+                  </a:txBody>
+                  <a:tcPr anchor="t" marL="90000" marR="90000">
+                    <a:lnL w="720">
+                      <a:solidFill>
+                        <a:srgbClr val="ffffff"/>
+                      </a:solidFill>
+                    </a:lnL>
+                    <a:lnR w="720">
+                      <a:solidFill>
+                        <a:srgbClr val="ffffff"/>
+                      </a:solidFill>
+                    </a:lnR>
+                    <a:lnT w="720">
+                      <a:solidFill>
+                        <a:srgbClr val="ffffff"/>
+                      </a:solidFill>
+                    </a:lnT>
+                    <a:lnB w="720">
+                      <a:solidFill>
+                        <a:srgbClr val="ffffff"/>
+                      </a:solidFill>
+                    </a:lnB>
+                    <a:solidFill>
+                      <a:srgbClr val="cccccc"/>
+                    </a:solidFill>
+                  </a:tcPr>
+                </a:tc>
+                <a:tc>
+                  <a:txBody>
+                    <a:bodyPr lIns="90000" rIns="90000" anchor="t">
+                      <a:noAutofit/>
+                    </a:bodyPr>
+                    <a:p>
+                      <a:r>
+                        <a:rPr b="0" lang="en-US" sz="1800" spc="-1" strike="noStrike">
+                          <a:latin typeface="Arial"/>
+                        </a:rPr>
+                        <a:t>2671.5590263543254</a:t>
+                      </a:r>
+                      <a:endParaRPr b="0" lang="en-US" sz="1800" spc="-1" strike="noStrike">
+                        <a:latin typeface="Arial"/>
+                      </a:endParaRPr>
+                    </a:p>
+                  </a:txBody>
+                  <a:tcPr anchor="t" marL="90000" marR="90000">
+                    <a:lnL w="720">
+                      <a:solidFill>
+                        <a:srgbClr val="ffffff"/>
+                      </a:solidFill>
+                    </a:lnL>
+                    <a:lnR w="720">
+                      <a:solidFill>
+                        <a:srgbClr val="ffffff"/>
+                      </a:solidFill>
+                    </a:lnR>
+                    <a:lnT w="720">
+                      <a:solidFill>
+                        <a:srgbClr val="ffffff"/>
+                      </a:solidFill>
+                    </a:lnT>
+                    <a:lnB w="720">
+                      <a:solidFill>
+                        <a:srgbClr val="ffffff"/>
+                      </a:solidFill>
+                    </a:lnB>
+                    <a:solidFill>
+                      <a:srgbClr val="cccccc"/>
+                    </a:solidFill>
+                  </a:tcPr>
+                </a:tc>
+                <a:tc>
+                  <a:tcPr anchor="t" marL="90000" marR="90000">
+                    <a:lnL w="720">
+                      <a:solidFill>
+                        <a:srgbClr val="ffffff"/>
+                      </a:solidFill>
+                    </a:lnL>
+                    <a:lnR w="720">
+                      <a:solidFill>
+                        <a:srgbClr val="ffffff"/>
+                      </a:solidFill>
+                    </a:lnR>
+                    <a:lnT w="720">
+                      <a:solidFill>
+                        <a:srgbClr val="ffffff"/>
+                      </a:solidFill>
+                    </a:lnT>
+                    <a:lnB w="720">
+                      <a:solidFill>
+                        <a:srgbClr val="ffffff"/>
+                      </a:solidFill>
+                    </a:lnB>
+                    <a:solidFill>
+                      <a:srgbClr val="cccccc"/>
+                    </a:solidFill>
+                  </a:tcPr>
+                </a:tc>
+              </a:tr>
+              <a:tr h="720360">
+                <a:tc>
+                  <a:txBody>
+                    <a:bodyPr lIns="90000" rIns="90000" anchor="t">
+                      <a:noAutofit/>
+                    </a:bodyPr>
+                    <a:p>
+                      <a:pPr>
+                        <a:lnSpc>
+                          <a:spcPct val="100000"/>
+                        </a:lnSpc>
+                        <a:buNone/>
+                      </a:pPr>
+                      <a:r>
+                        <a:rPr b="0" lang="ja-JP" sz="1800" spc="-1" strike="noStrike">
+                          <a:latin typeface="Arial"/>
+                        </a:rPr>
+                        <a:t>季節性あり</a:t>
+                      </a:r>
+                      <a:endParaRPr b="0" lang="en-US" sz="1800" spc="-1" strike="noStrike">
+                        <a:latin typeface="Arial"/>
+                      </a:endParaRPr>
+                    </a:p>
+                  </a:txBody>
+                  <a:tcPr anchor="t" marL="90000" marR="90000">
+                    <a:lnL w="720">
+                      <a:solidFill>
+                        <a:srgbClr val="ffffff"/>
+                      </a:solidFill>
+                    </a:lnL>
+                    <a:lnR w="720">
+                      <a:solidFill>
+                        <a:srgbClr val="ffffff"/>
+                      </a:solidFill>
+                    </a:lnR>
+                    <a:lnT w="720">
+                      <a:solidFill>
+                        <a:srgbClr val="ffffff"/>
+                      </a:solidFill>
+                    </a:lnT>
+                    <a:lnB w="720">
+                      <a:solidFill>
+                        <a:srgbClr val="ffffff"/>
+                      </a:solidFill>
+                    </a:lnB>
+                    <a:solidFill>
+                      <a:srgbClr val="e6e6e6"/>
+                    </a:solidFill>
+                  </a:tcPr>
+                </a:tc>
+                <a:tc>
+                  <a:txBody>
+                    <a:bodyPr lIns="90000" rIns="90000" anchor="t">
+                      <a:noAutofit/>
+                    </a:bodyPr>
+                    <a:p>
+                      <a:r>
+                        <a:rPr b="0" lang="en-US" sz="1800" spc="-1" strike="noStrike">
+                          <a:latin typeface="Arial"/>
+                        </a:rPr>
+                        <a:t>5.826798346291722</a:t>
+                      </a:r>
+                      <a:endParaRPr b="0" lang="en-US" sz="1800" spc="-1" strike="noStrike">
+                        <a:latin typeface="Arial"/>
+                      </a:endParaRPr>
+                    </a:p>
+                  </a:txBody>
+                  <a:tcPr anchor="t" marL="90000" marR="90000">
+                    <a:lnL w="720">
+                      <a:solidFill>
+                        <a:srgbClr val="ffffff"/>
+                      </a:solidFill>
+                    </a:lnL>
+                    <a:lnR w="720">
+                      <a:solidFill>
+                        <a:srgbClr val="ffffff"/>
+                      </a:solidFill>
+                    </a:lnR>
+                    <a:lnT w="720">
+                      <a:solidFill>
+                        <a:srgbClr val="ffffff"/>
+                      </a:solidFill>
+                    </a:lnT>
+                    <a:lnB w="720">
+                      <a:solidFill>
+                        <a:srgbClr val="ffffff"/>
+                      </a:solidFill>
+                    </a:lnB>
+                    <a:solidFill>
+                      <a:srgbClr val="e6e6e6"/>
+                    </a:solidFill>
+                  </a:tcPr>
+                </a:tc>
+                <a:tc>
+                  <a:txBody>
+                    <a:bodyPr lIns="90000" rIns="90000" anchor="t">
+                      <a:noAutofit/>
+                    </a:bodyPr>
+                    <a:p>
+                      <a:r>
+                        <a:rPr b="0" lang="en-US" sz="1800" spc="-1" strike="noStrike">
+                          <a:latin typeface="Arial"/>
+                        </a:rPr>
+                        <a:t>2435.0909831627014</a:t>
+                      </a:r>
+                      <a:endParaRPr b="0" lang="en-US" sz="1800" spc="-1" strike="noStrike">
+                        <a:latin typeface="Arial"/>
+                      </a:endParaRPr>
+                    </a:p>
+                  </a:txBody>
+                  <a:tcPr anchor="t" marL="90000" marR="90000">
+                    <a:lnL w="720">
+                      <a:solidFill>
+                        <a:srgbClr val="ffffff"/>
+                      </a:solidFill>
+                    </a:lnL>
+                    <a:lnR w="720">
+                      <a:solidFill>
+                        <a:srgbClr val="ffffff"/>
+                      </a:solidFill>
+                    </a:lnR>
+                    <a:lnT w="720">
+                      <a:solidFill>
+                        <a:srgbClr val="ffffff"/>
+                      </a:solidFill>
+                    </a:lnT>
+                    <a:lnB w="720">
+                      <a:solidFill>
+                        <a:srgbClr val="ffffff"/>
+                      </a:solidFill>
+                    </a:lnB>
+                    <a:solidFill>
+                      <a:srgbClr val="e6e6e6"/>
+                    </a:solidFill>
+                  </a:tcPr>
+                </a:tc>
+                <a:tc>
+                  <a:tcPr anchor="t" marL="90000" marR="90000">
+                    <a:lnL w="720">
+                      <a:solidFill>
+                        <a:srgbClr val="ffffff"/>
+                      </a:solidFill>
+                    </a:lnL>
+                    <a:lnR w="720">
+                      <a:solidFill>
+                        <a:srgbClr val="ffffff"/>
+                      </a:solidFill>
+                    </a:lnR>
+                    <a:lnT w="720">
+                      <a:solidFill>
+                        <a:srgbClr val="ffffff"/>
+                      </a:solidFill>
+                    </a:lnT>
+                    <a:lnB w="720">
+                      <a:solidFill>
+                        <a:srgbClr val="ffffff"/>
+                      </a:solidFill>
+                    </a:lnB>
+                    <a:solidFill>
+                      <a:srgbClr val="e6e6e6"/>
+                    </a:solidFill>
+                  </a:tcPr>
+                </a:tc>
+              </a:tr>
+            </a:tbl>
+          </a:graphicData>
+        </a:graphic>
+      </p:graphicFrame>
+    </p:spTree>
+  </p:cSld>
+  <mc:AlternateContent>
+    <mc:Choice Requires="p14">
+      <p:transition spd="slow" p14:dur="2000"/>
+    </mc:Choice>
+    <mc:Fallback>
+      <p:transition spd="slow"/>
+    </mc:Fallback>
+  </mc:AlternateContent>
+</p:sld>
+</file>
+
+<file path=ppt/slides/slide14.xml><?xml version="1.0" encoding="utf-8"?>
+<p:sld xmlns:a="http://schemas.openxmlformats.org/drawingml/2006/main" xmlns:p="http://schemas.openxmlformats.org/presentationml/2006/main" xmlns:r="http://schemas.openxmlformats.org/officeDocument/2006/relationships" xmlns:p14="http://schemas.microsoft.com/office/powerpoint/2010/main" xmlns:p15="http://schemas.microsoft.com/office/powerpoint/2012/main" xmlns:mc="http://schemas.openxmlformats.org/markup-compatibility/2006">
+  <p:cSld>
+    <p:spTree>
+      <p:nvGrpSpPr>
+        <p:cNvPr id="1" name=""/>
+        <p:cNvGrpSpPr/>
+        <p:nvPr/>
+      </p:nvGrpSpPr>
+      <p:grpSpPr>
+        <a:xfrm>
+          <a:off x="0" y="0"/>
+          <a:ext cx="0" cy="0"/>
+          <a:chOff x="0" y="0"/>
+          <a:chExt cx="0" cy="0"/>
+        </a:xfrm>
+      </p:grpSpPr>
+      <p:sp>
+        <p:nvSpPr>
+          <p:cNvPr id="719" name="PlaceHolder 1"/>
+          <p:cNvSpPr>
+            <a:spLocks noGrp="1"/>
+          </p:cNvSpPr>
+          <p:nvPr>
+            <p:ph type="title"/>
+          </p:nvPr>
+        </p:nvSpPr>
+        <p:spPr>
+          <a:xfrm>
             <a:off x="180000" y="-181080"/>
             <a:ext cx="9899640" cy="1620720"/>
           </a:xfrm>
@@ -50226,14 +50627,14 @@
       </p:sp>
       <p:sp>
         <p:nvSpPr>
-          <p:cNvPr id="718" name=""/>
+          <p:cNvPr id="720" name=""/>
           <p:cNvSpPr txBox="1"/>
           <p:nvPr/>
         </p:nvSpPr>
         <p:spPr>
           <a:xfrm>
             <a:off x="1080000" y="1620000"/>
-            <a:ext cx="6840000" cy="1008000"/>
+            <a:ext cx="6840000" cy="421200"/>
           </a:xfrm>
           <a:prstGeom prst="rect">
             <a:avLst/>
@@ -50252,222 +50653,26 @@
               <a:rPr b="0" lang="ja-JP" sz="1800" spc="-1" strike="noStrike">
                 <a:latin typeface="Arial"/>
               </a:rPr>
-              <a:t>前</a:t>
-            </a:r>
-            <a:r>
-              <a:rPr b="0" lang="ja-JP" sz="1800" spc="-1" strike="noStrike">
-                <a:latin typeface="Arial"/>
-              </a:rPr>
-              <a:t>回</a:t>
-            </a:r>
-            <a:r>
-              <a:rPr b="0" lang="ja-JP" sz="1800" spc="-1" strike="noStrike">
-                <a:latin typeface="Arial"/>
-              </a:rPr>
-              <a:t>は</a:t>
-            </a:r>
-            <a:r>
-              <a:rPr b="0" lang="ja-JP" sz="1800" spc="-1" strike="noStrike">
-                <a:latin typeface="Arial"/>
-              </a:rPr>
-              <a:t>安</a:t>
-            </a:r>
-            <a:r>
-              <a:rPr b="0" lang="ja-JP" sz="1800" spc="-1" strike="noStrike">
-                <a:latin typeface="Arial"/>
-              </a:rPr>
-              <a:t>値</a:t>
-            </a:r>
-            <a:r>
-              <a:rPr b="0" lang="ja-JP" sz="1800" spc="-1" strike="noStrike">
-                <a:latin typeface="Arial"/>
-              </a:rPr>
-              <a:t>で</a:t>
-            </a:r>
-            <a:r>
-              <a:rPr b="0" lang="ja-JP" sz="1800" spc="-1" strike="noStrike">
-                <a:latin typeface="Arial"/>
-              </a:rPr>
-              <a:t>解</a:t>
-            </a:r>
-            <a:r>
-              <a:rPr b="0" lang="ja-JP" sz="1800" spc="-1" strike="noStrike">
-                <a:latin typeface="Arial"/>
-              </a:rPr>
-              <a:t>析</a:t>
-            </a:r>
-            <a:r>
-              <a:rPr b="0" lang="ja-JP" sz="1800" spc="-1" strike="noStrike">
-                <a:latin typeface="Arial"/>
-              </a:rPr>
-              <a:t>し</a:t>
-            </a:r>
-            <a:r>
-              <a:rPr b="0" lang="ja-JP" sz="1800" spc="-1" strike="noStrike">
-                <a:latin typeface="Arial"/>
-              </a:rPr>
-              <a:t>た</a:t>
-            </a:r>
-            <a:r>
-              <a:rPr b="0" lang="ja-JP" sz="1800" spc="-1" strike="noStrike">
-                <a:latin typeface="Arial"/>
-              </a:rPr>
-              <a:t>の</a:t>
-            </a:r>
-            <a:r>
-              <a:rPr b="0" lang="ja-JP" sz="1800" spc="-1" strike="noStrike">
-                <a:latin typeface="Arial"/>
-              </a:rPr>
-              <a:t>で</a:t>
-            </a:r>
-            <a:r>
-              <a:rPr b="0" lang="ja-JP" sz="1800" spc="-1" strike="noStrike">
-                <a:latin typeface="Arial"/>
-              </a:rPr>
-              <a:t>、</a:t>
-            </a:r>
-            <a:r>
-              <a:rPr b="0" lang="ja-JP" sz="1800" spc="-1" strike="noStrike">
-                <a:latin typeface="Arial"/>
-              </a:rPr>
-              <a:t>終</a:t>
-            </a:r>
-            <a:r>
-              <a:rPr b="0" lang="ja-JP" sz="1800" spc="-1" strike="noStrike">
-                <a:latin typeface="Arial"/>
-              </a:rPr>
-              <a:t>値</a:t>
-            </a:r>
-            <a:r>
-              <a:rPr b="0" lang="ja-JP" sz="1800" spc="-1" strike="noStrike">
-                <a:latin typeface="Arial"/>
-              </a:rPr>
-              <a:t>、</a:t>
-            </a:r>
-            <a:r>
-              <a:rPr b="0" lang="ja-JP" sz="1800" spc="-1" strike="noStrike">
-                <a:latin typeface="Arial"/>
-              </a:rPr>
-              <a:t>始</a:t>
-            </a:r>
-            <a:r>
-              <a:rPr b="0" lang="ja-JP" sz="1800" spc="-1" strike="noStrike">
-                <a:latin typeface="Arial"/>
-              </a:rPr>
-              <a:t>値</a:t>
-            </a:r>
-            <a:r>
-              <a:rPr b="0" lang="ja-JP" sz="1800" spc="-1" strike="noStrike">
-                <a:latin typeface="Arial"/>
-              </a:rPr>
-              <a:t>、</a:t>
-            </a:r>
-            <a:r>
-              <a:rPr b="0" lang="ja-JP" sz="1800" spc="-1" strike="noStrike">
-                <a:latin typeface="Arial"/>
-              </a:rPr>
-              <a:t>高</a:t>
-            </a:r>
-            <a:r>
-              <a:rPr b="0" lang="ja-JP" sz="1800" spc="-1" strike="noStrike">
-                <a:latin typeface="Arial"/>
-              </a:rPr>
-              <a:t>値</a:t>
-            </a:r>
-            <a:r>
-              <a:rPr b="0" lang="ja-JP" sz="1800" spc="-1" strike="noStrike">
-                <a:latin typeface="Arial"/>
-              </a:rPr>
-              <a:t>、</a:t>
-            </a:r>
-            <a:r>
-              <a:rPr b="0" lang="ja-JP" sz="1800" spc="-1" strike="noStrike">
-                <a:latin typeface="Arial"/>
-              </a:rPr>
-              <a:t>安</a:t>
-            </a:r>
-            <a:r>
-              <a:rPr b="0" lang="ja-JP" sz="1800" spc="-1" strike="noStrike">
-                <a:latin typeface="Arial"/>
-              </a:rPr>
-              <a:t>値</a:t>
-            </a:r>
-            <a:r>
-              <a:rPr b="0" lang="ja-JP" sz="1800" spc="-1" strike="noStrike">
-                <a:latin typeface="Arial"/>
-              </a:rPr>
-              <a:t>を</a:t>
-            </a:r>
-            <a:r>
-              <a:rPr b="0" lang="ja-JP" sz="1800" spc="-1" strike="noStrike">
-                <a:latin typeface="Arial"/>
-              </a:rPr>
-              <a:t>使</a:t>
-            </a:r>
-            <a:r>
-              <a:rPr b="0" lang="ja-JP" sz="1800" spc="-1" strike="noStrike">
-                <a:latin typeface="Arial"/>
-              </a:rPr>
-              <a:t>う</a:t>
+              <a:t>前回は安値で解析したので、終値、始値、高値、安値を使う</a:t>
             </a:r>
             <a:endParaRPr b="0" lang="en-US" sz="1800" spc="-1" strike="noStrike">
               <a:latin typeface="Arial"/>
             </a:endParaRPr>
           </a:p>
-          <a:p>
-            <a:endParaRPr b="0" lang="en-US" sz="1800" spc="-1" strike="noStrike">
-              <a:latin typeface="Arial"/>
-            </a:endParaRPr>
-          </a:p>
-          <a:p>
-            <a:r>
-              <a:rPr b="0" lang="ja-JP" sz="1800" spc="-1" strike="noStrike">
-                <a:latin typeface="Arial"/>
-              </a:rPr>
-              <a:t>重</a:t>
-            </a:r>
-            <a:r>
-              <a:rPr b="0" lang="ja-JP" sz="1800" spc="-1" strike="noStrike">
-                <a:latin typeface="Arial"/>
-              </a:rPr>
-              <a:t>心</a:t>
-            </a:r>
-            <a:r>
-              <a:rPr b="0" lang="en-US" sz="1800" spc="-1" strike="noStrike">
-                <a:latin typeface="Arial"/>
-              </a:rPr>
-              <a:t> </a:t>
-            </a:r>
-            <a:r>
-              <a:rPr b="0" lang="en-US" sz="1800" spc="-1" strike="noStrike">
-                <a:latin typeface="Arial"/>
-              </a:rPr>
-              <a:t>=</a:t>
-            </a:r>
-            <a:r>
-              <a:rPr b="0" lang="en-US" sz="1800" spc="-1" strike="noStrike">
-                <a:latin typeface="Arial"/>
-              </a:rPr>
-              <a:t> </a:t>
-            </a:r>
-            <a:endParaRPr b="0" lang="en-US" sz="1800" spc="-1" strike="noStrike">
-              <a:latin typeface="Arial"/>
-            </a:endParaRPr>
-          </a:p>
         </p:txBody>
       </p:sp>
       <mc:AlternateContent>
         <mc:Choice xmlns:a14="http://schemas.microsoft.com/office/drawing/2010/main" Requires="a14">
           <p:sp>
             <p:nvSpPr>
-              <p:cNvPr id="719" name=""/>
+              <p:cNvPr id="721" name=""/>
               <p:cNvSpPr txBox="1"/>
               <p:nvPr/>
             </p:nvSpPr>
             <p:spPr>
               <a:xfrm>
-                <a:off x="2125440" y="2230200"/>
-                <a:ext cx="3094560" cy="1009800"/>
+                <a:off x="1213920" y="2520000"/>
+                <a:ext cx="7066080" cy="1009800"/>
               </a:xfrm>
               <a:prstGeom prst="rect">
                 <a:avLst/>
@@ -50478,6 +50683,12 @@
               <a:p>
                 <a14:m>
                   <m:oMath xmlns:m="http://schemas.openxmlformats.org/officeDocument/2006/math">
+                    <m:r>
+                      <m:t xml:space="preserve">重心</m:t>
+                    </m:r>
+                    <m:r>
+                      <m:t xml:space="preserve">=</m:t>
+                    </m:r>
                     <m:f>
                       <m:num>
                         <m:f>
@@ -50526,6 +50737,39 @@
                         </m:r>
                       </m:den>
                     </m:f>
+                    <m:r>
+                      <m:t xml:space="preserve">=</m:t>
+                    </m:r>
+                    <m:f>
+                      <m:num>
+                        <m:r>
+                          <m:t xml:space="preserve">始値</m:t>
+                        </m:r>
+                        <m:r>
+                          <m:t xml:space="preserve">+</m:t>
+                        </m:r>
+                        <m:r>
+                          <m:t xml:space="preserve">終値</m:t>
+                        </m:r>
+                        <m:r>
+                          <m:t xml:space="preserve">+</m:t>
+                        </m:r>
+                        <m:r>
+                          <m:t xml:space="preserve">高値</m:t>
+                        </m:r>
+                        <m:r>
+                          <m:t xml:space="preserve">+</m:t>
+                        </m:r>
+                        <m:r>
+                          <m:t xml:space="preserve">安値</m:t>
+                        </m:r>
+                      </m:num>
+                      <m:den>
+                        <m:r>
+                          <m:t xml:space="preserve">4</m:t>
+                        </m:r>
+                      </m:den>
+                    </m:f>
                   </m:oMath>
                 </a14:m>
               </a:p>
@@ -50534,6 +50778,201 @@
         </mc:Choice>
         <mc:Fallback/>
       </mc:AlternateContent>
+    </p:spTree>
+  </p:cSld>
+  <mc:AlternateContent>
+    <mc:Choice Requires="p14">
+      <p:transition spd="slow" p14:dur="2000"/>
+    </mc:Choice>
+    <mc:Fallback>
+      <p:transition spd="slow"/>
+    </mc:Fallback>
+  </mc:AlternateContent>
+</p:sld>
+</file>
+
+<file path=ppt/slides/slide15.xml><?xml version="1.0" encoding="utf-8"?>
+<p:sld xmlns:a="http://schemas.openxmlformats.org/drawingml/2006/main" xmlns:p="http://schemas.openxmlformats.org/presentationml/2006/main" xmlns:r="http://schemas.openxmlformats.org/officeDocument/2006/relationships" xmlns:p14="http://schemas.microsoft.com/office/powerpoint/2010/main" xmlns:p15="http://schemas.microsoft.com/office/powerpoint/2012/main" xmlns:mc="http://schemas.openxmlformats.org/markup-compatibility/2006">
+  <p:cSld>
+    <p:spTree>
+      <p:nvGrpSpPr>
+        <p:cNvPr id="1" name=""/>
+        <p:cNvGrpSpPr/>
+        <p:nvPr/>
+      </p:nvGrpSpPr>
+      <p:grpSpPr>
+        <a:xfrm>
+          <a:off x="0" y="0"/>
+          <a:ext cx="0" cy="0"/>
+          <a:chOff x="0" y="0"/>
+          <a:chExt cx="0" cy="0"/>
+        </a:xfrm>
+      </p:grpSpPr>
+      <p:sp>
+        <p:nvSpPr>
+          <p:cNvPr id="722" name="PlaceHolder 1"/>
+          <p:cNvSpPr>
+            <a:spLocks noGrp="1"/>
+          </p:cNvSpPr>
+          <p:nvPr>
+            <p:ph type="title"/>
+          </p:nvPr>
+        </p:nvSpPr>
+        <p:spPr>
+          <a:xfrm>
+            <a:off x="180000" y="-181080"/>
+            <a:ext cx="9899640" cy="1620720"/>
+          </a:xfrm>
+          <a:prstGeom prst="rect">
+            <a:avLst/>
+          </a:prstGeom>
+          <a:noFill/>
+          <a:ln w="0">
+            <a:noFill/>
+          </a:ln>
+        </p:spPr>
+        <p:txBody>
+          <a:bodyPr lIns="0" rIns="0" tIns="0" bIns="0" anchor="ctr">
+            <a:noAutofit/>
+          </a:bodyPr>
+          <a:p>
+            <a:pPr algn="ctr">
+              <a:lnSpc>
+                <a:spcPct val="100000"/>
+              </a:lnSpc>
+              <a:buNone/>
+            </a:pPr>
+            <a:r>
+              <a:rPr b="0" lang="ja-JP" sz="4400" spc="-1" strike="noStrike">
+                <a:latin typeface="Arial"/>
+                <a:ea typeface="Noto Sans CJK JP"/>
+              </a:rPr>
+              <a:t>原系列の</a:t>
+            </a:r>
+            <a:r>
+              <a:rPr b="0" lang="ja-JP" sz="4400" spc="-1" strike="noStrike">
+                <a:latin typeface="Arial"/>
+              </a:rPr>
+              <a:t>重心での予測結果</a:t>
+            </a:r>
+            <a:endParaRPr b="0" lang="en-US" sz="4400" spc="-1" strike="noStrike">
+              <a:latin typeface="Arial"/>
+            </a:endParaRPr>
+          </a:p>
+        </p:txBody>
+      </p:sp>
+      <p:sp>
+        <p:nvSpPr>
+          <p:cNvPr id="723" name=""/>
+          <p:cNvSpPr/>
+          <p:nvPr/>
+        </p:nvSpPr>
+        <p:spPr>
+          <a:xfrm>
+            <a:off x="7740000" y="1800000"/>
+            <a:ext cx="2159640" cy="1775520"/>
+          </a:xfrm>
+          <a:prstGeom prst="rect">
+            <a:avLst/>
+          </a:prstGeom>
+          <a:noFill/>
+          <a:ln w="0">
+            <a:noFill/>
+          </a:ln>
+        </p:spPr>
+        <p:style>
+          <a:lnRef idx="0"/>
+          <a:fillRef idx="0"/>
+          <a:effectRef idx="0"/>
+          <a:fontRef idx="minor"/>
+        </p:style>
+        <p:txBody>
+          <a:bodyPr lIns="90000" rIns="90000" tIns="45000" bIns="45000" anchor="t">
+            <a:noAutofit/>
+          </a:bodyPr>
+          <a:p>
+            <a:pPr>
+              <a:lnSpc>
+                <a:spcPct val="100000"/>
+              </a:lnSpc>
+              <a:buNone/>
+            </a:pPr>
+            <a:r>
+              <a:rPr b="0" lang="en-US" sz="1800" spc="-1" strike="noStrike">
+                <a:latin typeface="Arial"/>
+              </a:rPr>
+              <a:t>Train 1987-03</a:t>
+            </a:r>
+            <a:r>
+              <a:rPr b="0" lang="ja-JP" sz="1800" spc="-1" strike="noStrike">
+                <a:latin typeface="Arial"/>
+              </a:rPr>
+              <a:t>から</a:t>
+            </a:r>
+            <a:r>
+              <a:rPr b="0" lang="en-US" sz="1800" spc="-1" strike="noStrike">
+                <a:latin typeface="Arial"/>
+              </a:rPr>
+              <a:t>2019-12</a:t>
+            </a:r>
+            <a:endParaRPr b="0" lang="en-US" sz="1800" spc="-1" strike="noStrike">
+              <a:latin typeface="Arial"/>
+            </a:endParaRPr>
+          </a:p>
+          <a:p>
+            <a:pPr>
+              <a:lnSpc>
+                <a:spcPct val="100000"/>
+              </a:lnSpc>
+              <a:buNone/>
+            </a:pPr>
+            <a:r>
+              <a:rPr b="0" lang="en-US" sz="1800" spc="-1" strike="noStrike">
+                <a:latin typeface="Arial"/>
+              </a:rPr>
+              <a:t>Test 2020-01</a:t>
+            </a:r>
+            <a:r>
+              <a:rPr b="0" lang="ja-JP" sz="1800" spc="-1" strike="noStrike">
+                <a:latin typeface="Arial"/>
+              </a:rPr>
+              <a:t>から</a:t>
+            </a:r>
+            <a:r>
+              <a:rPr b="0" lang="en-US" sz="1800" spc="-1" strike="noStrike">
+                <a:latin typeface="Arial"/>
+              </a:rPr>
+              <a:t>2024-08</a:t>
+            </a:r>
+            <a:endParaRPr b="0" lang="en-US" sz="1800" spc="-1" strike="noStrike">
+              <a:latin typeface="Arial"/>
+            </a:endParaRPr>
+          </a:p>
+        </p:txBody>
+      </p:sp>
+      <p:pic>
+        <p:nvPicPr>
+          <p:cNvPr id="724" name="" descr=""/>
+          <p:cNvPicPr/>
+          <p:nvPr/>
+        </p:nvPicPr>
+        <p:blipFill>
+          <a:blip r:embed="rId1"/>
+          <a:stretch/>
+        </p:blipFill>
+        <p:spPr>
+          <a:xfrm>
+            <a:off x="180000" y="1080000"/>
+            <a:ext cx="7314840" cy="3657240"/>
+          </a:xfrm>
+          <a:prstGeom prst="rect">
+            <a:avLst/>
+          </a:prstGeom>
+          <a:ln w="0">
+            <a:noFill/>
+          </a:ln>
+        </p:spPr>
+      </p:pic>
     </p:spTree>
   </p:cSld>
   <mc:AlternateContent>
@@ -51127,8 +51566,8 @@
         </p:nvSpPr>
         <p:spPr>
           <a:xfrm>
-            <a:off x="1260000" y="1260000"/>
-            <a:ext cx="7739640" cy="3238560"/>
+            <a:off x="1260360" y="1980000"/>
+            <a:ext cx="7739640" cy="1438560"/>
           </a:xfrm>
           <a:prstGeom prst="rect">
             <a:avLst/>
@@ -51170,7 +51609,7 @@
               <a:rPr b="0" lang="en-US" sz="2400" spc="-1" strike="noStrike">
                 <a:latin typeface="Arial"/>
               </a:rPr>
-              <a:t>→　月別のデータにまとめて解析。</a:t>
+              <a:t> 　　　　　　　　　↓</a:t>
             </a:r>
             <a:endParaRPr b="0" lang="en-US" sz="2400" spc="-1" strike="noStrike">
               <a:latin typeface="Arial"/>
@@ -51195,7 +51634,7 @@
               <a:rPr b="0" lang="ja-JP" sz="2400" spc="-1" strike="noStrike">
                 <a:latin typeface="Arial"/>
               </a:rPr>
-              <a:t>週単位での予測は行わない。</a:t>
+              <a:t>月別のデータにまとめて解析。</a:t>
             </a:r>
             <a:endParaRPr b="0" lang="en-US" sz="2400" spc="-1" strike="noStrike">
               <a:latin typeface="Arial"/>
@@ -51268,11 +51707,18 @@
               <a:buNone/>
             </a:pPr>
             <a:r>
+              <a:rPr b="0" lang="en-US" sz="3300" spc="-1" strike="noStrike">
+                <a:latin typeface="Arial"/>
+                <a:ea typeface="Noto Sans CJK JP"/>
+              </a:rPr>
+              <a:t>NTT</a:t>
+            </a:r>
+            <a:r>
               <a:rPr b="0" lang="ja-JP" sz="3300" spc="-1" strike="noStrike">
                 <a:latin typeface="Arial"/>
                 <a:ea typeface="Noto Sans CJK JP"/>
               </a:rPr>
-              <a:t>株価の季節性は</a:t>
+              <a:t>の株価には</a:t>
             </a:r>
             <a:r>
               <a:rPr b="0" lang="en-US" sz="3300" spc="-1" strike="noStrike">
@@ -51286,21 +51732,14 @@
                 <a:latin typeface="Arial"/>
                 <a:ea typeface="Noto Sans CJK JP"/>
               </a:rPr>
-              <a:t>ヶ月だが、</a:t>
-            </a:r>
-            <a:r>
-              <a:rPr b="0" lang="en-US" sz="3300" spc="-1" strike="noStrike">
-                <a:latin typeface="Arial"/>
-                <a:ea typeface="Noto Sans CJK JP"/>
-              </a:rPr>
-              <a:t>1/100</a:t>
+              <a:t>ヶ月の</a:t>
             </a:r>
             <a:r>
               <a:rPr b="0" lang="ja-JP" sz="3300" spc="-1" strike="noStrike">
                 <a:latin typeface="Arial"/>
                 <a:ea typeface="Noto Sans CJK JP"/>
               </a:rPr>
-              <a:t>程度</a:t>
+              <a:t>季節性がある</a:t>
             </a:r>
             <a:endParaRPr b="0" lang="en-US" sz="3300" spc="-1" strike="noStrike">
               <a:latin typeface="Arial"/>

--- a/time_series/time_series.pptx
+++ b/time_series/time_series.pptx
@@ -85,7 +85,7 @@
         <p:txBody>
           <a:bodyPr/>
           <a:p>
-            <a:fld id="{9D952C6B-171B-4042-862B-AA09D02599B8}" type="slidenum">
+            <a:fld id="{AB7D678C-3611-4D66-ABCC-FC0854E35159}" type="slidenum">
               <a:t>&lt;#&gt;</a:t>
             </a:fld>
           </a:p>
@@ -146,8 +146,8 @@
         </p:nvSpPr>
         <p:spPr>
           <a:xfrm>
-            <a:off x="503640" y="225720"/>
-            <a:ext cx="9071280" cy="946440"/>
+            <a:off x="504000" y="226080"/>
+            <a:ext cx="9072000" cy="946440"/>
           </a:xfrm>
           <a:prstGeom prst="rect">
             <a:avLst/>
@@ -183,8 +183,8 @@
         </p:nvSpPr>
         <p:spPr>
           <a:xfrm>
-            <a:off x="503640" y="1326240"/>
-            <a:ext cx="9071280" cy="1568160"/>
+            <a:off x="504000" y="1326600"/>
+            <a:ext cx="9072000" cy="1568520"/>
           </a:xfrm>
           <a:prstGeom prst="rect">
             <a:avLst/>
@@ -217,8 +217,8 @@
         </p:nvSpPr>
         <p:spPr>
           <a:xfrm>
-            <a:off x="503640" y="3043800"/>
-            <a:ext cx="9071280" cy="1568160"/>
+            <a:off x="504000" y="3044520"/>
+            <a:ext cx="9072000" cy="1568520"/>
           </a:xfrm>
           <a:prstGeom prst="rect">
             <a:avLst/>
@@ -273,7 +273,7 @@
         <p:txBody>
           <a:bodyPr/>
           <a:p>
-            <a:fld id="{CD063E76-634E-4DE7-8E8F-EC0C42365EAD}" type="slidenum">
+            <a:fld id="{7D06C40C-B4C3-48BF-A933-A1609E28B17C}" type="slidenum">
               <a:t>&lt;#&gt;</a:t>
             </a:fld>
           </a:p>
@@ -334,8 +334,8 @@
         </p:nvSpPr>
         <p:spPr>
           <a:xfrm>
-            <a:off x="503640" y="225720"/>
-            <a:ext cx="9071280" cy="946440"/>
+            <a:off x="504000" y="226080"/>
+            <a:ext cx="9072000" cy="946440"/>
           </a:xfrm>
           <a:prstGeom prst="rect">
             <a:avLst/>
@@ -371,8 +371,8 @@
         </p:nvSpPr>
         <p:spPr>
           <a:xfrm>
-            <a:off x="503640" y="1326240"/>
-            <a:ext cx="4426560" cy="1568160"/>
+            <a:off x="504000" y="1326600"/>
+            <a:ext cx="4426920" cy="1568520"/>
           </a:xfrm>
           <a:prstGeom prst="rect">
             <a:avLst/>
@@ -405,8 +405,8 @@
         </p:nvSpPr>
         <p:spPr>
           <a:xfrm>
-            <a:off x="5151960" y="1326240"/>
-            <a:ext cx="4426560" cy="1568160"/>
+            <a:off x="5152680" y="1326600"/>
+            <a:ext cx="4426920" cy="1568520"/>
           </a:xfrm>
           <a:prstGeom prst="rect">
             <a:avLst/>
@@ -439,8 +439,8 @@
         </p:nvSpPr>
         <p:spPr>
           <a:xfrm>
-            <a:off x="503640" y="3043800"/>
-            <a:ext cx="4426560" cy="1568160"/>
+            <a:off x="504000" y="3044520"/>
+            <a:ext cx="4426920" cy="1568520"/>
           </a:xfrm>
           <a:prstGeom prst="rect">
             <a:avLst/>
@@ -473,8 +473,8 @@
         </p:nvSpPr>
         <p:spPr>
           <a:xfrm>
-            <a:off x="5151960" y="3043800"/>
-            <a:ext cx="4426560" cy="1568160"/>
+            <a:off x="5152680" y="3044520"/>
+            <a:ext cx="4426920" cy="1568520"/>
           </a:xfrm>
           <a:prstGeom prst="rect">
             <a:avLst/>
@@ -529,7 +529,7 @@
         <p:txBody>
           <a:bodyPr/>
           <a:p>
-            <a:fld id="{7FB007A0-40B5-492A-9056-040FA8A6CF41}" type="slidenum">
+            <a:fld id="{CFA3EA8E-35AB-4E83-BBB1-97AA8B35AE4C}" type="slidenum">
               <a:t>&lt;#&gt;</a:t>
             </a:fld>
           </a:p>
@@ -590,8 +590,8 @@
         </p:nvSpPr>
         <p:spPr>
           <a:xfrm>
-            <a:off x="503640" y="225720"/>
-            <a:ext cx="9071280" cy="946440"/>
+            <a:off x="504000" y="226080"/>
+            <a:ext cx="9072000" cy="946440"/>
           </a:xfrm>
           <a:prstGeom prst="rect">
             <a:avLst/>
@@ -627,8 +627,8 @@
         </p:nvSpPr>
         <p:spPr>
           <a:xfrm>
-            <a:off x="503640" y="1326240"/>
-            <a:ext cx="2920680" cy="1568160"/>
+            <a:off x="504000" y="1326600"/>
+            <a:ext cx="2921040" cy="1568520"/>
           </a:xfrm>
           <a:prstGeom prst="rect">
             <a:avLst/>
@@ -661,8 +661,8 @@
         </p:nvSpPr>
         <p:spPr>
           <a:xfrm>
-            <a:off x="3570840" y="1326240"/>
-            <a:ext cx="2920680" cy="1568160"/>
+            <a:off x="3571560" y="1326600"/>
+            <a:ext cx="2921040" cy="1568520"/>
           </a:xfrm>
           <a:prstGeom prst="rect">
             <a:avLst/>
@@ -695,8 +695,8 @@
         </p:nvSpPr>
         <p:spPr>
           <a:xfrm>
-            <a:off x="6637680" y="1326240"/>
-            <a:ext cx="2920680" cy="1568160"/>
+            <a:off x="6639120" y="1326600"/>
+            <a:ext cx="2921040" cy="1568520"/>
           </a:xfrm>
           <a:prstGeom prst="rect">
             <a:avLst/>
@@ -729,8 +729,8 @@
         </p:nvSpPr>
         <p:spPr>
           <a:xfrm>
-            <a:off x="503640" y="3043800"/>
-            <a:ext cx="2920680" cy="1568160"/>
+            <a:off x="504000" y="3044520"/>
+            <a:ext cx="2921040" cy="1568520"/>
           </a:xfrm>
           <a:prstGeom prst="rect">
             <a:avLst/>
@@ -763,8 +763,8 @@
         </p:nvSpPr>
         <p:spPr>
           <a:xfrm>
-            <a:off x="3570840" y="3043800"/>
-            <a:ext cx="2920680" cy="1568160"/>
+            <a:off x="3571560" y="3044520"/>
+            <a:ext cx="2921040" cy="1568520"/>
           </a:xfrm>
           <a:prstGeom prst="rect">
             <a:avLst/>
@@ -797,8 +797,8 @@
         </p:nvSpPr>
         <p:spPr>
           <a:xfrm>
-            <a:off x="6637680" y="3043800"/>
-            <a:ext cx="2920680" cy="1568160"/>
+            <a:off x="6639120" y="3044520"/>
+            <a:ext cx="2921040" cy="1568520"/>
           </a:xfrm>
           <a:prstGeom prst="rect">
             <a:avLst/>
@@ -853,7 +853,7 @@
         <p:txBody>
           <a:bodyPr/>
           <a:p>
-            <a:fld id="{C4219C44-0329-4524-8D21-98116182CC40}" type="slidenum">
+            <a:fld id="{4B723D6D-437F-4F33-9187-51EAC38C8B58}" type="slidenum">
               <a:t>&lt;#&gt;</a:t>
             </a:fld>
           </a:p>
@@ -936,7 +936,7 @@
         <p:txBody>
           <a:bodyPr/>
           <a:p>
-            <a:fld id="{ED3B9C58-BC58-4C7B-ABF9-709D6B365FFB}" type="slidenum">
+            <a:fld id="{400169C0-5B56-4BEA-BC99-FBC394DA6C28}" type="slidenum">
               <a:t>&lt;#&gt;</a:t>
             </a:fld>
           </a:p>
@@ -997,8 +997,8 @@
         </p:nvSpPr>
         <p:spPr>
           <a:xfrm>
-            <a:off x="503640" y="225720"/>
-            <a:ext cx="9071280" cy="946440"/>
+            <a:off x="504000" y="226080"/>
+            <a:ext cx="9072000" cy="946440"/>
           </a:xfrm>
           <a:prstGeom prst="rect">
             <a:avLst/>
@@ -1034,8 +1034,8 @@
         </p:nvSpPr>
         <p:spPr>
           <a:xfrm>
-            <a:off x="503640" y="1326240"/>
-            <a:ext cx="9071280" cy="3288240"/>
+            <a:off x="504000" y="1326600"/>
+            <a:ext cx="9072000" cy="3288600"/>
           </a:xfrm>
           <a:prstGeom prst="rect">
             <a:avLst/>
@@ -1093,7 +1093,7 @@
         <p:txBody>
           <a:bodyPr/>
           <a:p>
-            <a:fld id="{762B0CAD-05A2-416F-8903-48F1ECAF0585}" type="slidenum">
+            <a:fld id="{D1298F1F-19AF-4744-9BEF-617C3E33DCCA}" type="slidenum">
               <a:t>&lt;#&gt;</a:t>
             </a:fld>
           </a:p>
@@ -1154,8 +1154,8 @@
         </p:nvSpPr>
         <p:spPr>
           <a:xfrm>
-            <a:off x="503640" y="225720"/>
-            <a:ext cx="9071280" cy="946440"/>
+            <a:off x="504000" y="226080"/>
+            <a:ext cx="9072000" cy="946440"/>
           </a:xfrm>
           <a:prstGeom prst="rect">
             <a:avLst/>
@@ -1191,8 +1191,8 @@
         </p:nvSpPr>
         <p:spPr>
           <a:xfrm>
-            <a:off x="503640" y="1326240"/>
-            <a:ext cx="9071280" cy="3288240"/>
+            <a:off x="504000" y="1326600"/>
+            <a:ext cx="9072000" cy="3288600"/>
           </a:xfrm>
           <a:prstGeom prst="rect">
             <a:avLst/>
@@ -1247,7 +1247,7 @@
         <p:txBody>
           <a:bodyPr/>
           <a:p>
-            <a:fld id="{62EE2AF2-D9EC-4143-9797-326268E43485}" type="slidenum">
+            <a:fld id="{DE04F37B-378E-4E3C-877A-4F164EBAA68A}" type="slidenum">
               <a:t>&lt;#&gt;</a:t>
             </a:fld>
           </a:p>
@@ -1308,8 +1308,8 @@
         </p:nvSpPr>
         <p:spPr>
           <a:xfrm>
-            <a:off x="503640" y="225720"/>
-            <a:ext cx="9071280" cy="946440"/>
+            <a:off x="504000" y="226080"/>
+            <a:ext cx="9072000" cy="946440"/>
           </a:xfrm>
           <a:prstGeom prst="rect">
             <a:avLst/>
@@ -1345,8 +1345,8 @@
         </p:nvSpPr>
         <p:spPr>
           <a:xfrm>
-            <a:off x="503640" y="1326240"/>
-            <a:ext cx="4426560" cy="3288240"/>
+            <a:off x="504000" y="1326600"/>
+            <a:ext cx="4426920" cy="3288600"/>
           </a:xfrm>
           <a:prstGeom prst="rect">
             <a:avLst/>
@@ -1379,8 +1379,8 @@
         </p:nvSpPr>
         <p:spPr>
           <a:xfrm>
-            <a:off x="5151960" y="1326240"/>
-            <a:ext cx="4426560" cy="3288240"/>
+            <a:off x="5152680" y="1326600"/>
+            <a:ext cx="4426920" cy="3288600"/>
           </a:xfrm>
           <a:prstGeom prst="rect">
             <a:avLst/>
@@ -1435,7 +1435,7 @@
         <p:txBody>
           <a:bodyPr/>
           <a:p>
-            <a:fld id="{61F31311-0A58-4CD5-8530-8A323C2B3219}" type="slidenum">
+            <a:fld id="{FDF1A103-51E1-4A26-8FFC-EF7C8BAFF963}" type="slidenum">
               <a:t>&lt;#&gt;</a:t>
             </a:fld>
           </a:p>
@@ -1496,8 +1496,8 @@
         </p:nvSpPr>
         <p:spPr>
           <a:xfrm>
-            <a:off x="503640" y="225720"/>
-            <a:ext cx="9071280" cy="946440"/>
+            <a:off x="504000" y="226080"/>
+            <a:ext cx="9072000" cy="946440"/>
           </a:xfrm>
           <a:prstGeom prst="rect">
             <a:avLst/>
@@ -1555,7 +1555,7 @@
         <p:txBody>
           <a:bodyPr/>
           <a:p>
-            <a:fld id="{D9E0562C-FC33-4253-B8C9-F61749B33FB6}" type="slidenum">
+            <a:fld id="{557AA5DC-8B98-4D72-B6B7-0808975E0827}" type="slidenum">
               <a:t>&lt;#&gt;</a:t>
             </a:fld>
           </a:p>
@@ -1616,8 +1616,8 @@
         </p:nvSpPr>
         <p:spPr>
           <a:xfrm>
-            <a:off x="503640" y="225720"/>
-            <a:ext cx="9071280" cy="4388400"/>
+            <a:off x="504000" y="226080"/>
+            <a:ext cx="9072000" cy="4388400"/>
           </a:xfrm>
           <a:prstGeom prst="rect">
             <a:avLst/>
@@ -1675,7 +1675,7 @@
         <p:txBody>
           <a:bodyPr/>
           <a:p>
-            <a:fld id="{D88C7FC7-20D5-4FAA-A267-D41626079444}" type="slidenum">
+            <a:fld id="{7AA4FC8C-F5AF-4B31-B5A8-AEE343C65D36}" type="slidenum">
               <a:t>&lt;#&gt;</a:t>
             </a:fld>
           </a:p>
@@ -1736,8 +1736,8 @@
         </p:nvSpPr>
         <p:spPr>
           <a:xfrm>
-            <a:off x="503640" y="225720"/>
-            <a:ext cx="9071280" cy="946440"/>
+            <a:off x="504000" y="226080"/>
+            <a:ext cx="9072000" cy="946440"/>
           </a:xfrm>
           <a:prstGeom prst="rect">
             <a:avLst/>
@@ -1773,8 +1773,8 @@
         </p:nvSpPr>
         <p:spPr>
           <a:xfrm>
-            <a:off x="503640" y="1326240"/>
-            <a:ext cx="4426560" cy="1568160"/>
+            <a:off x="504000" y="1326600"/>
+            <a:ext cx="4426920" cy="1568520"/>
           </a:xfrm>
           <a:prstGeom prst="rect">
             <a:avLst/>
@@ -1807,8 +1807,8 @@
         </p:nvSpPr>
         <p:spPr>
           <a:xfrm>
-            <a:off x="5151960" y="1326240"/>
-            <a:ext cx="4426560" cy="3288240"/>
+            <a:off x="5152680" y="1326600"/>
+            <a:ext cx="4426920" cy="3288600"/>
           </a:xfrm>
           <a:prstGeom prst="rect">
             <a:avLst/>
@@ -1841,8 +1841,8 @@
         </p:nvSpPr>
         <p:spPr>
           <a:xfrm>
-            <a:off x="503640" y="3043800"/>
-            <a:ext cx="4426560" cy="1568160"/>
+            <a:off x="504000" y="3044520"/>
+            <a:ext cx="4426920" cy="1568520"/>
           </a:xfrm>
           <a:prstGeom prst="rect">
             <a:avLst/>
@@ -1897,7 +1897,7 @@
         <p:txBody>
           <a:bodyPr/>
           <a:p>
-            <a:fld id="{8E33E1CC-F312-49A9-8652-E54AFFC1892B}" type="slidenum">
+            <a:fld id="{D4701796-358D-4B29-BCA6-3057A08B8DCA}" type="slidenum">
               <a:t>&lt;#&gt;</a:t>
             </a:fld>
           </a:p>
@@ -1958,8 +1958,8 @@
         </p:nvSpPr>
         <p:spPr>
           <a:xfrm>
-            <a:off x="503640" y="225720"/>
-            <a:ext cx="9071280" cy="946440"/>
+            <a:off x="504000" y="226080"/>
+            <a:ext cx="9072000" cy="946440"/>
           </a:xfrm>
           <a:prstGeom prst="rect">
             <a:avLst/>
@@ -1995,8 +1995,8 @@
         </p:nvSpPr>
         <p:spPr>
           <a:xfrm>
-            <a:off x="503640" y="1326240"/>
-            <a:ext cx="9071280" cy="3288240"/>
+            <a:off x="504000" y="1326600"/>
+            <a:ext cx="9072000" cy="3288600"/>
           </a:xfrm>
           <a:prstGeom prst="rect">
             <a:avLst/>
@@ -2054,7 +2054,7 @@
         <p:txBody>
           <a:bodyPr/>
           <a:p>
-            <a:fld id="{63DF15D0-B018-4383-B1A8-8F32828031DA}" type="slidenum">
+            <a:fld id="{2F38D0B0-0B6A-43B7-A60E-A3AFA1229607}" type="slidenum">
               <a:t>&lt;#&gt;</a:t>
             </a:fld>
           </a:p>
@@ -2115,8 +2115,8 @@
         </p:nvSpPr>
         <p:spPr>
           <a:xfrm>
-            <a:off x="503640" y="225720"/>
-            <a:ext cx="9071280" cy="946440"/>
+            <a:off x="504000" y="226080"/>
+            <a:ext cx="9072000" cy="946440"/>
           </a:xfrm>
           <a:prstGeom prst="rect">
             <a:avLst/>
@@ -2152,8 +2152,8 @@
         </p:nvSpPr>
         <p:spPr>
           <a:xfrm>
-            <a:off x="503640" y="1326240"/>
-            <a:ext cx="4426560" cy="3288240"/>
+            <a:off x="504000" y="1326600"/>
+            <a:ext cx="4426920" cy="3288600"/>
           </a:xfrm>
           <a:prstGeom prst="rect">
             <a:avLst/>
@@ -2186,8 +2186,8 @@
         </p:nvSpPr>
         <p:spPr>
           <a:xfrm>
-            <a:off x="5151960" y="1326240"/>
-            <a:ext cx="4426560" cy="1568160"/>
+            <a:off x="5152680" y="1326600"/>
+            <a:ext cx="4426920" cy="1568520"/>
           </a:xfrm>
           <a:prstGeom prst="rect">
             <a:avLst/>
@@ -2220,8 +2220,8 @@
         </p:nvSpPr>
         <p:spPr>
           <a:xfrm>
-            <a:off x="5151960" y="3043800"/>
-            <a:ext cx="4426560" cy="1568160"/>
+            <a:off x="5152680" y="3044520"/>
+            <a:ext cx="4426920" cy="1568520"/>
           </a:xfrm>
           <a:prstGeom prst="rect">
             <a:avLst/>
@@ -2276,7 +2276,7 @@
         <p:txBody>
           <a:bodyPr/>
           <a:p>
-            <a:fld id="{365A284B-A5A8-463C-93A2-230517D5737E}" type="slidenum">
+            <a:fld id="{C8320907-28EA-4511-8FD7-977E9D5EE2F1}" type="slidenum">
               <a:t>&lt;#&gt;</a:t>
             </a:fld>
           </a:p>
@@ -2337,8 +2337,8 @@
         </p:nvSpPr>
         <p:spPr>
           <a:xfrm>
-            <a:off x="503640" y="225720"/>
-            <a:ext cx="9071280" cy="946440"/>
+            <a:off x="504000" y="226080"/>
+            <a:ext cx="9072000" cy="946440"/>
           </a:xfrm>
           <a:prstGeom prst="rect">
             <a:avLst/>
@@ -2374,8 +2374,8 @@
         </p:nvSpPr>
         <p:spPr>
           <a:xfrm>
-            <a:off x="503640" y="1326240"/>
-            <a:ext cx="4426560" cy="1568160"/>
+            <a:off x="504000" y="1326600"/>
+            <a:ext cx="4426920" cy="1568520"/>
           </a:xfrm>
           <a:prstGeom prst="rect">
             <a:avLst/>
@@ -2408,8 +2408,8 @@
         </p:nvSpPr>
         <p:spPr>
           <a:xfrm>
-            <a:off x="5151960" y="1326240"/>
-            <a:ext cx="4426560" cy="1568160"/>
+            <a:off x="5152680" y="1326600"/>
+            <a:ext cx="4426920" cy="1568520"/>
           </a:xfrm>
           <a:prstGeom prst="rect">
             <a:avLst/>
@@ -2442,8 +2442,8 @@
         </p:nvSpPr>
         <p:spPr>
           <a:xfrm>
-            <a:off x="503640" y="3043800"/>
-            <a:ext cx="9071280" cy="1568160"/>
+            <a:off x="504000" y="3044520"/>
+            <a:ext cx="9072000" cy="1568520"/>
           </a:xfrm>
           <a:prstGeom prst="rect">
             <a:avLst/>
@@ -2498,7 +2498,7 @@
         <p:txBody>
           <a:bodyPr/>
           <a:p>
-            <a:fld id="{3E68A041-AB55-4DA5-8B34-32E8FD3E5614}" type="slidenum">
+            <a:fld id="{BDB3D292-6A97-4A2B-A7F5-E794A6329B96}" type="slidenum">
               <a:t>&lt;#&gt;</a:t>
             </a:fld>
           </a:p>
@@ -2559,8 +2559,8 @@
         </p:nvSpPr>
         <p:spPr>
           <a:xfrm>
-            <a:off x="503640" y="225720"/>
-            <a:ext cx="9071280" cy="946440"/>
+            <a:off x="504000" y="226080"/>
+            <a:ext cx="9072000" cy="946440"/>
           </a:xfrm>
           <a:prstGeom prst="rect">
             <a:avLst/>
@@ -2596,8 +2596,8 @@
         </p:nvSpPr>
         <p:spPr>
           <a:xfrm>
-            <a:off x="503640" y="1326240"/>
-            <a:ext cx="9071280" cy="1568160"/>
+            <a:off x="504000" y="1326600"/>
+            <a:ext cx="9072000" cy="1568520"/>
           </a:xfrm>
           <a:prstGeom prst="rect">
             <a:avLst/>
@@ -2630,8 +2630,8 @@
         </p:nvSpPr>
         <p:spPr>
           <a:xfrm>
-            <a:off x="503640" y="3043800"/>
-            <a:ext cx="9071280" cy="1568160"/>
+            <a:off x="504000" y="3044520"/>
+            <a:ext cx="9072000" cy="1568520"/>
           </a:xfrm>
           <a:prstGeom prst="rect">
             <a:avLst/>
@@ -2686,7 +2686,7 @@
         <p:txBody>
           <a:bodyPr/>
           <a:p>
-            <a:fld id="{22F18569-B9A5-4EF5-9E5D-38A08B5A59BA}" type="slidenum">
+            <a:fld id="{E6A2A763-8CF5-439D-860F-92A2C7043383}" type="slidenum">
               <a:t>&lt;#&gt;</a:t>
             </a:fld>
           </a:p>
@@ -2747,8 +2747,8 @@
         </p:nvSpPr>
         <p:spPr>
           <a:xfrm>
-            <a:off x="503640" y="225720"/>
-            <a:ext cx="9071280" cy="946440"/>
+            <a:off x="504000" y="226080"/>
+            <a:ext cx="9072000" cy="946440"/>
           </a:xfrm>
           <a:prstGeom prst="rect">
             <a:avLst/>
@@ -2784,8 +2784,8 @@
         </p:nvSpPr>
         <p:spPr>
           <a:xfrm>
-            <a:off x="503640" y="1326240"/>
-            <a:ext cx="4426560" cy="1568160"/>
+            <a:off x="504000" y="1326600"/>
+            <a:ext cx="4426920" cy="1568520"/>
           </a:xfrm>
           <a:prstGeom prst="rect">
             <a:avLst/>
@@ -2818,8 +2818,8 @@
         </p:nvSpPr>
         <p:spPr>
           <a:xfrm>
-            <a:off x="5151960" y="1326240"/>
-            <a:ext cx="4426560" cy="1568160"/>
+            <a:off x="5152680" y="1326600"/>
+            <a:ext cx="4426920" cy="1568520"/>
           </a:xfrm>
           <a:prstGeom prst="rect">
             <a:avLst/>
@@ -2852,8 +2852,8 @@
         </p:nvSpPr>
         <p:spPr>
           <a:xfrm>
-            <a:off x="503640" y="3043800"/>
-            <a:ext cx="4426560" cy="1568160"/>
+            <a:off x="504000" y="3044520"/>
+            <a:ext cx="4426920" cy="1568520"/>
           </a:xfrm>
           <a:prstGeom prst="rect">
             <a:avLst/>
@@ -2886,8 +2886,8 @@
         </p:nvSpPr>
         <p:spPr>
           <a:xfrm>
-            <a:off x="5151960" y="3043800"/>
-            <a:ext cx="4426560" cy="1568160"/>
+            <a:off x="5152680" y="3044520"/>
+            <a:ext cx="4426920" cy="1568520"/>
           </a:xfrm>
           <a:prstGeom prst="rect">
             <a:avLst/>
@@ -2942,7 +2942,7 @@
         <p:txBody>
           <a:bodyPr/>
           <a:p>
-            <a:fld id="{CE817A8E-E523-41AD-A0F3-0AC1EE367CE8}" type="slidenum">
+            <a:fld id="{D6E5A844-5F2A-4580-BE3D-9FCEF1087E7F}" type="slidenum">
               <a:t>&lt;#&gt;</a:t>
             </a:fld>
           </a:p>
@@ -3003,8 +3003,8 @@
         </p:nvSpPr>
         <p:spPr>
           <a:xfrm>
-            <a:off x="503640" y="225720"/>
-            <a:ext cx="9071280" cy="946440"/>
+            <a:off x="504000" y="226080"/>
+            <a:ext cx="9072000" cy="946440"/>
           </a:xfrm>
           <a:prstGeom prst="rect">
             <a:avLst/>
@@ -3040,8 +3040,8 @@
         </p:nvSpPr>
         <p:spPr>
           <a:xfrm>
-            <a:off x="503640" y="1326240"/>
-            <a:ext cx="2920680" cy="1568160"/>
+            <a:off x="504000" y="1326600"/>
+            <a:ext cx="2921040" cy="1568520"/>
           </a:xfrm>
           <a:prstGeom prst="rect">
             <a:avLst/>
@@ -3074,8 +3074,8 @@
         </p:nvSpPr>
         <p:spPr>
           <a:xfrm>
-            <a:off x="3570840" y="1326240"/>
-            <a:ext cx="2920680" cy="1568160"/>
+            <a:off x="3571560" y="1326600"/>
+            <a:ext cx="2921040" cy="1568520"/>
           </a:xfrm>
           <a:prstGeom prst="rect">
             <a:avLst/>
@@ -3108,8 +3108,8 @@
         </p:nvSpPr>
         <p:spPr>
           <a:xfrm>
-            <a:off x="6637680" y="1326240"/>
-            <a:ext cx="2920680" cy="1568160"/>
+            <a:off x="6639120" y="1326600"/>
+            <a:ext cx="2921040" cy="1568520"/>
           </a:xfrm>
           <a:prstGeom prst="rect">
             <a:avLst/>
@@ -3142,8 +3142,8 @@
         </p:nvSpPr>
         <p:spPr>
           <a:xfrm>
-            <a:off x="503640" y="3043800"/>
-            <a:ext cx="2920680" cy="1568160"/>
+            <a:off x="504000" y="3044520"/>
+            <a:ext cx="2921040" cy="1568520"/>
           </a:xfrm>
           <a:prstGeom prst="rect">
             <a:avLst/>
@@ -3176,8 +3176,8 @@
         </p:nvSpPr>
         <p:spPr>
           <a:xfrm>
-            <a:off x="3570840" y="3043800"/>
-            <a:ext cx="2920680" cy="1568160"/>
+            <a:off x="3571560" y="3044520"/>
+            <a:ext cx="2921040" cy="1568520"/>
           </a:xfrm>
           <a:prstGeom prst="rect">
             <a:avLst/>
@@ -3210,8 +3210,8 @@
         </p:nvSpPr>
         <p:spPr>
           <a:xfrm>
-            <a:off x="6637680" y="3043800"/>
-            <a:ext cx="2920680" cy="1568160"/>
+            <a:off x="6639120" y="3044520"/>
+            <a:ext cx="2921040" cy="1568520"/>
           </a:xfrm>
           <a:prstGeom prst="rect">
             <a:avLst/>
@@ -3266,7 +3266,7 @@
         <p:txBody>
           <a:bodyPr/>
           <a:p>
-            <a:fld id="{9F19D4D3-1A99-4CF6-975B-881B9A4B9556}" type="slidenum">
+            <a:fld id="{811C1114-D367-4D52-8CEB-8E5F3A3D7A86}" type="slidenum">
               <a:t>&lt;#&gt;</a:t>
             </a:fld>
           </a:p>
@@ -3349,7 +3349,7 @@
         <p:txBody>
           <a:bodyPr/>
           <a:p>
-            <a:fld id="{D641109D-DBAF-4F1A-BBC0-9E07FA3FF648}" type="slidenum">
+            <a:fld id="{E4F49434-A052-44D5-9692-E1AD0A38A0BA}" type="slidenum">
               <a:t>&lt;#&gt;</a:t>
             </a:fld>
           </a:p>
@@ -3410,8 +3410,8 @@
         </p:nvSpPr>
         <p:spPr>
           <a:xfrm>
-            <a:off x="503640" y="225720"/>
-            <a:ext cx="9071280" cy="946440"/>
+            <a:off x="504000" y="226080"/>
+            <a:ext cx="9072000" cy="946440"/>
           </a:xfrm>
           <a:prstGeom prst="rect">
             <a:avLst/>
@@ -3447,8 +3447,8 @@
         </p:nvSpPr>
         <p:spPr>
           <a:xfrm>
-            <a:off x="503640" y="1326240"/>
-            <a:ext cx="9071280" cy="3288240"/>
+            <a:off x="504000" y="1326600"/>
+            <a:ext cx="9072000" cy="3288600"/>
           </a:xfrm>
           <a:prstGeom prst="rect">
             <a:avLst/>
@@ -3506,7 +3506,7 @@
         <p:txBody>
           <a:bodyPr/>
           <a:p>
-            <a:fld id="{96B61F4F-E916-4B0D-88C1-9FFC9938ED1C}" type="slidenum">
+            <a:fld id="{D19FE890-3086-4DFE-A5FF-456B2161E125}" type="slidenum">
               <a:t>&lt;#&gt;</a:t>
             </a:fld>
           </a:p>
@@ -3567,8 +3567,8 @@
         </p:nvSpPr>
         <p:spPr>
           <a:xfrm>
-            <a:off x="503640" y="225720"/>
-            <a:ext cx="9071280" cy="946440"/>
+            <a:off x="504000" y="226080"/>
+            <a:ext cx="9072000" cy="946440"/>
           </a:xfrm>
           <a:prstGeom prst="rect">
             <a:avLst/>
@@ -3604,8 +3604,8 @@
         </p:nvSpPr>
         <p:spPr>
           <a:xfrm>
-            <a:off x="503640" y="1326240"/>
-            <a:ext cx="9071280" cy="3288240"/>
+            <a:off x="504000" y="1326600"/>
+            <a:ext cx="9072000" cy="3288600"/>
           </a:xfrm>
           <a:prstGeom prst="rect">
             <a:avLst/>
@@ -3660,7 +3660,7 @@
         <p:txBody>
           <a:bodyPr/>
           <a:p>
-            <a:fld id="{2176D91F-4EA8-4A89-91F7-CA6E5BB02BA2}" type="slidenum">
+            <a:fld id="{5B1E6784-0878-4F89-B8B8-D7CA0E4CA0DB}" type="slidenum">
               <a:t>&lt;#&gt;</a:t>
             </a:fld>
           </a:p>
@@ -3721,8 +3721,8 @@
         </p:nvSpPr>
         <p:spPr>
           <a:xfrm>
-            <a:off x="503640" y="225720"/>
-            <a:ext cx="9071280" cy="946440"/>
+            <a:off x="504000" y="226080"/>
+            <a:ext cx="9072000" cy="946440"/>
           </a:xfrm>
           <a:prstGeom prst="rect">
             <a:avLst/>
@@ -3758,8 +3758,8 @@
         </p:nvSpPr>
         <p:spPr>
           <a:xfrm>
-            <a:off x="503640" y="1326240"/>
-            <a:ext cx="4426560" cy="3288240"/>
+            <a:off x="504000" y="1326600"/>
+            <a:ext cx="4426920" cy="3288600"/>
           </a:xfrm>
           <a:prstGeom prst="rect">
             <a:avLst/>
@@ -3792,8 +3792,8 @@
         </p:nvSpPr>
         <p:spPr>
           <a:xfrm>
-            <a:off x="5151960" y="1326240"/>
-            <a:ext cx="4426560" cy="3288240"/>
+            <a:off x="5152680" y="1326600"/>
+            <a:ext cx="4426920" cy="3288600"/>
           </a:xfrm>
           <a:prstGeom prst="rect">
             <a:avLst/>
@@ -3848,7 +3848,7 @@
         <p:txBody>
           <a:bodyPr/>
           <a:p>
-            <a:fld id="{9068F2AC-EC22-4DAC-9792-FBD1C90F5C29}" type="slidenum">
+            <a:fld id="{E4EF2FDD-BFE0-4E66-9BF5-C6F33F863909}" type="slidenum">
               <a:t>&lt;#&gt;</a:t>
             </a:fld>
           </a:p>
@@ -3909,8 +3909,8 @@
         </p:nvSpPr>
         <p:spPr>
           <a:xfrm>
-            <a:off x="503640" y="225720"/>
-            <a:ext cx="9071280" cy="946440"/>
+            <a:off x="504000" y="226080"/>
+            <a:ext cx="9072000" cy="946440"/>
           </a:xfrm>
           <a:prstGeom prst="rect">
             <a:avLst/>
@@ -3968,7 +3968,7 @@
         <p:txBody>
           <a:bodyPr/>
           <a:p>
-            <a:fld id="{0C4B1C81-A6EF-4382-A0C2-CE74C2838A95}" type="slidenum">
+            <a:fld id="{3949754C-BB29-43BD-BF4B-865040808F61}" type="slidenum">
               <a:t>&lt;#&gt;</a:t>
             </a:fld>
           </a:p>
@@ -4029,8 +4029,8 @@
         </p:nvSpPr>
         <p:spPr>
           <a:xfrm>
-            <a:off x="503640" y="225720"/>
-            <a:ext cx="9071280" cy="946440"/>
+            <a:off x="504000" y="226080"/>
+            <a:ext cx="9072000" cy="946440"/>
           </a:xfrm>
           <a:prstGeom prst="rect">
             <a:avLst/>
@@ -4066,8 +4066,8 @@
         </p:nvSpPr>
         <p:spPr>
           <a:xfrm>
-            <a:off x="503640" y="1326240"/>
-            <a:ext cx="9071280" cy="3288240"/>
+            <a:off x="504000" y="1326600"/>
+            <a:ext cx="9072000" cy="3288600"/>
           </a:xfrm>
           <a:prstGeom prst="rect">
             <a:avLst/>
@@ -4122,7 +4122,7 @@
         <p:txBody>
           <a:bodyPr/>
           <a:p>
-            <a:fld id="{E80EBA0A-3EFA-4B19-9908-F6CFB7852D2E}" type="slidenum">
+            <a:fld id="{963618FC-ABBA-4842-9742-9E925B6DB14D}" type="slidenum">
               <a:t>&lt;#&gt;</a:t>
             </a:fld>
           </a:p>
@@ -4183,8 +4183,8 @@
         </p:nvSpPr>
         <p:spPr>
           <a:xfrm>
-            <a:off x="503640" y="225720"/>
-            <a:ext cx="9071280" cy="4388400"/>
+            <a:off x="504000" y="226080"/>
+            <a:ext cx="9072000" cy="4388400"/>
           </a:xfrm>
           <a:prstGeom prst="rect">
             <a:avLst/>
@@ -4242,7 +4242,7 @@
         <p:txBody>
           <a:bodyPr/>
           <a:p>
-            <a:fld id="{0AB0DE33-9BD0-4490-BBC5-B3855DDF9EB0}" type="slidenum">
+            <a:fld id="{515517EB-23F3-4566-BF94-2FF3E38C7EDC}" type="slidenum">
               <a:t>&lt;#&gt;</a:t>
             </a:fld>
           </a:p>
@@ -4303,8 +4303,8 @@
         </p:nvSpPr>
         <p:spPr>
           <a:xfrm>
-            <a:off x="503640" y="225720"/>
-            <a:ext cx="9071280" cy="946440"/>
+            <a:off x="504000" y="226080"/>
+            <a:ext cx="9072000" cy="946440"/>
           </a:xfrm>
           <a:prstGeom prst="rect">
             <a:avLst/>
@@ -4340,8 +4340,8 @@
         </p:nvSpPr>
         <p:spPr>
           <a:xfrm>
-            <a:off x="503640" y="1326240"/>
-            <a:ext cx="4426560" cy="1568160"/>
+            <a:off x="504000" y="1326600"/>
+            <a:ext cx="4426920" cy="1568520"/>
           </a:xfrm>
           <a:prstGeom prst="rect">
             <a:avLst/>
@@ -4374,8 +4374,8 @@
         </p:nvSpPr>
         <p:spPr>
           <a:xfrm>
-            <a:off x="5151960" y="1326240"/>
-            <a:ext cx="4426560" cy="3288240"/>
+            <a:off x="5152680" y="1326600"/>
+            <a:ext cx="4426920" cy="3288600"/>
           </a:xfrm>
           <a:prstGeom prst="rect">
             <a:avLst/>
@@ -4408,8 +4408,8 @@
         </p:nvSpPr>
         <p:spPr>
           <a:xfrm>
-            <a:off x="503640" y="3043800"/>
-            <a:ext cx="4426560" cy="1568160"/>
+            <a:off x="504000" y="3044520"/>
+            <a:ext cx="4426920" cy="1568520"/>
           </a:xfrm>
           <a:prstGeom prst="rect">
             <a:avLst/>
@@ -4464,7 +4464,7 @@
         <p:txBody>
           <a:bodyPr/>
           <a:p>
-            <a:fld id="{05EF5CF4-2045-4FD6-A448-0CABCFF1C5D7}" type="slidenum">
+            <a:fld id="{966A116C-883D-4ADE-8554-A6E3273F3CB5}" type="slidenum">
               <a:t>&lt;#&gt;</a:t>
             </a:fld>
           </a:p>
@@ -4525,8 +4525,8 @@
         </p:nvSpPr>
         <p:spPr>
           <a:xfrm>
-            <a:off x="503640" y="225720"/>
-            <a:ext cx="9071280" cy="946440"/>
+            <a:off x="504000" y="226080"/>
+            <a:ext cx="9072000" cy="946440"/>
           </a:xfrm>
           <a:prstGeom prst="rect">
             <a:avLst/>
@@ -4562,8 +4562,8 @@
         </p:nvSpPr>
         <p:spPr>
           <a:xfrm>
-            <a:off x="503640" y="1326240"/>
-            <a:ext cx="4426560" cy="3288240"/>
+            <a:off x="504000" y="1326600"/>
+            <a:ext cx="4426920" cy="3288600"/>
           </a:xfrm>
           <a:prstGeom prst="rect">
             <a:avLst/>
@@ -4596,8 +4596,8 @@
         </p:nvSpPr>
         <p:spPr>
           <a:xfrm>
-            <a:off x="5151960" y="1326240"/>
-            <a:ext cx="4426560" cy="1568160"/>
+            <a:off x="5152680" y="1326600"/>
+            <a:ext cx="4426920" cy="1568520"/>
           </a:xfrm>
           <a:prstGeom prst="rect">
             <a:avLst/>
@@ -4630,8 +4630,8 @@
         </p:nvSpPr>
         <p:spPr>
           <a:xfrm>
-            <a:off x="5151960" y="3043800"/>
-            <a:ext cx="4426560" cy="1568160"/>
+            <a:off x="5152680" y="3044520"/>
+            <a:ext cx="4426920" cy="1568520"/>
           </a:xfrm>
           <a:prstGeom prst="rect">
             <a:avLst/>
@@ -4686,7 +4686,7 @@
         <p:txBody>
           <a:bodyPr/>
           <a:p>
-            <a:fld id="{3354C06B-BE56-465A-BA6A-157A7F091DE1}" type="slidenum">
+            <a:fld id="{417F38BF-019C-45B8-940F-CF68C9E06130}" type="slidenum">
               <a:t>&lt;#&gt;</a:t>
             </a:fld>
           </a:p>
@@ -4747,8 +4747,8 @@
         </p:nvSpPr>
         <p:spPr>
           <a:xfrm>
-            <a:off x="503640" y="225720"/>
-            <a:ext cx="9071280" cy="946440"/>
+            <a:off x="504000" y="226080"/>
+            <a:ext cx="9072000" cy="946440"/>
           </a:xfrm>
           <a:prstGeom prst="rect">
             <a:avLst/>
@@ -4784,8 +4784,8 @@
         </p:nvSpPr>
         <p:spPr>
           <a:xfrm>
-            <a:off x="503640" y="1326240"/>
-            <a:ext cx="4426560" cy="1568160"/>
+            <a:off x="504000" y="1326600"/>
+            <a:ext cx="4426920" cy="1568520"/>
           </a:xfrm>
           <a:prstGeom prst="rect">
             <a:avLst/>
@@ -4818,8 +4818,8 @@
         </p:nvSpPr>
         <p:spPr>
           <a:xfrm>
-            <a:off x="5151960" y="1326240"/>
-            <a:ext cx="4426560" cy="1568160"/>
+            <a:off x="5152680" y="1326600"/>
+            <a:ext cx="4426920" cy="1568520"/>
           </a:xfrm>
           <a:prstGeom prst="rect">
             <a:avLst/>
@@ -4852,8 +4852,8 @@
         </p:nvSpPr>
         <p:spPr>
           <a:xfrm>
-            <a:off x="503640" y="3043800"/>
-            <a:ext cx="9071280" cy="1568160"/>
+            <a:off x="504000" y="3044520"/>
+            <a:ext cx="9072000" cy="1568520"/>
           </a:xfrm>
           <a:prstGeom prst="rect">
             <a:avLst/>
@@ -4908,7 +4908,7 @@
         <p:txBody>
           <a:bodyPr/>
           <a:p>
-            <a:fld id="{69DB6EF7-4501-40C6-863B-583B7FC1C8A6}" type="slidenum">
+            <a:fld id="{A88187D5-37B0-4E78-9692-9C07A87D8D50}" type="slidenum">
               <a:t>&lt;#&gt;</a:t>
             </a:fld>
           </a:p>
@@ -4969,8 +4969,8 @@
         </p:nvSpPr>
         <p:spPr>
           <a:xfrm>
-            <a:off x="503640" y="225720"/>
-            <a:ext cx="9071280" cy="946440"/>
+            <a:off x="504000" y="226080"/>
+            <a:ext cx="9072000" cy="946440"/>
           </a:xfrm>
           <a:prstGeom prst="rect">
             <a:avLst/>
@@ -5006,8 +5006,8 @@
         </p:nvSpPr>
         <p:spPr>
           <a:xfrm>
-            <a:off x="503640" y="1326240"/>
-            <a:ext cx="9071280" cy="1568160"/>
+            <a:off x="504000" y="1326600"/>
+            <a:ext cx="9072000" cy="1568520"/>
           </a:xfrm>
           <a:prstGeom prst="rect">
             <a:avLst/>
@@ -5040,8 +5040,8 @@
         </p:nvSpPr>
         <p:spPr>
           <a:xfrm>
-            <a:off x="503640" y="3043800"/>
-            <a:ext cx="9071280" cy="1568160"/>
+            <a:off x="504000" y="3044520"/>
+            <a:ext cx="9072000" cy="1568520"/>
           </a:xfrm>
           <a:prstGeom prst="rect">
             <a:avLst/>
@@ -5096,7 +5096,7 @@
         <p:txBody>
           <a:bodyPr/>
           <a:p>
-            <a:fld id="{DAB7DCB7-E0C9-4B66-AAAB-820A16D78D9E}" type="slidenum">
+            <a:fld id="{1DDB86A2-2C31-43E0-BACC-245A36E6C04F}" type="slidenum">
               <a:t>&lt;#&gt;</a:t>
             </a:fld>
           </a:p>
@@ -5157,8 +5157,8 @@
         </p:nvSpPr>
         <p:spPr>
           <a:xfrm>
-            <a:off x="503640" y="225720"/>
-            <a:ext cx="9071280" cy="946440"/>
+            <a:off x="504000" y="226080"/>
+            <a:ext cx="9072000" cy="946440"/>
           </a:xfrm>
           <a:prstGeom prst="rect">
             <a:avLst/>
@@ -5194,8 +5194,8 @@
         </p:nvSpPr>
         <p:spPr>
           <a:xfrm>
-            <a:off x="503640" y="1326240"/>
-            <a:ext cx="4426560" cy="1568160"/>
+            <a:off x="504000" y="1326600"/>
+            <a:ext cx="4426920" cy="1568520"/>
           </a:xfrm>
           <a:prstGeom prst="rect">
             <a:avLst/>
@@ -5228,8 +5228,8 @@
         </p:nvSpPr>
         <p:spPr>
           <a:xfrm>
-            <a:off x="5151960" y="1326240"/>
-            <a:ext cx="4426560" cy="1568160"/>
+            <a:off x="5152680" y="1326600"/>
+            <a:ext cx="4426920" cy="1568520"/>
           </a:xfrm>
           <a:prstGeom prst="rect">
             <a:avLst/>
@@ -5262,8 +5262,8 @@
         </p:nvSpPr>
         <p:spPr>
           <a:xfrm>
-            <a:off x="503640" y="3043800"/>
-            <a:ext cx="4426560" cy="1568160"/>
+            <a:off x="504000" y="3044520"/>
+            <a:ext cx="4426920" cy="1568520"/>
           </a:xfrm>
           <a:prstGeom prst="rect">
             <a:avLst/>
@@ -5296,8 +5296,8 @@
         </p:nvSpPr>
         <p:spPr>
           <a:xfrm>
-            <a:off x="5151960" y="3043800"/>
-            <a:ext cx="4426560" cy="1568160"/>
+            <a:off x="5152680" y="3044520"/>
+            <a:ext cx="4426920" cy="1568520"/>
           </a:xfrm>
           <a:prstGeom prst="rect">
             <a:avLst/>
@@ -5352,7 +5352,7 @@
         <p:txBody>
           <a:bodyPr/>
           <a:p>
-            <a:fld id="{70FD7132-8824-4743-BCB7-56ED05EE1B11}" type="slidenum">
+            <a:fld id="{FB63C978-70AF-460B-B00A-1E271717C674}" type="slidenum">
               <a:t>&lt;#&gt;</a:t>
             </a:fld>
           </a:p>
@@ -5413,8 +5413,8 @@
         </p:nvSpPr>
         <p:spPr>
           <a:xfrm>
-            <a:off x="503640" y="225720"/>
-            <a:ext cx="9071280" cy="946440"/>
+            <a:off x="504000" y="226080"/>
+            <a:ext cx="9072000" cy="946440"/>
           </a:xfrm>
           <a:prstGeom prst="rect">
             <a:avLst/>
@@ -5450,8 +5450,8 @@
         </p:nvSpPr>
         <p:spPr>
           <a:xfrm>
-            <a:off x="503640" y="1326240"/>
-            <a:ext cx="2920680" cy="1568160"/>
+            <a:off x="504000" y="1326600"/>
+            <a:ext cx="2921040" cy="1568520"/>
           </a:xfrm>
           <a:prstGeom prst="rect">
             <a:avLst/>
@@ -5484,8 +5484,8 @@
         </p:nvSpPr>
         <p:spPr>
           <a:xfrm>
-            <a:off x="3570840" y="1326240"/>
-            <a:ext cx="2920680" cy="1568160"/>
+            <a:off x="3571560" y="1326600"/>
+            <a:ext cx="2921040" cy="1568520"/>
           </a:xfrm>
           <a:prstGeom prst="rect">
             <a:avLst/>
@@ -5518,8 +5518,8 @@
         </p:nvSpPr>
         <p:spPr>
           <a:xfrm>
-            <a:off x="6637680" y="1326240"/>
-            <a:ext cx="2920680" cy="1568160"/>
+            <a:off x="6639120" y="1326600"/>
+            <a:ext cx="2921040" cy="1568520"/>
           </a:xfrm>
           <a:prstGeom prst="rect">
             <a:avLst/>
@@ -5552,8 +5552,8 @@
         </p:nvSpPr>
         <p:spPr>
           <a:xfrm>
-            <a:off x="503640" y="3043800"/>
-            <a:ext cx="2920680" cy="1568160"/>
+            <a:off x="504000" y="3044520"/>
+            <a:ext cx="2921040" cy="1568520"/>
           </a:xfrm>
           <a:prstGeom prst="rect">
             <a:avLst/>
@@ -5586,8 +5586,8 @@
         </p:nvSpPr>
         <p:spPr>
           <a:xfrm>
-            <a:off x="3570840" y="3043800"/>
-            <a:ext cx="2920680" cy="1568160"/>
+            <a:off x="3571560" y="3044520"/>
+            <a:ext cx="2921040" cy="1568520"/>
           </a:xfrm>
           <a:prstGeom prst="rect">
             <a:avLst/>
@@ -5620,8 +5620,8 @@
         </p:nvSpPr>
         <p:spPr>
           <a:xfrm>
-            <a:off x="6637680" y="3043800"/>
-            <a:ext cx="2920680" cy="1568160"/>
+            <a:off x="6639120" y="3044520"/>
+            <a:ext cx="2921040" cy="1568520"/>
           </a:xfrm>
           <a:prstGeom prst="rect">
             <a:avLst/>
@@ -5676,7 +5676,7 @@
         <p:txBody>
           <a:bodyPr/>
           <a:p>
-            <a:fld id="{D9E24AC6-7F07-4EB9-A494-BF916C32BC18}" type="slidenum">
+            <a:fld id="{0EC83304-AE6F-4B35-946F-E3667BD89B8E}" type="slidenum">
               <a:t>&lt;#&gt;</a:t>
             </a:fld>
           </a:p>
@@ -5759,7 +5759,7 @@
         <p:txBody>
           <a:bodyPr/>
           <a:p>
-            <a:fld id="{56C76B52-09CA-4DA2-B009-6D59522189D1}" type="slidenum">
+            <a:fld id="{31CB2FD7-40E1-47F6-B0CC-9D7E6869D946}" type="slidenum">
               <a:t>&lt;#&gt;</a:t>
             </a:fld>
           </a:p>
@@ -5820,8 +5820,8 @@
         </p:nvSpPr>
         <p:spPr>
           <a:xfrm>
-            <a:off x="503640" y="225720"/>
-            <a:ext cx="9071280" cy="946440"/>
+            <a:off x="504000" y="226080"/>
+            <a:ext cx="9072000" cy="946440"/>
           </a:xfrm>
           <a:prstGeom prst="rect">
             <a:avLst/>
@@ -5857,8 +5857,8 @@
         </p:nvSpPr>
         <p:spPr>
           <a:xfrm>
-            <a:off x="503640" y="1326240"/>
-            <a:ext cx="9071280" cy="3288240"/>
+            <a:off x="504000" y="1326600"/>
+            <a:ext cx="9072000" cy="3288600"/>
           </a:xfrm>
           <a:prstGeom prst="rect">
             <a:avLst/>
@@ -5916,7 +5916,7 @@
         <p:txBody>
           <a:bodyPr/>
           <a:p>
-            <a:fld id="{15F2A8B1-55F8-433D-B64E-57DDD3ECCCB7}" type="slidenum">
+            <a:fld id="{C9746A27-6079-4C13-B148-B5A2D3B2100F}" type="slidenum">
               <a:t>&lt;#&gt;</a:t>
             </a:fld>
           </a:p>
@@ -5977,8 +5977,8 @@
         </p:nvSpPr>
         <p:spPr>
           <a:xfrm>
-            <a:off x="503640" y="225720"/>
-            <a:ext cx="9071280" cy="946440"/>
+            <a:off x="504000" y="226080"/>
+            <a:ext cx="9072000" cy="946440"/>
           </a:xfrm>
           <a:prstGeom prst="rect">
             <a:avLst/>
@@ -6014,8 +6014,8 @@
         </p:nvSpPr>
         <p:spPr>
           <a:xfrm>
-            <a:off x="503640" y="1326240"/>
-            <a:ext cx="9071280" cy="3288240"/>
+            <a:off x="504000" y="1326600"/>
+            <a:ext cx="9072000" cy="3288600"/>
           </a:xfrm>
           <a:prstGeom prst="rect">
             <a:avLst/>
@@ -6070,7 +6070,7 @@
         <p:txBody>
           <a:bodyPr/>
           <a:p>
-            <a:fld id="{360051AE-6AAD-449E-B4B2-3A81CF105287}" type="slidenum">
+            <a:fld id="{4202D2E8-E4EF-41B6-86A9-16FE02AF5404}" type="slidenum">
               <a:t>&lt;#&gt;</a:t>
             </a:fld>
           </a:p>
@@ -6131,8 +6131,8 @@
         </p:nvSpPr>
         <p:spPr>
           <a:xfrm>
-            <a:off x="503640" y="225720"/>
-            <a:ext cx="9071280" cy="946440"/>
+            <a:off x="504000" y="226080"/>
+            <a:ext cx="9072000" cy="946440"/>
           </a:xfrm>
           <a:prstGeom prst="rect">
             <a:avLst/>
@@ -6168,8 +6168,8 @@
         </p:nvSpPr>
         <p:spPr>
           <a:xfrm>
-            <a:off x="503640" y="1326240"/>
-            <a:ext cx="4426560" cy="3288240"/>
+            <a:off x="504000" y="1326600"/>
+            <a:ext cx="4426920" cy="3288600"/>
           </a:xfrm>
           <a:prstGeom prst="rect">
             <a:avLst/>
@@ -6202,8 +6202,8 @@
         </p:nvSpPr>
         <p:spPr>
           <a:xfrm>
-            <a:off x="5151960" y="1326240"/>
-            <a:ext cx="4426560" cy="3288240"/>
+            <a:off x="5152680" y="1326600"/>
+            <a:ext cx="4426920" cy="3288600"/>
           </a:xfrm>
           <a:prstGeom prst="rect">
             <a:avLst/>
@@ -6258,7 +6258,7 @@
         <p:txBody>
           <a:bodyPr/>
           <a:p>
-            <a:fld id="{D7D3C44B-F344-4D31-9D6F-A9D572A758F5}" type="slidenum">
+            <a:fld id="{BEE9F25C-1C11-43EA-A98B-AABC03E4B960}" type="slidenum">
               <a:t>&lt;#&gt;</a:t>
             </a:fld>
           </a:p>
@@ -6319,8 +6319,8 @@
         </p:nvSpPr>
         <p:spPr>
           <a:xfrm>
-            <a:off x="503640" y="225720"/>
-            <a:ext cx="9071280" cy="946440"/>
+            <a:off x="504000" y="226080"/>
+            <a:ext cx="9072000" cy="946440"/>
           </a:xfrm>
           <a:prstGeom prst="rect">
             <a:avLst/>
@@ -6356,8 +6356,8 @@
         </p:nvSpPr>
         <p:spPr>
           <a:xfrm>
-            <a:off x="503640" y="1326240"/>
-            <a:ext cx="4426560" cy="3288240"/>
+            <a:off x="504000" y="1326600"/>
+            <a:ext cx="4426920" cy="3288600"/>
           </a:xfrm>
           <a:prstGeom prst="rect">
             <a:avLst/>
@@ -6390,8 +6390,8 @@
         </p:nvSpPr>
         <p:spPr>
           <a:xfrm>
-            <a:off x="5151960" y="1326240"/>
-            <a:ext cx="4426560" cy="3288240"/>
+            <a:off x="5152680" y="1326600"/>
+            <a:ext cx="4426920" cy="3288600"/>
           </a:xfrm>
           <a:prstGeom prst="rect">
             <a:avLst/>
@@ -6446,7 +6446,7 @@
         <p:txBody>
           <a:bodyPr/>
           <a:p>
-            <a:fld id="{6BAE8E5C-4951-428F-BE59-B787F6B5E251}" type="slidenum">
+            <a:fld id="{EBEAEB32-6F3B-4342-AC0F-9ECA61CC1BFA}" type="slidenum">
               <a:t>&lt;#&gt;</a:t>
             </a:fld>
           </a:p>
@@ -6507,8 +6507,8 @@
         </p:nvSpPr>
         <p:spPr>
           <a:xfrm>
-            <a:off x="503640" y="225720"/>
-            <a:ext cx="9071280" cy="946440"/>
+            <a:off x="504000" y="226080"/>
+            <a:ext cx="9072000" cy="946440"/>
           </a:xfrm>
           <a:prstGeom prst="rect">
             <a:avLst/>
@@ -6566,7 +6566,7 @@
         <p:txBody>
           <a:bodyPr/>
           <a:p>
-            <a:fld id="{23A62E72-57C2-44CF-A54A-AEB1BA89AB56}" type="slidenum">
+            <a:fld id="{EC39E183-D769-422A-9404-F891D11EE8C5}" type="slidenum">
               <a:t>&lt;#&gt;</a:t>
             </a:fld>
           </a:p>
@@ -6627,8 +6627,8 @@
         </p:nvSpPr>
         <p:spPr>
           <a:xfrm>
-            <a:off x="503640" y="225720"/>
-            <a:ext cx="9071280" cy="4388400"/>
+            <a:off x="504000" y="226080"/>
+            <a:ext cx="9072000" cy="4388400"/>
           </a:xfrm>
           <a:prstGeom prst="rect">
             <a:avLst/>
@@ -6686,7 +6686,7 @@
         <p:txBody>
           <a:bodyPr/>
           <a:p>
-            <a:fld id="{6D4D80B8-E646-4D00-B3D5-110A671F5DE1}" type="slidenum">
+            <a:fld id="{012D2C6C-90F8-4979-889B-C9806CD61E64}" type="slidenum">
               <a:t>&lt;#&gt;</a:t>
             </a:fld>
           </a:p>
@@ -6747,8 +6747,8 @@
         </p:nvSpPr>
         <p:spPr>
           <a:xfrm>
-            <a:off x="503640" y="225720"/>
-            <a:ext cx="9071280" cy="946440"/>
+            <a:off x="504000" y="226080"/>
+            <a:ext cx="9072000" cy="946440"/>
           </a:xfrm>
           <a:prstGeom prst="rect">
             <a:avLst/>
@@ -6784,8 +6784,8 @@
         </p:nvSpPr>
         <p:spPr>
           <a:xfrm>
-            <a:off x="503640" y="1326240"/>
-            <a:ext cx="4426560" cy="1568160"/>
+            <a:off x="504000" y="1326600"/>
+            <a:ext cx="4426920" cy="1568520"/>
           </a:xfrm>
           <a:prstGeom prst="rect">
             <a:avLst/>
@@ -6818,8 +6818,8 @@
         </p:nvSpPr>
         <p:spPr>
           <a:xfrm>
-            <a:off x="5151960" y="1326240"/>
-            <a:ext cx="4426560" cy="3288240"/>
+            <a:off x="5152680" y="1326600"/>
+            <a:ext cx="4426920" cy="3288600"/>
           </a:xfrm>
           <a:prstGeom prst="rect">
             <a:avLst/>
@@ -6852,8 +6852,8 @@
         </p:nvSpPr>
         <p:spPr>
           <a:xfrm>
-            <a:off x="503640" y="3043800"/>
-            <a:ext cx="4426560" cy="1568160"/>
+            <a:off x="504000" y="3044520"/>
+            <a:ext cx="4426920" cy="1568520"/>
           </a:xfrm>
           <a:prstGeom prst="rect">
             <a:avLst/>
@@ -6908,7 +6908,7 @@
         <p:txBody>
           <a:bodyPr/>
           <a:p>
-            <a:fld id="{A116917E-D65B-415A-A324-619FBBCF4D82}" type="slidenum">
+            <a:fld id="{A0378134-D092-4A97-A72B-CDCF6B0B184B}" type="slidenum">
               <a:t>&lt;#&gt;</a:t>
             </a:fld>
           </a:p>
@@ -6969,8 +6969,8 @@
         </p:nvSpPr>
         <p:spPr>
           <a:xfrm>
-            <a:off x="503640" y="225720"/>
-            <a:ext cx="9071280" cy="946440"/>
+            <a:off x="504000" y="226080"/>
+            <a:ext cx="9072000" cy="946440"/>
           </a:xfrm>
           <a:prstGeom prst="rect">
             <a:avLst/>
@@ -7006,8 +7006,8 @@
         </p:nvSpPr>
         <p:spPr>
           <a:xfrm>
-            <a:off x="503640" y="1326240"/>
-            <a:ext cx="4426560" cy="3288240"/>
+            <a:off x="504000" y="1326600"/>
+            <a:ext cx="4426920" cy="3288600"/>
           </a:xfrm>
           <a:prstGeom prst="rect">
             <a:avLst/>
@@ -7040,8 +7040,8 @@
         </p:nvSpPr>
         <p:spPr>
           <a:xfrm>
-            <a:off x="5151960" y="1326240"/>
-            <a:ext cx="4426560" cy="1568160"/>
+            <a:off x="5152680" y="1326600"/>
+            <a:ext cx="4426920" cy="1568520"/>
           </a:xfrm>
           <a:prstGeom prst="rect">
             <a:avLst/>
@@ -7074,8 +7074,8 @@
         </p:nvSpPr>
         <p:spPr>
           <a:xfrm>
-            <a:off x="5151960" y="3043800"/>
-            <a:ext cx="4426560" cy="1568160"/>
+            <a:off x="5152680" y="3044520"/>
+            <a:ext cx="4426920" cy="1568520"/>
           </a:xfrm>
           <a:prstGeom prst="rect">
             <a:avLst/>
@@ -7130,7 +7130,7 @@
         <p:txBody>
           <a:bodyPr/>
           <a:p>
-            <a:fld id="{91017F95-04C0-4EB8-B6E4-7ABA112F6874}" type="slidenum">
+            <a:fld id="{9F82053D-58B2-4FBF-8D27-F27179D599C5}" type="slidenum">
               <a:t>&lt;#&gt;</a:t>
             </a:fld>
           </a:p>
@@ -7191,8 +7191,8 @@
         </p:nvSpPr>
         <p:spPr>
           <a:xfrm>
-            <a:off x="503640" y="225720"/>
-            <a:ext cx="9071280" cy="946440"/>
+            <a:off x="504000" y="226080"/>
+            <a:ext cx="9072000" cy="946440"/>
           </a:xfrm>
           <a:prstGeom prst="rect">
             <a:avLst/>
@@ -7228,8 +7228,8 @@
         </p:nvSpPr>
         <p:spPr>
           <a:xfrm>
-            <a:off x="503640" y="1326240"/>
-            <a:ext cx="4426560" cy="1568160"/>
+            <a:off x="504000" y="1326600"/>
+            <a:ext cx="4426920" cy="1568520"/>
           </a:xfrm>
           <a:prstGeom prst="rect">
             <a:avLst/>
@@ -7262,8 +7262,8 @@
         </p:nvSpPr>
         <p:spPr>
           <a:xfrm>
-            <a:off x="5151960" y="1326240"/>
-            <a:ext cx="4426560" cy="1568160"/>
+            <a:off x="5152680" y="1326600"/>
+            <a:ext cx="4426920" cy="1568520"/>
           </a:xfrm>
           <a:prstGeom prst="rect">
             <a:avLst/>
@@ -7296,8 +7296,8 @@
         </p:nvSpPr>
         <p:spPr>
           <a:xfrm>
-            <a:off x="503640" y="3043800"/>
-            <a:ext cx="9071280" cy="1568160"/>
+            <a:off x="504000" y="3044520"/>
+            <a:ext cx="9072000" cy="1568520"/>
           </a:xfrm>
           <a:prstGeom prst="rect">
             <a:avLst/>
@@ -7352,7 +7352,7 @@
         <p:txBody>
           <a:bodyPr/>
           <a:p>
-            <a:fld id="{8B3858F6-EDDC-4A42-8445-F50D081AEA72}" type="slidenum">
+            <a:fld id="{F66A1FE5-DA91-42FE-BB63-23CB87015312}" type="slidenum">
               <a:t>&lt;#&gt;</a:t>
             </a:fld>
           </a:p>
@@ -7413,8 +7413,8 @@
         </p:nvSpPr>
         <p:spPr>
           <a:xfrm>
-            <a:off x="503640" y="225720"/>
-            <a:ext cx="9071280" cy="946440"/>
+            <a:off x="504000" y="226080"/>
+            <a:ext cx="9072000" cy="946440"/>
           </a:xfrm>
           <a:prstGeom prst="rect">
             <a:avLst/>
@@ -7450,8 +7450,8 @@
         </p:nvSpPr>
         <p:spPr>
           <a:xfrm>
-            <a:off x="503640" y="1326240"/>
-            <a:ext cx="9071280" cy="1568160"/>
+            <a:off x="504000" y="1326600"/>
+            <a:ext cx="9072000" cy="1568520"/>
           </a:xfrm>
           <a:prstGeom prst="rect">
             <a:avLst/>
@@ -7484,8 +7484,8 @@
         </p:nvSpPr>
         <p:spPr>
           <a:xfrm>
-            <a:off x="503640" y="3043800"/>
-            <a:ext cx="9071280" cy="1568160"/>
+            <a:off x="504000" y="3044520"/>
+            <a:ext cx="9072000" cy="1568520"/>
           </a:xfrm>
           <a:prstGeom prst="rect">
             <a:avLst/>
@@ -7540,7 +7540,7 @@
         <p:txBody>
           <a:bodyPr/>
           <a:p>
-            <a:fld id="{6226A6BD-A08C-40FA-BEB8-2F6E40B6DCC3}" type="slidenum">
+            <a:fld id="{BF286541-642F-4307-9B56-8AFF40A60CA5}" type="slidenum">
               <a:t>&lt;#&gt;</a:t>
             </a:fld>
           </a:p>
@@ -7601,8 +7601,8 @@
         </p:nvSpPr>
         <p:spPr>
           <a:xfrm>
-            <a:off x="503640" y="225720"/>
-            <a:ext cx="9071280" cy="946440"/>
+            <a:off x="504000" y="226080"/>
+            <a:ext cx="9072000" cy="946440"/>
           </a:xfrm>
           <a:prstGeom prst="rect">
             <a:avLst/>
@@ -7638,8 +7638,8 @@
         </p:nvSpPr>
         <p:spPr>
           <a:xfrm>
-            <a:off x="503640" y="1326240"/>
-            <a:ext cx="4426560" cy="1568160"/>
+            <a:off x="504000" y="1326600"/>
+            <a:ext cx="4426920" cy="1568520"/>
           </a:xfrm>
           <a:prstGeom prst="rect">
             <a:avLst/>
@@ -7672,8 +7672,8 @@
         </p:nvSpPr>
         <p:spPr>
           <a:xfrm>
-            <a:off x="5151960" y="1326240"/>
-            <a:ext cx="4426560" cy="1568160"/>
+            <a:off x="5152680" y="1326600"/>
+            <a:ext cx="4426920" cy="1568520"/>
           </a:xfrm>
           <a:prstGeom prst="rect">
             <a:avLst/>
@@ -7706,8 +7706,8 @@
         </p:nvSpPr>
         <p:spPr>
           <a:xfrm>
-            <a:off x="503640" y="3043800"/>
-            <a:ext cx="4426560" cy="1568160"/>
+            <a:off x="504000" y="3044520"/>
+            <a:ext cx="4426920" cy="1568520"/>
           </a:xfrm>
           <a:prstGeom prst="rect">
             <a:avLst/>
@@ -7740,8 +7740,8 @@
         </p:nvSpPr>
         <p:spPr>
           <a:xfrm>
-            <a:off x="5151960" y="3043800"/>
-            <a:ext cx="4426560" cy="1568160"/>
+            <a:off x="5152680" y="3044520"/>
+            <a:ext cx="4426920" cy="1568520"/>
           </a:xfrm>
           <a:prstGeom prst="rect">
             <a:avLst/>
@@ -7796,7 +7796,7 @@
         <p:txBody>
           <a:bodyPr/>
           <a:p>
-            <a:fld id="{6A625990-DB8E-42E4-911A-9E47A4051B3F}" type="slidenum">
+            <a:fld id="{D9991280-3D6E-4057-B63F-3D7F5354F925}" type="slidenum">
               <a:t>&lt;#&gt;</a:t>
             </a:fld>
           </a:p>
@@ -7857,8 +7857,8 @@
         </p:nvSpPr>
         <p:spPr>
           <a:xfrm>
-            <a:off x="503640" y="225720"/>
-            <a:ext cx="9071280" cy="946440"/>
+            <a:off x="504000" y="226080"/>
+            <a:ext cx="9072000" cy="946440"/>
           </a:xfrm>
           <a:prstGeom prst="rect">
             <a:avLst/>
@@ -7894,8 +7894,8 @@
         </p:nvSpPr>
         <p:spPr>
           <a:xfrm>
-            <a:off x="503640" y="1326240"/>
-            <a:ext cx="2920680" cy="1568160"/>
+            <a:off x="504000" y="1326600"/>
+            <a:ext cx="2921040" cy="1568520"/>
           </a:xfrm>
           <a:prstGeom prst="rect">
             <a:avLst/>
@@ -7928,8 +7928,8 @@
         </p:nvSpPr>
         <p:spPr>
           <a:xfrm>
-            <a:off x="3570840" y="1326240"/>
-            <a:ext cx="2920680" cy="1568160"/>
+            <a:off x="3571560" y="1326600"/>
+            <a:ext cx="2921040" cy="1568520"/>
           </a:xfrm>
           <a:prstGeom prst="rect">
             <a:avLst/>
@@ -7962,8 +7962,8 @@
         </p:nvSpPr>
         <p:spPr>
           <a:xfrm>
-            <a:off x="6637680" y="1326240"/>
-            <a:ext cx="2920680" cy="1568160"/>
+            <a:off x="6639120" y="1326600"/>
+            <a:ext cx="2921040" cy="1568520"/>
           </a:xfrm>
           <a:prstGeom prst="rect">
             <a:avLst/>
@@ -7996,8 +7996,8 @@
         </p:nvSpPr>
         <p:spPr>
           <a:xfrm>
-            <a:off x="503640" y="3043800"/>
-            <a:ext cx="2920680" cy="1568160"/>
+            <a:off x="504000" y="3044520"/>
+            <a:ext cx="2921040" cy="1568520"/>
           </a:xfrm>
           <a:prstGeom prst="rect">
             <a:avLst/>
@@ -8030,8 +8030,8 @@
         </p:nvSpPr>
         <p:spPr>
           <a:xfrm>
-            <a:off x="3570840" y="3043800"/>
-            <a:ext cx="2920680" cy="1568160"/>
+            <a:off x="3571560" y="3044520"/>
+            <a:ext cx="2921040" cy="1568520"/>
           </a:xfrm>
           <a:prstGeom prst="rect">
             <a:avLst/>
@@ -8064,8 +8064,8 @@
         </p:nvSpPr>
         <p:spPr>
           <a:xfrm>
-            <a:off x="6637680" y="3043800"/>
-            <a:ext cx="2920680" cy="1568160"/>
+            <a:off x="6639120" y="3044520"/>
+            <a:ext cx="2921040" cy="1568520"/>
           </a:xfrm>
           <a:prstGeom prst="rect">
             <a:avLst/>
@@ -8120,7 +8120,7 @@
         <p:txBody>
           <a:bodyPr/>
           <a:p>
-            <a:fld id="{4A2ED9EB-C563-4BDF-8E09-CE14F684A9EC}" type="slidenum">
+            <a:fld id="{309A7079-A97A-4C2B-B77F-7D5FFBC15D2A}" type="slidenum">
               <a:t>&lt;#&gt;</a:t>
             </a:fld>
           </a:p>
@@ -8203,7 +8203,7 @@
         <p:txBody>
           <a:bodyPr/>
           <a:p>
-            <a:fld id="{427FAADF-5D4C-4DAD-99D3-3230D0069C79}" type="slidenum">
+            <a:fld id="{8AF30C5E-F995-4790-A78F-3EF373E06A32}" type="slidenum">
               <a:t>&lt;#&gt;</a:t>
             </a:fld>
           </a:p>
@@ -8264,8 +8264,8 @@
         </p:nvSpPr>
         <p:spPr>
           <a:xfrm>
-            <a:off x="503640" y="225720"/>
-            <a:ext cx="9071280" cy="946440"/>
+            <a:off x="504000" y="226080"/>
+            <a:ext cx="9072000" cy="946440"/>
           </a:xfrm>
           <a:prstGeom prst="rect">
             <a:avLst/>
@@ -8323,7 +8323,7 @@
         <p:txBody>
           <a:bodyPr/>
           <a:p>
-            <a:fld id="{8F213B10-C507-495A-860C-36D50CDD386C}" type="slidenum">
+            <a:fld id="{A432016D-3E32-44D7-979A-938C5EA502F5}" type="slidenum">
               <a:t>&lt;#&gt;</a:t>
             </a:fld>
           </a:p>
@@ -8384,8 +8384,8 @@
         </p:nvSpPr>
         <p:spPr>
           <a:xfrm>
-            <a:off x="503640" y="225720"/>
-            <a:ext cx="9071280" cy="946440"/>
+            <a:off x="504000" y="226080"/>
+            <a:ext cx="9072000" cy="946440"/>
           </a:xfrm>
           <a:prstGeom prst="rect">
             <a:avLst/>
@@ -8421,8 +8421,8 @@
         </p:nvSpPr>
         <p:spPr>
           <a:xfrm>
-            <a:off x="503640" y="1326240"/>
-            <a:ext cx="9071280" cy="3288240"/>
+            <a:off x="504000" y="1326600"/>
+            <a:ext cx="9072000" cy="3288600"/>
           </a:xfrm>
           <a:prstGeom prst="rect">
             <a:avLst/>
@@ -8480,7 +8480,7 @@
         <p:txBody>
           <a:bodyPr/>
           <a:p>
-            <a:fld id="{B486CAF4-3AB4-4773-8034-A4E864DAEBD0}" type="slidenum">
+            <a:fld id="{870EF63B-20C8-4436-BC2D-B86C8A163242}" type="slidenum">
               <a:t>&lt;#&gt;</a:t>
             </a:fld>
           </a:p>
@@ -8541,8 +8541,8 @@
         </p:nvSpPr>
         <p:spPr>
           <a:xfrm>
-            <a:off x="503640" y="225720"/>
-            <a:ext cx="9071280" cy="946440"/>
+            <a:off x="504000" y="226080"/>
+            <a:ext cx="9072000" cy="946440"/>
           </a:xfrm>
           <a:prstGeom prst="rect">
             <a:avLst/>
@@ -8578,8 +8578,8 @@
         </p:nvSpPr>
         <p:spPr>
           <a:xfrm>
-            <a:off x="503640" y="1326240"/>
-            <a:ext cx="9071280" cy="3288240"/>
+            <a:off x="504000" y="1326600"/>
+            <a:ext cx="9072000" cy="3288600"/>
           </a:xfrm>
           <a:prstGeom prst="rect">
             <a:avLst/>
@@ -8634,7 +8634,7 @@
         <p:txBody>
           <a:bodyPr/>
           <a:p>
-            <a:fld id="{7DF61DF8-8808-46F8-966E-3EF85B28AE2C}" type="slidenum">
+            <a:fld id="{3E97BA74-301D-4DE2-BF76-EB04C23C34E4}" type="slidenum">
               <a:t>&lt;#&gt;</a:t>
             </a:fld>
           </a:p>
@@ -8695,8 +8695,8 @@
         </p:nvSpPr>
         <p:spPr>
           <a:xfrm>
-            <a:off x="503640" y="225720"/>
-            <a:ext cx="9071280" cy="946440"/>
+            <a:off x="504000" y="226080"/>
+            <a:ext cx="9072000" cy="946440"/>
           </a:xfrm>
           <a:prstGeom prst="rect">
             <a:avLst/>
@@ -8732,8 +8732,8 @@
         </p:nvSpPr>
         <p:spPr>
           <a:xfrm>
-            <a:off x="503640" y="1326240"/>
-            <a:ext cx="4426560" cy="3288240"/>
+            <a:off x="504000" y="1326600"/>
+            <a:ext cx="4426920" cy="3288600"/>
           </a:xfrm>
           <a:prstGeom prst="rect">
             <a:avLst/>
@@ -8766,8 +8766,8 @@
         </p:nvSpPr>
         <p:spPr>
           <a:xfrm>
-            <a:off x="5151960" y="1326240"/>
-            <a:ext cx="4426560" cy="3288240"/>
+            <a:off x="5152680" y="1326600"/>
+            <a:ext cx="4426920" cy="3288600"/>
           </a:xfrm>
           <a:prstGeom prst="rect">
             <a:avLst/>
@@ -8822,7 +8822,7 @@
         <p:txBody>
           <a:bodyPr/>
           <a:p>
-            <a:fld id="{A9275A3E-65D7-4008-B6FD-246D5215ED05}" type="slidenum">
+            <a:fld id="{0242E1DE-F852-4A4F-BE84-73006D3B14D1}" type="slidenum">
               <a:t>&lt;#&gt;</a:t>
             </a:fld>
           </a:p>
@@ -8883,8 +8883,8 @@
         </p:nvSpPr>
         <p:spPr>
           <a:xfrm>
-            <a:off x="503640" y="225720"/>
-            <a:ext cx="9071280" cy="946440"/>
+            <a:off x="504000" y="226080"/>
+            <a:ext cx="9072000" cy="946440"/>
           </a:xfrm>
           <a:prstGeom prst="rect">
             <a:avLst/>
@@ -8942,7 +8942,7 @@
         <p:txBody>
           <a:bodyPr/>
           <a:p>
-            <a:fld id="{B58612F1-8203-4B02-B874-0A3BF5F74AFC}" type="slidenum">
+            <a:fld id="{9A91206D-751B-480E-93CB-F6E30F63430C}" type="slidenum">
               <a:t>&lt;#&gt;</a:t>
             </a:fld>
           </a:p>
@@ -9003,8 +9003,8 @@
         </p:nvSpPr>
         <p:spPr>
           <a:xfrm>
-            <a:off x="503640" y="225720"/>
-            <a:ext cx="9071280" cy="4388400"/>
+            <a:off x="504000" y="226080"/>
+            <a:ext cx="9072000" cy="4388400"/>
           </a:xfrm>
           <a:prstGeom prst="rect">
             <a:avLst/>
@@ -9062,7 +9062,7 @@
         <p:txBody>
           <a:bodyPr/>
           <a:p>
-            <a:fld id="{D8874A13-E4C6-4F8B-839D-EF3B0007ED2E}" type="slidenum">
+            <a:fld id="{38796CE6-E6D9-44E0-AE61-8C5193E821BE}" type="slidenum">
               <a:t>&lt;#&gt;</a:t>
             </a:fld>
           </a:p>
@@ -9123,8 +9123,8 @@
         </p:nvSpPr>
         <p:spPr>
           <a:xfrm>
-            <a:off x="503640" y="225720"/>
-            <a:ext cx="9071280" cy="946440"/>
+            <a:off x="504000" y="226080"/>
+            <a:ext cx="9072000" cy="946440"/>
           </a:xfrm>
           <a:prstGeom prst="rect">
             <a:avLst/>
@@ -9160,8 +9160,8 @@
         </p:nvSpPr>
         <p:spPr>
           <a:xfrm>
-            <a:off x="503640" y="1326240"/>
-            <a:ext cx="4426560" cy="1568160"/>
+            <a:off x="504000" y="1326600"/>
+            <a:ext cx="4426920" cy="1568520"/>
           </a:xfrm>
           <a:prstGeom prst="rect">
             <a:avLst/>
@@ -9194,8 +9194,8 @@
         </p:nvSpPr>
         <p:spPr>
           <a:xfrm>
-            <a:off x="5151960" y="1326240"/>
-            <a:ext cx="4426560" cy="3288240"/>
+            <a:off x="5152680" y="1326600"/>
+            <a:ext cx="4426920" cy="3288600"/>
           </a:xfrm>
           <a:prstGeom prst="rect">
             <a:avLst/>
@@ -9228,8 +9228,8 @@
         </p:nvSpPr>
         <p:spPr>
           <a:xfrm>
-            <a:off x="503640" y="3043800"/>
-            <a:ext cx="4426560" cy="1568160"/>
+            <a:off x="504000" y="3044520"/>
+            <a:ext cx="4426920" cy="1568520"/>
           </a:xfrm>
           <a:prstGeom prst="rect">
             <a:avLst/>
@@ -9284,7 +9284,7 @@
         <p:txBody>
           <a:bodyPr/>
           <a:p>
-            <a:fld id="{DA671BEC-C2B7-42CA-B35B-0103C429E955}" type="slidenum">
+            <a:fld id="{E86BEED9-E7CF-4166-885F-F5947C5BE4FF}" type="slidenum">
               <a:t>&lt;#&gt;</a:t>
             </a:fld>
           </a:p>
@@ -9345,8 +9345,8 @@
         </p:nvSpPr>
         <p:spPr>
           <a:xfrm>
-            <a:off x="503640" y="225720"/>
-            <a:ext cx="9071280" cy="946440"/>
+            <a:off x="504000" y="226080"/>
+            <a:ext cx="9072000" cy="946440"/>
           </a:xfrm>
           <a:prstGeom prst="rect">
             <a:avLst/>
@@ -9382,8 +9382,8 @@
         </p:nvSpPr>
         <p:spPr>
           <a:xfrm>
-            <a:off x="503640" y="1326240"/>
-            <a:ext cx="4426560" cy="3288240"/>
+            <a:off x="504000" y="1326600"/>
+            <a:ext cx="4426920" cy="3288600"/>
           </a:xfrm>
           <a:prstGeom prst="rect">
             <a:avLst/>
@@ -9416,8 +9416,8 @@
         </p:nvSpPr>
         <p:spPr>
           <a:xfrm>
-            <a:off x="5151960" y="1326240"/>
-            <a:ext cx="4426560" cy="1568160"/>
+            <a:off x="5152680" y="1326600"/>
+            <a:ext cx="4426920" cy="1568520"/>
           </a:xfrm>
           <a:prstGeom prst="rect">
             <a:avLst/>
@@ -9450,8 +9450,8 @@
         </p:nvSpPr>
         <p:spPr>
           <a:xfrm>
-            <a:off x="5151960" y="3043800"/>
-            <a:ext cx="4426560" cy="1568160"/>
+            <a:off x="5152680" y="3044520"/>
+            <a:ext cx="4426920" cy="1568520"/>
           </a:xfrm>
           <a:prstGeom prst="rect">
             <a:avLst/>
@@ -9506,7 +9506,7 @@
         <p:txBody>
           <a:bodyPr/>
           <a:p>
-            <a:fld id="{B8E41F9F-FDA6-4AF0-8834-C7CE1A1FCF38}" type="slidenum">
+            <a:fld id="{442AECE7-5019-415F-853E-1F0361235AC3}" type="slidenum">
               <a:t>&lt;#&gt;</a:t>
             </a:fld>
           </a:p>
@@ -9567,8 +9567,8 @@
         </p:nvSpPr>
         <p:spPr>
           <a:xfrm>
-            <a:off x="503640" y="225720"/>
-            <a:ext cx="9071280" cy="946440"/>
+            <a:off x="504000" y="226080"/>
+            <a:ext cx="9072000" cy="946440"/>
           </a:xfrm>
           <a:prstGeom prst="rect">
             <a:avLst/>
@@ -9604,8 +9604,8 @@
         </p:nvSpPr>
         <p:spPr>
           <a:xfrm>
-            <a:off x="503640" y="1326240"/>
-            <a:ext cx="4426560" cy="1568160"/>
+            <a:off x="504000" y="1326600"/>
+            <a:ext cx="4426920" cy="1568520"/>
           </a:xfrm>
           <a:prstGeom prst="rect">
             <a:avLst/>
@@ -9638,8 +9638,8 @@
         </p:nvSpPr>
         <p:spPr>
           <a:xfrm>
-            <a:off x="5151960" y="1326240"/>
-            <a:ext cx="4426560" cy="1568160"/>
+            <a:off x="5152680" y="1326600"/>
+            <a:ext cx="4426920" cy="1568520"/>
           </a:xfrm>
           <a:prstGeom prst="rect">
             <a:avLst/>
@@ -9672,8 +9672,8 @@
         </p:nvSpPr>
         <p:spPr>
           <a:xfrm>
-            <a:off x="503640" y="3043800"/>
-            <a:ext cx="9071280" cy="1568160"/>
+            <a:off x="504000" y="3044520"/>
+            <a:ext cx="9072000" cy="1568520"/>
           </a:xfrm>
           <a:prstGeom prst="rect">
             <a:avLst/>
@@ -9728,7 +9728,7 @@
         <p:txBody>
           <a:bodyPr/>
           <a:p>
-            <a:fld id="{61063D2C-C8DA-4ABA-B418-13736BB2060A}" type="slidenum">
+            <a:fld id="{EEA317C6-9AE8-431B-AE7D-841B2C3BD313}" type="slidenum">
               <a:t>&lt;#&gt;</a:t>
             </a:fld>
           </a:p>
@@ -9789,8 +9789,8 @@
         </p:nvSpPr>
         <p:spPr>
           <a:xfrm>
-            <a:off x="503640" y="225720"/>
-            <a:ext cx="9071280" cy="946440"/>
+            <a:off x="504000" y="226080"/>
+            <a:ext cx="9072000" cy="946440"/>
           </a:xfrm>
           <a:prstGeom prst="rect">
             <a:avLst/>
@@ -9826,8 +9826,8 @@
         </p:nvSpPr>
         <p:spPr>
           <a:xfrm>
-            <a:off x="503640" y="1326240"/>
-            <a:ext cx="9071280" cy="1568160"/>
+            <a:off x="504000" y="1326600"/>
+            <a:ext cx="9072000" cy="1568520"/>
           </a:xfrm>
           <a:prstGeom prst="rect">
             <a:avLst/>
@@ -9860,8 +9860,8 @@
         </p:nvSpPr>
         <p:spPr>
           <a:xfrm>
-            <a:off x="503640" y="3043800"/>
-            <a:ext cx="9071280" cy="1568160"/>
+            <a:off x="504000" y="3044520"/>
+            <a:ext cx="9072000" cy="1568520"/>
           </a:xfrm>
           <a:prstGeom prst="rect">
             <a:avLst/>
@@ -9916,7 +9916,7 @@
         <p:txBody>
           <a:bodyPr/>
           <a:p>
-            <a:fld id="{CA02A3C6-9764-4402-9814-C1B2F341CA0E}" type="slidenum">
+            <a:fld id="{09229381-FA79-45AB-A21F-A8A1C5B057BB}" type="slidenum">
               <a:t>&lt;#&gt;</a:t>
             </a:fld>
           </a:p>
@@ -9977,8 +9977,8 @@
         </p:nvSpPr>
         <p:spPr>
           <a:xfrm>
-            <a:off x="503640" y="225720"/>
-            <a:ext cx="9071280" cy="946440"/>
+            <a:off x="504000" y="226080"/>
+            <a:ext cx="9072000" cy="946440"/>
           </a:xfrm>
           <a:prstGeom prst="rect">
             <a:avLst/>
@@ -10014,8 +10014,8 @@
         </p:nvSpPr>
         <p:spPr>
           <a:xfrm>
-            <a:off x="503640" y="1326240"/>
-            <a:ext cx="4426560" cy="1568160"/>
+            <a:off x="504000" y="1326600"/>
+            <a:ext cx="4426920" cy="1568520"/>
           </a:xfrm>
           <a:prstGeom prst="rect">
             <a:avLst/>
@@ -10048,8 +10048,8 @@
         </p:nvSpPr>
         <p:spPr>
           <a:xfrm>
-            <a:off x="5151960" y="1326240"/>
-            <a:ext cx="4426560" cy="1568160"/>
+            <a:off x="5152680" y="1326600"/>
+            <a:ext cx="4426920" cy="1568520"/>
           </a:xfrm>
           <a:prstGeom prst="rect">
             <a:avLst/>
@@ -10082,8 +10082,8 @@
         </p:nvSpPr>
         <p:spPr>
           <a:xfrm>
-            <a:off x="503640" y="3043800"/>
-            <a:ext cx="4426560" cy="1568160"/>
+            <a:off x="504000" y="3044520"/>
+            <a:ext cx="4426920" cy="1568520"/>
           </a:xfrm>
           <a:prstGeom prst="rect">
             <a:avLst/>
@@ -10116,8 +10116,8 @@
         </p:nvSpPr>
         <p:spPr>
           <a:xfrm>
-            <a:off x="5151960" y="3043800"/>
-            <a:ext cx="4426560" cy="1568160"/>
+            <a:off x="5152680" y="3044520"/>
+            <a:ext cx="4426920" cy="1568520"/>
           </a:xfrm>
           <a:prstGeom prst="rect">
             <a:avLst/>
@@ -10172,7 +10172,7 @@
         <p:txBody>
           <a:bodyPr/>
           <a:p>
-            <a:fld id="{F3BAD372-1305-4226-9C9E-F145FA7F01E4}" type="slidenum">
+            <a:fld id="{B6A27A14-A83C-411E-A563-E060A4B6C778}" type="slidenum">
               <a:t>&lt;#&gt;</a:t>
             </a:fld>
           </a:p>
@@ -10233,8 +10233,8 @@
         </p:nvSpPr>
         <p:spPr>
           <a:xfrm>
-            <a:off x="503640" y="225720"/>
-            <a:ext cx="9071280" cy="4388400"/>
+            <a:off x="504000" y="226080"/>
+            <a:ext cx="9072000" cy="4388400"/>
           </a:xfrm>
           <a:prstGeom prst="rect">
             <a:avLst/>
@@ -10292,7 +10292,7 @@
         <p:txBody>
           <a:bodyPr/>
           <a:p>
-            <a:fld id="{3CACFED2-83BE-4746-9463-5AEF9393ADCD}" type="slidenum">
+            <a:fld id="{10E47490-9637-4E48-A662-A0D02B5DA006}" type="slidenum">
               <a:t>&lt;#&gt;</a:t>
             </a:fld>
           </a:p>
@@ -10353,8 +10353,8 @@
         </p:nvSpPr>
         <p:spPr>
           <a:xfrm>
-            <a:off x="503640" y="225720"/>
-            <a:ext cx="9071280" cy="946440"/>
+            <a:off x="504000" y="226080"/>
+            <a:ext cx="9072000" cy="946440"/>
           </a:xfrm>
           <a:prstGeom prst="rect">
             <a:avLst/>
@@ -10390,8 +10390,8 @@
         </p:nvSpPr>
         <p:spPr>
           <a:xfrm>
-            <a:off x="503640" y="1326240"/>
-            <a:ext cx="2920680" cy="1568160"/>
+            <a:off x="504000" y="1326600"/>
+            <a:ext cx="2921040" cy="1568520"/>
           </a:xfrm>
           <a:prstGeom prst="rect">
             <a:avLst/>
@@ -10424,8 +10424,8 @@
         </p:nvSpPr>
         <p:spPr>
           <a:xfrm>
-            <a:off x="3570840" y="1326240"/>
-            <a:ext cx="2920680" cy="1568160"/>
+            <a:off x="3571560" y="1326600"/>
+            <a:ext cx="2921040" cy="1568520"/>
           </a:xfrm>
           <a:prstGeom prst="rect">
             <a:avLst/>
@@ -10458,8 +10458,8 @@
         </p:nvSpPr>
         <p:spPr>
           <a:xfrm>
-            <a:off x="6637680" y="1326240"/>
-            <a:ext cx="2920680" cy="1568160"/>
+            <a:off x="6639120" y="1326600"/>
+            <a:ext cx="2921040" cy="1568520"/>
           </a:xfrm>
           <a:prstGeom prst="rect">
             <a:avLst/>
@@ -10492,8 +10492,8 @@
         </p:nvSpPr>
         <p:spPr>
           <a:xfrm>
-            <a:off x="503640" y="3043800"/>
-            <a:ext cx="2920680" cy="1568160"/>
+            <a:off x="504000" y="3044520"/>
+            <a:ext cx="2921040" cy="1568520"/>
           </a:xfrm>
           <a:prstGeom prst="rect">
             <a:avLst/>
@@ -10526,8 +10526,8 @@
         </p:nvSpPr>
         <p:spPr>
           <a:xfrm>
-            <a:off x="3570840" y="3043800"/>
-            <a:ext cx="2920680" cy="1568160"/>
+            <a:off x="3571560" y="3044520"/>
+            <a:ext cx="2921040" cy="1568520"/>
           </a:xfrm>
           <a:prstGeom prst="rect">
             <a:avLst/>
@@ -10560,8 +10560,8 @@
         </p:nvSpPr>
         <p:spPr>
           <a:xfrm>
-            <a:off x="6637680" y="3043800"/>
-            <a:ext cx="2920680" cy="1568160"/>
+            <a:off x="6639120" y="3044520"/>
+            <a:ext cx="2921040" cy="1568520"/>
           </a:xfrm>
           <a:prstGeom prst="rect">
             <a:avLst/>
@@ -10616,7 +10616,7 @@
         <p:txBody>
           <a:bodyPr/>
           <a:p>
-            <a:fld id="{2CF8CBAB-435A-4CC4-9104-3CAAC267DDD8}" type="slidenum">
+            <a:fld id="{4BB1C4C7-CC1D-4973-AFEB-1C1778FF2232}" type="slidenum">
               <a:t>&lt;#&gt;</a:t>
             </a:fld>
           </a:p>
@@ -10699,7 +10699,7 @@
         <p:txBody>
           <a:bodyPr/>
           <a:p>
-            <a:fld id="{41B56D9F-844B-4DA6-9B0B-4B95B766BB57}" type="slidenum">
+            <a:fld id="{DBA8E156-F79D-44D7-B081-C103E2B6BDAA}" type="slidenum">
               <a:t>&lt;#&gt;</a:t>
             </a:fld>
           </a:p>
@@ -10760,8 +10760,8 @@
         </p:nvSpPr>
         <p:spPr>
           <a:xfrm>
-            <a:off x="503640" y="225720"/>
-            <a:ext cx="9071280" cy="946440"/>
+            <a:off x="504000" y="226080"/>
+            <a:ext cx="9072000" cy="946440"/>
           </a:xfrm>
           <a:prstGeom prst="rect">
             <a:avLst/>
@@ -10797,8 +10797,8 @@
         </p:nvSpPr>
         <p:spPr>
           <a:xfrm>
-            <a:off x="503640" y="1326240"/>
-            <a:ext cx="9071280" cy="3288240"/>
+            <a:off x="504000" y="1326600"/>
+            <a:ext cx="9072000" cy="3288600"/>
           </a:xfrm>
           <a:prstGeom prst="rect">
             <a:avLst/>
@@ -10856,7 +10856,7 @@
         <p:txBody>
           <a:bodyPr/>
           <a:p>
-            <a:fld id="{28EA2819-AC11-41EA-8961-F23AB2D97248}" type="slidenum">
+            <a:fld id="{A79F0471-D950-4C30-A61B-A14CA9D921EB}" type="slidenum">
               <a:t>&lt;#&gt;</a:t>
             </a:fld>
           </a:p>
@@ -10917,8 +10917,8 @@
         </p:nvSpPr>
         <p:spPr>
           <a:xfrm>
-            <a:off x="503640" y="225720"/>
-            <a:ext cx="9071280" cy="946440"/>
+            <a:off x="504000" y="226080"/>
+            <a:ext cx="9072000" cy="946440"/>
           </a:xfrm>
           <a:prstGeom prst="rect">
             <a:avLst/>
@@ -10954,8 +10954,8 @@
         </p:nvSpPr>
         <p:spPr>
           <a:xfrm>
-            <a:off x="503640" y="1326240"/>
-            <a:ext cx="9071280" cy="3288240"/>
+            <a:off x="504000" y="1326600"/>
+            <a:ext cx="9072000" cy="3288600"/>
           </a:xfrm>
           <a:prstGeom prst="rect">
             <a:avLst/>
@@ -11010,7 +11010,7 @@
         <p:txBody>
           <a:bodyPr/>
           <a:p>
-            <a:fld id="{C32989EE-14AE-4AD6-B9C8-760F44C200FD}" type="slidenum">
+            <a:fld id="{6C3847FE-06D5-4359-BC94-93147053AB2B}" type="slidenum">
               <a:t>&lt;#&gt;</a:t>
             </a:fld>
           </a:p>
@@ -11071,8 +11071,8 @@
         </p:nvSpPr>
         <p:spPr>
           <a:xfrm>
-            <a:off x="503640" y="225720"/>
-            <a:ext cx="9071280" cy="946440"/>
+            <a:off x="504000" y="226080"/>
+            <a:ext cx="9072000" cy="946440"/>
           </a:xfrm>
           <a:prstGeom prst="rect">
             <a:avLst/>
@@ -11108,8 +11108,8 @@
         </p:nvSpPr>
         <p:spPr>
           <a:xfrm>
-            <a:off x="503640" y="1326240"/>
-            <a:ext cx="4426560" cy="3288240"/>
+            <a:off x="504000" y="1326600"/>
+            <a:ext cx="4426920" cy="3288600"/>
           </a:xfrm>
           <a:prstGeom prst="rect">
             <a:avLst/>
@@ -11142,8 +11142,8 @@
         </p:nvSpPr>
         <p:spPr>
           <a:xfrm>
-            <a:off x="5151960" y="1326240"/>
-            <a:ext cx="4426560" cy="3288240"/>
+            <a:off x="5152680" y="1326600"/>
+            <a:ext cx="4426920" cy="3288600"/>
           </a:xfrm>
           <a:prstGeom prst="rect">
             <a:avLst/>
@@ -11198,7 +11198,7 @@
         <p:txBody>
           <a:bodyPr/>
           <a:p>
-            <a:fld id="{D415B14E-13E3-4F2A-964F-23866BCC74D8}" type="slidenum">
+            <a:fld id="{1587E4A8-AE83-4B91-9886-13A005E32A58}" type="slidenum">
               <a:t>&lt;#&gt;</a:t>
             </a:fld>
           </a:p>
@@ -11259,8 +11259,8 @@
         </p:nvSpPr>
         <p:spPr>
           <a:xfrm>
-            <a:off x="503640" y="225720"/>
-            <a:ext cx="9071280" cy="946440"/>
+            <a:off x="504000" y="226080"/>
+            <a:ext cx="9072000" cy="946440"/>
           </a:xfrm>
           <a:prstGeom prst="rect">
             <a:avLst/>
@@ -11318,7 +11318,7 @@
         <p:txBody>
           <a:bodyPr/>
           <a:p>
-            <a:fld id="{AF3367D0-2944-48CC-85A5-D93FA1935931}" type="slidenum">
+            <a:fld id="{F9E36E8D-D299-4C55-B972-E42CAAD9F3A3}" type="slidenum">
               <a:t>&lt;#&gt;</a:t>
             </a:fld>
           </a:p>
@@ -11379,8 +11379,8 @@
         </p:nvSpPr>
         <p:spPr>
           <a:xfrm>
-            <a:off x="503640" y="225720"/>
-            <a:ext cx="9071280" cy="4388400"/>
+            <a:off x="504000" y="226080"/>
+            <a:ext cx="9072000" cy="4388400"/>
           </a:xfrm>
           <a:prstGeom prst="rect">
             <a:avLst/>
@@ -11438,7 +11438,7 @@
         <p:txBody>
           <a:bodyPr/>
           <a:p>
-            <a:fld id="{EF66E908-DF97-404B-B619-AFB781F9449E}" type="slidenum">
+            <a:fld id="{5D9FB6D8-A41F-461D-BF65-C4D3C4660B90}" type="slidenum">
               <a:t>&lt;#&gt;</a:t>
             </a:fld>
           </a:p>
@@ -11499,8 +11499,8 @@
         </p:nvSpPr>
         <p:spPr>
           <a:xfrm>
-            <a:off x="503640" y="225720"/>
-            <a:ext cx="9071280" cy="946440"/>
+            <a:off x="504000" y="226080"/>
+            <a:ext cx="9072000" cy="946440"/>
           </a:xfrm>
           <a:prstGeom prst="rect">
             <a:avLst/>
@@ -11536,8 +11536,8 @@
         </p:nvSpPr>
         <p:spPr>
           <a:xfrm>
-            <a:off x="503640" y="1326240"/>
-            <a:ext cx="4426560" cy="1568160"/>
+            <a:off x="504000" y="1326600"/>
+            <a:ext cx="4426920" cy="1568520"/>
           </a:xfrm>
           <a:prstGeom prst="rect">
             <a:avLst/>
@@ -11570,8 +11570,8 @@
         </p:nvSpPr>
         <p:spPr>
           <a:xfrm>
-            <a:off x="5151960" y="1326240"/>
-            <a:ext cx="4426560" cy="3288240"/>
+            <a:off x="5152680" y="1326600"/>
+            <a:ext cx="4426920" cy="3288600"/>
           </a:xfrm>
           <a:prstGeom prst="rect">
             <a:avLst/>
@@ -11604,8 +11604,8 @@
         </p:nvSpPr>
         <p:spPr>
           <a:xfrm>
-            <a:off x="503640" y="3043800"/>
-            <a:ext cx="4426560" cy="1568160"/>
+            <a:off x="504000" y="3044520"/>
+            <a:ext cx="4426920" cy="1568520"/>
           </a:xfrm>
           <a:prstGeom prst="rect">
             <a:avLst/>
@@ -11660,7 +11660,7 @@
         <p:txBody>
           <a:bodyPr/>
           <a:p>
-            <a:fld id="{EA8C6197-AD5B-40D1-A8EE-3E9B1102E153}" type="slidenum">
+            <a:fld id="{10375965-D473-4BD7-9FE0-845DD9A96482}" type="slidenum">
               <a:t>&lt;#&gt;</a:t>
             </a:fld>
           </a:p>
@@ -11721,8 +11721,8 @@
         </p:nvSpPr>
         <p:spPr>
           <a:xfrm>
-            <a:off x="503640" y="225720"/>
-            <a:ext cx="9071280" cy="946440"/>
+            <a:off x="504000" y="226080"/>
+            <a:ext cx="9072000" cy="946440"/>
           </a:xfrm>
           <a:prstGeom prst="rect">
             <a:avLst/>
@@ -11758,8 +11758,8 @@
         </p:nvSpPr>
         <p:spPr>
           <a:xfrm>
-            <a:off x="503640" y="1326240"/>
-            <a:ext cx="4426560" cy="3288240"/>
+            <a:off x="504000" y="1326600"/>
+            <a:ext cx="4426920" cy="3288600"/>
           </a:xfrm>
           <a:prstGeom prst="rect">
             <a:avLst/>
@@ -11792,8 +11792,8 @@
         </p:nvSpPr>
         <p:spPr>
           <a:xfrm>
-            <a:off x="5151960" y="1326240"/>
-            <a:ext cx="4426560" cy="1568160"/>
+            <a:off x="5152680" y="1326600"/>
+            <a:ext cx="4426920" cy="1568520"/>
           </a:xfrm>
           <a:prstGeom prst="rect">
             <a:avLst/>
@@ -11826,8 +11826,8 @@
         </p:nvSpPr>
         <p:spPr>
           <a:xfrm>
-            <a:off x="5151960" y="3043800"/>
-            <a:ext cx="4426560" cy="1568160"/>
+            <a:off x="5152680" y="3044520"/>
+            <a:ext cx="4426920" cy="1568520"/>
           </a:xfrm>
           <a:prstGeom prst="rect">
             <a:avLst/>
@@ -11882,7 +11882,7 @@
         <p:txBody>
           <a:bodyPr/>
           <a:p>
-            <a:fld id="{85211302-0572-410D-95E4-7071DD2D7252}" type="slidenum">
+            <a:fld id="{73DE81E2-85A2-4CD9-93E7-B43D8BF5C02E}" type="slidenum">
               <a:t>&lt;#&gt;</a:t>
             </a:fld>
           </a:p>
@@ -11943,8 +11943,8 @@
         </p:nvSpPr>
         <p:spPr>
           <a:xfrm>
-            <a:off x="503640" y="225720"/>
-            <a:ext cx="9071280" cy="946440"/>
+            <a:off x="504000" y="226080"/>
+            <a:ext cx="9072000" cy="946440"/>
           </a:xfrm>
           <a:prstGeom prst="rect">
             <a:avLst/>
@@ -11980,8 +11980,8 @@
         </p:nvSpPr>
         <p:spPr>
           <a:xfrm>
-            <a:off x="503640" y="1326240"/>
-            <a:ext cx="4426560" cy="1568160"/>
+            <a:off x="504000" y="1326600"/>
+            <a:ext cx="4426920" cy="1568520"/>
           </a:xfrm>
           <a:prstGeom prst="rect">
             <a:avLst/>
@@ -12014,8 +12014,8 @@
         </p:nvSpPr>
         <p:spPr>
           <a:xfrm>
-            <a:off x="5151960" y="1326240"/>
-            <a:ext cx="4426560" cy="1568160"/>
+            <a:off x="5152680" y="1326600"/>
+            <a:ext cx="4426920" cy="1568520"/>
           </a:xfrm>
           <a:prstGeom prst="rect">
             <a:avLst/>
@@ -12048,8 +12048,8 @@
         </p:nvSpPr>
         <p:spPr>
           <a:xfrm>
-            <a:off x="503640" y="3043800"/>
-            <a:ext cx="9071280" cy="1568160"/>
+            <a:off x="504000" y="3044520"/>
+            <a:ext cx="9072000" cy="1568520"/>
           </a:xfrm>
           <a:prstGeom prst="rect">
             <a:avLst/>
@@ -12104,7 +12104,7 @@
         <p:txBody>
           <a:bodyPr/>
           <a:p>
-            <a:fld id="{3A289CA5-2C28-47D2-A435-F5C679544CF1}" type="slidenum">
+            <a:fld id="{310FCAB2-97BB-4475-AAA2-07EEE60CCF72}" type="slidenum">
               <a:t>&lt;#&gt;</a:t>
             </a:fld>
           </a:p>
@@ -12165,8 +12165,8 @@
         </p:nvSpPr>
         <p:spPr>
           <a:xfrm>
-            <a:off x="503640" y="225720"/>
-            <a:ext cx="9071280" cy="946440"/>
+            <a:off x="504000" y="226080"/>
+            <a:ext cx="9072000" cy="946440"/>
           </a:xfrm>
           <a:prstGeom prst="rect">
             <a:avLst/>
@@ -12202,8 +12202,8 @@
         </p:nvSpPr>
         <p:spPr>
           <a:xfrm>
-            <a:off x="503640" y="1326240"/>
-            <a:ext cx="4426560" cy="1568160"/>
+            <a:off x="504000" y="1326600"/>
+            <a:ext cx="4426920" cy="1568520"/>
           </a:xfrm>
           <a:prstGeom prst="rect">
             <a:avLst/>
@@ -12236,8 +12236,8 @@
         </p:nvSpPr>
         <p:spPr>
           <a:xfrm>
-            <a:off x="5151960" y="1326240"/>
-            <a:ext cx="4426560" cy="3288240"/>
+            <a:off x="5152680" y="1326600"/>
+            <a:ext cx="4426920" cy="3288600"/>
           </a:xfrm>
           <a:prstGeom prst="rect">
             <a:avLst/>
@@ -12270,8 +12270,8 @@
         </p:nvSpPr>
         <p:spPr>
           <a:xfrm>
-            <a:off x="503640" y="3043800"/>
-            <a:ext cx="4426560" cy="1568160"/>
+            <a:off x="504000" y="3044520"/>
+            <a:ext cx="4426920" cy="1568520"/>
           </a:xfrm>
           <a:prstGeom prst="rect">
             <a:avLst/>
@@ -12326,7 +12326,7 @@
         <p:txBody>
           <a:bodyPr/>
           <a:p>
-            <a:fld id="{29BD61EC-E63C-4B6E-AFF9-3823F0CA33DD}" type="slidenum">
+            <a:fld id="{D8754705-BD7B-4D7B-9A5E-012CEE0AC244}" type="slidenum">
               <a:t>&lt;#&gt;</a:t>
             </a:fld>
           </a:p>
@@ -12387,8 +12387,8 @@
         </p:nvSpPr>
         <p:spPr>
           <a:xfrm>
-            <a:off x="503640" y="225720"/>
-            <a:ext cx="9071280" cy="946440"/>
+            <a:off x="504000" y="226080"/>
+            <a:ext cx="9072000" cy="946440"/>
           </a:xfrm>
           <a:prstGeom prst="rect">
             <a:avLst/>
@@ -12424,8 +12424,8 @@
         </p:nvSpPr>
         <p:spPr>
           <a:xfrm>
-            <a:off x="503640" y="1326240"/>
-            <a:ext cx="9071280" cy="1568160"/>
+            <a:off x="504000" y="1326600"/>
+            <a:ext cx="9072000" cy="1568520"/>
           </a:xfrm>
           <a:prstGeom prst="rect">
             <a:avLst/>
@@ -12458,8 +12458,8 @@
         </p:nvSpPr>
         <p:spPr>
           <a:xfrm>
-            <a:off x="503640" y="3043800"/>
-            <a:ext cx="9071280" cy="1568160"/>
+            <a:off x="504000" y="3044520"/>
+            <a:ext cx="9072000" cy="1568520"/>
           </a:xfrm>
           <a:prstGeom prst="rect">
             <a:avLst/>
@@ -12514,7 +12514,7 @@
         <p:txBody>
           <a:bodyPr/>
           <a:p>
-            <a:fld id="{C59A9605-5697-4B8A-B573-A3AE6ADEE634}" type="slidenum">
+            <a:fld id="{764CEB8D-A5EE-44DF-A63F-AF2B8D4FE57D}" type="slidenum">
               <a:t>&lt;#&gt;</a:t>
             </a:fld>
           </a:p>
@@ -12575,8 +12575,8 @@
         </p:nvSpPr>
         <p:spPr>
           <a:xfrm>
-            <a:off x="503640" y="225720"/>
-            <a:ext cx="9071280" cy="946440"/>
+            <a:off x="504000" y="226080"/>
+            <a:ext cx="9072000" cy="946440"/>
           </a:xfrm>
           <a:prstGeom prst="rect">
             <a:avLst/>
@@ -12612,8 +12612,8 @@
         </p:nvSpPr>
         <p:spPr>
           <a:xfrm>
-            <a:off x="503640" y="1326240"/>
-            <a:ext cx="4426560" cy="1568160"/>
+            <a:off x="504000" y="1326600"/>
+            <a:ext cx="4426920" cy="1568520"/>
           </a:xfrm>
           <a:prstGeom prst="rect">
             <a:avLst/>
@@ -12646,8 +12646,8 @@
         </p:nvSpPr>
         <p:spPr>
           <a:xfrm>
-            <a:off x="5151960" y="1326240"/>
-            <a:ext cx="4426560" cy="1568160"/>
+            <a:off x="5152680" y="1326600"/>
+            <a:ext cx="4426920" cy="1568520"/>
           </a:xfrm>
           <a:prstGeom prst="rect">
             <a:avLst/>
@@ -12680,8 +12680,8 @@
         </p:nvSpPr>
         <p:spPr>
           <a:xfrm>
-            <a:off x="503640" y="3043800"/>
-            <a:ext cx="4426560" cy="1568160"/>
+            <a:off x="504000" y="3044520"/>
+            <a:ext cx="4426920" cy="1568520"/>
           </a:xfrm>
           <a:prstGeom prst="rect">
             <a:avLst/>
@@ -12714,8 +12714,8 @@
         </p:nvSpPr>
         <p:spPr>
           <a:xfrm>
-            <a:off x="5151960" y="3043800"/>
-            <a:ext cx="4426560" cy="1568160"/>
+            <a:off x="5152680" y="3044520"/>
+            <a:ext cx="4426920" cy="1568520"/>
           </a:xfrm>
           <a:prstGeom prst="rect">
             <a:avLst/>
@@ -12770,7 +12770,7 @@
         <p:txBody>
           <a:bodyPr/>
           <a:p>
-            <a:fld id="{1330426C-1E36-4841-8139-03EC8E3C842A}" type="slidenum">
+            <a:fld id="{45522B34-E4DC-41B2-9E9E-BD7B8AEA6A3B}" type="slidenum">
               <a:t>&lt;#&gt;</a:t>
             </a:fld>
           </a:p>
@@ -12831,8 +12831,8 @@
         </p:nvSpPr>
         <p:spPr>
           <a:xfrm>
-            <a:off x="503640" y="225720"/>
-            <a:ext cx="9071280" cy="946440"/>
+            <a:off x="504000" y="226080"/>
+            <a:ext cx="9072000" cy="946440"/>
           </a:xfrm>
           <a:prstGeom prst="rect">
             <a:avLst/>
@@ -12868,8 +12868,8 @@
         </p:nvSpPr>
         <p:spPr>
           <a:xfrm>
-            <a:off x="503640" y="1326240"/>
-            <a:ext cx="2920680" cy="1568160"/>
+            <a:off x="504000" y="1326600"/>
+            <a:ext cx="2921040" cy="1568520"/>
           </a:xfrm>
           <a:prstGeom prst="rect">
             <a:avLst/>
@@ -12902,8 +12902,8 @@
         </p:nvSpPr>
         <p:spPr>
           <a:xfrm>
-            <a:off x="3570840" y="1326240"/>
-            <a:ext cx="2920680" cy="1568160"/>
+            <a:off x="3571560" y="1326600"/>
+            <a:ext cx="2921040" cy="1568520"/>
           </a:xfrm>
           <a:prstGeom prst="rect">
             <a:avLst/>
@@ -12936,8 +12936,8 @@
         </p:nvSpPr>
         <p:spPr>
           <a:xfrm>
-            <a:off x="6637680" y="1326240"/>
-            <a:ext cx="2920680" cy="1568160"/>
+            <a:off x="6639120" y="1326600"/>
+            <a:ext cx="2921040" cy="1568520"/>
           </a:xfrm>
           <a:prstGeom prst="rect">
             <a:avLst/>
@@ -12970,8 +12970,8 @@
         </p:nvSpPr>
         <p:spPr>
           <a:xfrm>
-            <a:off x="503640" y="3043800"/>
-            <a:ext cx="2920680" cy="1568160"/>
+            <a:off x="504000" y="3044520"/>
+            <a:ext cx="2921040" cy="1568520"/>
           </a:xfrm>
           <a:prstGeom prst="rect">
             <a:avLst/>
@@ -13004,8 +13004,8 @@
         </p:nvSpPr>
         <p:spPr>
           <a:xfrm>
-            <a:off x="3570840" y="3043800"/>
-            <a:ext cx="2920680" cy="1568160"/>
+            <a:off x="3571560" y="3044520"/>
+            <a:ext cx="2921040" cy="1568520"/>
           </a:xfrm>
           <a:prstGeom prst="rect">
             <a:avLst/>
@@ -13038,8 +13038,8 @@
         </p:nvSpPr>
         <p:spPr>
           <a:xfrm>
-            <a:off x="6637680" y="3043800"/>
-            <a:ext cx="2920680" cy="1568160"/>
+            <a:off x="6639120" y="3044520"/>
+            <a:ext cx="2921040" cy="1568520"/>
           </a:xfrm>
           <a:prstGeom prst="rect">
             <a:avLst/>
@@ -13094,7 +13094,7 @@
         <p:txBody>
           <a:bodyPr/>
           <a:p>
-            <a:fld id="{B7CC6B58-5DAD-4792-85A3-563E2CB1649A}" type="slidenum">
+            <a:fld id="{AA792470-3D5B-486F-9405-EE5294E9083D}" type="slidenum">
               <a:t>&lt;#&gt;</a:t>
             </a:fld>
           </a:p>
@@ -13177,7 +13177,7 @@
         <p:txBody>
           <a:bodyPr/>
           <a:p>
-            <a:fld id="{ED2665B0-0090-4A71-B8E1-C27D8A9DA5B2}" type="slidenum">
+            <a:fld id="{E1F94F4A-A40D-4578-891E-7EDE10A6F8C2}" type="slidenum">
               <a:t>&lt;#&gt;</a:t>
             </a:fld>
           </a:p>
@@ -13238,8 +13238,8 @@
         </p:nvSpPr>
         <p:spPr>
           <a:xfrm>
-            <a:off x="503640" y="225720"/>
-            <a:ext cx="9071280" cy="946440"/>
+            <a:off x="504000" y="226080"/>
+            <a:ext cx="9072000" cy="946440"/>
           </a:xfrm>
           <a:prstGeom prst="rect">
             <a:avLst/>
@@ -13275,8 +13275,8 @@
         </p:nvSpPr>
         <p:spPr>
           <a:xfrm>
-            <a:off x="503640" y="1326240"/>
-            <a:ext cx="9071280" cy="3288240"/>
+            <a:off x="504000" y="1326600"/>
+            <a:ext cx="9072000" cy="3288600"/>
           </a:xfrm>
           <a:prstGeom prst="rect">
             <a:avLst/>
@@ -13334,7 +13334,7 @@
         <p:txBody>
           <a:bodyPr/>
           <a:p>
-            <a:fld id="{72C24F2F-5549-413A-9DB6-A55421A51A3C}" type="slidenum">
+            <a:fld id="{BB859593-D3C5-4E76-A090-4647E9918F98}" type="slidenum">
               <a:t>&lt;#&gt;</a:t>
             </a:fld>
           </a:p>
@@ -13395,8 +13395,8 @@
         </p:nvSpPr>
         <p:spPr>
           <a:xfrm>
-            <a:off x="503640" y="225720"/>
-            <a:ext cx="9071280" cy="946440"/>
+            <a:off x="504000" y="226080"/>
+            <a:ext cx="9072000" cy="946440"/>
           </a:xfrm>
           <a:prstGeom prst="rect">
             <a:avLst/>
@@ -13432,8 +13432,8 @@
         </p:nvSpPr>
         <p:spPr>
           <a:xfrm>
-            <a:off x="503640" y="1326240"/>
-            <a:ext cx="9071280" cy="3288240"/>
+            <a:off x="504000" y="1326600"/>
+            <a:ext cx="9072000" cy="3288600"/>
           </a:xfrm>
           <a:prstGeom prst="rect">
             <a:avLst/>
@@ -13488,7 +13488,7 @@
         <p:txBody>
           <a:bodyPr/>
           <a:p>
-            <a:fld id="{08F03277-5694-4B1E-8EB8-999A661D971B}" type="slidenum">
+            <a:fld id="{81AF2327-9E6B-4347-8384-4C5744D6906C}" type="slidenum">
               <a:t>&lt;#&gt;</a:t>
             </a:fld>
           </a:p>
@@ -13549,8 +13549,8 @@
         </p:nvSpPr>
         <p:spPr>
           <a:xfrm>
-            <a:off x="503640" y="225720"/>
-            <a:ext cx="9071280" cy="946440"/>
+            <a:off x="504000" y="226080"/>
+            <a:ext cx="9072000" cy="946440"/>
           </a:xfrm>
           <a:prstGeom prst="rect">
             <a:avLst/>
@@ -13586,8 +13586,8 @@
         </p:nvSpPr>
         <p:spPr>
           <a:xfrm>
-            <a:off x="503640" y="1326240"/>
-            <a:ext cx="4426560" cy="3288240"/>
+            <a:off x="504000" y="1326600"/>
+            <a:ext cx="4426920" cy="3288600"/>
           </a:xfrm>
           <a:prstGeom prst="rect">
             <a:avLst/>
@@ -13620,8 +13620,8 @@
         </p:nvSpPr>
         <p:spPr>
           <a:xfrm>
-            <a:off x="5151960" y="1326240"/>
-            <a:ext cx="4426560" cy="3288240"/>
+            <a:off x="5152680" y="1326600"/>
+            <a:ext cx="4426920" cy="3288600"/>
           </a:xfrm>
           <a:prstGeom prst="rect">
             <a:avLst/>
@@ -13676,7 +13676,7 @@
         <p:txBody>
           <a:bodyPr/>
           <a:p>
-            <a:fld id="{04A4686D-727B-46DB-97C0-DDCD6D622E99}" type="slidenum">
+            <a:fld id="{772A382A-4DE0-40AE-96BB-58F20371EEA6}" type="slidenum">
               <a:t>&lt;#&gt;</a:t>
             </a:fld>
           </a:p>
@@ -13737,8 +13737,8 @@
         </p:nvSpPr>
         <p:spPr>
           <a:xfrm>
-            <a:off x="503640" y="225720"/>
-            <a:ext cx="9071280" cy="946440"/>
+            <a:off x="504000" y="226080"/>
+            <a:ext cx="9072000" cy="946440"/>
           </a:xfrm>
           <a:prstGeom prst="rect">
             <a:avLst/>
@@ -13796,7 +13796,7 @@
         <p:txBody>
           <a:bodyPr/>
           <a:p>
-            <a:fld id="{29F4EFFB-BBF1-4D6C-A0E5-999DB8FED176}" type="slidenum">
+            <a:fld id="{3B02045E-19A3-4DC2-A81F-DCC9B069A017}" type="slidenum">
               <a:t>&lt;#&gt;</a:t>
             </a:fld>
           </a:p>
@@ -13857,8 +13857,8 @@
         </p:nvSpPr>
         <p:spPr>
           <a:xfrm>
-            <a:off x="503640" y="225720"/>
-            <a:ext cx="9071280" cy="4388400"/>
+            <a:off x="504000" y="226080"/>
+            <a:ext cx="9072000" cy="4388400"/>
           </a:xfrm>
           <a:prstGeom prst="rect">
             <a:avLst/>
@@ -13916,7 +13916,7 @@
         <p:txBody>
           <a:bodyPr/>
           <a:p>
-            <a:fld id="{41151211-64C4-439E-B684-653A95275897}" type="slidenum">
+            <a:fld id="{4FE6E5EA-E18E-40F4-9ED2-E47B9A239E69}" type="slidenum">
               <a:t>&lt;#&gt;</a:t>
             </a:fld>
           </a:p>
@@ -13977,8 +13977,8 @@
         </p:nvSpPr>
         <p:spPr>
           <a:xfrm>
-            <a:off x="503640" y="225720"/>
-            <a:ext cx="9071280" cy="946440"/>
+            <a:off x="504000" y="226080"/>
+            <a:ext cx="9072000" cy="946440"/>
           </a:xfrm>
           <a:prstGeom prst="rect">
             <a:avLst/>
@@ -14014,8 +14014,8 @@
         </p:nvSpPr>
         <p:spPr>
           <a:xfrm>
-            <a:off x="503640" y="1326240"/>
-            <a:ext cx="4426560" cy="1568160"/>
+            <a:off x="504000" y="1326600"/>
+            <a:ext cx="4426920" cy="1568520"/>
           </a:xfrm>
           <a:prstGeom prst="rect">
             <a:avLst/>
@@ -14048,8 +14048,8 @@
         </p:nvSpPr>
         <p:spPr>
           <a:xfrm>
-            <a:off x="5151960" y="1326240"/>
-            <a:ext cx="4426560" cy="3288240"/>
+            <a:off x="5152680" y="1326600"/>
+            <a:ext cx="4426920" cy="3288600"/>
           </a:xfrm>
           <a:prstGeom prst="rect">
             <a:avLst/>
@@ -14082,8 +14082,8 @@
         </p:nvSpPr>
         <p:spPr>
           <a:xfrm>
-            <a:off x="503640" y="3043800"/>
-            <a:ext cx="4426560" cy="1568160"/>
+            <a:off x="504000" y="3044520"/>
+            <a:ext cx="4426920" cy="1568520"/>
           </a:xfrm>
           <a:prstGeom prst="rect">
             <a:avLst/>
@@ -14138,7 +14138,7 @@
         <p:txBody>
           <a:bodyPr/>
           <a:p>
-            <a:fld id="{9FFC260F-1D6E-49C4-8CC9-3DE037553AE2}" type="slidenum">
+            <a:fld id="{5B30798D-9DE8-4E09-AD3B-096B5F19C60B}" type="slidenum">
               <a:t>&lt;#&gt;</a:t>
             </a:fld>
           </a:p>
@@ -14199,8 +14199,8 @@
         </p:nvSpPr>
         <p:spPr>
           <a:xfrm>
-            <a:off x="503640" y="225720"/>
-            <a:ext cx="9071280" cy="946440"/>
+            <a:off x="504000" y="226080"/>
+            <a:ext cx="9072000" cy="946440"/>
           </a:xfrm>
           <a:prstGeom prst="rect">
             <a:avLst/>
@@ -14236,8 +14236,8 @@
         </p:nvSpPr>
         <p:spPr>
           <a:xfrm>
-            <a:off x="503640" y="1326240"/>
-            <a:ext cx="4426560" cy="3288240"/>
+            <a:off x="504000" y="1326600"/>
+            <a:ext cx="4426920" cy="3288600"/>
           </a:xfrm>
           <a:prstGeom prst="rect">
             <a:avLst/>
@@ -14270,8 +14270,8 @@
         </p:nvSpPr>
         <p:spPr>
           <a:xfrm>
-            <a:off x="5151960" y="1326240"/>
-            <a:ext cx="4426560" cy="1568160"/>
+            <a:off x="5152680" y="1326600"/>
+            <a:ext cx="4426920" cy="1568520"/>
           </a:xfrm>
           <a:prstGeom prst="rect">
             <a:avLst/>
@@ -14304,8 +14304,8 @@
         </p:nvSpPr>
         <p:spPr>
           <a:xfrm>
-            <a:off x="5151960" y="3043800"/>
-            <a:ext cx="4426560" cy="1568160"/>
+            <a:off x="5152680" y="3044520"/>
+            <a:ext cx="4426920" cy="1568520"/>
           </a:xfrm>
           <a:prstGeom prst="rect">
             <a:avLst/>
@@ -14360,7 +14360,7 @@
         <p:txBody>
           <a:bodyPr/>
           <a:p>
-            <a:fld id="{88CA1057-53E0-48EF-8A00-7E0671728CF8}" type="slidenum">
+            <a:fld id="{1DE42A5E-B98E-4A6F-B319-3008A4487967}" type="slidenum">
               <a:t>&lt;#&gt;</a:t>
             </a:fld>
           </a:p>
@@ -14421,8 +14421,8 @@
         </p:nvSpPr>
         <p:spPr>
           <a:xfrm>
-            <a:off x="503640" y="225720"/>
-            <a:ext cx="9071280" cy="946440"/>
+            <a:off x="504000" y="226080"/>
+            <a:ext cx="9072000" cy="946440"/>
           </a:xfrm>
           <a:prstGeom prst="rect">
             <a:avLst/>
@@ -14458,8 +14458,8 @@
         </p:nvSpPr>
         <p:spPr>
           <a:xfrm>
-            <a:off x="503640" y="1326240"/>
-            <a:ext cx="4426560" cy="3288240"/>
+            <a:off x="504000" y="1326600"/>
+            <a:ext cx="4426920" cy="3288600"/>
           </a:xfrm>
           <a:prstGeom prst="rect">
             <a:avLst/>
@@ -14492,8 +14492,8 @@
         </p:nvSpPr>
         <p:spPr>
           <a:xfrm>
-            <a:off x="5151960" y="1326240"/>
-            <a:ext cx="4426560" cy="1568160"/>
+            <a:off x="5152680" y="1326600"/>
+            <a:ext cx="4426920" cy="1568520"/>
           </a:xfrm>
           <a:prstGeom prst="rect">
             <a:avLst/>
@@ -14526,8 +14526,8 @@
         </p:nvSpPr>
         <p:spPr>
           <a:xfrm>
-            <a:off x="5151960" y="3043800"/>
-            <a:ext cx="4426560" cy="1568160"/>
+            <a:off x="5152680" y="3044520"/>
+            <a:ext cx="4426920" cy="1568520"/>
           </a:xfrm>
           <a:prstGeom prst="rect">
             <a:avLst/>
@@ -14582,7 +14582,7 @@
         <p:txBody>
           <a:bodyPr/>
           <a:p>
-            <a:fld id="{48828AC2-4DC3-4799-9D67-77A890EB7190}" type="slidenum">
+            <a:fld id="{A6A24AE1-7698-4042-87DB-BA21E2073056}" type="slidenum">
               <a:t>&lt;#&gt;</a:t>
             </a:fld>
           </a:p>
@@ -14643,8 +14643,8 @@
         </p:nvSpPr>
         <p:spPr>
           <a:xfrm>
-            <a:off x="503640" y="225720"/>
-            <a:ext cx="9071280" cy="946440"/>
+            <a:off x="504000" y="226080"/>
+            <a:ext cx="9072000" cy="946440"/>
           </a:xfrm>
           <a:prstGeom prst="rect">
             <a:avLst/>
@@ -14680,8 +14680,8 @@
         </p:nvSpPr>
         <p:spPr>
           <a:xfrm>
-            <a:off x="503640" y="1326240"/>
-            <a:ext cx="4426560" cy="1568160"/>
+            <a:off x="504000" y="1326600"/>
+            <a:ext cx="4426920" cy="1568520"/>
           </a:xfrm>
           <a:prstGeom prst="rect">
             <a:avLst/>
@@ -14714,8 +14714,8 @@
         </p:nvSpPr>
         <p:spPr>
           <a:xfrm>
-            <a:off x="5151960" y="1326240"/>
-            <a:ext cx="4426560" cy="1568160"/>
+            <a:off x="5152680" y="1326600"/>
+            <a:ext cx="4426920" cy="1568520"/>
           </a:xfrm>
           <a:prstGeom prst="rect">
             <a:avLst/>
@@ -14748,8 +14748,8 @@
         </p:nvSpPr>
         <p:spPr>
           <a:xfrm>
-            <a:off x="503640" y="3043800"/>
-            <a:ext cx="9071280" cy="1568160"/>
+            <a:off x="504000" y="3044520"/>
+            <a:ext cx="9072000" cy="1568520"/>
           </a:xfrm>
           <a:prstGeom prst="rect">
             <a:avLst/>
@@ -14804,7 +14804,7 @@
         <p:txBody>
           <a:bodyPr/>
           <a:p>
-            <a:fld id="{5BA9D8AF-3195-4799-9714-6FF5A79BEC6A}" type="slidenum">
+            <a:fld id="{00447264-D50C-49E2-BD97-6A5E77F7BD86}" type="slidenum">
               <a:t>&lt;#&gt;</a:t>
             </a:fld>
           </a:p>
@@ -14865,8 +14865,8 @@
         </p:nvSpPr>
         <p:spPr>
           <a:xfrm>
-            <a:off x="503640" y="225720"/>
-            <a:ext cx="9071280" cy="946440"/>
+            <a:off x="504000" y="226080"/>
+            <a:ext cx="9072000" cy="946440"/>
           </a:xfrm>
           <a:prstGeom prst="rect">
             <a:avLst/>
@@ -14902,8 +14902,8 @@
         </p:nvSpPr>
         <p:spPr>
           <a:xfrm>
-            <a:off x="503640" y="1326240"/>
-            <a:ext cx="9071280" cy="1568160"/>
+            <a:off x="504000" y="1326600"/>
+            <a:ext cx="9072000" cy="1568520"/>
           </a:xfrm>
           <a:prstGeom prst="rect">
             <a:avLst/>
@@ -14936,8 +14936,8 @@
         </p:nvSpPr>
         <p:spPr>
           <a:xfrm>
-            <a:off x="503640" y="3043800"/>
-            <a:ext cx="9071280" cy="1568160"/>
+            <a:off x="504000" y="3044520"/>
+            <a:ext cx="9072000" cy="1568520"/>
           </a:xfrm>
           <a:prstGeom prst="rect">
             <a:avLst/>
@@ -14992,7 +14992,7 @@
         <p:txBody>
           <a:bodyPr/>
           <a:p>
-            <a:fld id="{D42A0F59-4BFE-44B3-9425-3408EEC5EDE9}" type="slidenum">
+            <a:fld id="{210BEB2B-F8EC-4915-922E-ED9A553E290B}" type="slidenum">
               <a:t>&lt;#&gt;</a:t>
             </a:fld>
           </a:p>
@@ -15053,8 +15053,8 @@
         </p:nvSpPr>
         <p:spPr>
           <a:xfrm>
-            <a:off x="503640" y="225720"/>
-            <a:ext cx="9071280" cy="946440"/>
+            <a:off x="504000" y="226080"/>
+            <a:ext cx="9072000" cy="946440"/>
           </a:xfrm>
           <a:prstGeom prst="rect">
             <a:avLst/>
@@ -15090,8 +15090,8 @@
         </p:nvSpPr>
         <p:spPr>
           <a:xfrm>
-            <a:off x="503640" y="1326240"/>
-            <a:ext cx="4426560" cy="1568160"/>
+            <a:off x="504000" y="1326600"/>
+            <a:ext cx="4426920" cy="1568520"/>
           </a:xfrm>
           <a:prstGeom prst="rect">
             <a:avLst/>
@@ -15124,8 +15124,8 @@
         </p:nvSpPr>
         <p:spPr>
           <a:xfrm>
-            <a:off x="5151960" y="1326240"/>
-            <a:ext cx="4426560" cy="1568160"/>
+            <a:off x="5152680" y="1326600"/>
+            <a:ext cx="4426920" cy="1568520"/>
           </a:xfrm>
           <a:prstGeom prst="rect">
             <a:avLst/>
@@ -15158,8 +15158,8 @@
         </p:nvSpPr>
         <p:spPr>
           <a:xfrm>
-            <a:off x="503640" y="3043800"/>
-            <a:ext cx="4426560" cy="1568160"/>
+            <a:off x="504000" y="3044520"/>
+            <a:ext cx="4426920" cy="1568520"/>
           </a:xfrm>
           <a:prstGeom prst="rect">
             <a:avLst/>
@@ -15192,8 +15192,8 @@
         </p:nvSpPr>
         <p:spPr>
           <a:xfrm>
-            <a:off x="5151960" y="3043800"/>
-            <a:ext cx="4426560" cy="1568160"/>
+            <a:off x="5152680" y="3044520"/>
+            <a:ext cx="4426920" cy="1568520"/>
           </a:xfrm>
           <a:prstGeom prst="rect">
             <a:avLst/>
@@ -15248,7 +15248,7 @@
         <p:txBody>
           <a:bodyPr/>
           <a:p>
-            <a:fld id="{DA19557B-D494-4820-B7D0-E14DED40FD26}" type="slidenum">
+            <a:fld id="{8182D521-4744-49D2-9377-E6797A021992}" type="slidenum">
               <a:t>&lt;#&gt;</a:t>
             </a:fld>
           </a:p>
@@ -15309,8 +15309,8 @@
         </p:nvSpPr>
         <p:spPr>
           <a:xfrm>
-            <a:off x="503640" y="225720"/>
-            <a:ext cx="9071280" cy="946440"/>
+            <a:off x="504000" y="226080"/>
+            <a:ext cx="9072000" cy="946440"/>
           </a:xfrm>
           <a:prstGeom prst="rect">
             <a:avLst/>
@@ -15346,8 +15346,8 @@
         </p:nvSpPr>
         <p:spPr>
           <a:xfrm>
-            <a:off x="503640" y="1326240"/>
-            <a:ext cx="2920680" cy="1568160"/>
+            <a:off x="504000" y="1326600"/>
+            <a:ext cx="2921040" cy="1568520"/>
           </a:xfrm>
           <a:prstGeom prst="rect">
             <a:avLst/>
@@ -15380,8 +15380,8 @@
         </p:nvSpPr>
         <p:spPr>
           <a:xfrm>
-            <a:off x="3570840" y="1326240"/>
-            <a:ext cx="2920680" cy="1568160"/>
+            <a:off x="3571560" y="1326600"/>
+            <a:ext cx="2921040" cy="1568520"/>
           </a:xfrm>
           <a:prstGeom prst="rect">
             <a:avLst/>
@@ -15414,8 +15414,8 @@
         </p:nvSpPr>
         <p:spPr>
           <a:xfrm>
-            <a:off x="6637680" y="1326240"/>
-            <a:ext cx="2920680" cy="1568160"/>
+            <a:off x="6639120" y="1326600"/>
+            <a:ext cx="2921040" cy="1568520"/>
           </a:xfrm>
           <a:prstGeom prst="rect">
             <a:avLst/>
@@ -15448,8 +15448,8 @@
         </p:nvSpPr>
         <p:spPr>
           <a:xfrm>
-            <a:off x="503640" y="3043800"/>
-            <a:ext cx="2920680" cy="1568160"/>
+            <a:off x="504000" y="3044520"/>
+            <a:ext cx="2921040" cy="1568520"/>
           </a:xfrm>
           <a:prstGeom prst="rect">
             <a:avLst/>
@@ -15482,8 +15482,8 @@
         </p:nvSpPr>
         <p:spPr>
           <a:xfrm>
-            <a:off x="3570840" y="3043800"/>
-            <a:ext cx="2920680" cy="1568160"/>
+            <a:off x="3571560" y="3044520"/>
+            <a:ext cx="2921040" cy="1568520"/>
           </a:xfrm>
           <a:prstGeom prst="rect">
             <a:avLst/>
@@ -15516,8 +15516,8 @@
         </p:nvSpPr>
         <p:spPr>
           <a:xfrm>
-            <a:off x="6637680" y="3043800"/>
-            <a:ext cx="2920680" cy="1568160"/>
+            <a:off x="6639120" y="3044520"/>
+            <a:ext cx="2921040" cy="1568520"/>
           </a:xfrm>
           <a:prstGeom prst="rect">
             <a:avLst/>
@@ -15572,7 +15572,7 @@
         <p:txBody>
           <a:bodyPr/>
           <a:p>
-            <a:fld id="{3987B7FA-B083-4FAA-A8A1-CF0A76885987}" type="slidenum">
+            <a:fld id="{E7764DA0-9D59-4E96-B02C-6B2F7C51445A}" type="slidenum">
               <a:t>&lt;#&gt;</a:t>
             </a:fld>
           </a:p>
@@ -15655,7 +15655,7 @@
         <p:txBody>
           <a:bodyPr/>
           <a:p>
-            <a:fld id="{53CD2455-D99D-49F2-BBCB-7B5DFAFEAA69}" type="slidenum">
+            <a:fld id="{31E148AE-C6F7-4BA6-B67B-EA917602EBBD}" type="slidenum">
               <a:t>&lt;#&gt;</a:t>
             </a:fld>
           </a:p>
@@ -15716,8 +15716,8 @@
         </p:nvSpPr>
         <p:spPr>
           <a:xfrm>
-            <a:off x="503640" y="225720"/>
-            <a:ext cx="9071280" cy="946440"/>
+            <a:off x="504000" y="226080"/>
+            <a:ext cx="9072000" cy="946440"/>
           </a:xfrm>
           <a:prstGeom prst="rect">
             <a:avLst/>
@@ -15753,8 +15753,8 @@
         </p:nvSpPr>
         <p:spPr>
           <a:xfrm>
-            <a:off x="503640" y="1326240"/>
-            <a:ext cx="9071280" cy="3288240"/>
+            <a:off x="504000" y="1326600"/>
+            <a:ext cx="9072000" cy="3288600"/>
           </a:xfrm>
           <a:prstGeom prst="rect">
             <a:avLst/>
@@ -15812,7 +15812,7 @@
         <p:txBody>
           <a:bodyPr/>
           <a:p>
-            <a:fld id="{39E39A9E-5AA3-48FE-A8BA-868507F55417}" type="slidenum">
+            <a:fld id="{818002E2-1EB6-46F0-81B7-176F617DDAF6}" type="slidenum">
               <a:t>&lt;#&gt;</a:t>
             </a:fld>
           </a:p>
@@ -15873,8 +15873,8 @@
         </p:nvSpPr>
         <p:spPr>
           <a:xfrm>
-            <a:off x="503640" y="225720"/>
-            <a:ext cx="9071280" cy="946440"/>
+            <a:off x="504000" y="226080"/>
+            <a:ext cx="9072000" cy="946440"/>
           </a:xfrm>
           <a:prstGeom prst="rect">
             <a:avLst/>
@@ -15910,8 +15910,8 @@
         </p:nvSpPr>
         <p:spPr>
           <a:xfrm>
-            <a:off x="503640" y="1326240"/>
-            <a:ext cx="9071280" cy="3288240"/>
+            <a:off x="504000" y="1326600"/>
+            <a:ext cx="9072000" cy="3288600"/>
           </a:xfrm>
           <a:prstGeom prst="rect">
             <a:avLst/>
@@ -15966,7 +15966,7 @@
         <p:txBody>
           <a:bodyPr/>
           <a:p>
-            <a:fld id="{EA7CC53A-8222-4953-B4D9-7EEC4901245A}" type="slidenum">
+            <a:fld id="{60707AF3-BB7B-4111-87CD-C96F3CAF99A4}" type="slidenum">
               <a:t>&lt;#&gt;</a:t>
             </a:fld>
           </a:p>
@@ -16027,8 +16027,8 @@
         </p:nvSpPr>
         <p:spPr>
           <a:xfrm>
-            <a:off x="503640" y="225720"/>
-            <a:ext cx="9071280" cy="946440"/>
+            <a:off x="504000" y="226080"/>
+            <a:ext cx="9072000" cy="946440"/>
           </a:xfrm>
           <a:prstGeom prst="rect">
             <a:avLst/>
@@ -16064,8 +16064,8 @@
         </p:nvSpPr>
         <p:spPr>
           <a:xfrm>
-            <a:off x="503640" y="1326240"/>
-            <a:ext cx="4426560" cy="3288240"/>
+            <a:off x="504000" y="1326600"/>
+            <a:ext cx="4426920" cy="3288600"/>
           </a:xfrm>
           <a:prstGeom prst="rect">
             <a:avLst/>
@@ -16098,8 +16098,8 @@
         </p:nvSpPr>
         <p:spPr>
           <a:xfrm>
-            <a:off x="5151960" y="1326240"/>
-            <a:ext cx="4426560" cy="3288240"/>
+            <a:off x="5152680" y="1326600"/>
+            <a:ext cx="4426920" cy="3288600"/>
           </a:xfrm>
           <a:prstGeom prst="rect">
             <a:avLst/>
@@ -16154,7 +16154,7 @@
         <p:txBody>
           <a:bodyPr/>
           <a:p>
-            <a:fld id="{F1147565-66B6-4F5B-9D3D-F34C104F2113}" type="slidenum">
+            <a:fld id="{DF9F0FE7-0125-4539-8A10-9E43B142BC9F}" type="slidenum">
               <a:t>&lt;#&gt;</a:t>
             </a:fld>
           </a:p>
@@ -16215,8 +16215,8 @@
         </p:nvSpPr>
         <p:spPr>
           <a:xfrm>
-            <a:off x="503640" y="225720"/>
-            <a:ext cx="9071280" cy="946440"/>
+            <a:off x="504000" y="226080"/>
+            <a:ext cx="9072000" cy="946440"/>
           </a:xfrm>
           <a:prstGeom prst="rect">
             <a:avLst/>
@@ -16274,7 +16274,7 @@
         <p:txBody>
           <a:bodyPr/>
           <a:p>
-            <a:fld id="{2E2208D3-8FB5-4C2E-A06F-C8B5A34FD25C}" type="slidenum">
+            <a:fld id="{788906E1-1CB5-4CCA-A9F3-8E696C0481CF}" type="slidenum">
               <a:t>&lt;#&gt;</a:t>
             </a:fld>
           </a:p>
@@ -16335,8 +16335,8 @@
         </p:nvSpPr>
         <p:spPr>
           <a:xfrm>
-            <a:off x="503640" y="225720"/>
-            <a:ext cx="9071280" cy="946440"/>
+            <a:off x="504000" y="226080"/>
+            <a:ext cx="9072000" cy="946440"/>
           </a:xfrm>
           <a:prstGeom prst="rect">
             <a:avLst/>
@@ -16372,8 +16372,8 @@
         </p:nvSpPr>
         <p:spPr>
           <a:xfrm>
-            <a:off x="503640" y="1326240"/>
-            <a:ext cx="4426560" cy="1568160"/>
+            <a:off x="504000" y="1326600"/>
+            <a:ext cx="4426920" cy="1568520"/>
           </a:xfrm>
           <a:prstGeom prst="rect">
             <a:avLst/>
@@ -16406,8 +16406,8 @@
         </p:nvSpPr>
         <p:spPr>
           <a:xfrm>
-            <a:off x="5151960" y="1326240"/>
-            <a:ext cx="4426560" cy="1568160"/>
+            <a:off x="5152680" y="1326600"/>
+            <a:ext cx="4426920" cy="1568520"/>
           </a:xfrm>
           <a:prstGeom prst="rect">
             <a:avLst/>
@@ -16440,8 +16440,8 @@
         </p:nvSpPr>
         <p:spPr>
           <a:xfrm>
-            <a:off x="503640" y="3043800"/>
-            <a:ext cx="9071280" cy="1568160"/>
+            <a:off x="504000" y="3044520"/>
+            <a:ext cx="9072000" cy="1568520"/>
           </a:xfrm>
           <a:prstGeom prst="rect">
             <a:avLst/>
@@ -16496,7 +16496,7 @@
         <p:txBody>
           <a:bodyPr/>
           <a:p>
-            <a:fld id="{25B0C7BA-E354-437E-A903-39DACA2B1CE9}" type="slidenum">
+            <a:fld id="{20CB74B4-8706-43E4-92DC-569CAA3CE585}" type="slidenum">
               <a:t>&lt;#&gt;</a:t>
             </a:fld>
           </a:p>
@@ -16557,8 +16557,8 @@
         </p:nvSpPr>
         <p:spPr>
           <a:xfrm>
-            <a:off x="503640" y="225720"/>
-            <a:ext cx="9071280" cy="4388400"/>
+            <a:off x="504000" y="226080"/>
+            <a:ext cx="9072000" cy="4388400"/>
           </a:xfrm>
           <a:prstGeom prst="rect">
             <a:avLst/>
@@ -16616,7 +16616,7 @@
         <p:txBody>
           <a:bodyPr/>
           <a:p>
-            <a:fld id="{F301BBE5-3D86-412B-A624-E129A3976478}" type="slidenum">
+            <a:fld id="{239BBF40-AF18-42E2-9328-69CFB848C06E}" type="slidenum">
               <a:t>&lt;#&gt;</a:t>
             </a:fld>
           </a:p>
@@ -16677,8 +16677,8 @@
         </p:nvSpPr>
         <p:spPr>
           <a:xfrm>
-            <a:off x="503640" y="225720"/>
-            <a:ext cx="9071280" cy="946440"/>
+            <a:off x="504000" y="226080"/>
+            <a:ext cx="9072000" cy="946440"/>
           </a:xfrm>
           <a:prstGeom prst="rect">
             <a:avLst/>
@@ -16714,8 +16714,8 @@
         </p:nvSpPr>
         <p:spPr>
           <a:xfrm>
-            <a:off x="503640" y="1326240"/>
-            <a:ext cx="4426560" cy="1568160"/>
+            <a:off x="504000" y="1326600"/>
+            <a:ext cx="4426920" cy="1568520"/>
           </a:xfrm>
           <a:prstGeom prst="rect">
             <a:avLst/>
@@ -16748,8 +16748,8 @@
         </p:nvSpPr>
         <p:spPr>
           <a:xfrm>
-            <a:off x="5151960" y="1326240"/>
-            <a:ext cx="4426560" cy="3288240"/>
+            <a:off x="5152680" y="1326600"/>
+            <a:ext cx="4426920" cy="3288600"/>
           </a:xfrm>
           <a:prstGeom prst="rect">
             <a:avLst/>
@@ -16782,8 +16782,8 @@
         </p:nvSpPr>
         <p:spPr>
           <a:xfrm>
-            <a:off x="503640" y="3043800"/>
-            <a:ext cx="4426560" cy="1568160"/>
+            <a:off x="504000" y="3044520"/>
+            <a:ext cx="4426920" cy="1568520"/>
           </a:xfrm>
           <a:prstGeom prst="rect">
             <a:avLst/>
@@ -16838,7 +16838,7 @@
         <p:txBody>
           <a:bodyPr/>
           <a:p>
-            <a:fld id="{793E3903-72A3-443D-9F63-52CD7B7D05BA}" type="slidenum">
+            <a:fld id="{5A1E6CC8-CBAF-418D-9481-08A14F2B0850}" type="slidenum">
               <a:t>&lt;#&gt;</a:t>
             </a:fld>
           </a:p>
@@ -16899,8 +16899,8 @@
         </p:nvSpPr>
         <p:spPr>
           <a:xfrm>
-            <a:off x="503640" y="225720"/>
-            <a:ext cx="9071280" cy="946440"/>
+            <a:off x="504000" y="226080"/>
+            <a:ext cx="9072000" cy="946440"/>
           </a:xfrm>
           <a:prstGeom prst="rect">
             <a:avLst/>
@@ -16936,8 +16936,8 @@
         </p:nvSpPr>
         <p:spPr>
           <a:xfrm>
-            <a:off x="503640" y="1326240"/>
-            <a:ext cx="4426560" cy="3288240"/>
+            <a:off x="504000" y="1326600"/>
+            <a:ext cx="4426920" cy="3288600"/>
           </a:xfrm>
           <a:prstGeom prst="rect">
             <a:avLst/>
@@ -16970,8 +16970,8 @@
         </p:nvSpPr>
         <p:spPr>
           <a:xfrm>
-            <a:off x="5151960" y="1326240"/>
-            <a:ext cx="4426560" cy="1568160"/>
+            <a:off x="5152680" y="1326600"/>
+            <a:ext cx="4426920" cy="1568520"/>
           </a:xfrm>
           <a:prstGeom prst="rect">
             <a:avLst/>
@@ -17004,8 +17004,8 @@
         </p:nvSpPr>
         <p:spPr>
           <a:xfrm>
-            <a:off x="5151960" y="3043800"/>
-            <a:ext cx="4426560" cy="1568160"/>
+            <a:off x="5152680" y="3044520"/>
+            <a:ext cx="4426920" cy="1568520"/>
           </a:xfrm>
           <a:prstGeom prst="rect">
             <a:avLst/>
@@ -17060,7 +17060,7 @@
         <p:txBody>
           <a:bodyPr/>
           <a:p>
-            <a:fld id="{CCFE9F53-D7C9-4F6D-ACE0-0B374706B7B0}" type="slidenum">
+            <a:fld id="{D15E2776-D85E-492A-A04C-354BEBD48058}" type="slidenum">
               <a:t>&lt;#&gt;</a:t>
             </a:fld>
           </a:p>
@@ -17121,8 +17121,8 @@
         </p:nvSpPr>
         <p:spPr>
           <a:xfrm>
-            <a:off x="503640" y="225720"/>
-            <a:ext cx="9071280" cy="946440"/>
+            <a:off x="504000" y="226080"/>
+            <a:ext cx="9072000" cy="946440"/>
           </a:xfrm>
           <a:prstGeom prst="rect">
             <a:avLst/>
@@ -17158,8 +17158,8 @@
         </p:nvSpPr>
         <p:spPr>
           <a:xfrm>
-            <a:off x="503640" y="1326240"/>
-            <a:ext cx="4426560" cy="1568160"/>
+            <a:off x="504000" y="1326600"/>
+            <a:ext cx="4426920" cy="1568520"/>
           </a:xfrm>
           <a:prstGeom prst="rect">
             <a:avLst/>
@@ -17192,8 +17192,8 @@
         </p:nvSpPr>
         <p:spPr>
           <a:xfrm>
-            <a:off x="5151960" y="1326240"/>
-            <a:ext cx="4426560" cy="1568160"/>
+            <a:off x="5152680" y="1326600"/>
+            <a:ext cx="4426920" cy="1568520"/>
           </a:xfrm>
           <a:prstGeom prst="rect">
             <a:avLst/>
@@ -17226,8 +17226,8 @@
         </p:nvSpPr>
         <p:spPr>
           <a:xfrm>
-            <a:off x="503640" y="3043800"/>
-            <a:ext cx="9071280" cy="1568160"/>
+            <a:off x="504000" y="3044520"/>
+            <a:ext cx="9072000" cy="1568520"/>
           </a:xfrm>
           <a:prstGeom prst="rect">
             <a:avLst/>
@@ -17282,7 +17282,7 @@
         <p:txBody>
           <a:bodyPr/>
           <a:p>
-            <a:fld id="{768C174A-B95D-47D5-B3C2-1F2C9E0424E0}" type="slidenum">
+            <a:fld id="{AAD14C47-CEAF-4FE9-B742-8A6A262C3DD5}" type="slidenum">
               <a:t>&lt;#&gt;</a:t>
             </a:fld>
           </a:p>
@@ -17343,8 +17343,8 @@
         </p:nvSpPr>
         <p:spPr>
           <a:xfrm>
-            <a:off x="503640" y="225720"/>
-            <a:ext cx="9071280" cy="946440"/>
+            <a:off x="504000" y="226080"/>
+            <a:ext cx="9072000" cy="946440"/>
           </a:xfrm>
           <a:prstGeom prst="rect">
             <a:avLst/>
@@ -17380,8 +17380,8 @@
         </p:nvSpPr>
         <p:spPr>
           <a:xfrm>
-            <a:off x="503640" y="1326240"/>
-            <a:ext cx="9071280" cy="1568160"/>
+            <a:off x="504000" y="1326600"/>
+            <a:ext cx="9072000" cy="1568520"/>
           </a:xfrm>
           <a:prstGeom prst="rect">
             <a:avLst/>
@@ -17414,8 +17414,8 @@
         </p:nvSpPr>
         <p:spPr>
           <a:xfrm>
-            <a:off x="503640" y="3043800"/>
-            <a:ext cx="9071280" cy="1568160"/>
+            <a:off x="504000" y="3044520"/>
+            <a:ext cx="9072000" cy="1568520"/>
           </a:xfrm>
           <a:prstGeom prst="rect">
             <a:avLst/>
@@ -17470,7 +17470,7 @@
         <p:txBody>
           <a:bodyPr/>
           <a:p>
-            <a:fld id="{9FD793A9-73EB-45CD-8AB8-403F7F48AEDF}" type="slidenum">
+            <a:fld id="{EB6AC2D6-B0D9-4466-8A6A-09B2A0D47432}" type="slidenum">
               <a:t>&lt;#&gt;</a:t>
             </a:fld>
           </a:p>
@@ -17531,8 +17531,8 @@
         </p:nvSpPr>
         <p:spPr>
           <a:xfrm>
-            <a:off x="503640" y="225720"/>
-            <a:ext cx="9071280" cy="946440"/>
+            <a:off x="504000" y="226080"/>
+            <a:ext cx="9072000" cy="946440"/>
           </a:xfrm>
           <a:prstGeom prst="rect">
             <a:avLst/>
@@ -17568,8 +17568,8 @@
         </p:nvSpPr>
         <p:spPr>
           <a:xfrm>
-            <a:off x="503640" y="1326240"/>
-            <a:ext cx="4426560" cy="1568160"/>
+            <a:off x="504000" y="1326600"/>
+            <a:ext cx="4426920" cy="1568520"/>
           </a:xfrm>
           <a:prstGeom prst="rect">
             <a:avLst/>
@@ -17602,8 +17602,8 @@
         </p:nvSpPr>
         <p:spPr>
           <a:xfrm>
-            <a:off x="5151960" y="1326240"/>
-            <a:ext cx="4426560" cy="1568160"/>
+            <a:off x="5152680" y="1326600"/>
+            <a:ext cx="4426920" cy="1568520"/>
           </a:xfrm>
           <a:prstGeom prst="rect">
             <a:avLst/>
@@ -17636,8 +17636,8 @@
         </p:nvSpPr>
         <p:spPr>
           <a:xfrm>
-            <a:off x="503640" y="3043800"/>
-            <a:ext cx="4426560" cy="1568160"/>
+            <a:off x="504000" y="3044520"/>
+            <a:ext cx="4426920" cy="1568520"/>
           </a:xfrm>
           <a:prstGeom prst="rect">
             <a:avLst/>
@@ -17670,8 +17670,8 @@
         </p:nvSpPr>
         <p:spPr>
           <a:xfrm>
-            <a:off x="5151960" y="3043800"/>
-            <a:ext cx="4426560" cy="1568160"/>
+            <a:off x="5152680" y="3044520"/>
+            <a:ext cx="4426920" cy="1568520"/>
           </a:xfrm>
           <a:prstGeom prst="rect">
             <a:avLst/>
@@ -17726,7 +17726,7 @@
         <p:txBody>
           <a:bodyPr/>
           <a:p>
-            <a:fld id="{3B1CC62D-D84A-456E-8BD1-41FBA71D0D0F}" type="slidenum">
+            <a:fld id="{E48E6DDF-99CF-42F8-86E6-7483EB9ABBC4}" type="slidenum">
               <a:t>&lt;#&gt;</a:t>
             </a:fld>
           </a:p>
@@ -17787,8 +17787,8 @@
         </p:nvSpPr>
         <p:spPr>
           <a:xfrm>
-            <a:off x="503640" y="225720"/>
-            <a:ext cx="9071280" cy="946440"/>
+            <a:off x="504000" y="226080"/>
+            <a:ext cx="9072000" cy="946440"/>
           </a:xfrm>
           <a:prstGeom prst="rect">
             <a:avLst/>
@@ -17824,8 +17824,8 @@
         </p:nvSpPr>
         <p:spPr>
           <a:xfrm>
-            <a:off x="503640" y="1326240"/>
-            <a:ext cx="2920680" cy="1568160"/>
+            <a:off x="504000" y="1326600"/>
+            <a:ext cx="2921040" cy="1568520"/>
           </a:xfrm>
           <a:prstGeom prst="rect">
             <a:avLst/>
@@ -17858,8 +17858,8 @@
         </p:nvSpPr>
         <p:spPr>
           <a:xfrm>
-            <a:off x="3570840" y="1326240"/>
-            <a:ext cx="2920680" cy="1568160"/>
+            <a:off x="3571560" y="1326600"/>
+            <a:ext cx="2921040" cy="1568520"/>
           </a:xfrm>
           <a:prstGeom prst="rect">
             <a:avLst/>
@@ -17892,8 +17892,8 @@
         </p:nvSpPr>
         <p:spPr>
           <a:xfrm>
-            <a:off x="6637680" y="1326240"/>
-            <a:ext cx="2920680" cy="1568160"/>
+            <a:off x="6639120" y="1326600"/>
+            <a:ext cx="2921040" cy="1568520"/>
           </a:xfrm>
           <a:prstGeom prst="rect">
             <a:avLst/>
@@ -17926,8 +17926,8 @@
         </p:nvSpPr>
         <p:spPr>
           <a:xfrm>
-            <a:off x="503640" y="3043800"/>
-            <a:ext cx="2920680" cy="1568160"/>
+            <a:off x="504000" y="3044520"/>
+            <a:ext cx="2921040" cy="1568520"/>
           </a:xfrm>
           <a:prstGeom prst="rect">
             <a:avLst/>
@@ -17960,8 +17960,8 @@
         </p:nvSpPr>
         <p:spPr>
           <a:xfrm>
-            <a:off x="3570840" y="3043800"/>
-            <a:ext cx="2920680" cy="1568160"/>
+            <a:off x="3571560" y="3044520"/>
+            <a:ext cx="2921040" cy="1568520"/>
           </a:xfrm>
           <a:prstGeom prst="rect">
             <a:avLst/>
@@ -17994,8 +17994,8 @@
         </p:nvSpPr>
         <p:spPr>
           <a:xfrm>
-            <a:off x="6637680" y="3043800"/>
-            <a:ext cx="2920680" cy="1568160"/>
+            <a:off x="6639120" y="3044520"/>
+            <a:ext cx="2921040" cy="1568520"/>
           </a:xfrm>
           <a:prstGeom prst="rect">
             <a:avLst/>
@@ -18050,7 +18050,7 @@
         <p:txBody>
           <a:bodyPr/>
           <a:p>
-            <a:fld id="{602B5339-82D0-4B54-8BBA-9090AA7E8CB2}" type="slidenum">
+            <a:fld id="{EA0A5A32-E7F8-40F4-B4CC-6912C4398651}" type="slidenum">
               <a:t>&lt;#&gt;</a:t>
             </a:fld>
           </a:p>
@@ -18108,7 +18108,7 @@
         <p:spPr>
           <a:xfrm>
             <a:off x="360" y="5039280"/>
-            <a:ext cx="10077480" cy="628200"/>
+            <a:ext cx="10077120" cy="627840"/>
           </a:xfrm>
           <a:prstGeom prst="rect">
             <a:avLst/>
@@ -18140,7 +18140,7 @@
         <p:spPr>
           <a:xfrm>
             <a:off x="3447000" y="5164560"/>
-            <a:ext cx="3192840" cy="389160"/>
+            <a:ext cx="3192480" cy="388800"/>
           </a:xfrm>
           <a:prstGeom prst="rect">
             <a:avLst/>
@@ -18199,7 +18199,7 @@
         <p:spPr>
           <a:xfrm>
             <a:off x="7226640" y="5164560"/>
-            <a:ext cx="2346480" cy="389160"/>
+            <a:ext cx="2346120" cy="388800"/>
           </a:xfrm>
           <a:prstGeom prst="rect">
             <a:avLst/>
@@ -18231,7 +18231,7 @@
               </a:lnSpc>
               <a:buNone/>
             </a:pPr>
-            <a:fld id="{2AF616B2-5EEC-4212-ADBE-3BAA2ECA7A06}" type="slidenum">
+            <a:fld id="{DECDA4A5-D5DA-42C2-B3C7-913B8245C559}" type="slidenum">
               <a:rPr b="0" lang="en-US" sz="1400" spc="-1" strike="noStrike">
                 <a:latin typeface="Arial"/>
               </a:rPr>
@@ -18256,7 +18256,7 @@
         <p:spPr>
           <a:xfrm>
             <a:off x="503640" y="5164560"/>
-            <a:ext cx="2346480" cy="389160"/>
+            <a:ext cx="2346120" cy="388800"/>
           </a:xfrm>
           <a:prstGeom prst="rect">
             <a:avLst/>
@@ -18302,8 +18302,8 @@
         </p:nvSpPr>
         <p:spPr>
           <a:xfrm>
-            <a:off x="503640" y="225720"/>
-            <a:ext cx="9071280" cy="946440"/>
+            <a:off x="504000" y="226080"/>
+            <a:ext cx="9072000" cy="946440"/>
           </a:xfrm>
           <a:prstGeom prst="rect">
             <a:avLst/>
@@ -18345,8 +18345,8 @@
         </p:nvSpPr>
         <p:spPr>
           <a:xfrm>
-            <a:off x="503640" y="1326240"/>
-            <a:ext cx="9071280" cy="3288240"/>
+            <a:off x="504000" y="1326600"/>
+            <a:ext cx="9072000" cy="3288600"/>
           </a:xfrm>
           <a:prstGeom prst="rect">
             <a:avLst/>
@@ -18363,7 +18363,7 @@
           <a:p>
             <a:pPr marL="432000" indent="-324000">
               <a:spcBef>
-                <a:spcPts val="1414"/>
+                <a:spcPts val="1417"/>
               </a:spcBef>
               <a:buClr>
                 <a:srgbClr val="000000"/>
@@ -18385,7 +18385,7 @@
           <a:p>
             <a:pPr lvl="1" marL="864000" indent="-324000">
               <a:spcBef>
-                <a:spcPts val="1131"/>
+                <a:spcPts val="1134"/>
               </a:spcBef>
               <a:buClr>
                 <a:srgbClr val="000000"/>
@@ -18407,7 +18407,7 @@
           <a:p>
             <a:pPr lvl="2" marL="1296000" indent="-288000">
               <a:spcBef>
-                <a:spcPts val="848"/>
+                <a:spcPts val="850"/>
               </a:spcBef>
               <a:buClr>
                 <a:srgbClr val="000000"/>
@@ -18429,7 +18429,7 @@
           <a:p>
             <a:pPr lvl="3" marL="1728000" indent="-216000">
               <a:spcBef>
-                <a:spcPts val="564"/>
+                <a:spcPts val="567"/>
               </a:spcBef>
               <a:buClr>
                 <a:srgbClr val="000000"/>
@@ -18451,7 +18451,7 @@
           <a:p>
             <a:pPr lvl="4" marL="2160000" indent="-216000">
               <a:spcBef>
-                <a:spcPts val="281"/>
+                <a:spcPts val="283"/>
               </a:spcBef>
               <a:buClr>
                 <a:srgbClr val="000000"/>
@@ -18473,7 +18473,7 @@
           <a:p>
             <a:pPr lvl="5" marL="2592000" indent="-216000">
               <a:spcBef>
-                <a:spcPts val="281"/>
+                <a:spcPts val="283"/>
               </a:spcBef>
               <a:buClr>
                 <a:srgbClr val="000000"/>
@@ -18495,7 +18495,7 @@
           <a:p>
             <a:pPr lvl="6" marL="3024000" indent="-216000">
               <a:spcBef>
-                <a:spcPts val="281"/>
+                <a:spcPts val="283"/>
               </a:spcBef>
               <a:buClr>
                 <a:srgbClr val="000000"/>
@@ -18562,7 +18562,7 @@
         <p:spPr>
           <a:xfrm>
             <a:off x="360" y="5039280"/>
-            <a:ext cx="10077480" cy="628200"/>
+            <a:ext cx="10077120" cy="627840"/>
           </a:xfrm>
           <a:prstGeom prst="rect">
             <a:avLst/>
@@ -18594,7 +18594,7 @@
         <p:spPr>
           <a:xfrm>
             <a:off x="3447000" y="5164560"/>
-            <a:ext cx="3192840" cy="389160"/>
+            <a:ext cx="3192480" cy="388800"/>
           </a:xfrm>
           <a:prstGeom prst="rect">
             <a:avLst/>
@@ -18651,7 +18651,7 @@
         <p:spPr>
           <a:xfrm>
             <a:off x="7226640" y="5164560"/>
-            <a:ext cx="2346480" cy="389160"/>
+            <a:ext cx="2346120" cy="388800"/>
           </a:xfrm>
           <a:prstGeom prst="rect">
             <a:avLst/>
@@ -18683,7 +18683,7 @@
               </a:lnSpc>
               <a:buNone/>
             </a:pPr>
-            <a:fld id="{0DED1C64-FECB-4B70-B108-FF40D28D6BDD}" type="slidenum">
+            <a:fld id="{C44B9574-7572-46FA-867E-4F1B6C217D17}" type="slidenum">
               <a:rPr b="0" lang="en-US" sz="1400" spc="-1" strike="noStrike">
                 <a:latin typeface="Arial"/>
               </a:rPr>
@@ -18708,7 +18708,7 @@
         <p:spPr>
           <a:xfrm>
             <a:off x="503640" y="5164560"/>
-            <a:ext cx="2346480" cy="389160"/>
+            <a:ext cx="2346120" cy="388800"/>
           </a:xfrm>
           <a:prstGeom prst="rect">
             <a:avLst/>
@@ -18754,8 +18754,8 @@
         </p:nvSpPr>
         <p:spPr>
           <a:xfrm>
-            <a:off x="503640" y="225720"/>
-            <a:ext cx="9071280" cy="946440"/>
+            <a:off x="504000" y="226080"/>
+            <a:ext cx="9072000" cy="946440"/>
           </a:xfrm>
           <a:prstGeom prst="rect">
             <a:avLst/>
@@ -18797,8 +18797,8 @@
         </p:nvSpPr>
         <p:spPr>
           <a:xfrm>
-            <a:off x="503640" y="1326240"/>
-            <a:ext cx="9071280" cy="3288240"/>
+            <a:off x="504000" y="1326600"/>
+            <a:ext cx="9072000" cy="3288600"/>
           </a:xfrm>
           <a:prstGeom prst="rect">
             <a:avLst/>
@@ -18815,7 +18815,7 @@
           <a:p>
             <a:pPr marL="432000" indent="-324000">
               <a:spcBef>
-                <a:spcPts val="1414"/>
+                <a:spcPts val="1417"/>
               </a:spcBef>
               <a:buClr>
                 <a:srgbClr val="000000"/>
@@ -18837,7 +18837,7 @@
           <a:p>
             <a:pPr lvl="1" marL="864000" indent="-324000">
               <a:spcBef>
-                <a:spcPts val="1131"/>
+                <a:spcPts val="1134"/>
               </a:spcBef>
               <a:buClr>
                 <a:srgbClr val="000000"/>
@@ -18859,7 +18859,7 @@
           <a:p>
             <a:pPr lvl="2" marL="1296000" indent="-288000">
               <a:spcBef>
-                <a:spcPts val="848"/>
+                <a:spcPts val="850"/>
               </a:spcBef>
               <a:buClr>
                 <a:srgbClr val="000000"/>
@@ -18881,7 +18881,7 @@
           <a:p>
             <a:pPr lvl="3" marL="1728000" indent="-216000">
               <a:spcBef>
-                <a:spcPts val="564"/>
+                <a:spcPts val="567"/>
               </a:spcBef>
               <a:buClr>
                 <a:srgbClr val="000000"/>
@@ -18903,7 +18903,7 @@
           <a:p>
             <a:pPr lvl="4" marL="2160000" indent="-216000">
               <a:spcBef>
-                <a:spcPts val="281"/>
+                <a:spcPts val="283"/>
               </a:spcBef>
               <a:buClr>
                 <a:srgbClr val="000000"/>
@@ -18925,7 +18925,7 @@
           <a:p>
             <a:pPr lvl="5" marL="2592000" indent="-216000">
               <a:spcBef>
-                <a:spcPts val="281"/>
+                <a:spcPts val="283"/>
               </a:spcBef>
               <a:buClr>
                 <a:srgbClr val="000000"/>
@@ -18947,7 +18947,7 @@
           <a:p>
             <a:pPr lvl="6" marL="3024000" indent="-216000">
               <a:spcBef>
-                <a:spcPts val="281"/>
+                <a:spcPts val="283"/>
               </a:spcBef>
               <a:buClr>
                 <a:srgbClr val="000000"/>
@@ -19014,7 +19014,7 @@
         <p:spPr>
           <a:xfrm>
             <a:off x="360" y="5039280"/>
-            <a:ext cx="10077480" cy="628200"/>
+            <a:ext cx="10077120" cy="627840"/>
           </a:xfrm>
           <a:prstGeom prst="rect">
             <a:avLst/>
@@ -19046,7 +19046,7 @@
         <p:spPr>
           <a:xfrm>
             <a:off x="3447000" y="5164560"/>
-            <a:ext cx="3192840" cy="389160"/>
+            <a:ext cx="3192480" cy="388800"/>
           </a:xfrm>
           <a:prstGeom prst="rect">
             <a:avLst/>
@@ -19103,7 +19103,7 @@
         <p:spPr>
           <a:xfrm>
             <a:off x="7226640" y="5164560"/>
-            <a:ext cx="2346480" cy="389160"/>
+            <a:ext cx="2346120" cy="388800"/>
           </a:xfrm>
           <a:prstGeom prst="rect">
             <a:avLst/>
@@ -19135,7 +19135,7 @@
               </a:lnSpc>
               <a:buNone/>
             </a:pPr>
-            <a:fld id="{5359ED05-2460-4175-8F79-275811A91EB3}" type="slidenum">
+            <a:fld id="{B6D37510-10AF-4A6D-88BE-AFE848376F45}" type="slidenum">
               <a:rPr b="0" lang="en-US" sz="1400" spc="-1" strike="noStrike">
                 <a:latin typeface="Arial"/>
               </a:rPr>
@@ -19160,7 +19160,7 @@
         <p:spPr>
           <a:xfrm>
             <a:off x="503640" y="5164560"/>
-            <a:ext cx="2346480" cy="389160"/>
+            <a:ext cx="2346120" cy="388800"/>
           </a:xfrm>
           <a:prstGeom prst="rect">
             <a:avLst/>
@@ -19206,8 +19206,8 @@
         </p:nvSpPr>
         <p:spPr>
           <a:xfrm>
-            <a:off x="503640" y="225720"/>
-            <a:ext cx="9071280" cy="946440"/>
+            <a:off x="504000" y="226080"/>
+            <a:ext cx="9072000" cy="946440"/>
           </a:xfrm>
           <a:prstGeom prst="rect">
             <a:avLst/>
@@ -19249,8 +19249,8 @@
         </p:nvSpPr>
         <p:spPr>
           <a:xfrm>
-            <a:off x="503640" y="1326240"/>
-            <a:ext cx="9071280" cy="3288240"/>
+            <a:off x="504000" y="1326600"/>
+            <a:ext cx="9072000" cy="3288600"/>
           </a:xfrm>
           <a:prstGeom prst="rect">
             <a:avLst/>
@@ -19267,7 +19267,7 @@
           <a:p>
             <a:pPr marL="432000" indent="-324000">
               <a:spcBef>
-                <a:spcPts val="1414"/>
+                <a:spcPts val="1417"/>
               </a:spcBef>
               <a:buClr>
                 <a:srgbClr val="000000"/>
@@ -19289,7 +19289,7 @@
           <a:p>
             <a:pPr lvl="1" marL="864000" indent="-324000">
               <a:spcBef>
-                <a:spcPts val="1131"/>
+                <a:spcPts val="1134"/>
               </a:spcBef>
               <a:buClr>
                 <a:srgbClr val="000000"/>
@@ -19311,7 +19311,7 @@
           <a:p>
             <a:pPr lvl="2" marL="1296000" indent="-288000">
               <a:spcBef>
-                <a:spcPts val="848"/>
+                <a:spcPts val="850"/>
               </a:spcBef>
               <a:buClr>
                 <a:srgbClr val="000000"/>
@@ -19333,7 +19333,7 @@
           <a:p>
             <a:pPr lvl="3" marL="1728000" indent="-216000">
               <a:spcBef>
-                <a:spcPts val="564"/>
+                <a:spcPts val="567"/>
               </a:spcBef>
               <a:buClr>
                 <a:srgbClr val="000000"/>
@@ -19355,7 +19355,7 @@
           <a:p>
             <a:pPr lvl="4" marL="2160000" indent="-216000">
               <a:spcBef>
-                <a:spcPts val="281"/>
+                <a:spcPts val="283"/>
               </a:spcBef>
               <a:buClr>
                 <a:srgbClr val="000000"/>
@@ -19377,7 +19377,7 @@
           <a:p>
             <a:pPr lvl="5" marL="2592000" indent="-216000">
               <a:spcBef>
-                <a:spcPts val="281"/>
+                <a:spcPts val="283"/>
               </a:spcBef>
               <a:buClr>
                 <a:srgbClr val="000000"/>
@@ -19399,7 +19399,7 @@
           <a:p>
             <a:pPr lvl="6" marL="3024000" indent="-216000">
               <a:spcBef>
-                <a:spcPts val="281"/>
+                <a:spcPts val="283"/>
               </a:spcBef>
               <a:buClr>
                 <a:srgbClr val="000000"/>
@@ -19466,7 +19466,7 @@
         <p:spPr>
           <a:xfrm>
             <a:off x="360" y="5039280"/>
-            <a:ext cx="10077480" cy="628200"/>
+            <a:ext cx="10077120" cy="627840"/>
           </a:xfrm>
           <a:prstGeom prst="rect">
             <a:avLst/>
@@ -19494,7 +19494,7 @@
         <p:spPr>
           <a:xfrm>
             <a:off x="9179640" y="4139280"/>
-            <a:ext cx="178200" cy="898200"/>
+            <a:ext cx="177840" cy="897840"/>
           </a:xfrm>
           <a:prstGeom prst="rect">
             <a:avLst/>
@@ -19522,7 +19522,7 @@
         <p:spPr>
           <a:xfrm>
             <a:off x="8819640" y="4499280"/>
-            <a:ext cx="898200" cy="268200"/>
+            <a:ext cx="897840" cy="267840"/>
           </a:xfrm>
           <a:custGeom>
             <a:avLst/>
@@ -19574,7 +19574,7 @@
         <p:spPr>
           <a:xfrm>
             <a:off x="8909640" y="4319280"/>
-            <a:ext cx="718200" cy="268200"/>
+            <a:ext cx="717840" cy="267840"/>
           </a:xfrm>
           <a:custGeom>
             <a:avLst/>
@@ -19626,7 +19626,7 @@
         <p:spPr>
           <a:xfrm>
             <a:off x="9000000" y="4139280"/>
-            <a:ext cx="538200" cy="268200"/>
+            <a:ext cx="537840" cy="267840"/>
           </a:xfrm>
           <a:custGeom>
             <a:avLst/>
@@ -19678,7 +19678,7 @@
         <p:spPr>
           <a:xfrm>
             <a:off x="9089640" y="3959280"/>
-            <a:ext cx="358200" cy="268200"/>
+            <a:ext cx="357840" cy="267840"/>
           </a:xfrm>
           <a:custGeom>
             <a:avLst/>
@@ -19730,7 +19730,7 @@
         <p:spPr>
           <a:xfrm>
             <a:off x="8190000" y="4139280"/>
-            <a:ext cx="178200" cy="898200"/>
+            <a:ext cx="177840" cy="897840"/>
           </a:xfrm>
           <a:prstGeom prst="rect">
             <a:avLst/>
@@ -19758,7 +19758,7 @@
         <p:spPr>
           <a:xfrm>
             <a:off x="7919640" y="4409280"/>
-            <a:ext cx="718200" cy="268200"/>
+            <a:ext cx="717840" cy="267840"/>
           </a:xfrm>
           <a:custGeom>
             <a:avLst/>
@@ -19810,7 +19810,7 @@
         <p:spPr>
           <a:xfrm>
             <a:off x="8010000" y="4229280"/>
-            <a:ext cx="538200" cy="268200"/>
+            <a:ext cx="537840" cy="267840"/>
           </a:xfrm>
           <a:custGeom>
             <a:avLst/>
@@ -19862,7 +19862,7 @@
         <p:spPr>
           <a:xfrm>
             <a:off x="8099640" y="4049280"/>
-            <a:ext cx="358200" cy="268200"/>
+            <a:ext cx="357840" cy="267840"/>
           </a:xfrm>
           <a:custGeom>
             <a:avLst/>
@@ -19914,9 +19914,9 @@
         <p:grpSpPr>
           <a:xfrm>
             <a:off x="8639280" y="3689280"/>
-            <a:ext cx="358200" cy="268200"/>
+            <a:ext cx="357840" cy="267840"/>
             <a:chOff x="8639280" y="3689280"/>
-            <a:chExt cx="358200" cy="268200"/>
+            <a:chExt cx="357840" cy="267840"/>
           </a:xfrm>
         </p:grpSpPr>
         <p:sp>
@@ -19928,7 +19928,7 @@
           <p:spPr>
             <a:xfrm>
               <a:off x="8787960" y="3689280"/>
-              <a:ext cx="85680" cy="154800"/>
+              <a:ext cx="85320" cy="154440"/>
             </a:xfrm>
             <a:custGeom>
               <a:avLst/>
@@ -20037,7 +20037,7 @@
           <p:spPr>
             <a:xfrm>
               <a:off x="8639280" y="3689280"/>
-              <a:ext cx="324720" cy="268200"/>
+              <a:ext cx="324360" cy="267840"/>
             </a:xfrm>
             <a:custGeom>
               <a:avLst/>
@@ -20216,7 +20216,7 @@
           <p:spPr>
             <a:xfrm>
               <a:off x="8959680" y="3808080"/>
-              <a:ext cx="37800" cy="25560"/>
+              <a:ext cx="37440" cy="25200"/>
             </a:xfrm>
             <a:custGeom>
               <a:avLst/>
@@ -20305,7 +20305,7 @@
           <p:spPr>
             <a:xfrm>
               <a:off x="8913960" y="3810240"/>
-              <a:ext cx="19080" cy="18360"/>
+              <a:ext cx="18720" cy="18000"/>
             </a:xfrm>
             <a:custGeom>
               <a:avLst/>
@@ -20404,7 +20404,7 @@
           <p:spPr>
             <a:xfrm>
               <a:off x="8663760" y="3731040"/>
-              <a:ext cx="48240" cy="18360"/>
+              <a:ext cx="47880" cy="18000"/>
             </a:xfrm>
             <a:custGeom>
               <a:avLst/>
@@ -20478,7 +20478,7 @@
           <p:spPr>
             <a:xfrm>
               <a:off x="8680680" y="3780000"/>
-              <a:ext cx="55080" cy="9720"/>
+              <a:ext cx="54720" cy="9360"/>
             </a:xfrm>
             <a:custGeom>
               <a:avLst/>
@@ -20542,7 +20542,7 @@
           <p:spPr>
             <a:xfrm>
               <a:off x="8706600" y="3817800"/>
-              <a:ext cx="49680" cy="5400"/>
+              <a:ext cx="49320" cy="5040"/>
             </a:xfrm>
             <a:custGeom>
               <a:avLst/>
@@ -20611,7 +20611,7 @@
           <p:spPr>
             <a:xfrm>
               <a:off x="8738280" y="3854520"/>
-              <a:ext cx="45360" cy="5040"/>
+              <a:ext cx="45000" cy="4680"/>
             </a:xfrm>
             <a:custGeom>
               <a:avLst/>
@@ -20686,9 +20686,9 @@
         <p:grpSpPr>
           <a:xfrm>
             <a:off x="9179280" y="3509280"/>
-            <a:ext cx="358200" cy="268200"/>
+            <a:ext cx="357840" cy="267840"/>
             <a:chOff x="9179280" y="3509280"/>
-            <a:chExt cx="358200" cy="268200"/>
+            <a:chExt cx="357840" cy="267840"/>
           </a:xfrm>
         </p:grpSpPr>
         <p:sp>
@@ -20700,7 +20700,7 @@
           <p:spPr>
             <a:xfrm>
               <a:off x="9327960" y="3509280"/>
-              <a:ext cx="85680" cy="154800"/>
+              <a:ext cx="85320" cy="154440"/>
             </a:xfrm>
             <a:custGeom>
               <a:avLst/>
@@ -20809,7 +20809,7 @@
           <p:spPr>
             <a:xfrm>
               <a:off x="9179280" y="3509280"/>
-              <a:ext cx="324720" cy="268200"/>
+              <a:ext cx="324360" cy="267840"/>
             </a:xfrm>
             <a:custGeom>
               <a:avLst/>
@@ -20988,7 +20988,7 @@
           <p:spPr>
             <a:xfrm>
               <a:off x="9499680" y="3628080"/>
-              <a:ext cx="37800" cy="25560"/>
+              <a:ext cx="37440" cy="25200"/>
             </a:xfrm>
             <a:custGeom>
               <a:avLst/>
@@ -21077,7 +21077,7 @@
           <p:spPr>
             <a:xfrm>
               <a:off x="9453960" y="3630240"/>
-              <a:ext cx="19080" cy="18360"/>
+              <a:ext cx="18720" cy="18000"/>
             </a:xfrm>
             <a:custGeom>
               <a:avLst/>
@@ -21176,7 +21176,7 @@
           <p:spPr>
             <a:xfrm>
               <a:off x="9203760" y="3551040"/>
-              <a:ext cx="48240" cy="18360"/>
+              <a:ext cx="47880" cy="18000"/>
             </a:xfrm>
             <a:custGeom>
               <a:avLst/>
@@ -21250,7 +21250,7 @@
           <p:spPr>
             <a:xfrm>
               <a:off x="9220680" y="3600000"/>
-              <a:ext cx="55080" cy="9720"/>
+              <a:ext cx="54720" cy="9360"/>
             </a:xfrm>
             <a:custGeom>
               <a:avLst/>
@@ -21314,7 +21314,7 @@
           <p:spPr>
             <a:xfrm>
               <a:off x="9246600" y="3637800"/>
-              <a:ext cx="49680" cy="5400"/>
+              <a:ext cx="49320" cy="5040"/>
             </a:xfrm>
             <a:custGeom>
               <a:avLst/>
@@ -21383,7 +21383,7 @@
           <p:spPr>
             <a:xfrm>
               <a:off x="9278280" y="3674520"/>
-              <a:ext cx="45360" cy="5040"/>
+              <a:ext cx="45000" cy="4680"/>
             </a:xfrm>
             <a:custGeom>
               <a:avLst/>
@@ -21462,7 +21462,7 @@
         <p:spPr>
           <a:xfrm>
             <a:off x="3447000" y="5164560"/>
-            <a:ext cx="3192840" cy="389160"/>
+            <a:ext cx="3192480" cy="388800"/>
           </a:xfrm>
           <a:prstGeom prst="rect">
             <a:avLst/>
@@ -21519,7 +21519,7 @@
         <p:spPr>
           <a:xfrm>
             <a:off x="7226640" y="5164560"/>
-            <a:ext cx="2346480" cy="389160"/>
+            <a:ext cx="2346120" cy="388800"/>
           </a:xfrm>
           <a:prstGeom prst="rect">
             <a:avLst/>
@@ -21551,7 +21551,7 @@
               </a:lnSpc>
               <a:buNone/>
             </a:pPr>
-            <a:fld id="{2BB18491-1D1A-47FE-843D-BD79CE1915CA}" type="slidenum">
+            <a:fld id="{EE2FF7A7-CD4B-4F44-B7E2-4ACDD09D23BB}" type="slidenum">
               <a:rPr b="0" lang="en-US" sz="1400" spc="-1" strike="noStrike">
                 <a:latin typeface="Arial"/>
               </a:rPr>
@@ -21576,7 +21576,7 @@
         <p:spPr>
           <a:xfrm>
             <a:off x="503640" y="5164560"/>
-            <a:ext cx="2346480" cy="389160"/>
+            <a:ext cx="2346120" cy="388800"/>
           </a:xfrm>
           <a:prstGeom prst="rect">
             <a:avLst/>
@@ -21622,8 +21622,8 @@
         </p:nvSpPr>
         <p:spPr>
           <a:xfrm>
-            <a:off x="503640" y="225720"/>
-            <a:ext cx="9071280" cy="946440"/>
+            <a:off x="504000" y="226080"/>
+            <a:ext cx="9072000" cy="946440"/>
           </a:xfrm>
           <a:prstGeom prst="rect">
             <a:avLst/>
@@ -21665,8 +21665,8 @@
         </p:nvSpPr>
         <p:spPr>
           <a:xfrm>
-            <a:off x="503640" y="1326240"/>
-            <a:ext cx="9071280" cy="3288240"/>
+            <a:off x="504000" y="1326600"/>
+            <a:ext cx="9072000" cy="3288600"/>
           </a:xfrm>
           <a:prstGeom prst="rect">
             <a:avLst/>
@@ -21683,7 +21683,7 @@
           <a:p>
             <a:pPr marL="432000" indent="-324000">
               <a:spcBef>
-                <a:spcPts val="1414"/>
+                <a:spcPts val="1417"/>
               </a:spcBef>
               <a:buClr>
                 <a:srgbClr val="000000"/>
@@ -21705,7 +21705,7 @@
           <a:p>
             <a:pPr lvl="1" marL="864000" indent="-324000">
               <a:spcBef>
-                <a:spcPts val="1131"/>
+                <a:spcPts val="1134"/>
               </a:spcBef>
               <a:buClr>
                 <a:srgbClr val="000000"/>
@@ -21727,7 +21727,7 @@
           <a:p>
             <a:pPr lvl="2" marL="1296000" indent="-288000">
               <a:spcBef>
-                <a:spcPts val="848"/>
+                <a:spcPts val="850"/>
               </a:spcBef>
               <a:buClr>
                 <a:srgbClr val="000000"/>
@@ -21749,7 +21749,7 @@
           <a:p>
             <a:pPr lvl="3" marL="1728000" indent="-216000">
               <a:spcBef>
-                <a:spcPts val="564"/>
+                <a:spcPts val="567"/>
               </a:spcBef>
               <a:buClr>
                 <a:srgbClr val="000000"/>
@@ -21771,7 +21771,7 @@
           <a:p>
             <a:pPr lvl="4" marL="2160000" indent="-216000">
               <a:spcBef>
-                <a:spcPts val="281"/>
+                <a:spcPts val="283"/>
               </a:spcBef>
               <a:buClr>
                 <a:srgbClr val="000000"/>
@@ -21793,7 +21793,7 @@
           <a:p>
             <a:pPr lvl="5" marL="2592000" indent="-216000">
               <a:spcBef>
-                <a:spcPts val="281"/>
+                <a:spcPts val="283"/>
               </a:spcBef>
               <a:buClr>
                 <a:srgbClr val="000000"/>
@@ -21815,7 +21815,7 @@
           <a:p>
             <a:pPr lvl="6" marL="3024000" indent="-216000">
               <a:spcBef>
-                <a:spcPts val="281"/>
+                <a:spcPts val="283"/>
               </a:spcBef>
               <a:buClr>
                 <a:srgbClr val="000000"/>
@@ -21882,7 +21882,7 @@
         <p:spPr>
           <a:xfrm>
             <a:off x="360" y="5039280"/>
-            <a:ext cx="10077480" cy="628200"/>
+            <a:ext cx="10077120" cy="627840"/>
           </a:xfrm>
           <a:prstGeom prst="rect">
             <a:avLst/>
@@ -21914,7 +21914,7 @@
         <p:spPr>
           <a:xfrm>
             <a:off x="3447000" y="5164560"/>
-            <a:ext cx="3192840" cy="389160"/>
+            <a:ext cx="3192480" cy="388800"/>
           </a:xfrm>
           <a:prstGeom prst="rect">
             <a:avLst/>
@@ -21971,7 +21971,7 @@
         <p:spPr>
           <a:xfrm>
             <a:off x="7226640" y="5164560"/>
-            <a:ext cx="2346480" cy="389160"/>
+            <a:ext cx="2346120" cy="388800"/>
           </a:xfrm>
           <a:prstGeom prst="rect">
             <a:avLst/>
@@ -22003,7 +22003,7 @@
               </a:lnSpc>
               <a:buNone/>
             </a:pPr>
-            <a:fld id="{9635DDC0-2D99-4FA1-BB9F-9E1C9D916BA6}" type="slidenum">
+            <a:fld id="{C68BB222-7126-4263-969E-5C6D7C020F34}" type="slidenum">
               <a:rPr b="0" lang="en-US" sz="1400" spc="-1" strike="noStrike">
                 <a:latin typeface="Arial"/>
               </a:rPr>
@@ -22028,7 +22028,7 @@
         <p:spPr>
           <a:xfrm>
             <a:off x="503640" y="5164560"/>
-            <a:ext cx="2346480" cy="389160"/>
+            <a:ext cx="2346120" cy="388800"/>
           </a:xfrm>
           <a:prstGeom prst="rect">
             <a:avLst/>
@@ -22074,8 +22074,8 @@
         </p:nvSpPr>
         <p:spPr>
           <a:xfrm>
-            <a:off x="503640" y="225720"/>
-            <a:ext cx="9071280" cy="946440"/>
+            <a:off x="504000" y="226080"/>
+            <a:ext cx="9072000" cy="946440"/>
           </a:xfrm>
           <a:prstGeom prst="rect">
             <a:avLst/>
@@ -22117,8 +22117,8 @@
         </p:nvSpPr>
         <p:spPr>
           <a:xfrm>
-            <a:off x="503640" y="1326240"/>
-            <a:ext cx="9071280" cy="3288240"/>
+            <a:off x="504000" y="1326600"/>
+            <a:ext cx="9072000" cy="3288600"/>
           </a:xfrm>
           <a:prstGeom prst="rect">
             <a:avLst/>
@@ -22135,7 +22135,7 @@
           <a:p>
             <a:pPr marL="432000" indent="-324000">
               <a:spcBef>
-                <a:spcPts val="1414"/>
+                <a:spcPts val="1417"/>
               </a:spcBef>
               <a:buClr>
                 <a:srgbClr val="000000"/>
@@ -22157,7 +22157,7 @@
           <a:p>
             <a:pPr lvl="1" marL="864000" indent="-324000">
               <a:spcBef>
-                <a:spcPts val="1131"/>
+                <a:spcPts val="1134"/>
               </a:spcBef>
               <a:buClr>
                 <a:srgbClr val="000000"/>
@@ -22179,7 +22179,7 @@
           <a:p>
             <a:pPr lvl="2" marL="1296000" indent="-288000">
               <a:spcBef>
-                <a:spcPts val="848"/>
+                <a:spcPts val="850"/>
               </a:spcBef>
               <a:buClr>
                 <a:srgbClr val="000000"/>
@@ -22201,7 +22201,7 @@
           <a:p>
             <a:pPr lvl="3" marL="1728000" indent="-216000">
               <a:spcBef>
-                <a:spcPts val="564"/>
+                <a:spcPts val="567"/>
               </a:spcBef>
               <a:buClr>
                 <a:srgbClr val="000000"/>
@@ -22223,7 +22223,7 @@
           <a:p>
             <a:pPr lvl="4" marL="2160000" indent="-216000">
               <a:spcBef>
-                <a:spcPts val="281"/>
+                <a:spcPts val="283"/>
               </a:spcBef>
               <a:buClr>
                 <a:srgbClr val="000000"/>
@@ -22245,7 +22245,7 @@
           <a:p>
             <a:pPr lvl="5" marL="2592000" indent="-216000">
               <a:spcBef>
-                <a:spcPts val="281"/>
+                <a:spcPts val="283"/>
               </a:spcBef>
               <a:buClr>
                 <a:srgbClr val="000000"/>
@@ -22267,7 +22267,7 @@
           <a:p>
             <a:pPr lvl="6" marL="3024000" indent="-216000">
               <a:spcBef>
-                <a:spcPts val="281"/>
+                <a:spcPts val="283"/>
               </a:spcBef>
               <a:buClr>
                 <a:srgbClr val="000000"/>
@@ -22334,7 +22334,7 @@
         <p:spPr>
           <a:xfrm>
             <a:off x="360" y="5039280"/>
-            <a:ext cx="10077480" cy="628200"/>
+            <a:ext cx="10077120" cy="627840"/>
           </a:xfrm>
           <a:prstGeom prst="rect">
             <a:avLst/>
@@ -22366,7 +22366,7 @@
         <p:spPr>
           <a:xfrm>
             <a:off x="3447000" y="5164560"/>
-            <a:ext cx="3192840" cy="389160"/>
+            <a:ext cx="3192480" cy="388800"/>
           </a:xfrm>
           <a:prstGeom prst="rect">
             <a:avLst/>
@@ -22423,7 +22423,7 @@
         <p:spPr>
           <a:xfrm>
             <a:off x="7226640" y="5164560"/>
-            <a:ext cx="2346480" cy="389160"/>
+            <a:ext cx="2346120" cy="388800"/>
           </a:xfrm>
           <a:prstGeom prst="rect">
             <a:avLst/>
@@ -22455,7 +22455,7 @@
               </a:lnSpc>
               <a:buNone/>
             </a:pPr>
-            <a:fld id="{65E3D5FE-DB60-4876-BB66-CEE2EDD2BD96}" type="slidenum">
+            <a:fld id="{191A3DFF-C635-43AE-8913-2449FEEBE7E9}" type="slidenum">
               <a:rPr b="0" lang="en-US" sz="1400" spc="-1" strike="noStrike">
                 <a:latin typeface="Arial"/>
               </a:rPr>
@@ -22480,7 +22480,7 @@
         <p:spPr>
           <a:xfrm>
             <a:off x="503640" y="5164560"/>
-            <a:ext cx="2346480" cy="389160"/>
+            <a:ext cx="2346120" cy="388800"/>
           </a:xfrm>
           <a:prstGeom prst="rect">
             <a:avLst/>
@@ -22526,8 +22526,8 @@
         </p:nvSpPr>
         <p:spPr>
           <a:xfrm>
-            <a:off x="503640" y="225720"/>
-            <a:ext cx="9071280" cy="946440"/>
+            <a:off x="504000" y="226080"/>
+            <a:ext cx="9072000" cy="946440"/>
           </a:xfrm>
           <a:prstGeom prst="rect">
             <a:avLst/>
@@ -22569,8 +22569,8 @@
         </p:nvSpPr>
         <p:spPr>
           <a:xfrm>
-            <a:off x="503640" y="1326240"/>
-            <a:ext cx="9071280" cy="3288240"/>
+            <a:off x="504000" y="1326600"/>
+            <a:ext cx="9072000" cy="3288600"/>
           </a:xfrm>
           <a:prstGeom prst="rect">
             <a:avLst/>
@@ -22587,7 +22587,7 @@
           <a:p>
             <a:pPr marL="432000" indent="-324000">
               <a:spcBef>
-                <a:spcPts val="1414"/>
+                <a:spcPts val="1417"/>
               </a:spcBef>
               <a:buClr>
                 <a:srgbClr val="000000"/>
@@ -22609,7 +22609,7 @@
           <a:p>
             <a:pPr lvl="1" marL="864000" indent="-324000">
               <a:spcBef>
-                <a:spcPts val="1131"/>
+                <a:spcPts val="1134"/>
               </a:spcBef>
               <a:buClr>
                 <a:srgbClr val="000000"/>
@@ -22631,7 +22631,7 @@
           <a:p>
             <a:pPr lvl="2" marL="1296000" indent="-288000">
               <a:spcBef>
-                <a:spcPts val="848"/>
+                <a:spcPts val="850"/>
               </a:spcBef>
               <a:buClr>
                 <a:srgbClr val="000000"/>
@@ -22653,7 +22653,7 @@
           <a:p>
             <a:pPr lvl="3" marL="1728000" indent="-216000">
               <a:spcBef>
-                <a:spcPts val="564"/>
+                <a:spcPts val="567"/>
               </a:spcBef>
               <a:buClr>
                 <a:srgbClr val="000000"/>
@@ -22675,7 +22675,7 @@
           <a:p>
             <a:pPr lvl="4" marL="2160000" indent="-216000">
               <a:spcBef>
-                <a:spcPts val="281"/>
+                <a:spcPts val="283"/>
               </a:spcBef>
               <a:buClr>
                 <a:srgbClr val="000000"/>
@@ -22697,7 +22697,7 @@
           <a:p>
             <a:pPr lvl="5" marL="2592000" indent="-216000">
               <a:spcBef>
-                <a:spcPts val="281"/>
+                <a:spcPts val="283"/>
               </a:spcBef>
               <a:buClr>
                 <a:srgbClr val="000000"/>
@@ -22719,7 +22719,7 @@
           <a:p>
             <a:pPr lvl="6" marL="3024000" indent="-216000">
               <a:spcBef>
-                <a:spcPts val="281"/>
+                <a:spcPts val="283"/>
               </a:spcBef>
               <a:buClr>
                 <a:srgbClr val="000000"/>
@@ -22786,7 +22786,7 @@
         <p:spPr>
           <a:xfrm>
             <a:off x="360" y="5039280"/>
-            <a:ext cx="10077480" cy="628200"/>
+            <a:ext cx="10077120" cy="627840"/>
           </a:xfrm>
           <a:prstGeom prst="rect">
             <a:avLst/>
@@ -22818,7 +22818,7 @@
         <p:spPr>
           <a:xfrm>
             <a:off x="3447000" y="5164560"/>
-            <a:ext cx="3192840" cy="389160"/>
+            <a:ext cx="3192480" cy="388800"/>
           </a:xfrm>
           <a:prstGeom prst="rect">
             <a:avLst/>
@@ -22875,7 +22875,7 @@
         <p:spPr>
           <a:xfrm>
             <a:off x="7226640" y="5164560"/>
-            <a:ext cx="2346480" cy="389160"/>
+            <a:ext cx="2346120" cy="388800"/>
           </a:xfrm>
           <a:prstGeom prst="rect">
             <a:avLst/>
@@ -22907,7 +22907,7 @@
               </a:lnSpc>
               <a:buNone/>
             </a:pPr>
-            <a:fld id="{1E21D780-A60A-4CB8-8421-B640564213FC}" type="slidenum">
+            <a:fld id="{12DE5BBA-1629-44E4-9887-63A62C18E0DE}" type="slidenum">
               <a:rPr b="0" lang="en-US" sz="1400" spc="-1" strike="noStrike">
                 <a:latin typeface="Arial"/>
               </a:rPr>
@@ -22932,7 +22932,7 @@
         <p:spPr>
           <a:xfrm>
             <a:off x="503640" y="5164560"/>
-            <a:ext cx="2346480" cy="389160"/>
+            <a:ext cx="2346120" cy="388800"/>
           </a:xfrm>
           <a:prstGeom prst="rect">
             <a:avLst/>
@@ -22978,8 +22978,8 @@
         </p:nvSpPr>
         <p:spPr>
           <a:xfrm>
-            <a:off x="503640" y="225720"/>
-            <a:ext cx="9071280" cy="946440"/>
+            <a:off x="504000" y="226080"/>
+            <a:ext cx="9072000" cy="946440"/>
           </a:xfrm>
           <a:prstGeom prst="rect">
             <a:avLst/>
@@ -23021,8 +23021,8 @@
         </p:nvSpPr>
         <p:spPr>
           <a:xfrm>
-            <a:off x="503640" y="1326240"/>
-            <a:ext cx="9071280" cy="3288240"/>
+            <a:off x="504000" y="1326600"/>
+            <a:ext cx="9072000" cy="3288600"/>
           </a:xfrm>
           <a:prstGeom prst="rect">
             <a:avLst/>
@@ -23039,7 +23039,7 @@
           <a:p>
             <a:pPr marL="432000" indent="-324000">
               <a:spcBef>
-                <a:spcPts val="1414"/>
+                <a:spcPts val="1417"/>
               </a:spcBef>
               <a:buClr>
                 <a:srgbClr val="000000"/>
@@ -23061,7 +23061,7 @@
           <a:p>
             <a:pPr lvl="1" marL="864000" indent="-324000">
               <a:spcBef>
-                <a:spcPts val="1131"/>
+                <a:spcPts val="1134"/>
               </a:spcBef>
               <a:buClr>
                 <a:srgbClr val="000000"/>
@@ -23083,7 +23083,7 @@
           <a:p>
             <a:pPr lvl="2" marL="1296000" indent="-288000">
               <a:spcBef>
-                <a:spcPts val="848"/>
+                <a:spcPts val="850"/>
               </a:spcBef>
               <a:buClr>
                 <a:srgbClr val="000000"/>
@@ -23105,7 +23105,7 @@
           <a:p>
             <a:pPr lvl="3" marL="1728000" indent="-216000">
               <a:spcBef>
-                <a:spcPts val="564"/>
+                <a:spcPts val="567"/>
               </a:spcBef>
               <a:buClr>
                 <a:srgbClr val="000000"/>
@@ -23127,7 +23127,7 @@
           <a:p>
             <a:pPr lvl="4" marL="2160000" indent="-216000">
               <a:spcBef>
-                <a:spcPts val="281"/>
+                <a:spcPts val="283"/>
               </a:spcBef>
               <a:buClr>
                 <a:srgbClr val="000000"/>
@@ -23149,7 +23149,7 @@
           <a:p>
             <a:pPr lvl="5" marL="2592000" indent="-216000">
               <a:spcBef>
-                <a:spcPts val="281"/>
+                <a:spcPts val="283"/>
               </a:spcBef>
               <a:buClr>
                 <a:srgbClr val="000000"/>
@@ -23171,7 +23171,7 @@
           <a:p>
             <a:pPr lvl="6" marL="3024000" indent="-216000">
               <a:spcBef>
-                <a:spcPts val="281"/>
+                <a:spcPts val="283"/>
               </a:spcBef>
               <a:buClr>
                 <a:srgbClr val="000000"/>
@@ -23238,7 +23238,7 @@
         <p:spPr>
           <a:xfrm>
             <a:off x="360" y="5039280"/>
-            <a:ext cx="10077480" cy="628200"/>
+            <a:ext cx="10077120" cy="627840"/>
           </a:xfrm>
           <a:prstGeom prst="rect">
             <a:avLst/>
@@ -23270,7 +23270,7 @@
         <p:spPr>
           <a:xfrm>
             <a:off x="3447000" y="5164560"/>
-            <a:ext cx="3192840" cy="389160"/>
+            <a:ext cx="3192480" cy="388800"/>
           </a:xfrm>
           <a:prstGeom prst="rect">
             <a:avLst/>
@@ -23327,7 +23327,7 @@
         <p:spPr>
           <a:xfrm>
             <a:off x="7226640" y="5164560"/>
-            <a:ext cx="2346480" cy="389160"/>
+            <a:ext cx="2346120" cy="388800"/>
           </a:xfrm>
           <a:prstGeom prst="rect">
             <a:avLst/>
@@ -23359,7 +23359,7 @@
               </a:lnSpc>
               <a:buNone/>
             </a:pPr>
-            <a:fld id="{E799F12E-4C8E-4BB2-A7A0-797B2BBAF402}" type="slidenum">
+            <a:fld id="{C07D45E4-3DBA-4498-80FC-189AAEA6FB70}" type="slidenum">
               <a:rPr b="0" lang="en-US" sz="1400" spc="-1" strike="noStrike">
                 <a:latin typeface="Arial"/>
               </a:rPr>
@@ -23384,7 +23384,7 @@
         <p:spPr>
           <a:xfrm>
             <a:off x="503640" y="5164560"/>
-            <a:ext cx="2346480" cy="389160"/>
+            <a:ext cx="2346120" cy="388800"/>
           </a:xfrm>
           <a:prstGeom prst="rect">
             <a:avLst/>
@@ -23430,8 +23430,8 @@
         </p:nvSpPr>
         <p:spPr>
           <a:xfrm>
-            <a:off x="503640" y="225720"/>
-            <a:ext cx="9071280" cy="946440"/>
+            <a:off x="504000" y="226080"/>
+            <a:ext cx="9072000" cy="946440"/>
           </a:xfrm>
           <a:prstGeom prst="rect">
             <a:avLst/>
@@ -23473,8 +23473,8 @@
         </p:nvSpPr>
         <p:spPr>
           <a:xfrm>
-            <a:off x="503640" y="1326240"/>
-            <a:ext cx="9071280" cy="3288240"/>
+            <a:off x="504000" y="1326600"/>
+            <a:ext cx="9072000" cy="3288600"/>
           </a:xfrm>
           <a:prstGeom prst="rect">
             <a:avLst/>
@@ -23491,7 +23491,7 @@
           <a:p>
             <a:pPr marL="432000" indent="-324000">
               <a:spcBef>
-                <a:spcPts val="1414"/>
+                <a:spcPts val="1417"/>
               </a:spcBef>
               <a:buClr>
                 <a:srgbClr val="000000"/>
@@ -23513,7 +23513,7 @@
           <a:p>
             <a:pPr lvl="1" marL="864000" indent="-324000">
               <a:spcBef>
-                <a:spcPts val="1131"/>
+                <a:spcPts val="1134"/>
               </a:spcBef>
               <a:buClr>
                 <a:srgbClr val="000000"/>
@@ -23535,7 +23535,7 @@
           <a:p>
             <a:pPr lvl="2" marL="1296000" indent="-288000">
               <a:spcBef>
-                <a:spcPts val="848"/>
+                <a:spcPts val="850"/>
               </a:spcBef>
               <a:buClr>
                 <a:srgbClr val="000000"/>
@@ -23557,7 +23557,7 @@
           <a:p>
             <a:pPr lvl="3" marL="1728000" indent="-216000">
               <a:spcBef>
-                <a:spcPts val="564"/>
+                <a:spcPts val="567"/>
               </a:spcBef>
               <a:buClr>
                 <a:srgbClr val="000000"/>
@@ -23579,7 +23579,7 @@
           <a:p>
             <a:pPr lvl="4" marL="2160000" indent="-216000">
               <a:spcBef>
-                <a:spcPts val="281"/>
+                <a:spcPts val="283"/>
               </a:spcBef>
               <a:buClr>
                 <a:srgbClr val="000000"/>
@@ -23601,7 +23601,7 @@
           <a:p>
             <a:pPr lvl="5" marL="2592000" indent="-216000">
               <a:spcBef>
-                <a:spcPts val="281"/>
+                <a:spcPts val="283"/>
               </a:spcBef>
               <a:buClr>
                 <a:srgbClr val="000000"/>
@@ -23623,7 +23623,7 @@
           <a:p>
             <a:pPr lvl="6" marL="3024000" indent="-216000">
               <a:spcBef>
-                <a:spcPts val="281"/>
+                <a:spcPts val="283"/>
               </a:spcBef>
               <a:buClr>
                 <a:srgbClr val="000000"/>
@@ -23694,7 +23694,7 @@
         <p:spPr>
           <a:xfrm>
             <a:off x="539640" y="179640"/>
-            <a:ext cx="8997480" cy="898200"/>
+            <a:ext cx="8997120" cy="897840"/>
           </a:xfrm>
           <a:prstGeom prst="rect">
             <a:avLst/>
@@ -23740,7 +23740,7 @@
         <p:spPr>
           <a:xfrm>
             <a:off x="539640" y="1259640"/>
-            <a:ext cx="8997480" cy="3417840"/>
+            <a:ext cx="8997120" cy="3417480"/>
           </a:xfrm>
           <a:prstGeom prst="rect">
             <a:avLst/>
@@ -23873,7 +23873,7 @@
         <p:spPr>
           <a:xfrm>
             <a:off x="179640" y="-180720"/>
-            <a:ext cx="9898560" cy="1620000"/>
+            <a:ext cx="9898200" cy="1619640"/>
           </a:xfrm>
           <a:prstGeom prst="rect">
             <a:avLst/>
@@ -23929,7 +23929,7 @@
         </p:nvGraphicFramePr>
         <p:xfrm>
           <a:off x="1707480" y="1689840"/>
-          <a:ext cx="4771800" cy="2179440"/>
+          <a:ext cx="4771440" cy="2179800"/>
         </p:xfrm>
         <a:graphic>
           <a:graphicData uri="http://schemas.openxmlformats.org/drawingml/2006/table">
@@ -24073,6 +24073,12 @@
                       <a:noAutofit/>
                     </a:bodyPr>
                     <a:p>
+                      <a:pPr>
+                        <a:lnSpc>
+                          <a:spcPct val="100000"/>
+                        </a:lnSpc>
+                        <a:buNone/>
+                      </a:pPr>
                       <a:r>
                         <a:rPr b="0" lang="en-US" sz="1800" spc="-1" strike="noStrike">
                           <a:latin typeface="Arial"/>
@@ -24167,6 +24173,12 @@
                       <a:noAutofit/>
                     </a:bodyPr>
                     <a:p>
+                      <a:pPr>
+                        <a:lnSpc>
+                          <a:spcPct val="100000"/>
+                        </a:lnSpc>
+                        <a:buNone/>
+                      </a:pPr>
                       <a:r>
                         <a:rPr b="0" lang="en-US" sz="1800" spc="-1" strike="noStrike">
                           <a:latin typeface="Arial"/>
@@ -24252,7 +24264,7 @@
         <p:spPr>
           <a:xfrm>
             <a:off x="179640" y="-180720"/>
-            <a:ext cx="9898560" cy="1620000"/>
+            <a:ext cx="9898200" cy="1619640"/>
           </a:xfrm>
           <a:prstGeom prst="rect">
             <a:avLst/>
@@ -24304,7 +24316,7 @@
         <p:spPr>
           <a:xfrm>
             <a:off x="179640" y="1079640"/>
-            <a:ext cx="7559280" cy="3778920"/>
+            <a:ext cx="7558920" cy="3778560"/>
           </a:xfrm>
           <a:prstGeom prst="rect">
             <a:avLst/>
@@ -24323,7 +24335,7 @@
         <p:spPr>
           <a:xfrm>
             <a:off x="7559280" y="1799640"/>
-            <a:ext cx="2159280" cy="1774800"/>
+            <a:ext cx="2158920" cy="1774440"/>
           </a:xfrm>
           <a:prstGeom prst="rect">
             <a:avLst/>
@@ -24470,7 +24482,7 @@
         <p:spPr>
           <a:xfrm>
             <a:off x="179640" y="-180720"/>
-            <a:ext cx="9898560" cy="1620000"/>
+            <a:ext cx="9898200" cy="1619640"/>
           </a:xfrm>
           <a:prstGeom prst="rect">
             <a:avLst/>
@@ -24512,7 +24524,7 @@
         <p:spPr>
           <a:xfrm>
             <a:off x="7739280" y="1799640"/>
-            <a:ext cx="2159280" cy="1774800"/>
+            <a:ext cx="2158920" cy="1774440"/>
           </a:xfrm>
           <a:prstGeom prst="rect">
             <a:avLst/>
@@ -24629,7 +24641,7 @@
         <p:spPr>
           <a:xfrm>
             <a:off x="244800" y="1259640"/>
-            <a:ext cx="7314480" cy="3656880"/>
+            <a:ext cx="7314120" cy="3656520"/>
           </a:xfrm>
           <a:prstGeom prst="rect">
             <a:avLst/>
@@ -24682,7 +24694,7 @@
         <p:spPr>
           <a:xfrm>
             <a:off x="0" y="-180720"/>
-            <a:ext cx="10078560" cy="1620000"/>
+            <a:ext cx="10078200" cy="1619640"/>
           </a:xfrm>
           <a:prstGeom prst="rect">
             <a:avLst/>
@@ -24738,7 +24750,7 @@
         </p:nvGraphicFramePr>
         <p:xfrm>
           <a:off x="1760400" y="1826280"/>
-          <a:ext cx="5049000" cy="2158920"/>
+          <a:ext cx="5048640" cy="2159280"/>
         </p:xfrm>
         <a:graphic>
           <a:graphicData uri="http://schemas.openxmlformats.org/drawingml/2006/table">
@@ -24882,6 +24894,12 @@
                       <a:noAutofit/>
                     </a:bodyPr>
                     <a:p>
+                      <a:pPr>
+                        <a:lnSpc>
+                          <a:spcPct val="100000"/>
+                        </a:lnSpc>
+                        <a:buNone/>
+                      </a:pPr>
                       <a:r>
                         <a:rPr b="0" lang="en-US" sz="1800" spc="-1" strike="noStrike">
                           <a:latin typeface="Arial"/>
@@ -24976,6 +24994,12 @@
                       <a:noAutofit/>
                     </a:bodyPr>
                     <a:p>
+                      <a:pPr>
+                        <a:lnSpc>
+                          <a:spcPct val="100000"/>
+                        </a:lnSpc>
+                        <a:buNone/>
+                      </a:pPr>
                       <a:r>
                         <a:rPr b="0" lang="en-US" sz="1800" spc="-1" strike="noStrike">
                           <a:latin typeface="Arial"/>
@@ -25061,7 +25085,7 @@
         <p:spPr>
           <a:xfrm>
             <a:off x="179640" y="-180720"/>
-            <a:ext cx="9898560" cy="1620000"/>
+            <a:ext cx="9898200" cy="1619640"/>
           </a:xfrm>
           <a:prstGeom prst="rect">
             <a:avLst/>
@@ -25115,7 +25139,7 @@
         <p:spPr>
           <a:xfrm>
             <a:off x="1079640" y="1619640"/>
-            <a:ext cx="6839280" cy="420840"/>
+            <a:ext cx="6838920" cy="420480"/>
           </a:xfrm>
           <a:prstGeom prst="rect">
             <a:avLst/>
@@ -25144,7 +25168,11 @@
             </a:pPr>
             <a:r>
               <a:rPr b="0" lang="ja-JP" sz="1800" spc="-1" strike="noStrike">
+                <a:solidFill>
+                  <a:srgbClr val="000000"/>
+                </a:solidFill>
                 <a:latin typeface="Arial"/>
+                <a:ea typeface="DejaVu Sans"/>
               </a:rPr>
               <a:t>前回は安値で解析したので、終値、始値、高値、安値を使う</a:t>
             </a:r>
@@ -25165,7 +25193,7 @@
             <p:spPr>
               <a:xfrm>
                 <a:off x="1213560" y="2519640"/>
-                <a:ext cx="7065360" cy="1009440"/>
+                <a:ext cx="7065000" cy="1009080"/>
               </a:xfrm>
               <a:prstGeom prst="rect">
                 <a:avLst/>
@@ -25314,7 +25342,7 @@
         <p:spPr>
           <a:xfrm>
             <a:off x="179640" y="-180720"/>
-            <a:ext cx="9898560" cy="1620000"/>
+            <a:ext cx="9898200" cy="1619640"/>
           </a:xfrm>
           <a:prstGeom prst="rect">
             <a:avLst/>
@@ -25357,7 +25385,7 @@
         <p:spPr>
           <a:xfrm>
             <a:off x="7739280" y="1799640"/>
-            <a:ext cx="2159280" cy="1774800"/>
+            <a:ext cx="2158920" cy="1774440"/>
           </a:xfrm>
           <a:prstGeom prst="rect">
             <a:avLst/>
@@ -25474,7 +25502,7 @@
         <p:spPr>
           <a:xfrm>
             <a:off x="424800" y="1022400"/>
-            <a:ext cx="7314480" cy="3656880"/>
+            <a:ext cx="7314120" cy="3656520"/>
           </a:xfrm>
           <a:prstGeom prst="rect">
             <a:avLst/>
@@ -25527,7 +25555,7 @@
         <p:spPr>
           <a:xfrm>
             <a:off x="179640" y="-180720"/>
-            <a:ext cx="9898560" cy="1620000"/>
+            <a:ext cx="9898200" cy="1619640"/>
           </a:xfrm>
           <a:prstGeom prst="rect">
             <a:avLst/>
@@ -25569,7 +25597,7 @@
         </p:nvGraphicFramePr>
         <p:xfrm>
           <a:off x="583920" y="1796400"/>
-          <a:ext cx="8775000" cy="2640600"/>
+          <a:ext cx="8774640" cy="2640240"/>
         </p:xfrm>
         <a:graphic>
           <a:graphicData uri="http://schemas.openxmlformats.org/drawingml/2006/table">
@@ -25587,6 +25615,12 @@
                       <a:noAutofit/>
                     </a:bodyPr>
                     <a:p>
+                      <a:pPr>
+                        <a:lnSpc>
+                          <a:spcPct val="100000"/>
+                        </a:lnSpc>
+                        <a:buNone/>
+                      </a:pPr>
                       <a:r>
                         <a:rPr b="0" lang="en-US" sz="2400" spc="-1" strike="noStrike">
                           <a:latin typeface="Noto Serif CJK JP"/>
@@ -25594,7 +25628,7 @@
                         <a:t>WAPE</a:t>
                       </a:r>
                       <a:endParaRPr b="0" lang="en-US" sz="2400" spc="-1" strike="noStrike">
-                        <a:latin typeface="Noto Serif CJK JP"/>
+                        <a:latin typeface="Arial"/>
                       </a:endParaRPr>
                     </a:p>
                   </a:txBody>
@@ -25643,7 +25677,7 @@
                         <a:t>安値</a:t>
                       </a:r>
                       <a:endParaRPr b="0" lang="en-US" sz="1800" spc="-1" strike="noStrike">
-                        <a:latin typeface="Noto Serif CJK JP"/>
+                        <a:latin typeface="Arial"/>
                       </a:endParaRPr>
                     </a:p>
                   </a:txBody>
@@ -25679,6 +25713,12 @@
                       <a:noAutofit/>
                     </a:bodyPr>
                     <a:p>
+                      <a:pPr>
+                        <a:lnSpc>
+                          <a:spcPct val="100000"/>
+                        </a:lnSpc>
+                        <a:buNone/>
+                      </a:pPr>
                       <a:r>
                         <a:rPr b="0" lang="ja-JP" sz="2400" spc="-1" strike="noStrike">
                           <a:latin typeface="Noto Serif CJK JP"/>
@@ -25686,7 +25726,7 @@
                         <a:t>重心</a:t>
                       </a:r>
                       <a:endParaRPr b="0" lang="en-US" sz="2400" spc="-1" strike="noStrike">
-                        <a:latin typeface="Noto Serif CJK JP"/>
+                        <a:latin typeface="Arial"/>
                       </a:endParaRPr>
                     </a:p>
                   </a:txBody>
@@ -25737,7 +25777,7 @@
                         <a:t>季節性なし</a:t>
                       </a:r>
                       <a:endParaRPr b="0" lang="en-US" sz="1800" spc="-1" strike="noStrike">
-                        <a:latin typeface="Noto Serif CJK JP"/>
+                        <a:latin typeface="Arial"/>
                       </a:endParaRPr>
                     </a:p>
                   </a:txBody>
@@ -25773,6 +25813,12 @@
                       <a:noAutofit/>
                     </a:bodyPr>
                     <a:p>
+                      <a:pPr>
+                        <a:lnSpc>
+                          <a:spcPct val="100000"/>
+                        </a:lnSpc>
+                        <a:buNone/>
+                      </a:pPr>
                       <a:r>
                         <a:rPr b="0" lang="en-US" sz="2400" spc="-1" strike="noStrike">
                           <a:latin typeface="Noto Serif CJK JP"/>
@@ -25780,7 +25826,7 @@
                         <a:t>5.222066297396344</a:t>
                       </a:r>
                       <a:endParaRPr b="0" lang="en-US" sz="2400" spc="-1" strike="noStrike">
-                        <a:latin typeface="Noto Serif CJK JP"/>
+                        <a:latin typeface="Arial"/>
                       </a:endParaRPr>
                     </a:p>
                   </a:txBody>
@@ -25816,6 +25862,12 @@
                       <a:noAutofit/>
                     </a:bodyPr>
                     <a:p>
+                      <a:pPr>
+                        <a:lnSpc>
+                          <a:spcPct val="100000"/>
+                        </a:lnSpc>
+                        <a:buNone/>
+                      </a:pPr>
                       <a:r>
                         <a:rPr b="0" lang="en-US" sz="2400" spc="-1" strike="noStrike">
                           <a:latin typeface="Noto Serif CJK JP"/>
@@ -25823,7 +25875,7 @@
                         <a:t>5.114170584796537</a:t>
                       </a:r>
                       <a:endParaRPr b="0" lang="en-US" sz="2400" spc="-1" strike="noStrike">
-                        <a:latin typeface="Noto Serif CJK JP"/>
+                        <a:latin typeface="Arial"/>
                       </a:endParaRPr>
                     </a:p>
                   </a:txBody>
@@ -25874,7 +25926,7 @@
                         <a:t>季節性あり</a:t>
                       </a:r>
                       <a:endParaRPr b="0" lang="en-US" sz="1800" spc="-1" strike="noStrike">
-                        <a:latin typeface="Noto Serif CJK JP"/>
+                        <a:latin typeface="Arial"/>
                       </a:endParaRPr>
                     </a:p>
                   </a:txBody>
@@ -25910,6 +25962,12 @@
                       <a:noAutofit/>
                     </a:bodyPr>
                     <a:p>
+                      <a:pPr>
+                        <a:lnSpc>
+                          <a:spcPct val="100000"/>
+                        </a:lnSpc>
+                        <a:buNone/>
+                      </a:pPr>
                       <a:r>
                         <a:rPr b="0" lang="en-US" sz="2400" spc="-1" strike="noStrike">
                           <a:latin typeface="Noto Serif CJK JP"/>
@@ -25917,7 +25975,7 @@
                         <a:t>5.839752802689244</a:t>
                       </a:r>
                       <a:endParaRPr b="0" lang="en-US" sz="2400" spc="-1" strike="noStrike">
-                        <a:latin typeface="Noto Serif CJK JP"/>
+                        <a:latin typeface="Arial"/>
                       </a:endParaRPr>
                     </a:p>
                   </a:txBody>
@@ -25953,6 +26011,12 @@
                       <a:noAutofit/>
                     </a:bodyPr>
                     <a:p>
+                      <a:pPr>
+                        <a:lnSpc>
+                          <a:spcPct val="100000"/>
+                        </a:lnSpc>
+                        <a:buNone/>
+                      </a:pPr>
                       <a:r>
                         <a:rPr b="0" lang="en-US" sz="2400" spc="-1" strike="noStrike">
                           <a:latin typeface="Noto Serif CJK JP"/>
@@ -25960,7 +26024,7 @@
                         <a:t>5.701498346466589</a:t>
                       </a:r>
                       <a:endParaRPr b="0" lang="en-US" sz="2400" spc="-1" strike="noStrike">
-                        <a:latin typeface="Noto Serif CJK JP"/>
+                        <a:latin typeface="Arial"/>
                       </a:endParaRPr>
                     </a:p>
                   </a:txBody>
@@ -26038,7 +26102,7 @@
         <p:spPr>
           <a:xfrm>
             <a:off x="539640" y="179640"/>
-            <a:ext cx="8997480" cy="898200"/>
+            <a:ext cx="8997120" cy="897840"/>
           </a:xfrm>
           <a:prstGeom prst="rect">
             <a:avLst/>
@@ -26084,7 +26148,7 @@
         <p:spPr>
           <a:xfrm>
             <a:off x="1979640" y="1259640"/>
-            <a:ext cx="4497840" cy="2878920"/>
+            <a:ext cx="4497480" cy="2878560"/>
           </a:xfrm>
           <a:prstGeom prst="rect">
             <a:avLst/>
@@ -26280,7 +26344,7 @@
         <p:spPr>
           <a:xfrm>
             <a:off x="539640" y="179640"/>
-            <a:ext cx="8997480" cy="898200"/>
+            <a:ext cx="8997120" cy="897840"/>
           </a:xfrm>
           <a:prstGeom prst="rect">
             <a:avLst/>
@@ -26322,7 +26386,7 @@
         <p:spPr>
           <a:xfrm>
             <a:off x="2159640" y="1259640"/>
-            <a:ext cx="5398920" cy="2518920"/>
+            <a:ext cx="5398560" cy="2518560"/>
           </a:xfrm>
           <a:prstGeom prst="rect">
             <a:avLst/>
@@ -26543,7 +26607,7 @@
         <p:spPr>
           <a:xfrm>
             <a:off x="539640" y="179640"/>
-            <a:ext cx="8997480" cy="898200"/>
+            <a:ext cx="8997120" cy="897840"/>
           </a:xfrm>
           <a:prstGeom prst="rect">
             <a:avLst/>
@@ -26589,7 +26653,7 @@
         <p:spPr>
           <a:xfrm>
             <a:off x="1260000" y="1979640"/>
-            <a:ext cx="7738560" cy="1437840"/>
+            <a:ext cx="7738200" cy="1437480"/>
           </a:xfrm>
           <a:prstGeom prst="rect">
             <a:avLst/>
@@ -26707,7 +26771,7 @@
         <p:spPr>
           <a:xfrm>
             <a:off x="539640" y="179640"/>
-            <a:ext cx="8997480" cy="898200"/>
+            <a:ext cx="8997120" cy="897840"/>
           </a:xfrm>
           <a:prstGeom prst="rect">
             <a:avLst/>
@@ -26775,7 +26839,7 @@
         <p:spPr>
           <a:xfrm>
             <a:off x="1079640" y="1034640"/>
-            <a:ext cx="6119640" cy="3824640"/>
+            <a:ext cx="6119280" cy="3824280"/>
           </a:xfrm>
           <a:prstGeom prst="rect">
             <a:avLst/>
@@ -26788,27 +26852,39 @@
       <p:sp>
         <p:nvSpPr>
           <p:cNvPr id="373" name=""/>
-          <p:cNvSpPr txBox="1"/>
+          <p:cNvSpPr/>
           <p:nvPr/>
         </p:nvSpPr>
         <p:spPr>
           <a:xfrm>
             <a:off x="7379280" y="1979640"/>
-            <a:ext cx="2160000" cy="1744200"/>
-          </a:xfrm>
-          <a:prstGeom prst="rect">
-            <a:avLst/>
-          </a:prstGeom>
-          <a:noFill/>
-          <a:ln w="0">
-            <a:noFill/>
-          </a:ln>
-        </p:spPr>
+            <a:ext cx="2159640" cy="1743840"/>
+          </a:xfrm>
+          <a:prstGeom prst="rect">
+            <a:avLst/>
+          </a:prstGeom>
+          <a:noFill/>
+          <a:ln w="0">
+            <a:noFill/>
+          </a:ln>
+        </p:spPr>
+        <p:style>
+          <a:lnRef idx="0"/>
+          <a:fillRef idx="0"/>
+          <a:effectRef idx="0"/>
+          <a:fontRef idx="minor"/>
+        </p:style>
         <p:txBody>
           <a:bodyPr lIns="90000" rIns="90000" tIns="45000" bIns="45000" anchor="t">
             <a:noAutofit/>
           </a:bodyPr>
           <a:p>
+            <a:pPr>
+              <a:lnSpc>
+                <a:spcPct val="100000"/>
+              </a:lnSpc>
+              <a:buNone/>
+            </a:pPr>
             <a:r>
               <a:rPr b="0" lang="ja-JP" sz="1800" spc="-1" strike="noStrike">
                 <a:latin typeface="Arial"/>
@@ -26876,7 +26952,7 @@
         <p:spPr>
           <a:xfrm>
             <a:off x="539640" y="179640"/>
-            <a:ext cx="8997480" cy="898200"/>
+            <a:ext cx="8997120" cy="897840"/>
           </a:xfrm>
           <a:prstGeom prst="rect">
             <a:avLst/>
@@ -26922,7 +26998,7 @@
         <p:spPr>
           <a:xfrm>
             <a:off x="1799640" y="899640"/>
-            <a:ext cx="6479640" cy="4049640"/>
+            <a:ext cx="6479280" cy="4049280"/>
           </a:xfrm>
           <a:prstGeom prst="rect">
             <a:avLst/>
@@ -26975,7 +27051,7 @@
         <p:spPr>
           <a:xfrm>
             <a:off x="179640" y="-180720"/>
-            <a:ext cx="9898560" cy="1620000"/>
+            <a:ext cx="9898200" cy="1619640"/>
           </a:xfrm>
           <a:prstGeom prst="rect">
             <a:avLst/>
@@ -27021,7 +27097,7 @@
         <p:spPr>
           <a:xfrm>
             <a:off x="-720" y="1079640"/>
-            <a:ext cx="10079640" cy="3359520"/>
+            <a:ext cx="10079280" cy="3359160"/>
           </a:xfrm>
           <a:prstGeom prst="rect">
             <a:avLst/>
@@ -27074,7 +27150,7 @@
         <p:spPr>
           <a:xfrm>
             <a:off x="179640" y="-180720"/>
-            <a:ext cx="9898560" cy="1620000"/>
+            <a:ext cx="9898200" cy="1619640"/>
           </a:xfrm>
           <a:prstGeom prst="rect">
             <a:avLst/>
@@ -27120,7 +27196,7 @@
         <p:spPr>
           <a:xfrm>
             <a:off x="0" y="1259640"/>
-            <a:ext cx="10079640" cy="3359520"/>
+            <a:ext cx="10079280" cy="3359160"/>
           </a:xfrm>
           <a:prstGeom prst="rect">
             <a:avLst/>
@@ -27173,7 +27249,7 @@
         <p:spPr>
           <a:xfrm>
             <a:off x="179640" y="-180720"/>
-            <a:ext cx="9898560" cy="1620000"/>
+            <a:ext cx="9898200" cy="1619640"/>
           </a:xfrm>
           <a:prstGeom prst="rect">
             <a:avLst/>
@@ -27215,7 +27291,7 @@
         <p:spPr>
           <a:xfrm>
             <a:off x="539640" y="1221840"/>
-            <a:ext cx="9358560" cy="3636720"/>
+            <a:ext cx="9358200" cy="3636360"/>
           </a:xfrm>
           <a:prstGeom prst="rect">
             <a:avLst/>
